--- a/毕业近在咫尺/开题答辩.pptx
+++ b/毕业近在咫尺/开题答辩.pptx
@@ -5,7 +5,7 @@
     <p:sldMasterId id="2147483648" r:id="rId1"/>
   </p:sldMasterIdLst>
   <p:notesMasterIdLst>
-    <p:notesMasterId r:id="rId20"/>
+    <p:notesMasterId r:id="rId19"/>
   </p:notesMasterIdLst>
   <p:sldIdLst>
     <p:sldId id="256" r:id="rId2"/>
@@ -24,13 +24,12 @@
     <p:sldId id="319" r:id="rId15"/>
     <p:sldId id="324" r:id="rId16"/>
     <p:sldId id="327" r:id="rId17"/>
-    <p:sldId id="326" r:id="rId18"/>
-    <p:sldId id="261" r:id="rId19"/>
+    <p:sldId id="261" r:id="rId18"/>
   </p:sldIdLst>
   <p:sldSz cx="12192000" cy="6858000"/>
   <p:notesSz cx="6858000" cy="9144000"/>
   <p:custDataLst>
-    <p:tags r:id="rId21"/>
+    <p:tags r:id="rId20"/>
   </p:custDataLst>
   <p:defaultTextStyle>
     <a:defPPr>
@@ -258,7 +257,7 @@
           <a:p>
             <a:fld id="{141743F9-9B08-422F-9ECE-BE7148BC7DDC}" type="datetimeFigureOut">
               <a:rPr lang="zh-CN" altLang="en-US" smtClean="0"/>
-              <a:t>2023/12/31</a:t>
+              <a:t>2024/1/1</a:t>
             </a:fld>
             <a:endParaRPr lang="zh-CN" altLang="en-US"/>
           </a:p>
@@ -1252,7 +1251,7 @@
           <a:p>
             <a:fld id="{D34C0232-94FA-4EBE-BB9B-79FBE486032D}" type="slidenum">
               <a:rPr lang="zh-CN" altLang="en-US" smtClean="0"/>
-              <a:t>18</a:t>
+              <a:t>17</a:t>
             </a:fld>
             <a:endParaRPr lang="zh-CN" altLang="en-US"/>
           </a:p>
@@ -1390,98 +1389,22 @@
           <a:lstStyle/>
           <a:p>
             <a:r>
-              <a:rPr lang="en-US" altLang="zh-CN" dirty="0"/>
-              <a:t>2017</a:t>
-            </a:r>
-            <a:r>
-              <a:rPr lang="zh-CN" altLang="en-US" dirty="0"/>
-              <a:t>年提出</a:t>
-            </a:r>
-            <a:endParaRPr lang="en-US" altLang="zh-CN" dirty="0"/>
-          </a:p>
-          <a:p>
-            <a:endParaRPr lang="en-US" altLang="zh-CN" dirty="0"/>
-          </a:p>
-          <a:p>
-            <a:r>
-              <a:rPr lang="zh-CN" altLang="en-US" dirty="0"/>
-              <a:t>典型的边缘作战</a:t>
-            </a:r>
-            <a:endParaRPr lang="en-US" altLang="zh-CN" dirty="0"/>
-          </a:p>
-          <a:p>
-            <a:endParaRPr lang="en-US" altLang="zh-CN" dirty="0"/>
-          </a:p>
-          <a:p>
-            <a:r>
-              <a:rPr lang="zh-CN" altLang="en-US" b="0" i="0" dirty="0">
+              <a:rPr lang="zh-CN" altLang="en-US" sz="2800" b="0" i="0" dirty="0">
                 <a:solidFill>
-                  <a:srgbClr val="121212"/>
+                  <a:srgbClr val="000000"/>
                 </a:solidFill>
                 <a:effectLst/>
                 <a:latin typeface="-apple-system"/>
               </a:rPr>
-              <a:t>信息化时代的</a:t>
+              <a:t>复杂网络是由许多相互连接的节点（或称为顶点）和连接这些节点的边组成的网络。</a:t>
             </a:r>
             <a:r>
-              <a:rPr lang="zh-CN" altLang="en-US" b="1" i="0" dirty="0">
-                <a:solidFill>
-                  <a:srgbClr val="FF0000"/>
-                </a:solidFill>
+              <a:rPr lang="zh-CN" altLang="zh-CN" sz="1800" kern="100" dirty="0">
                 <a:effectLst/>
-                <a:latin typeface="-apple-system"/>
+                <a:ea typeface="楷体" panose="02010609060101010101" pitchFamily="49" charset="-122"/>
+                <a:cs typeface="Times New Roman" panose="02020603050405020304" pitchFamily="18" charset="0"/>
               </a:rPr>
-              <a:t>小、快、灵</a:t>
-            </a:r>
-            <a:r>
-              <a:rPr lang="zh-CN" altLang="en-US" b="0" i="0" dirty="0">
-                <a:solidFill>
-                  <a:srgbClr val="121212"/>
-                </a:solidFill>
-                <a:effectLst/>
-                <a:latin typeface="-apple-system"/>
-              </a:rPr>
-              <a:t>的军队作战体系建设和作战行动指导思想。用一系列分布式、易于组织、开发迭代迅速的较小的军事执行单元构建</a:t>
-            </a:r>
-            <a:r>
-              <a:rPr lang="zh-CN" altLang="en-US" b="1" i="0" dirty="0">
-                <a:solidFill>
-                  <a:srgbClr val="121212"/>
-                </a:solidFill>
-                <a:effectLst/>
-                <a:latin typeface="-apple-system"/>
-              </a:rPr>
-              <a:t>形态多变、易于隐蔽、难于预测的战役战术</a:t>
-            </a:r>
-            <a:r>
-              <a:rPr lang="zh-CN" altLang="en-US" b="0" i="0" dirty="0">
-                <a:solidFill>
-                  <a:srgbClr val="121212"/>
-                </a:solidFill>
-                <a:effectLst/>
-                <a:latin typeface="-apple-system"/>
-              </a:rPr>
-              <a:t>力量以</a:t>
-            </a:r>
-            <a:r>
-              <a:rPr lang="zh-CN" altLang="en-US" b="1" i="0" dirty="0">
-                <a:solidFill>
-                  <a:srgbClr val="121212"/>
-                </a:solidFill>
-                <a:effectLst/>
-                <a:latin typeface="-apple-system"/>
-              </a:rPr>
-              <a:t>获取战略优势</a:t>
-            </a:r>
-            <a:r>
-              <a:rPr lang="zh-CN" altLang="en-US" b="0" i="0" dirty="0">
-                <a:solidFill>
-                  <a:srgbClr val="121212"/>
-                </a:solidFill>
-                <a:effectLst/>
-                <a:latin typeface="-apple-system"/>
-              </a:rPr>
-              <a:t>的军事思想。</a:t>
+              <a:t>节点可以代表各种实体，如人、物体、网站或者分子等，而边则表示节点之间的关系或连接。</a:t>
             </a:r>
             <a:endParaRPr lang="zh-CN" altLang="en-US" dirty="0"/>
           </a:p>
@@ -10088,8 +10011,8 @@
         </p:nvSpPr>
         <p:spPr>
           <a:xfrm flipH="1">
-            <a:off x="0" y="71329"/>
-            <a:ext cx="2031325" cy="461665"/>
+            <a:off x="20930" y="99904"/>
+            <a:ext cx="2954655" cy="461665"/>
           </a:xfrm>
           <a:prstGeom prst="rect">
             <a:avLst/>
@@ -10101,7 +10024,6 @@
           </a:bodyPr>
           <a:lstStyle/>
           <a:p>
-            <a:pPr algn="r"/>
             <a:r>
               <a:rPr lang="zh-CN" altLang="en-US" sz="2400" b="1" dirty="0">
                 <a:solidFill>
@@ -10109,7 +10031,7 @@
                 </a:solidFill>
                 <a:latin typeface="+mn-ea"/>
               </a:rPr>
-              <a:t>六、拟创新点</a:t>
+              <a:t>六、时间安排及规划</a:t>
             </a:r>
           </a:p>
         </p:txBody>
@@ -10218,7 +10140,7 @@
         </p:nvSpPr>
         <p:spPr>
           <a:xfrm>
-            <a:off x="4207260" y="3255917"/>
+            <a:off x="4633342" y="3246392"/>
             <a:ext cx="346166" cy="346166"/>
           </a:xfrm>
           <a:prstGeom prst="ellipse">
@@ -10249,7 +10171,7 @@
           <a:lstStyle/>
           <a:p>
             <a:pPr algn="ctr"/>
-            <a:endParaRPr lang="zh-CN" altLang="en-US"/>
+            <a:endParaRPr lang="zh-CN" altLang="en-US" dirty="0"/>
           </a:p>
         </p:txBody>
       </p:sp>
@@ -10267,7 +10189,7 @@
         </p:nvSpPr>
         <p:spPr>
           <a:xfrm>
-            <a:off x="6727681" y="3255917"/>
+            <a:off x="6486984" y="3252492"/>
             <a:ext cx="346166" cy="346166"/>
           </a:xfrm>
           <a:prstGeom prst="ellipse">
@@ -10316,7 +10238,7 @@
         </p:nvSpPr>
         <p:spPr>
           <a:xfrm>
-            <a:off x="9200068" y="3255917"/>
+            <a:off x="10324382" y="3242967"/>
             <a:ext cx="346166" cy="346166"/>
           </a:xfrm>
           <a:prstGeom prst="ellipse">
@@ -10365,8 +10287,8 @@
         </p:nvSpPr>
         <p:spPr>
           <a:xfrm>
-            <a:off x="388812" y="4139432"/>
-            <a:ext cx="1729601" cy="1120756"/>
+            <a:off x="282397" y="4139432"/>
+            <a:ext cx="2021013" cy="700898"/>
           </a:xfrm>
           <a:prstGeom prst="rect">
             <a:avLst/>
@@ -10387,7 +10309,7 @@
               </a:spcBef>
             </a:pPr>
             <a:r>
-              <a:rPr lang="en-US" altLang="zh-CN" sz="1050" dirty="0">
+              <a:rPr lang="zh-CN" altLang="en-US" sz="1600" dirty="0">
                 <a:solidFill>
                   <a:schemeClr val="tx1">
                     <a:lumMod val="85000"/>
@@ -10395,140 +10317,16 @@
                   </a:schemeClr>
                 </a:solidFill>
               </a:rPr>
-              <a:t>Lorem ipsum dolor sit </a:t>
+              <a:t>研究现有的链路预测算法，并提出改进</a:t>
             </a:r>
-            <a:r>
-              <a:rPr lang="en-US" altLang="zh-CN" sz="1050" dirty="0" err="1">
-                <a:solidFill>
-                  <a:schemeClr val="tx1">
-                    <a:lumMod val="85000"/>
-                    <a:lumOff val="15000"/>
-                  </a:schemeClr>
-                </a:solidFill>
-              </a:rPr>
-              <a:t>amet</a:t>
-            </a:r>
-            <a:r>
-              <a:rPr lang="en-US" altLang="zh-CN" sz="1050" dirty="0">
-                <a:solidFill>
-                  <a:schemeClr val="tx1">
-                    <a:lumMod val="85000"/>
-                    <a:lumOff val="15000"/>
-                  </a:schemeClr>
-                </a:solidFill>
-              </a:rPr>
-              <a:t>, </a:t>
-            </a:r>
-            <a:r>
-              <a:rPr lang="en-US" altLang="zh-CN" sz="1050" dirty="0" err="1">
-                <a:solidFill>
-                  <a:schemeClr val="tx1">
-                    <a:lumMod val="85000"/>
-                    <a:lumOff val="15000"/>
-                  </a:schemeClr>
-                </a:solidFill>
-              </a:rPr>
-              <a:t>consectetuer</a:t>
-            </a:r>
-            <a:r>
-              <a:rPr lang="en-US" altLang="zh-CN" sz="1050" dirty="0">
-                <a:solidFill>
-                  <a:schemeClr val="tx1">
-                    <a:lumMod val="85000"/>
-                    <a:lumOff val="15000"/>
-                  </a:schemeClr>
-                </a:solidFill>
-              </a:rPr>
-              <a:t> </a:t>
-            </a:r>
-            <a:r>
-              <a:rPr lang="en-US" altLang="zh-CN" sz="1050" dirty="0" err="1">
-                <a:solidFill>
-                  <a:schemeClr val="tx1">
-                    <a:lumMod val="85000"/>
-                    <a:lumOff val="15000"/>
-                  </a:schemeClr>
-                </a:solidFill>
-              </a:rPr>
-              <a:t>adipiscing</a:t>
-            </a:r>
-            <a:r>
-              <a:rPr lang="en-US" altLang="zh-CN" sz="1050" dirty="0">
-                <a:solidFill>
-                  <a:schemeClr val="tx1">
-                    <a:lumMod val="85000"/>
-                    <a:lumOff val="15000"/>
-                  </a:schemeClr>
-                </a:solidFill>
-              </a:rPr>
-              <a:t> </a:t>
-            </a:r>
-            <a:r>
-              <a:rPr lang="en-US" altLang="zh-CN" sz="1050" dirty="0" err="1">
-                <a:solidFill>
-                  <a:schemeClr val="tx1">
-                    <a:lumMod val="85000"/>
-                    <a:lumOff val="15000"/>
-                  </a:schemeClr>
-                </a:solidFill>
-              </a:rPr>
-              <a:t>elit</a:t>
-            </a:r>
-            <a:r>
-              <a:rPr lang="en-US" altLang="zh-CN" sz="1050" dirty="0">
-                <a:solidFill>
-                  <a:schemeClr val="tx1">
-                    <a:lumMod val="85000"/>
-                    <a:lumOff val="15000"/>
-                  </a:schemeClr>
-                </a:solidFill>
-              </a:rPr>
-              <a:t>. Aenean </a:t>
-            </a:r>
-            <a:r>
-              <a:rPr lang="en-US" altLang="zh-CN" sz="1050" dirty="0" err="1">
-                <a:solidFill>
-                  <a:schemeClr val="tx1">
-                    <a:lumMod val="85000"/>
-                    <a:lumOff val="15000"/>
-                  </a:schemeClr>
-                </a:solidFill>
-              </a:rPr>
-              <a:t>commodo</a:t>
-            </a:r>
-            <a:r>
-              <a:rPr lang="en-US" altLang="zh-CN" sz="1050" dirty="0">
-                <a:solidFill>
-                  <a:schemeClr val="tx1">
-                    <a:lumMod val="85000"/>
-                    <a:lumOff val="15000"/>
-                  </a:schemeClr>
-                </a:solidFill>
-              </a:rPr>
-              <a:t> ligula </a:t>
-            </a:r>
-            <a:r>
-              <a:rPr lang="en-US" altLang="zh-CN" sz="1050" dirty="0" err="1">
-                <a:solidFill>
-                  <a:schemeClr val="tx1">
-                    <a:lumMod val="85000"/>
-                    <a:lumOff val="15000"/>
-                  </a:schemeClr>
-                </a:solidFill>
-              </a:rPr>
-              <a:t>eget</a:t>
-            </a:r>
-            <a:r>
-              <a:rPr lang="en-US" altLang="zh-CN" sz="1050" dirty="0">
-                <a:solidFill>
-                  <a:schemeClr val="tx1">
-                    <a:lumMod val="85000"/>
-                    <a:lumOff val="15000"/>
-                  </a:schemeClr>
-                </a:solidFill>
-              </a:rPr>
-              <a:t> dolor. </a:t>
-            </a:r>
+            <a:endParaRPr lang="en-US" altLang="zh-CN" sz="1600" dirty="0">
+              <a:solidFill>
+                <a:schemeClr val="tx1">
+                  <a:lumMod val="85000"/>
+                  <a:lumOff val="15000"/>
+                </a:schemeClr>
+              </a:solidFill>
+            </a:endParaRPr>
           </a:p>
         </p:txBody>
       </p:sp>
@@ -10604,24 +10402,31 @@
           <a:p>
             <a:pPr algn="ctr"/>
             <a:r>
-              <a:rPr lang="zh-CN" altLang="en-US" sz="1400" dirty="0">
+              <a:rPr lang="en-US" altLang="zh-CN" sz="1400" dirty="0">
                 <a:solidFill>
                   <a:schemeClr val="accent1"/>
                 </a:solidFill>
                 <a:latin typeface="微软雅黑" panose="020B0503020204020204" pitchFamily="34" charset="-122"/>
                 <a:ea typeface="微软雅黑" panose="020B0503020204020204" pitchFamily="34" charset="-122"/>
               </a:rPr>
-              <a:t>课题调研</a:t>
+              <a:t>24.01-24.03</a:t>
             </a:r>
+            <a:endParaRPr lang="zh-CN" altLang="en-US" sz="1400" dirty="0">
+              <a:solidFill>
+                <a:schemeClr val="accent1"/>
+              </a:solidFill>
+              <a:latin typeface="微软雅黑" panose="020B0503020204020204" pitchFamily="34" charset="-122"/>
+              <a:ea typeface="微软雅黑" panose="020B0503020204020204" pitchFamily="34" charset="-122"/>
+            </a:endParaRPr>
           </a:p>
         </p:txBody>
       </p:sp>
       <p:sp>
         <p:nvSpPr>
-          <p:cNvPr id="11" name="矩形 10">
+          <p:cNvPr id="13" name="椭圆 12">
             <a:extLst>
               <a:ext uri="{FF2B5EF4-FFF2-40B4-BE49-F238E27FC236}">
-                <a16:creationId xmlns:a16="http://schemas.microsoft.com/office/drawing/2014/main" id="{722AED16-CE2E-0E19-AE58-1DEB3B9CBA76}"/>
+                <a16:creationId xmlns:a16="http://schemas.microsoft.com/office/drawing/2014/main" id="{C722CBD5-430C-1F04-AB33-A35C42CD8708}"/>
               </a:ext>
             </a:extLst>
           </p:cNvPr>
@@ -10630,8 +10435,57 @@
         </p:nvSpPr>
         <p:spPr>
           <a:xfrm>
-            <a:off x="3526091" y="4153016"/>
-            <a:ext cx="1729601" cy="1120756"/>
+            <a:off x="2815258" y="3242967"/>
+            <a:ext cx="346166" cy="346166"/>
+          </a:xfrm>
+          <a:prstGeom prst="ellipse">
+            <a:avLst/>
+          </a:prstGeom>
+          <a:ln>
+            <a:noFill/>
+          </a:ln>
+        </p:spPr>
+        <p:style>
+          <a:lnRef idx="2">
+            <a:schemeClr val="accent1">
+              <a:shade val="50000"/>
+            </a:schemeClr>
+          </a:lnRef>
+          <a:fillRef idx="1">
+            <a:schemeClr val="accent1"/>
+          </a:fillRef>
+          <a:effectRef idx="0">
+            <a:schemeClr val="accent1"/>
+          </a:effectRef>
+          <a:fontRef idx="minor">
+            <a:schemeClr val="lt1"/>
+          </a:fontRef>
+        </p:style>
+        <p:txBody>
+          <a:bodyPr rtlCol="0" anchor="ctr"/>
+          <a:lstStyle/>
+          <a:p>
+            <a:pPr algn="ctr"/>
+            <a:endParaRPr lang="zh-CN" altLang="en-US"/>
+          </a:p>
+        </p:txBody>
+      </p:sp>
+      <p:sp>
+        <p:nvSpPr>
+          <p:cNvPr id="22" name="矩形 21">
+            <a:extLst>
+              <a:ext uri="{FF2B5EF4-FFF2-40B4-BE49-F238E27FC236}">
+                <a16:creationId xmlns:a16="http://schemas.microsoft.com/office/drawing/2014/main" id="{493BFADB-8772-FE1A-C0C4-53B894660F2C}"/>
+              </a:ext>
+            </a:extLst>
+          </p:cNvPr>
+          <p:cNvSpPr/>
+          <p:nvPr/>
+        </p:nvSpPr>
+        <p:spPr>
+          <a:xfrm>
+            <a:off x="1882473" y="2392389"/>
+            <a:ext cx="2260778" cy="700898"/>
           </a:xfrm>
           <a:prstGeom prst="rect">
             <a:avLst/>
@@ -10652,7 +10506,7 @@
               </a:spcBef>
             </a:pPr>
             <a:r>
-              <a:rPr lang="en-US" altLang="zh-CN" sz="1050">
+              <a:rPr lang="zh-CN" altLang="en-US" sz="1600" dirty="0">
                 <a:solidFill>
                   <a:schemeClr val="tx1">
                     <a:lumMod val="85000"/>
@@ -10660,17 +10514,25 @@
                   </a:schemeClr>
                 </a:solidFill>
               </a:rPr>
-              <a:t>Lorem ipsum dolor sit amet, consectetuer adipiscing elit. Aenean commodo ligula eget dolor. </a:t>
+              <a:t>设计加边算法，提升网络全局结构性能指标</a:t>
             </a:r>
+            <a:endParaRPr lang="en-US" altLang="zh-CN" sz="1600" dirty="0">
+              <a:solidFill>
+                <a:schemeClr val="tx1">
+                  <a:lumMod val="85000"/>
+                  <a:lumOff val="15000"/>
+                </a:schemeClr>
+              </a:solidFill>
+            </a:endParaRPr>
           </a:p>
         </p:txBody>
       </p:sp>
       <p:cxnSp>
         <p:nvCxnSpPr>
-          <p:cNvPr id="12" name="直接连接符 11">
+          <p:cNvPr id="23" name="直接连接符 22">
             <a:extLst>
               <a:ext uri="{FF2B5EF4-FFF2-40B4-BE49-F238E27FC236}">
-                <a16:creationId xmlns:a16="http://schemas.microsoft.com/office/drawing/2014/main" id="{46389B4E-BDCB-8AD1-679E-D5B0BA11537D}"/>
+                <a16:creationId xmlns:a16="http://schemas.microsoft.com/office/drawing/2014/main" id="{E7753049-7E11-BF94-9BF7-7C7693E69B14}"/>
               </a:ext>
             </a:extLst>
           </p:cNvPr>
@@ -10681,7 +10543,7 @@
         </p:nvCxnSpPr>
         <p:spPr>
           <a:xfrm>
-            <a:off x="4272634" y="4150125"/>
+            <a:off x="2894605" y="2392390"/>
             <a:ext cx="236515" cy="0"/>
           </a:xfrm>
           <a:prstGeom prst="line">
@@ -10710,10 +10572,10 @@
       </p:cxnSp>
       <p:sp>
         <p:nvSpPr>
-          <p:cNvPr id="14" name="矩形 13">
+          <p:cNvPr id="24" name="矩形 23">
             <a:extLst>
               <a:ext uri="{FF2B5EF4-FFF2-40B4-BE49-F238E27FC236}">
-                <a16:creationId xmlns:a16="http://schemas.microsoft.com/office/drawing/2014/main" id="{6A43C282-E140-6D04-2314-A87C61E4D0C6}"/>
+                <a16:creationId xmlns:a16="http://schemas.microsoft.com/office/drawing/2014/main" id="{6741EC24-DE10-E4DD-C6CD-D77BBDC05B41}"/>
               </a:ext>
             </a:extLst>
           </p:cNvPr>
@@ -10722,7 +10584,7 @@
         </p:nvSpPr>
         <p:spPr>
           <a:xfrm>
-            <a:off x="3740705" y="3776612"/>
+            <a:off x="2362676" y="2018877"/>
             <a:ext cx="1282444" cy="307777"/>
           </a:xfrm>
           <a:prstGeom prst="rect">
@@ -10737,24 +10599,31 @@
           <a:p>
             <a:pPr algn="ctr"/>
             <a:r>
-              <a:rPr lang="zh-CN" altLang="en-US" sz="1400">
+              <a:rPr lang="en-US" altLang="zh-CN" sz="1400" dirty="0">
                 <a:solidFill>
                   <a:schemeClr val="accent1"/>
                 </a:solidFill>
                 <a:latin typeface="微软雅黑" panose="020B0503020204020204" pitchFamily="34" charset="-122"/>
                 <a:ea typeface="微软雅黑" panose="020B0503020204020204" pitchFamily="34" charset="-122"/>
               </a:rPr>
-              <a:t>实验论证</a:t>
+              <a:t>24.04-24.06</a:t>
             </a:r>
+            <a:endParaRPr lang="zh-CN" altLang="en-US" sz="1400" dirty="0">
+              <a:solidFill>
+                <a:schemeClr val="accent1"/>
+              </a:solidFill>
+              <a:latin typeface="微软雅黑" panose="020B0503020204020204" pitchFamily="34" charset="-122"/>
+              <a:ea typeface="微软雅黑" panose="020B0503020204020204" pitchFamily="34" charset="-122"/>
+            </a:endParaRPr>
           </a:p>
         </p:txBody>
       </p:sp>
       <p:sp>
         <p:nvSpPr>
-          <p:cNvPr id="15" name="矩形 14">
+          <p:cNvPr id="25" name="矩形 24">
             <a:extLst>
               <a:ext uri="{FF2B5EF4-FFF2-40B4-BE49-F238E27FC236}">
-                <a16:creationId xmlns:a16="http://schemas.microsoft.com/office/drawing/2014/main" id="{12A0ADBE-2A2C-4E06-46F5-71222924AB13}"/>
+                <a16:creationId xmlns:a16="http://schemas.microsoft.com/office/drawing/2014/main" id="{A1CF62DB-FB72-7DBC-160B-369E3383094F}"/>
               </a:ext>
             </a:extLst>
           </p:cNvPr>
@@ -10763,8 +10632,8 @@
         </p:nvSpPr>
         <p:spPr>
           <a:xfrm>
-            <a:off x="6017221" y="4150125"/>
-            <a:ext cx="1729601" cy="1120756"/>
+            <a:off x="3883412" y="4139432"/>
+            <a:ext cx="2021013" cy="701346"/>
           </a:xfrm>
           <a:prstGeom prst="rect">
             <a:avLst/>
@@ -10785,25 +10654,35 @@
               </a:spcBef>
             </a:pPr>
             <a:r>
-              <a:rPr lang="en-US" altLang="zh-CN" sz="1050">
+              <a:rPr lang="zh-CN" altLang="en-US" sz="1600" dirty="0">
                 <a:solidFill>
                   <a:schemeClr val="tx1">
-                    <a:lumMod val="85000"/>
-                    <a:lumOff val="15000"/>
+                    <a:lumMod val="75000"/>
+                    <a:lumOff val="25000"/>
                   </a:schemeClr>
                 </a:solidFill>
+                <a:latin typeface="+mn-ea"/>
               </a:rPr>
-              <a:t>Lorem ipsum dolor sit amet, consectetuer adipiscing elit. Aenean commodo ligula eget dolor. </a:t>
+              <a:t>优化网络的攻击鲁棒性，设计加边算法</a:t>
             </a:r>
+            <a:endParaRPr lang="en-US" altLang="zh-CN" sz="1600" dirty="0">
+              <a:solidFill>
+                <a:schemeClr val="tx1">
+                  <a:lumMod val="75000"/>
+                  <a:lumOff val="25000"/>
+                </a:schemeClr>
+              </a:solidFill>
+              <a:latin typeface="+mn-ea"/>
+            </a:endParaRPr>
           </a:p>
         </p:txBody>
       </p:sp>
       <p:cxnSp>
         <p:nvCxnSpPr>
-          <p:cNvPr id="17" name="直接连接符 16">
+          <p:cNvPr id="26" name="直接连接符 25">
             <a:extLst>
               <a:ext uri="{FF2B5EF4-FFF2-40B4-BE49-F238E27FC236}">
-                <a16:creationId xmlns:a16="http://schemas.microsoft.com/office/drawing/2014/main" id="{502662A4-8031-2274-A18C-BCB4E04686C2}"/>
+                <a16:creationId xmlns:a16="http://schemas.microsoft.com/office/drawing/2014/main" id="{7DA570C7-C11F-E7D0-8DA3-0E6FDDFA1E68}"/>
               </a:ext>
             </a:extLst>
           </p:cNvPr>
@@ -10814,7 +10693,7 @@
         </p:nvCxnSpPr>
         <p:spPr>
           <a:xfrm>
-            <a:off x="6763764" y="4150125"/>
+            <a:off x="4736370" y="4139432"/>
             <a:ext cx="236515" cy="0"/>
           </a:xfrm>
           <a:prstGeom prst="line">
@@ -10843,10 +10722,10 @@
       </p:cxnSp>
       <p:sp>
         <p:nvSpPr>
-          <p:cNvPr id="18" name="矩形 17">
+          <p:cNvPr id="27" name="矩形 26">
             <a:extLst>
               <a:ext uri="{FF2B5EF4-FFF2-40B4-BE49-F238E27FC236}">
-                <a16:creationId xmlns:a16="http://schemas.microsoft.com/office/drawing/2014/main" id="{10248BEA-6D8B-0561-55F2-35D7AC49E70F}"/>
+                <a16:creationId xmlns:a16="http://schemas.microsoft.com/office/drawing/2014/main" id="{49D1449E-D32B-CCF0-E0B2-7D17C64D59BD}"/>
               </a:ext>
             </a:extLst>
           </p:cNvPr>
@@ -10855,7 +10734,7 @@
         </p:nvSpPr>
         <p:spPr>
           <a:xfrm>
-            <a:off x="6231835" y="3776612"/>
+            <a:off x="4204441" y="3765919"/>
             <a:ext cx="1282444" cy="307777"/>
           </a:xfrm>
           <a:prstGeom prst="rect">
@@ -10870,24 +10749,31 @@
           <a:p>
             <a:pPr algn="ctr"/>
             <a:r>
-              <a:rPr lang="zh-CN" altLang="en-US" sz="1400">
+              <a:rPr lang="en-US" altLang="zh-CN" sz="1400" dirty="0">
                 <a:solidFill>
                   <a:schemeClr val="accent1"/>
                 </a:solidFill>
                 <a:latin typeface="微软雅黑" panose="020B0503020204020204" pitchFamily="34" charset="-122"/>
                 <a:ea typeface="微软雅黑" panose="020B0503020204020204" pitchFamily="34" charset="-122"/>
               </a:rPr>
-              <a:t>检查调整</a:t>
+              <a:t>24.07-24.10</a:t>
             </a:r>
+            <a:endParaRPr lang="zh-CN" altLang="en-US" sz="1400" dirty="0">
+              <a:solidFill>
+                <a:schemeClr val="accent1"/>
+              </a:solidFill>
+              <a:latin typeface="微软雅黑" panose="020B0503020204020204" pitchFamily="34" charset="-122"/>
+              <a:ea typeface="微软雅黑" panose="020B0503020204020204" pitchFamily="34" charset="-122"/>
+            </a:endParaRPr>
           </a:p>
         </p:txBody>
       </p:sp>
       <p:sp>
         <p:nvSpPr>
-          <p:cNvPr id="19" name="矩形 18">
+          <p:cNvPr id="28" name="椭圆 27">
             <a:extLst>
               <a:ext uri="{FF2B5EF4-FFF2-40B4-BE49-F238E27FC236}">
-                <a16:creationId xmlns:a16="http://schemas.microsoft.com/office/drawing/2014/main" id="{8D3002FF-6819-9005-1B88-DFB8A72A00BD}"/>
+                <a16:creationId xmlns:a16="http://schemas.microsoft.com/office/drawing/2014/main" id="{F0FE1AFD-7BE0-03B6-D208-7501A0E68F73}"/>
               </a:ext>
             </a:extLst>
           </p:cNvPr>
@@ -10896,8 +10782,57 @@
         </p:nvSpPr>
         <p:spPr>
           <a:xfrm>
-            <a:off x="8499386" y="4150125"/>
-            <a:ext cx="1729601" cy="1120756"/>
+            <a:off x="8445491" y="3246474"/>
+            <a:ext cx="346166" cy="346166"/>
+          </a:xfrm>
+          <a:prstGeom prst="ellipse">
+            <a:avLst/>
+          </a:prstGeom>
+          <a:ln>
+            <a:noFill/>
+          </a:ln>
+        </p:spPr>
+        <p:style>
+          <a:lnRef idx="2">
+            <a:schemeClr val="accent1">
+              <a:shade val="50000"/>
+            </a:schemeClr>
+          </a:lnRef>
+          <a:fillRef idx="1">
+            <a:schemeClr val="accent1"/>
+          </a:fillRef>
+          <a:effectRef idx="0">
+            <a:schemeClr val="accent1"/>
+          </a:effectRef>
+          <a:fontRef idx="minor">
+            <a:schemeClr val="lt1"/>
+          </a:fontRef>
+        </p:style>
+        <p:txBody>
+          <a:bodyPr rtlCol="0" anchor="ctr"/>
+          <a:lstStyle/>
+          <a:p>
+            <a:pPr algn="ctr"/>
+            <a:endParaRPr lang="zh-CN" altLang="en-US"/>
+          </a:p>
+        </p:txBody>
+      </p:sp>
+      <p:sp>
+        <p:nvSpPr>
+          <p:cNvPr id="29" name="矩形 28">
+            <a:extLst>
+              <a:ext uri="{FF2B5EF4-FFF2-40B4-BE49-F238E27FC236}">
+                <a16:creationId xmlns:a16="http://schemas.microsoft.com/office/drawing/2014/main" id="{E08979BA-6D25-5849-EF11-AD5001FA8D67}"/>
+              </a:ext>
+            </a:extLst>
+          </p:cNvPr>
+          <p:cNvSpPr/>
+          <p:nvPr/>
+        </p:nvSpPr>
+        <p:spPr>
+          <a:xfrm>
+            <a:off x="5602974" y="2530163"/>
+            <a:ext cx="2149447" cy="380810"/>
           </a:xfrm>
           <a:prstGeom prst="rect">
             <a:avLst/>
@@ -10918,7 +10853,7 @@
               </a:spcBef>
             </a:pPr>
             <a:r>
-              <a:rPr lang="en-US" altLang="zh-CN" sz="1050">
+              <a:rPr lang="zh-CN" altLang="en-US" sz="1600" dirty="0">
                 <a:solidFill>
                   <a:schemeClr val="tx1">
                     <a:lumMod val="85000"/>
@@ -10926,17 +10861,25 @@
                   </a:schemeClr>
                 </a:solidFill>
               </a:rPr>
-              <a:t>Lorem ipsum dolor sit amet, consectetuer adipiscing elit. Aenean commodo ligula eget dolor. </a:t>
+              <a:t>验证算法的鲁棒性</a:t>
             </a:r>
+            <a:endParaRPr lang="en-US" altLang="zh-CN" sz="1600" dirty="0">
+              <a:solidFill>
+                <a:schemeClr val="tx1">
+                  <a:lumMod val="85000"/>
+                  <a:lumOff val="15000"/>
+                </a:schemeClr>
+              </a:solidFill>
+            </a:endParaRPr>
           </a:p>
         </p:txBody>
       </p:sp>
       <p:cxnSp>
         <p:nvCxnSpPr>
-          <p:cNvPr id="20" name="直接连接符 19">
+          <p:cNvPr id="30" name="直接连接符 29">
             <a:extLst>
               <a:ext uri="{FF2B5EF4-FFF2-40B4-BE49-F238E27FC236}">
-                <a16:creationId xmlns:a16="http://schemas.microsoft.com/office/drawing/2014/main" id="{39C9F405-A989-CD04-6589-6ABAE959437F}"/>
+                <a16:creationId xmlns:a16="http://schemas.microsoft.com/office/drawing/2014/main" id="{F58F4DF3-D1BD-32FD-543B-6E6B6848010E}"/>
               </a:ext>
             </a:extLst>
           </p:cNvPr>
@@ -10947,7 +10890,7 @@
         </p:nvCxnSpPr>
         <p:spPr>
           <a:xfrm>
-            <a:off x="9254894" y="4150125"/>
+            <a:off x="6528498" y="2434097"/>
             <a:ext cx="236515" cy="0"/>
           </a:xfrm>
           <a:prstGeom prst="line">
@@ -10976,10 +10919,10 @@
       </p:cxnSp>
       <p:sp>
         <p:nvSpPr>
-          <p:cNvPr id="21" name="矩形 20">
+          <p:cNvPr id="31" name="矩形 30">
             <a:extLst>
               <a:ext uri="{FF2B5EF4-FFF2-40B4-BE49-F238E27FC236}">
-                <a16:creationId xmlns:a16="http://schemas.microsoft.com/office/drawing/2014/main" id="{F6AD961A-204F-6F85-00CB-8936199662BC}"/>
+                <a16:creationId xmlns:a16="http://schemas.microsoft.com/office/drawing/2014/main" id="{51354B50-72F5-BA74-C153-CAD346F5F22F}"/>
               </a:ext>
             </a:extLst>
           </p:cNvPr>
@@ -10988,7 +10931,7 @@
         </p:nvSpPr>
         <p:spPr>
           <a:xfrm>
-            <a:off x="8722965" y="3776612"/>
+            <a:off x="5996569" y="2060584"/>
             <a:ext cx="1282444" cy="307777"/>
           </a:xfrm>
           <a:prstGeom prst="rect">
@@ -11003,15 +10946,318 @@
           <a:p>
             <a:pPr algn="ctr"/>
             <a:r>
-              <a:rPr lang="zh-CN" altLang="en-US" sz="1400">
+              <a:rPr lang="en-US" altLang="zh-CN" sz="1400" dirty="0">
                 <a:solidFill>
                   <a:schemeClr val="accent1"/>
                 </a:solidFill>
                 <a:latin typeface="微软雅黑" panose="020B0503020204020204" pitchFamily="34" charset="-122"/>
                 <a:ea typeface="微软雅黑" panose="020B0503020204020204" pitchFamily="34" charset="-122"/>
               </a:rPr>
-              <a:t>论文撰写</a:t>
+              <a:t>24.11-24.12</a:t>
             </a:r>
+            <a:endParaRPr lang="zh-CN" altLang="en-US" sz="1400" dirty="0">
+              <a:solidFill>
+                <a:schemeClr val="accent1"/>
+              </a:solidFill>
+              <a:latin typeface="微软雅黑" panose="020B0503020204020204" pitchFamily="34" charset="-122"/>
+              <a:ea typeface="微软雅黑" panose="020B0503020204020204" pitchFamily="34" charset="-122"/>
+            </a:endParaRPr>
+          </a:p>
+        </p:txBody>
+      </p:sp>
+      <p:sp>
+        <p:nvSpPr>
+          <p:cNvPr id="32" name="矩形 31">
+            <a:extLst>
+              <a:ext uri="{FF2B5EF4-FFF2-40B4-BE49-F238E27FC236}">
+                <a16:creationId xmlns:a16="http://schemas.microsoft.com/office/drawing/2014/main" id="{421ABA64-4CC7-F585-78BA-01EC4FC81979}"/>
+              </a:ext>
+            </a:extLst>
+          </p:cNvPr>
+          <p:cNvSpPr/>
+          <p:nvPr/>
+        </p:nvSpPr>
+        <p:spPr>
+          <a:xfrm>
+            <a:off x="7692216" y="4198783"/>
+            <a:ext cx="1891060" cy="700898"/>
+          </a:xfrm>
+          <a:prstGeom prst="rect">
+            <a:avLst/>
+          </a:prstGeom>
+        </p:spPr>
+        <p:txBody>
+          <a:bodyPr wrap="square">
+            <a:spAutoFit/>
+          </a:bodyPr>
+          <a:lstStyle/>
+          <a:p>
+            <a:pPr algn="ctr">
+              <a:lnSpc>
+                <a:spcPct val="130000"/>
+              </a:lnSpc>
+              <a:spcBef>
+                <a:spcPts val="600"/>
+              </a:spcBef>
+            </a:pPr>
+            <a:r>
+              <a:rPr lang="zh-CN" altLang="en-US" sz="1600" dirty="0">
+                <a:solidFill>
+                  <a:schemeClr val="tx1">
+                    <a:lumMod val="85000"/>
+                    <a:lumOff val="15000"/>
+                  </a:schemeClr>
+                </a:solidFill>
+              </a:rPr>
+              <a:t>整理实验数据，撰写学位论文</a:t>
+            </a:r>
+            <a:endParaRPr lang="en-US" altLang="zh-CN" sz="1600" dirty="0">
+              <a:solidFill>
+                <a:schemeClr val="tx1">
+                  <a:lumMod val="85000"/>
+                  <a:lumOff val="15000"/>
+                </a:schemeClr>
+              </a:solidFill>
+            </a:endParaRPr>
+          </a:p>
+        </p:txBody>
+      </p:sp>
+      <p:cxnSp>
+        <p:nvCxnSpPr>
+          <p:cNvPr id="33" name="直接连接符 32">
+            <a:extLst>
+              <a:ext uri="{FF2B5EF4-FFF2-40B4-BE49-F238E27FC236}">
+                <a16:creationId xmlns:a16="http://schemas.microsoft.com/office/drawing/2014/main" id="{2FEE410B-67E5-9C93-2F12-FFF63F2BBCD8}"/>
+              </a:ext>
+            </a:extLst>
+          </p:cNvPr>
+          <p:cNvCxnSpPr>
+            <a:cxnSpLocks/>
+          </p:cNvCxnSpPr>
+          <p:nvPr/>
+        </p:nvCxnSpPr>
+        <p:spPr>
+          <a:xfrm>
+            <a:off x="8519489" y="4105886"/>
+            <a:ext cx="236515" cy="0"/>
+          </a:xfrm>
+          <a:prstGeom prst="line">
+            <a:avLst/>
+          </a:prstGeom>
+          <a:ln w="19050">
+            <a:solidFill>
+              <a:schemeClr val="accent1"/>
+            </a:solidFill>
+          </a:ln>
+        </p:spPr>
+        <p:style>
+          <a:lnRef idx="1">
+            <a:schemeClr val="accent1"/>
+          </a:lnRef>
+          <a:fillRef idx="0">
+            <a:schemeClr val="accent1"/>
+          </a:fillRef>
+          <a:effectRef idx="0">
+            <a:schemeClr val="accent1"/>
+          </a:effectRef>
+          <a:fontRef idx="minor">
+            <a:schemeClr val="tx1"/>
+          </a:fontRef>
+        </p:style>
+      </p:cxnSp>
+      <p:sp>
+        <p:nvSpPr>
+          <p:cNvPr id="34" name="矩形 33">
+            <a:extLst>
+              <a:ext uri="{FF2B5EF4-FFF2-40B4-BE49-F238E27FC236}">
+                <a16:creationId xmlns:a16="http://schemas.microsoft.com/office/drawing/2014/main" id="{F41B2F3E-8804-67AD-FE54-D8399C91CA7D}"/>
+              </a:ext>
+            </a:extLst>
+          </p:cNvPr>
+          <p:cNvSpPr/>
+          <p:nvPr/>
+        </p:nvSpPr>
+        <p:spPr>
+          <a:xfrm>
+            <a:off x="7987560" y="3732373"/>
+            <a:ext cx="1282444" cy="307777"/>
+          </a:xfrm>
+          <a:prstGeom prst="rect">
+            <a:avLst/>
+          </a:prstGeom>
+        </p:spPr>
+        <p:txBody>
+          <a:bodyPr wrap="square">
+            <a:spAutoFit/>
+          </a:bodyPr>
+          <a:lstStyle/>
+          <a:p>
+            <a:pPr algn="ctr"/>
+            <a:r>
+              <a:rPr lang="en-US" altLang="zh-CN" sz="1400" dirty="0">
+                <a:solidFill>
+                  <a:schemeClr val="accent1"/>
+                </a:solidFill>
+                <a:latin typeface="微软雅黑" panose="020B0503020204020204" pitchFamily="34" charset="-122"/>
+                <a:ea typeface="微软雅黑" panose="020B0503020204020204" pitchFamily="34" charset="-122"/>
+              </a:rPr>
+              <a:t>25.01-25.03</a:t>
+            </a:r>
+            <a:endParaRPr lang="zh-CN" altLang="en-US" sz="1400" dirty="0">
+              <a:solidFill>
+                <a:schemeClr val="accent1"/>
+              </a:solidFill>
+              <a:latin typeface="微软雅黑" panose="020B0503020204020204" pitchFamily="34" charset="-122"/>
+              <a:ea typeface="微软雅黑" panose="020B0503020204020204" pitchFamily="34" charset="-122"/>
+            </a:endParaRPr>
+          </a:p>
+        </p:txBody>
+      </p:sp>
+      <p:sp>
+        <p:nvSpPr>
+          <p:cNvPr id="35" name="矩形 34">
+            <a:extLst>
+              <a:ext uri="{FF2B5EF4-FFF2-40B4-BE49-F238E27FC236}">
+                <a16:creationId xmlns:a16="http://schemas.microsoft.com/office/drawing/2014/main" id="{C222E8C8-4675-7AB4-65D3-E31E4BAC9C9F}"/>
+              </a:ext>
+            </a:extLst>
+          </p:cNvPr>
+          <p:cNvSpPr/>
+          <p:nvPr/>
+        </p:nvSpPr>
+        <p:spPr>
+          <a:xfrm>
+            <a:off x="9456919" y="2530163"/>
+            <a:ext cx="2149447" cy="380810"/>
+          </a:xfrm>
+          <a:prstGeom prst="rect">
+            <a:avLst/>
+          </a:prstGeom>
+        </p:spPr>
+        <p:txBody>
+          <a:bodyPr wrap="square">
+            <a:spAutoFit/>
+          </a:bodyPr>
+          <a:lstStyle/>
+          <a:p>
+            <a:pPr algn="ctr">
+              <a:lnSpc>
+                <a:spcPct val="130000"/>
+              </a:lnSpc>
+              <a:spcBef>
+                <a:spcPts val="600"/>
+              </a:spcBef>
+            </a:pPr>
+            <a:r>
+              <a:rPr lang="zh-CN" altLang="en-US" sz="1600" dirty="0">
+                <a:solidFill>
+                  <a:schemeClr val="tx1">
+                    <a:lumMod val="85000"/>
+                    <a:lumOff val="15000"/>
+                  </a:schemeClr>
+                </a:solidFill>
+              </a:rPr>
+              <a:t>学位论文完善及答辩</a:t>
+            </a:r>
+            <a:endParaRPr lang="en-US" altLang="zh-CN" sz="1600" dirty="0">
+              <a:solidFill>
+                <a:schemeClr val="tx1">
+                  <a:lumMod val="85000"/>
+                  <a:lumOff val="15000"/>
+                </a:schemeClr>
+              </a:solidFill>
+            </a:endParaRPr>
+          </a:p>
+        </p:txBody>
+      </p:sp>
+      <p:cxnSp>
+        <p:nvCxnSpPr>
+          <p:cNvPr id="36" name="直接连接符 35">
+            <a:extLst>
+              <a:ext uri="{FF2B5EF4-FFF2-40B4-BE49-F238E27FC236}">
+                <a16:creationId xmlns:a16="http://schemas.microsoft.com/office/drawing/2014/main" id="{DF52A4CF-6F19-8396-666F-D27D257B5AA8}"/>
+              </a:ext>
+            </a:extLst>
+          </p:cNvPr>
+          <p:cNvCxnSpPr>
+            <a:cxnSpLocks/>
+          </p:cNvCxnSpPr>
+          <p:nvPr/>
+        </p:nvCxnSpPr>
+        <p:spPr>
+          <a:xfrm>
+            <a:off x="10382443" y="2434097"/>
+            <a:ext cx="236515" cy="0"/>
+          </a:xfrm>
+          <a:prstGeom prst="line">
+            <a:avLst/>
+          </a:prstGeom>
+          <a:ln w="19050">
+            <a:solidFill>
+              <a:schemeClr val="accent1"/>
+            </a:solidFill>
+          </a:ln>
+        </p:spPr>
+        <p:style>
+          <a:lnRef idx="1">
+            <a:schemeClr val="accent1"/>
+          </a:lnRef>
+          <a:fillRef idx="0">
+            <a:schemeClr val="accent1"/>
+          </a:fillRef>
+          <a:effectRef idx="0">
+            <a:schemeClr val="accent1"/>
+          </a:effectRef>
+          <a:fontRef idx="minor">
+            <a:schemeClr val="tx1"/>
+          </a:fontRef>
+        </p:style>
+      </p:cxnSp>
+      <p:sp>
+        <p:nvSpPr>
+          <p:cNvPr id="37" name="矩形 36">
+            <a:extLst>
+              <a:ext uri="{FF2B5EF4-FFF2-40B4-BE49-F238E27FC236}">
+                <a16:creationId xmlns:a16="http://schemas.microsoft.com/office/drawing/2014/main" id="{A94EEB9C-DAEF-52C8-59D3-030D84CD0086}"/>
+              </a:ext>
+            </a:extLst>
+          </p:cNvPr>
+          <p:cNvSpPr/>
+          <p:nvPr/>
+        </p:nvSpPr>
+        <p:spPr>
+          <a:xfrm>
+            <a:off x="9850514" y="2060584"/>
+            <a:ext cx="1282444" cy="307777"/>
+          </a:xfrm>
+          <a:prstGeom prst="rect">
+            <a:avLst/>
+          </a:prstGeom>
+        </p:spPr>
+        <p:txBody>
+          <a:bodyPr wrap="square">
+            <a:spAutoFit/>
+          </a:bodyPr>
+          <a:lstStyle/>
+          <a:p>
+            <a:pPr algn="ctr"/>
+            <a:r>
+              <a:rPr lang="en-US" altLang="zh-CN" sz="1400" dirty="0">
+                <a:solidFill>
+                  <a:schemeClr val="accent1"/>
+                </a:solidFill>
+                <a:latin typeface="微软雅黑" panose="020B0503020204020204" pitchFamily="34" charset="-122"/>
+                <a:ea typeface="微软雅黑" panose="020B0503020204020204" pitchFamily="34" charset="-122"/>
+              </a:rPr>
+              <a:t>25.04-25.05</a:t>
+            </a:r>
+            <a:endParaRPr lang="zh-CN" altLang="en-US" sz="1400" dirty="0">
+              <a:solidFill>
+                <a:schemeClr val="accent1"/>
+              </a:solidFill>
+              <a:latin typeface="微软雅黑" panose="020B0503020204020204" pitchFamily="34" charset="-122"/>
+              <a:ea typeface="微软雅黑" panose="020B0503020204020204" pitchFamily="34" charset="-122"/>
+            </a:endParaRPr>
           </a:p>
         </p:txBody>
       </p:sp>
@@ -11019,44 +11265,6 @@
     <p:extLst>
       <p:ext uri="{BB962C8B-B14F-4D97-AF65-F5344CB8AC3E}">
         <p14:creationId xmlns:p14="http://schemas.microsoft.com/office/powerpoint/2010/main" val="163259260"/>
-      </p:ext>
-    </p:extLst>
-  </p:cSld>
-  <p:clrMapOvr>
-    <a:masterClrMapping/>
-  </p:clrMapOvr>
-  <mc:AlternateContent xmlns:mc="http://schemas.openxmlformats.org/markup-compatibility/2006">
-    <mc:Choice xmlns:p14="http://schemas.microsoft.com/office/powerpoint/2010/main" Requires="p14">
-      <p:transition spd="slow" p14:dur="898" advClick="0" advTm="5000"/>
-    </mc:Choice>
-    <mc:Fallback>
-      <p:transition spd="slow" advClick="0" advTm="5000"/>
-    </mc:Fallback>
-  </mc:AlternateContent>
-</p:sld>
-</file>
-
-<file path=ppt/slides/slide17.xml><?xml version="1.0" encoding="utf-8"?>
-<p:sld xmlns:a="http://schemas.openxmlformats.org/drawingml/2006/main" xmlns:r="http://schemas.openxmlformats.org/officeDocument/2006/relationships" xmlns:p="http://schemas.openxmlformats.org/presentationml/2006/main">
-  <p:cSld>
-    <p:spTree>
-      <p:nvGrpSpPr>
-        <p:cNvPr id="1" name=""/>
-        <p:cNvGrpSpPr/>
-        <p:nvPr/>
-      </p:nvGrpSpPr>
-      <p:grpSpPr>
-        <a:xfrm>
-          <a:off x="0" y="0"/>
-          <a:ext cx="0" cy="0"/>
-          <a:chOff x="0" y="0"/>
-          <a:chExt cx="0" cy="0"/>
-        </a:xfrm>
-      </p:grpSpPr>
-    </p:spTree>
-    <p:extLst>
-      <p:ext uri="{BB962C8B-B14F-4D97-AF65-F5344CB8AC3E}">
-        <p14:creationId xmlns:p14="http://schemas.microsoft.com/office/powerpoint/2010/main" val="2227669514"/>
       </p:ext>
     </p:extLst>
   </p:cSld>
@@ -11074,7 +11282,7 @@
 </p:sld>
 </file>
 
-<file path=ppt/slides/slide18.xml><?xml version="1.0" encoding="utf-8"?>
+<file path=ppt/slides/slide17.xml><?xml version="1.0" encoding="utf-8"?>
 <p:sld xmlns:a="http://schemas.openxmlformats.org/drawingml/2006/main" xmlns:r="http://schemas.openxmlformats.org/officeDocument/2006/relationships" xmlns:p="http://schemas.openxmlformats.org/presentationml/2006/main">
   <p:cSld>
     <p:spTree>
@@ -11258,8 +11466,8 @@
         </p:nvSpPr>
         <p:spPr>
           <a:xfrm>
-            <a:off x="3681752" y="2577361"/>
-            <a:ext cx="5297861" cy="1477245"/>
+            <a:off x="3455363" y="2474975"/>
+            <a:ext cx="6145837" cy="954025"/>
           </a:xfrm>
           <a:prstGeom prst="rect">
             <a:avLst/>
@@ -11367,7 +11575,7 @@
           </a:lstStyle>
           <a:p>
             <a:r>
-              <a:rPr kumimoji="1" lang="zh-CN" altLang="en-US" sz="8800" dirty="0">
+              <a:rPr kumimoji="1" lang="zh-CN" altLang="en-US" sz="5400" dirty="0">
                 <a:solidFill>
                   <a:schemeClr val="bg1"/>
                 </a:solidFill>
@@ -11375,7 +11583,7 @@
                 <a:ea typeface="微软雅黑" panose="020B0503020204020204" pitchFamily="34" charset="-122"/>
                 <a:cs typeface="微软雅黑" panose="020B0503020204020204" pitchFamily="34" charset="-122"/>
               </a:rPr>
-              <a:t>谢谢老师！</a:t>
+              <a:t>请老师批评指正</a:t>
             </a:r>
           </a:p>
         </p:txBody>
@@ -12261,57 +12469,6 @@
           </a:p>
         </p:txBody>
       </p:sp>
-      <p:pic>
-        <p:nvPicPr>
-          <p:cNvPr id="51" name="Picture 2" descr="http://5b0988e595225.cdn.sohucs.com/images/20200227/55413c2bba5343e9bf04a5b0764c2f1f.jpeg">
-            <a:extLst>
-              <a:ext uri="{FF2B5EF4-FFF2-40B4-BE49-F238E27FC236}">
-                <a16:creationId xmlns:a16="http://schemas.microsoft.com/office/drawing/2014/main" id="{3DF1B5AF-3E4C-4C1C-8CEC-CAA971BDC28C}"/>
-              </a:ext>
-            </a:extLst>
-          </p:cNvPr>
-          <p:cNvPicPr>
-            <a:picLocks noChangeAspect="1" noChangeArrowheads="1"/>
-          </p:cNvPicPr>
-          <p:nvPr>
-            <p:custDataLst>
-              <p:tags r:id="rId1"/>
-            </p:custDataLst>
-          </p:nvPr>
-        </p:nvPicPr>
-        <p:blipFill>
-          <a:blip r:embed="rId4">
-            <a:extLst>
-              <a:ext uri="{28A0092B-C50C-407E-A947-70E740481C1C}">
-                <a14:useLocalDpi xmlns:a14="http://schemas.microsoft.com/office/drawing/2010/main" val="0"/>
-              </a:ext>
-            </a:extLst>
-          </a:blip>
-          <a:srcRect/>
-          <a:stretch>
-            <a:fillRect/>
-          </a:stretch>
-        </p:blipFill>
-        <p:spPr bwMode="auto">
-          <a:xfrm>
-            <a:off x="3557419" y="1509861"/>
-            <a:ext cx="5077161" cy="3173225"/>
-          </a:xfrm>
-          <a:prstGeom prst="rect">
-            <a:avLst/>
-          </a:prstGeom>
-          <a:noFill/>
-          <a:extLst>
-            <a:ext uri="{909E8E84-426E-40DD-AFC4-6F175D3DCCD1}">
-              <a14:hiddenFill xmlns:a14="http://schemas.microsoft.com/office/drawing/2010/main">
-                <a:solidFill>
-                  <a:srgbClr val="FFFFFF"/>
-                </a:solidFill>
-              </a14:hiddenFill>
-            </a:ext>
-          </a:extLst>
-        </p:spPr>
-      </p:pic>
       <p:sp>
         <p:nvSpPr>
           <p:cNvPr id="52" name="文本框 51">
@@ -12326,8 +12483,8 @@
         </p:nvSpPr>
         <p:spPr>
           <a:xfrm>
-            <a:off x="1448672" y="5229606"/>
-            <a:ext cx="8942467" cy="527132"/>
+            <a:off x="8015486" y="2289715"/>
+            <a:ext cx="4005064" cy="458908"/>
           </a:xfrm>
           <a:prstGeom prst="rect">
             <a:avLst/>
@@ -12340,94 +12497,204 @@
           </a:bodyPr>
           <a:lstStyle/>
           <a:p>
-            <a:pPr indent="457200" algn="just">
+            <a:pPr>
               <a:lnSpc>
                 <a:spcPct val="150000"/>
               </a:lnSpc>
             </a:pPr>
             <a:r>
-              <a:rPr lang="zh-CN" altLang="en-US" sz="2135" b="1" kern="100" dirty="0">
+              <a:rPr lang="zh-CN" altLang="en-US" dirty="0">
                 <a:solidFill>
-                  <a:schemeClr val="tx1"/>
+                  <a:schemeClr val="tx1">
+                    <a:lumMod val="75000"/>
+                    <a:lumOff val="25000"/>
+                  </a:schemeClr>
                 </a:solidFill>
-                <a:latin typeface="微软雅黑" panose="020B0503020204020204" pitchFamily="34" charset="-122"/>
-                <a:ea typeface="微软雅黑" panose="020B0503020204020204" pitchFamily="34" charset="-122"/>
-                <a:cs typeface="Times New Roman" panose="02020603050405020304" pitchFamily="18" charset="0"/>
+                <a:latin typeface="+mn-ea"/>
                 <a:sym typeface="+mn-ea"/>
               </a:rPr>
-              <a:t>DARPA提出的</a:t>
+              <a:t>复杂网络：</a:t>
             </a:r>
             <a:r>
-              <a:rPr lang="zh-CN" altLang="en-US" sz="2135" b="1" kern="100" dirty="0">
+              <a:rPr lang="zh-CN" altLang="en-US" dirty="0">
                 <a:solidFill>
                   <a:srgbClr val="FF0000"/>
                 </a:solidFill>
-                <a:latin typeface="微软雅黑" panose="020B0503020204020204" pitchFamily="34" charset="-122"/>
-                <a:ea typeface="微软雅黑" panose="020B0503020204020204" pitchFamily="34" charset="-122"/>
-                <a:cs typeface="Times New Roman" panose="02020603050405020304" pitchFamily="18" charset="0"/>
+                <a:latin typeface="+mn-ea"/>
                 <a:sym typeface="+mn-ea"/>
               </a:rPr>
-              <a:t>“马赛克战”</a:t>
+              <a:t>节点</a:t>
             </a:r>
             <a:r>
-              <a:rPr lang="zh-CN" altLang="en-US" sz="2135" b="1" kern="100" dirty="0">
+              <a:rPr lang="zh-CN" altLang="en-US" dirty="0">
                 <a:solidFill>
-                  <a:schemeClr val="tx1"/>
+                  <a:schemeClr val="tx1">
+                    <a:lumMod val="75000"/>
+                    <a:lumOff val="25000"/>
+                  </a:schemeClr>
                 </a:solidFill>
-                <a:latin typeface="微软雅黑" panose="020B0503020204020204" pitchFamily="34" charset="-122"/>
-                <a:ea typeface="微软雅黑" panose="020B0503020204020204" pitchFamily="34" charset="-122"/>
-                <a:cs typeface="Times New Roman" panose="02020603050405020304" pitchFamily="18" charset="0"/>
-                <a:sym typeface="+mn-ea"/>
-              </a:rPr>
-              <a:t>本质上体现了</a:t>
-            </a:r>
-            <a:r>
-              <a:rPr lang="zh-CN" altLang="en-US" sz="2135" b="1" kern="100" dirty="0">
-                <a:solidFill>
-                  <a:srgbClr val="FF0000"/>
-                </a:solidFill>
-                <a:latin typeface="微软雅黑" panose="020B0503020204020204" pitchFamily="34" charset="-122"/>
-                <a:ea typeface="微软雅黑" panose="020B0503020204020204" pitchFamily="34" charset="-122"/>
-                <a:cs typeface="Times New Roman" panose="02020603050405020304" pitchFamily="18" charset="0"/>
-                <a:sym typeface="+mn-ea"/>
-              </a:rPr>
-              <a:t>小单位</a:t>
-            </a:r>
-            <a:r>
-              <a:rPr lang="zh-CN" altLang="en-US" sz="2135" b="1" kern="100" dirty="0">
-                <a:solidFill>
-                  <a:schemeClr val="tx1"/>
-                </a:solidFill>
-                <a:latin typeface="微软雅黑" panose="020B0503020204020204" pitchFamily="34" charset="-122"/>
-                <a:ea typeface="微软雅黑" panose="020B0503020204020204" pitchFamily="34" charset="-122"/>
-                <a:cs typeface="Times New Roman" panose="02020603050405020304" pitchFamily="18" charset="0"/>
+                <a:latin typeface="+mn-ea"/>
                 <a:sym typeface="+mn-ea"/>
               </a:rPr>
               <a:t>和</a:t>
             </a:r>
             <a:r>
-              <a:rPr lang="zh-CN" altLang="en-US" sz="2135" b="1" kern="100" dirty="0">
+              <a:rPr lang="zh-CN" altLang="en-US" dirty="0">
                 <a:solidFill>
                   <a:srgbClr val="FF0000"/>
                 </a:solidFill>
-                <a:latin typeface="微软雅黑" panose="020B0503020204020204" pitchFamily="34" charset="-122"/>
-                <a:ea typeface="微软雅黑" panose="020B0503020204020204" pitchFamily="34" charset="-122"/>
-                <a:cs typeface="Times New Roman" panose="02020603050405020304" pitchFamily="18" charset="0"/>
+                <a:latin typeface="+mn-ea"/>
                 <a:sym typeface="+mn-ea"/>
               </a:rPr>
-              <a:t>边缘</a:t>
+              <a:t>边</a:t>
             </a:r>
             <a:r>
-              <a:rPr lang="zh-CN" altLang="en-US" sz="2135" b="1" kern="100" dirty="0">
+              <a:rPr lang="zh-CN" altLang="en-US" dirty="0">
                 <a:solidFill>
-                  <a:schemeClr val="tx1"/>
+                  <a:schemeClr val="tx1">
+                    <a:lumMod val="75000"/>
+                    <a:lumOff val="25000"/>
+                  </a:schemeClr>
                 </a:solidFill>
-                <a:latin typeface="微软雅黑" panose="020B0503020204020204" pitchFamily="34" charset="-122"/>
-                <a:ea typeface="微软雅黑" panose="020B0503020204020204" pitchFamily="34" charset="-122"/>
-                <a:cs typeface="Times New Roman" panose="02020603050405020304" pitchFamily="18" charset="0"/>
+                <a:latin typeface="+mn-ea"/>
                 <a:sym typeface="+mn-ea"/>
               </a:rPr>
-              <a:t>地位的提升</a:t>
+              <a:t>组成的网络</a:t>
+            </a:r>
+          </a:p>
+        </p:txBody>
+      </p:sp>
+      <p:pic>
+        <p:nvPicPr>
+          <p:cNvPr id="5" name="图片 4">
+            <a:extLst>
+              <a:ext uri="{FF2B5EF4-FFF2-40B4-BE49-F238E27FC236}">
+                <a16:creationId xmlns:a16="http://schemas.microsoft.com/office/drawing/2014/main" id="{E8E8D4B3-2982-02ED-BC80-383AB69B51D2}"/>
+              </a:ext>
+            </a:extLst>
+          </p:cNvPr>
+          <p:cNvPicPr>
+            <a:picLocks noChangeAspect="1"/>
+          </p:cNvPicPr>
+          <p:nvPr/>
+        </p:nvPicPr>
+        <p:blipFill>
+          <a:blip r:embed="rId3"/>
+          <a:stretch>
+            <a:fillRect/>
+          </a:stretch>
+        </p:blipFill>
+        <p:spPr>
+          <a:xfrm>
+            <a:off x="426442" y="1300620"/>
+            <a:ext cx="7367588" cy="4657928"/>
+          </a:xfrm>
+          <a:prstGeom prst="rect">
+            <a:avLst/>
+          </a:prstGeom>
+        </p:spPr>
+      </p:pic>
+      <p:sp>
+        <p:nvSpPr>
+          <p:cNvPr id="9" name="文本框 8">
+            <a:extLst>
+              <a:ext uri="{FF2B5EF4-FFF2-40B4-BE49-F238E27FC236}">
+                <a16:creationId xmlns:a16="http://schemas.microsoft.com/office/drawing/2014/main" id="{17239C20-3E0D-E498-CFF6-E0EAAEDE9609}"/>
+              </a:ext>
+            </a:extLst>
+          </p:cNvPr>
+          <p:cNvSpPr txBox="1"/>
+          <p:nvPr/>
+        </p:nvSpPr>
+        <p:spPr>
+          <a:xfrm>
+            <a:off x="8015486" y="3213640"/>
+            <a:ext cx="4005064" cy="1289905"/>
+          </a:xfrm>
+          <a:prstGeom prst="rect">
+            <a:avLst/>
+          </a:prstGeom>
+          <a:noFill/>
+        </p:spPr>
+        <p:txBody>
+          <a:bodyPr wrap="square" rtlCol="0" anchor="t">
+            <a:spAutoFit/>
+          </a:bodyPr>
+          <a:lstStyle/>
+          <a:p>
+            <a:pPr>
+              <a:lnSpc>
+                <a:spcPct val="150000"/>
+              </a:lnSpc>
+            </a:pPr>
+            <a:r>
+              <a:rPr lang="zh-CN" altLang="en-US" b="1" dirty="0">
+                <a:solidFill>
+                  <a:schemeClr val="tx1">
+                    <a:lumMod val="75000"/>
+                    <a:lumOff val="25000"/>
+                  </a:schemeClr>
+                </a:solidFill>
+                <a:latin typeface="+mn-ea"/>
+                <a:sym typeface="+mn-ea"/>
+              </a:rPr>
+              <a:t>节点：</a:t>
+            </a:r>
+            <a:r>
+              <a:rPr lang="zh-CN" altLang="en-US" dirty="0">
+                <a:solidFill>
+                  <a:schemeClr val="tx1">
+                    <a:lumMod val="75000"/>
+                    <a:lumOff val="25000"/>
+                  </a:schemeClr>
+                </a:solidFill>
+                <a:latin typeface="+mn-ea"/>
+                <a:sym typeface="+mn-ea"/>
+              </a:rPr>
+              <a:t>代表各种实体，如人、物体、网站或者分子等</a:t>
+            </a:r>
+            <a:endParaRPr lang="en-US" altLang="zh-CN" dirty="0">
+              <a:solidFill>
+                <a:schemeClr val="tx1">
+                  <a:lumMod val="75000"/>
+                  <a:lumOff val="25000"/>
+                </a:schemeClr>
+              </a:solidFill>
+              <a:latin typeface="+mn-ea"/>
+              <a:sym typeface="+mn-ea"/>
+            </a:endParaRPr>
+          </a:p>
+          <a:p>
+            <a:pPr>
+              <a:lnSpc>
+                <a:spcPct val="150000"/>
+              </a:lnSpc>
+            </a:pPr>
+            <a:r>
+              <a:rPr lang="zh-CN" altLang="en-US" b="1" dirty="0">
+                <a:solidFill>
+                  <a:schemeClr val="tx1">
+                    <a:lumMod val="75000"/>
+                    <a:lumOff val="25000"/>
+                  </a:schemeClr>
+                </a:solidFill>
+                <a:latin typeface="+mn-ea"/>
+                <a:sym typeface="+mn-ea"/>
+              </a:rPr>
+              <a:t>边：</a:t>
+            </a:r>
+            <a:r>
+              <a:rPr lang="zh-CN" altLang="en-US" dirty="0">
+                <a:solidFill>
+                  <a:schemeClr val="tx1">
+                    <a:lumMod val="75000"/>
+                    <a:lumOff val="25000"/>
+                  </a:schemeClr>
+                </a:solidFill>
+                <a:latin typeface="+mn-ea"/>
+                <a:sym typeface="+mn-ea"/>
+              </a:rPr>
+              <a:t>表示节点之间的关系或连接</a:t>
             </a:r>
           </a:p>
         </p:txBody>
@@ -19343,7 +19610,7 @@
 
 <file path=ppt/tags/tag10.xml><?xml version="1.0" encoding="utf-8"?>
 <p:tagLst xmlns:a="http://schemas.openxmlformats.org/drawingml/2006/main" xmlns:r="http://schemas.openxmlformats.org/officeDocument/2006/relationships" xmlns:p="http://schemas.openxmlformats.org/presentationml/2006/main">
-  <p:tag name="KSO_WM_BEAUTIFY_FLAG" val=""/>
+  <p:tag name="PA" val="v3.2.0"/>
 </p:tagLst>
 </file>
 
@@ -19354,12 +19621,6 @@
 </file>
 
 <file path=ppt/tags/tag12.xml><?xml version="1.0" encoding="utf-8"?>
-<p:tagLst xmlns:a="http://schemas.openxmlformats.org/drawingml/2006/main" xmlns:r="http://schemas.openxmlformats.org/officeDocument/2006/relationships" xmlns:p="http://schemas.openxmlformats.org/presentationml/2006/main">
-  <p:tag name="PA" val="v3.2.0"/>
-</p:tagLst>
-</file>
-
-<file path=ppt/tags/tag13.xml><?xml version="1.0" encoding="utf-8"?>
 <p:tagLst xmlns:a="http://schemas.openxmlformats.org/drawingml/2006/main" xmlns:r="http://schemas.openxmlformats.org/officeDocument/2006/relationships" xmlns:p="http://schemas.openxmlformats.org/presentationml/2006/main">
   <p:tag name="PA" val="v3.2.0"/>
 </p:tagLst>

--- a/毕业近在咫尺/开题答辩.pptx
+++ b/毕业近在咫尺/开题答辩.pptx
@@ -5,7 +5,7 @@
     <p:sldMasterId id="2147483648" r:id="rId1"/>
   </p:sldMasterIdLst>
   <p:notesMasterIdLst>
-    <p:notesMasterId r:id="rId19"/>
+    <p:notesMasterId r:id="rId20"/>
   </p:notesMasterIdLst>
   <p:sldIdLst>
     <p:sldId id="256" r:id="rId2"/>
@@ -13,23 +13,24 @@
     <p:sldId id="270" r:id="rId4"/>
     <p:sldId id="314" r:id="rId5"/>
     <p:sldId id="315" r:id="rId6"/>
-    <p:sldId id="311" r:id="rId7"/>
-    <p:sldId id="312" r:id="rId8"/>
-    <p:sldId id="321" r:id="rId9"/>
-    <p:sldId id="320" r:id="rId10"/>
-    <p:sldId id="323" r:id="rId11"/>
-    <p:sldId id="325" r:id="rId12"/>
-    <p:sldId id="318" r:id="rId13"/>
-    <p:sldId id="322" r:id="rId14"/>
-    <p:sldId id="319" r:id="rId15"/>
-    <p:sldId id="324" r:id="rId16"/>
-    <p:sldId id="327" r:id="rId17"/>
-    <p:sldId id="261" r:id="rId18"/>
+    <p:sldId id="321" r:id="rId7"/>
+    <p:sldId id="311" r:id="rId8"/>
+    <p:sldId id="328" r:id="rId9"/>
+    <p:sldId id="312" r:id="rId10"/>
+    <p:sldId id="320" r:id="rId11"/>
+    <p:sldId id="323" r:id="rId12"/>
+    <p:sldId id="325" r:id="rId13"/>
+    <p:sldId id="318" r:id="rId14"/>
+    <p:sldId id="322" r:id="rId15"/>
+    <p:sldId id="319" r:id="rId16"/>
+    <p:sldId id="324" r:id="rId17"/>
+    <p:sldId id="327" r:id="rId18"/>
+    <p:sldId id="261" r:id="rId19"/>
   </p:sldIdLst>
   <p:sldSz cx="12192000" cy="6858000"/>
   <p:notesSz cx="6858000" cy="9144000"/>
   <p:custDataLst>
-    <p:tags r:id="rId20"/>
+    <p:tags r:id="rId21"/>
   </p:custDataLst>
   <p:defaultTextStyle>
     <a:defPPr>
@@ -149,7 +150,7 @@
             <a:srgbClr val="A4A3A4"/>
           </p15:clr>
         </p15:guide>
-        <p15:guide id="5" orient="horz" pos="3978">
+        <p15:guide id="5" orient="horz" pos="3974" userDrawn="1">
           <p15:clr>
             <a:srgbClr val="A4A3A4"/>
           </p15:clr>
@@ -672,7 +673,7 @@
     </p:spTree>
     <p:extLst>
       <p:ext uri="{BB962C8B-B14F-4D97-AF65-F5344CB8AC3E}">
-        <p14:creationId xmlns:p14="http://schemas.microsoft.com/office/powerpoint/2010/main" val="1082304457"/>
+        <p14:creationId xmlns:p14="http://schemas.microsoft.com/office/powerpoint/2010/main" val="2112821465"/>
       </p:ext>
     </p:extLst>
   </p:cSld>
@@ -756,6 +757,90 @@
     </p:spTree>
     <p:extLst>
       <p:ext uri="{BB962C8B-B14F-4D97-AF65-F5344CB8AC3E}">
+        <p14:creationId xmlns:p14="http://schemas.microsoft.com/office/powerpoint/2010/main" val="1082304457"/>
+      </p:ext>
+    </p:extLst>
+  </p:cSld>
+  <p:clrMapOvr>
+    <a:masterClrMapping/>
+  </p:clrMapOvr>
+</p:notes>
+</file>
+
+<file path=ppt/notesSlides/notesSlide12.xml><?xml version="1.0" encoding="utf-8"?>
+<p:notes xmlns:a="http://schemas.openxmlformats.org/drawingml/2006/main" xmlns:r="http://schemas.openxmlformats.org/officeDocument/2006/relationships" xmlns:p="http://schemas.openxmlformats.org/presentationml/2006/main">
+  <p:cSld>
+    <p:spTree>
+      <p:nvGrpSpPr>
+        <p:cNvPr id="1" name=""/>
+        <p:cNvGrpSpPr/>
+        <p:nvPr/>
+      </p:nvGrpSpPr>
+      <p:grpSpPr>
+        <a:xfrm>
+          <a:off x="0" y="0"/>
+          <a:ext cx="0" cy="0"/>
+          <a:chOff x="0" y="0"/>
+          <a:chExt cx="0" cy="0"/>
+        </a:xfrm>
+      </p:grpSpPr>
+      <p:sp>
+        <p:nvSpPr>
+          <p:cNvPr id="2" name="幻灯片图像占位符 1"/>
+          <p:cNvSpPr>
+            <a:spLocks noGrp="1" noRot="1" noChangeAspect="1"/>
+          </p:cNvSpPr>
+          <p:nvPr>
+            <p:ph type="sldImg"/>
+          </p:nvPr>
+        </p:nvSpPr>
+        <p:spPr/>
+      </p:sp>
+      <p:sp>
+        <p:nvSpPr>
+          <p:cNvPr id="3" name="备注占位符 2"/>
+          <p:cNvSpPr>
+            <a:spLocks noGrp="1"/>
+          </p:cNvSpPr>
+          <p:nvPr>
+            <p:ph type="body" idx="1"/>
+          </p:nvPr>
+        </p:nvSpPr>
+        <p:spPr/>
+        <p:txBody>
+          <a:bodyPr/>
+          <a:lstStyle/>
+          <a:p>
+            <a:endParaRPr lang="zh-CN" altLang="en-US" dirty="0"/>
+          </a:p>
+        </p:txBody>
+      </p:sp>
+      <p:sp>
+        <p:nvSpPr>
+          <p:cNvPr id="4" name="灯片编号占位符 3"/>
+          <p:cNvSpPr>
+            <a:spLocks noGrp="1"/>
+          </p:cNvSpPr>
+          <p:nvPr>
+            <p:ph type="sldNum" sz="quarter" idx="10"/>
+          </p:nvPr>
+        </p:nvSpPr>
+        <p:spPr/>
+        <p:txBody>
+          <a:bodyPr/>
+          <a:lstStyle/>
+          <a:p>
+            <a:fld id="{D34C0232-94FA-4EBE-BB9B-79FBE486032D}" type="slidenum">
+              <a:rPr lang="zh-CN" altLang="en-US" smtClean="0"/>
+              <a:t>12</a:t>
+            </a:fld>
+            <a:endParaRPr lang="zh-CN" altLang="en-US"/>
+          </a:p>
+        </p:txBody>
+      </p:sp>
+    </p:spTree>
+    <p:extLst>
+      <p:ext uri="{BB962C8B-B14F-4D97-AF65-F5344CB8AC3E}">
         <p14:creationId xmlns:p14="http://schemas.microsoft.com/office/powerpoint/2010/main" val="2561236110"/>
       </p:ext>
     </p:extLst>
@@ -766,7 +851,7 @@
 </p:notes>
 </file>
 
-<file path=ppt/notesSlides/notesSlide12.xml><?xml version="1.0" encoding="utf-8"?>
+<file path=ppt/notesSlides/notesSlide13.xml><?xml version="1.0" encoding="utf-8"?>
 <p:notes xmlns:a="http://schemas.openxmlformats.org/drawingml/2006/main" xmlns:r="http://schemas.openxmlformats.org/officeDocument/2006/relationships" xmlns:p="http://schemas.openxmlformats.org/presentationml/2006/main">
   <p:cSld>
     <p:spTree>
@@ -831,7 +916,7 @@
           <a:p>
             <a:fld id="{D34C0232-94FA-4EBE-BB9B-79FBE486032D}" type="slidenum">
               <a:rPr lang="zh-CN" altLang="en-US" smtClean="0"/>
-              <a:t>12</a:t>
+              <a:t>13</a:t>
             </a:fld>
             <a:endParaRPr lang="zh-CN" altLang="en-US"/>
           </a:p>
@@ -841,90 +926,6 @@
     <p:extLst>
       <p:ext uri="{BB962C8B-B14F-4D97-AF65-F5344CB8AC3E}">
         <p14:creationId xmlns:p14="http://schemas.microsoft.com/office/powerpoint/2010/main" val="1121531566"/>
-      </p:ext>
-    </p:extLst>
-  </p:cSld>
-  <p:clrMapOvr>
-    <a:masterClrMapping/>
-  </p:clrMapOvr>
-</p:notes>
-</file>
-
-<file path=ppt/notesSlides/notesSlide13.xml><?xml version="1.0" encoding="utf-8"?>
-<p:notes xmlns:a="http://schemas.openxmlformats.org/drawingml/2006/main" xmlns:r="http://schemas.openxmlformats.org/officeDocument/2006/relationships" xmlns:p="http://schemas.openxmlformats.org/presentationml/2006/main">
-  <p:cSld>
-    <p:spTree>
-      <p:nvGrpSpPr>
-        <p:cNvPr id="1" name=""/>
-        <p:cNvGrpSpPr/>
-        <p:nvPr/>
-      </p:nvGrpSpPr>
-      <p:grpSpPr>
-        <a:xfrm>
-          <a:off x="0" y="0"/>
-          <a:ext cx="0" cy="0"/>
-          <a:chOff x="0" y="0"/>
-          <a:chExt cx="0" cy="0"/>
-        </a:xfrm>
-      </p:grpSpPr>
-      <p:sp>
-        <p:nvSpPr>
-          <p:cNvPr id="2" name="幻灯片图像占位符 1"/>
-          <p:cNvSpPr>
-            <a:spLocks noGrp="1" noRot="1" noChangeAspect="1"/>
-          </p:cNvSpPr>
-          <p:nvPr>
-            <p:ph type="sldImg"/>
-          </p:nvPr>
-        </p:nvSpPr>
-        <p:spPr/>
-      </p:sp>
-      <p:sp>
-        <p:nvSpPr>
-          <p:cNvPr id="3" name="备注占位符 2"/>
-          <p:cNvSpPr>
-            <a:spLocks noGrp="1"/>
-          </p:cNvSpPr>
-          <p:nvPr>
-            <p:ph type="body" idx="1"/>
-          </p:nvPr>
-        </p:nvSpPr>
-        <p:spPr/>
-        <p:txBody>
-          <a:bodyPr/>
-          <a:lstStyle/>
-          <a:p>
-            <a:endParaRPr lang="zh-CN" altLang="en-US" dirty="0"/>
-          </a:p>
-        </p:txBody>
-      </p:sp>
-      <p:sp>
-        <p:nvSpPr>
-          <p:cNvPr id="4" name="灯片编号占位符 3"/>
-          <p:cNvSpPr>
-            <a:spLocks noGrp="1"/>
-          </p:cNvSpPr>
-          <p:nvPr>
-            <p:ph type="sldNum" sz="quarter" idx="10"/>
-          </p:nvPr>
-        </p:nvSpPr>
-        <p:spPr/>
-        <p:txBody>
-          <a:bodyPr/>
-          <a:lstStyle/>
-          <a:p>
-            <a:fld id="{D34C0232-94FA-4EBE-BB9B-79FBE486032D}" type="slidenum">
-              <a:rPr lang="zh-CN" altLang="en-US" smtClean="0"/>
-              <a:t>13</a:t>
-            </a:fld>
-            <a:endParaRPr lang="zh-CN" altLang="en-US"/>
-          </a:p>
-        </p:txBody>
-      </p:sp>
-    </p:spTree>
-    <p:extLst>
-      <p:ext uri="{BB962C8B-B14F-4D97-AF65-F5344CB8AC3E}">
-        <p14:creationId xmlns:p14="http://schemas.microsoft.com/office/powerpoint/2010/main" val="3181712584"/>
       </p:ext>
     </p:extLst>
   </p:cSld>
@@ -1008,7 +1009,7 @@
     </p:spTree>
     <p:extLst>
       <p:ext uri="{BB962C8B-B14F-4D97-AF65-F5344CB8AC3E}">
-        <p14:creationId xmlns:p14="http://schemas.microsoft.com/office/powerpoint/2010/main" val="4064770952"/>
+        <p14:creationId xmlns:p14="http://schemas.microsoft.com/office/powerpoint/2010/main" val="3181712584"/>
       </p:ext>
     </p:extLst>
   </p:cSld>
@@ -1092,6 +1093,93 @@
     </p:spTree>
     <p:extLst>
       <p:ext uri="{BB962C8B-B14F-4D97-AF65-F5344CB8AC3E}">
+        <p14:creationId xmlns:p14="http://schemas.microsoft.com/office/powerpoint/2010/main" val="4064770952"/>
+      </p:ext>
+    </p:extLst>
+  </p:cSld>
+  <p:clrMapOvr>
+    <a:masterClrMapping/>
+  </p:clrMapOvr>
+</p:notes>
+</file>
+
+<file path=ppt/notesSlides/notesSlide16.xml><?xml version="1.0" encoding="utf-8"?>
+<p:notes xmlns:a="http://schemas.openxmlformats.org/drawingml/2006/main" xmlns:r="http://schemas.openxmlformats.org/officeDocument/2006/relationships" xmlns:p="http://schemas.openxmlformats.org/presentationml/2006/main">
+  <p:cSld>
+    <p:spTree>
+      <p:nvGrpSpPr>
+        <p:cNvPr id="1" name=""/>
+        <p:cNvGrpSpPr/>
+        <p:nvPr/>
+      </p:nvGrpSpPr>
+      <p:grpSpPr>
+        <a:xfrm>
+          <a:off x="0" y="0"/>
+          <a:ext cx="0" cy="0"/>
+          <a:chOff x="0" y="0"/>
+          <a:chExt cx="0" cy="0"/>
+        </a:xfrm>
+      </p:grpSpPr>
+      <p:sp>
+        <p:nvSpPr>
+          <p:cNvPr id="2" name="幻灯片图像占位符 1"/>
+          <p:cNvSpPr>
+            <a:spLocks noGrp="1" noRot="1" noChangeAspect="1"/>
+          </p:cNvSpPr>
+          <p:nvPr>
+            <p:ph type="sldImg"/>
+          </p:nvPr>
+        </p:nvSpPr>
+        <p:spPr/>
+      </p:sp>
+      <p:sp>
+        <p:nvSpPr>
+          <p:cNvPr id="3" name="备注占位符 2"/>
+          <p:cNvSpPr>
+            <a:spLocks noGrp="1"/>
+          </p:cNvSpPr>
+          <p:nvPr>
+            <p:ph type="body" idx="1"/>
+          </p:nvPr>
+        </p:nvSpPr>
+        <p:spPr/>
+        <p:txBody>
+          <a:bodyPr/>
+          <a:lstStyle/>
+          <a:p>
+            <a:r>
+              <a:rPr lang="zh-CN" altLang="en-US" dirty="0"/>
+              <a:t>现在许多研究的方向是重构网络连边以优化网络结构</a:t>
+            </a:r>
+          </a:p>
+        </p:txBody>
+      </p:sp>
+      <p:sp>
+        <p:nvSpPr>
+          <p:cNvPr id="4" name="灯片编号占位符 3"/>
+          <p:cNvSpPr>
+            <a:spLocks noGrp="1"/>
+          </p:cNvSpPr>
+          <p:nvPr>
+            <p:ph type="sldNum" sz="quarter" idx="10"/>
+          </p:nvPr>
+        </p:nvSpPr>
+        <p:spPr/>
+        <p:txBody>
+          <a:bodyPr/>
+          <a:lstStyle/>
+          <a:p>
+            <a:fld id="{D34C0232-94FA-4EBE-BB9B-79FBE486032D}" type="slidenum">
+              <a:rPr lang="zh-CN" altLang="en-US" smtClean="0"/>
+              <a:t>16</a:t>
+            </a:fld>
+            <a:endParaRPr lang="zh-CN" altLang="en-US"/>
+          </a:p>
+        </p:txBody>
+      </p:sp>
+    </p:spTree>
+    <p:extLst>
+      <p:ext uri="{BB962C8B-B14F-4D97-AF65-F5344CB8AC3E}">
         <p14:creationId xmlns:p14="http://schemas.microsoft.com/office/powerpoint/2010/main" val="2781838149"/>
       </p:ext>
     </p:extLst>
@@ -1102,7 +1190,7 @@
 </p:notes>
 </file>
 
-<file path=ppt/notesSlides/notesSlide16.xml><?xml version="1.0" encoding="utf-8"?>
+<file path=ppt/notesSlides/notesSlide17.xml><?xml version="1.0" encoding="utf-8"?>
 <p:notes xmlns:a="http://schemas.openxmlformats.org/drawingml/2006/main" xmlns:r="http://schemas.openxmlformats.org/officeDocument/2006/relationships" xmlns:p="http://schemas.openxmlformats.org/presentationml/2006/main">
   <p:cSld>
     <p:spTree>
@@ -1167,7 +1255,7 @@
           <a:p>
             <a:fld id="{D34C0232-94FA-4EBE-BB9B-79FBE486032D}" type="slidenum">
               <a:rPr lang="zh-CN" altLang="en-US" smtClean="0"/>
-              <a:t>16</a:t>
+              <a:t>17</a:t>
             </a:fld>
             <a:endParaRPr lang="zh-CN" altLang="en-US"/>
           </a:p>
@@ -1186,7 +1274,7 @@
 </p:notes>
 </file>
 
-<file path=ppt/notesSlides/notesSlide17.xml><?xml version="1.0" encoding="utf-8"?>
+<file path=ppt/notesSlides/notesSlide18.xml><?xml version="1.0" encoding="utf-8"?>
 <p:notes xmlns:a="http://schemas.openxmlformats.org/drawingml/2006/main" xmlns:r="http://schemas.openxmlformats.org/officeDocument/2006/relationships" xmlns:p="http://schemas.openxmlformats.org/presentationml/2006/main">
   <p:cSld>
     <p:spTree>
@@ -1251,7 +1339,7 @@
           <a:p>
             <a:fld id="{D34C0232-94FA-4EBE-BB9B-79FBE486032D}" type="slidenum">
               <a:rPr lang="zh-CN" altLang="en-US" smtClean="0"/>
-              <a:t>17</a:t>
+              <a:t>18</a:t>
             </a:fld>
             <a:endParaRPr lang="zh-CN" altLang="en-US"/>
           </a:p>
@@ -1764,7 +1852,7 @@
           <a:bodyPr/>
           <a:lstStyle/>
           <a:p>
-            <a:endParaRPr lang="zh-CN" altLang="en-US"/>
+            <a:endParaRPr lang="zh-CN" altLang="en-US" dirty="0"/>
           </a:p>
         </p:txBody>
       </p:sp>
@@ -1794,7 +1882,7 @@
     </p:spTree>
     <p:extLst>
       <p:ext uri="{BB962C8B-B14F-4D97-AF65-F5344CB8AC3E}">
-        <p14:creationId xmlns:p14="http://schemas.microsoft.com/office/powerpoint/2010/main" val="1553157534"/>
+        <p14:creationId xmlns:p14="http://schemas.microsoft.com/office/powerpoint/2010/main" val="1017393439"/>
       </p:ext>
     </p:extLst>
   </p:cSld>
@@ -1848,7 +1936,7 @@
           <a:bodyPr/>
           <a:lstStyle/>
           <a:p>
-            <a:endParaRPr lang="zh-CN" altLang="en-US"/>
+            <a:endParaRPr lang="zh-CN" altLang="en-US" dirty="0"/>
           </a:p>
         </p:txBody>
       </p:sp>
@@ -1878,7 +1966,7 @@
     </p:spTree>
     <p:extLst>
       <p:ext uri="{BB962C8B-B14F-4D97-AF65-F5344CB8AC3E}">
-        <p14:creationId xmlns:p14="http://schemas.microsoft.com/office/powerpoint/2010/main" val="3066419531"/>
+        <p14:creationId xmlns:p14="http://schemas.microsoft.com/office/powerpoint/2010/main" val="1553157534"/>
       </p:ext>
     </p:extLst>
   </p:cSld>
@@ -1962,7 +2050,7 @@
     </p:spTree>
     <p:extLst>
       <p:ext uri="{BB962C8B-B14F-4D97-AF65-F5344CB8AC3E}">
-        <p14:creationId xmlns:p14="http://schemas.microsoft.com/office/powerpoint/2010/main" val="1017393439"/>
+        <p14:creationId xmlns:p14="http://schemas.microsoft.com/office/powerpoint/2010/main" val="147021189"/>
       </p:ext>
     </p:extLst>
   </p:cSld>
@@ -2016,7 +2104,7 @@
           <a:bodyPr/>
           <a:lstStyle/>
           <a:p>
-            <a:endParaRPr lang="zh-CN" altLang="en-US" dirty="0"/>
+            <a:endParaRPr lang="zh-CN" altLang="en-US"/>
           </a:p>
         </p:txBody>
       </p:sp>
@@ -2046,7 +2134,7 @@
     </p:spTree>
     <p:extLst>
       <p:ext uri="{BB962C8B-B14F-4D97-AF65-F5344CB8AC3E}">
-        <p14:creationId xmlns:p14="http://schemas.microsoft.com/office/powerpoint/2010/main" val="2112821465"/>
+        <p14:creationId xmlns:p14="http://schemas.microsoft.com/office/powerpoint/2010/main" val="3066419531"/>
       </p:ext>
     </p:extLst>
   </p:cSld>
@@ -4411,6 +4499,1181 @@
           </p:nvSpPr>
           <p:spPr>
             <a:xfrm flipH="1">
+              <a:off x="-537028" y="909587"/>
+              <a:ext cx="2319866" cy="369332"/>
+            </a:xfrm>
+            <a:prstGeom prst="rect">
+              <a:avLst/>
+            </a:prstGeom>
+          </p:spPr>
+          <p:txBody>
+            <a:bodyPr wrap="none">
+              <a:spAutoFit/>
+            </a:bodyPr>
+            <a:lstStyle/>
+            <a:p>
+              <a:pPr marL="285750" indent="-285750" algn="r">
+                <a:buFont typeface="Wingdings" panose="05000000000000000000" pitchFamily="2" charset="2"/>
+                <a:buChar char="Ø"/>
+              </a:pPr>
+              <a:r>
+                <a:rPr lang="zh-CN" altLang="en-US" b="1" dirty="0">
+                  <a:solidFill>
+                    <a:schemeClr val="bg1"/>
+                  </a:solidFill>
+                  <a:latin typeface="+mn-ea"/>
+                </a:rPr>
+                <a:t>避障算法相关研究</a:t>
+              </a:r>
+            </a:p>
+          </p:txBody>
+        </p:sp>
+      </p:grpSp>
+      <p:graphicFrame>
+        <p:nvGraphicFramePr>
+          <p:cNvPr id="8" name="表格 7">
+            <a:extLst>
+              <a:ext uri="{FF2B5EF4-FFF2-40B4-BE49-F238E27FC236}">
+                <a16:creationId xmlns:a16="http://schemas.microsoft.com/office/drawing/2014/main" id="{45A0575A-E062-4313-AE27-DCAD7BC1E993}"/>
+              </a:ext>
+            </a:extLst>
+          </p:cNvPr>
+          <p:cNvGraphicFramePr>
+            <a:graphicFrameLocks noGrp="1"/>
+          </p:cNvGraphicFramePr>
+          <p:nvPr>
+            <p:extLst>
+              <p:ext uri="{D42A27DB-BD31-4B8C-83A1-F6EECF244321}">
+                <p14:modId xmlns:p14="http://schemas.microsoft.com/office/powerpoint/2010/main" val="175554042"/>
+              </p:ext>
+            </p:extLst>
+          </p:nvPr>
+        </p:nvGraphicFramePr>
+        <p:xfrm>
+          <a:off x="1044367" y="1822310"/>
+          <a:ext cx="10118436" cy="4038847"/>
+        </p:xfrm>
+        <a:graphic>
+          <a:graphicData uri="http://schemas.openxmlformats.org/drawingml/2006/table">
+            <a:tbl>
+              <a:tblPr firstRow="1" bandRow="1">
+                <a:tableStyleId>{5C22544A-7EE6-4342-B048-85BDC9FD1C3A}</a:tableStyleId>
+              </a:tblPr>
+              <a:tblGrid>
+                <a:gridCol w="2529609">
+                  <a:extLst>
+                    <a:ext uri="{9D8B030D-6E8A-4147-A177-3AD203B41FA5}">
+                      <a16:colId xmlns:a16="http://schemas.microsoft.com/office/drawing/2014/main" val="4033028031"/>
+                    </a:ext>
+                  </a:extLst>
+                </a:gridCol>
+                <a:gridCol w="2529609">
+                  <a:extLst>
+                    <a:ext uri="{9D8B030D-6E8A-4147-A177-3AD203B41FA5}">
+                      <a16:colId xmlns:a16="http://schemas.microsoft.com/office/drawing/2014/main" val="770379517"/>
+                    </a:ext>
+                  </a:extLst>
+                </a:gridCol>
+                <a:gridCol w="2529609">
+                  <a:extLst>
+                    <a:ext uri="{9D8B030D-6E8A-4147-A177-3AD203B41FA5}">
+                      <a16:colId xmlns:a16="http://schemas.microsoft.com/office/drawing/2014/main" val="430895577"/>
+                    </a:ext>
+                  </a:extLst>
+                </a:gridCol>
+                <a:gridCol w="2529609">
+                  <a:extLst>
+                    <a:ext uri="{9D8B030D-6E8A-4147-A177-3AD203B41FA5}">
+                      <a16:colId xmlns:a16="http://schemas.microsoft.com/office/drawing/2014/main" val="1625079374"/>
+                    </a:ext>
+                  </a:extLst>
+                </a:gridCol>
+              </a:tblGrid>
+              <a:tr h="376035">
+                <a:tc>
+                  <a:txBody>
+                    <a:bodyPr/>
+                    <a:lstStyle/>
+                    <a:p>
+                      <a:pPr algn="ctr"/>
+                      <a:r>
+                        <a:rPr lang="zh-CN" altLang="en-US" dirty="0"/>
+                        <a:t>算法</a:t>
+                      </a:r>
+                    </a:p>
+                  </a:txBody>
+                  <a:tcPr anchor="ctr"/>
+                </a:tc>
+                <a:tc>
+                  <a:txBody>
+                    <a:bodyPr/>
+                    <a:lstStyle/>
+                    <a:p>
+                      <a:pPr algn="ctr"/>
+                      <a:r>
+                        <a:rPr lang="zh-CN" altLang="en-US" dirty="0"/>
+                        <a:t>原理</a:t>
+                      </a:r>
+                    </a:p>
+                  </a:txBody>
+                  <a:tcPr anchor="ctr"/>
+                </a:tc>
+                <a:tc>
+                  <a:txBody>
+                    <a:bodyPr/>
+                    <a:lstStyle/>
+                    <a:p>
+                      <a:pPr algn="ctr"/>
+                      <a:r>
+                        <a:rPr lang="zh-CN" altLang="en-US" dirty="0"/>
+                        <a:t>优点</a:t>
+                      </a:r>
+                    </a:p>
+                  </a:txBody>
+                  <a:tcPr anchor="ctr"/>
+                </a:tc>
+                <a:tc>
+                  <a:txBody>
+                    <a:bodyPr/>
+                    <a:lstStyle/>
+                    <a:p>
+                      <a:pPr algn="ctr"/>
+                      <a:r>
+                        <a:rPr lang="zh-CN" altLang="en-US" dirty="0"/>
+                        <a:t>缺点</a:t>
+                      </a:r>
+                    </a:p>
+                  </a:txBody>
+                  <a:tcPr anchor="ctr"/>
+                </a:tc>
+                <a:extLst>
+                  <a:ext uri="{0D108BD9-81ED-4DB2-BD59-A6C34878D82A}">
+                    <a16:rowId xmlns:a16="http://schemas.microsoft.com/office/drawing/2014/main" val="1746818693"/>
+                  </a:ext>
+                </a:extLst>
+              </a:tr>
+              <a:tr h="920949">
+                <a:tc>
+                  <a:txBody>
+                    <a:bodyPr/>
+                    <a:lstStyle/>
+                    <a:p>
+                      <a:pPr algn="ctr"/>
+                      <a:r>
+                        <a:rPr lang="zh-CN" altLang="en-US" sz="1800" b="1" i="0" kern="1200" dirty="0">
+                          <a:solidFill>
+                            <a:schemeClr val="dk1"/>
+                          </a:solidFill>
+                          <a:effectLst/>
+                          <a:latin typeface="+mn-lt"/>
+                          <a:ea typeface="+mn-ea"/>
+                          <a:cs typeface="+mn-cs"/>
+                        </a:rPr>
+                        <a:t>动态窗口法</a:t>
+                      </a:r>
+                      <a:endParaRPr lang="zh-CN" altLang="en-US" dirty="0"/>
+                    </a:p>
+                  </a:txBody>
+                  <a:tcPr anchor="ctr"/>
+                </a:tc>
+                <a:tc>
+                  <a:txBody>
+                    <a:bodyPr/>
+                    <a:lstStyle/>
+                    <a:p>
+                      <a:pPr algn="just"/>
+                      <a:r>
+                        <a:rPr lang="zh-CN" altLang="en-US" sz="1800" b="0" i="0" kern="1200" dirty="0">
+                          <a:solidFill>
+                            <a:schemeClr val="dk1"/>
+                          </a:solidFill>
+                          <a:effectLst/>
+                          <a:latin typeface="+mn-lt"/>
+                          <a:ea typeface="+mn-ea"/>
+                          <a:cs typeface="+mn-cs"/>
+                        </a:rPr>
+                        <a:t>基于速度</a:t>
+                      </a:r>
+                      <a:r>
+                        <a:rPr lang="en-US" altLang="zh-CN" sz="1800" b="0" i="0" kern="1200" dirty="0">
+                          <a:solidFill>
+                            <a:schemeClr val="dk1"/>
+                          </a:solidFill>
+                          <a:effectLst/>
+                          <a:latin typeface="+mn-lt"/>
+                          <a:ea typeface="+mn-ea"/>
+                          <a:cs typeface="+mn-cs"/>
+                        </a:rPr>
+                        <a:t>-</a:t>
+                      </a:r>
+                      <a:r>
+                        <a:rPr lang="zh-CN" altLang="en-US" sz="1800" b="0" i="0" kern="1200" dirty="0">
+                          <a:solidFill>
+                            <a:schemeClr val="dk1"/>
+                          </a:solidFill>
+                          <a:effectLst/>
+                          <a:latin typeface="+mn-lt"/>
+                          <a:ea typeface="+mn-ea"/>
+                          <a:cs typeface="+mn-cs"/>
+                        </a:rPr>
+                        <a:t>转向空间进行规划，选择最优组合</a:t>
+                      </a:r>
+                      <a:endParaRPr lang="zh-CN" altLang="en-US" dirty="0"/>
+                    </a:p>
+                  </a:txBody>
+                  <a:tcPr anchor="ctr"/>
+                </a:tc>
+                <a:tc>
+                  <a:txBody>
+                    <a:bodyPr/>
+                    <a:lstStyle/>
+                    <a:p>
+                      <a:pPr algn="l"/>
+                      <a:r>
+                        <a:rPr lang="en-US" altLang="zh-CN" sz="1800" b="0" i="0" kern="1200" dirty="0">
+                          <a:solidFill>
+                            <a:schemeClr val="dk1"/>
+                          </a:solidFill>
+                          <a:effectLst/>
+                          <a:latin typeface="+mn-lt"/>
+                          <a:ea typeface="+mn-ea"/>
+                          <a:cs typeface="+mn-cs"/>
+                        </a:rPr>
+                        <a:t>- </a:t>
+                      </a:r>
+                      <a:r>
+                        <a:rPr lang="zh-CN" altLang="en-US" sz="1800" b="0" i="0" kern="1200" dirty="0">
+                          <a:solidFill>
+                            <a:schemeClr val="dk1"/>
+                          </a:solidFill>
+                          <a:effectLst/>
+                          <a:latin typeface="+mn-lt"/>
+                          <a:ea typeface="+mn-ea"/>
+                          <a:cs typeface="+mn-cs"/>
+                        </a:rPr>
+                        <a:t>快速响应动态环境</a:t>
+                      </a:r>
+                      <a:endParaRPr lang="en-US" altLang="zh-CN" sz="1800" b="0" i="0" kern="1200" dirty="0">
+                        <a:solidFill>
+                          <a:schemeClr val="dk1"/>
+                        </a:solidFill>
+                        <a:effectLst/>
+                        <a:latin typeface="+mn-lt"/>
+                        <a:ea typeface="+mn-ea"/>
+                        <a:cs typeface="+mn-cs"/>
+                      </a:endParaRPr>
+                    </a:p>
+                    <a:p>
+                      <a:pPr algn="l"/>
+                      <a:r>
+                        <a:rPr lang="en-US" altLang="zh-CN" sz="1800" b="0" i="0" kern="1200" dirty="0">
+                          <a:solidFill>
+                            <a:schemeClr val="dk1"/>
+                          </a:solidFill>
+                          <a:effectLst/>
+                          <a:latin typeface="+mn-lt"/>
+                          <a:ea typeface="+mn-ea"/>
+                          <a:cs typeface="+mn-cs"/>
+                        </a:rPr>
+                        <a:t>- </a:t>
+                      </a:r>
+                      <a:r>
+                        <a:rPr lang="zh-CN" altLang="en-US" sz="1800" b="0" i="0" kern="1200" dirty="0">
+                          <a:solidFill>
+                            <a:schemeClr val="dk1"/>
+                          </a:solidFill>
+                          <a:effectLst/>
+                          <a:latin typeface="+mn-lt"/>
+                          <a:ea typeface="+mn-ea"/>
+                          <a:cs typeface="+mn-cs"/>
+                        </a:rPr>
+                        <a:t>适用于小型机器人</a:t>
+                      </a:r>
+                      <a:endParaRPr lang="zh-CN" altLang="en-US" dirty="0"/>
+                    </a:p>
+                  </a:txBody>
+                  <a:tcPr anchor="ctr"/>
+                </a:tc>
+                <a:tc>
+                  <a:txBody>
+                    <a:bodyPr/>
+                    <a:lstStyle/>
+                    <a:p>
+                      <a:pPr algn="l"/>
+                      <a:r>
+                        <a:rPr lang="en-US" altLang="zh-CN" sz="1800" b="0" i="0" kern="1200" dirty="0">
+                          <a:solidFill>
+                            <a:schemeClr val="dk1"/>
+                          </a:solidFill>
+                          <a:effectLst/>
+                          <a:latin typeface="+mn-lt"/>
+                          <a:ea typeface="+mn-ea"/>
+                          <a:cs typeface="+mn-cs"/>
+                        </a:rPr>
+                        <a:t>- </a:t>
+                      </a:r>
+                      <a:r>
+                        <a:rPr lang="zh-CN" altLang="en-US" sz="1800" b="0" i="0" kern="1200" dirty="0">
+                          <a:solidFill>
+                            <a:schemeClr val="dk1"/>
+                          </a:solidFill>
+                          <a:effectLst/>
+                          <a:latin typeface="+mn-lt"/>
+                          <a:ea typeface="+mn-ea"/>
+                          <a:cs typeface="+mn-cs"/>
+                        </a:rPr>
+                        <a:t>搜索效率低</a:t>
+                      </a:r>
+                      <a:endParaRPr lang="en-US" altLang="zh-CN" sz="1800" b="0" i="0" kern="1200" dirty="0">
+                        <a:solidFill>
+                          <a:schemeClr val="dk1"/>
+                        </a:solidFill>
+                        <a:effectLst/>
+                        <a:latin typeface="+mn-lt"/>
+                        <a:ea typeface="+mn-ea"/>
+                        <a:cs typeface="+mn-cs"/>
+                      </a:endParaRPr>
+                    </a:p>
+                    <a:p>
+                      <a:pPr algn="l"/>
+                      <a:r>
+                        <a:rPr lang="en-US" altLang="zh-CN" sz="1800" b="0" i="0" kern="1200" dirty="0">
+                          <a:solidFill>
+                            <a:schemeClr val="dk1"/>
+                          </a:solidFill>
+                          <a:effectLst/>
+                          <a:latin typeface="+mn-lt"/>
+                          <a:ea typeface="+mn-ea"/>
+                          <a:cs typeface="+mn-cs"/>
+                        </a:rPr>
+                        <a:t>- </a:t>
+                      </a:r>
+                      <a:r>
+                        <a:rPr lang="zh-CN" altLang="en-US" sz="1800" b="0" i="0" kern="1200" dirty="0">
+                          <a:solidFill>
+                            <a:schemeClr val="dk1"/>
+                          </a:solidFill>
+                          <a:effectLst/>
+                          <a:latin typeface="+mn-lt"/>
+                          <a:ea typeface="+mn-ea"/>
+                          <a:cs typeface="+mn-cs"/>
+                        </a:rPr>
+                        <a:t>局部最小值问题可能出现</a:t>
+                      </a:r>
+                      <a:endParaRPr lang="zh-CN" altLang="en-US" dirty="0"/>
+                    </a:p>
+                  </a:txBody>
+                  <a:tcPr anchor="ctr"/>
+                </a:tc>
+                <a:extLst>
+                  <a:ext uri="{0D108BD9-81ED-4DB2-BD59-A6C34878D82A}">
+                    <a16:rowId xmlns:a16="http://schemas.microsoft.com/office/drawing/2014/main" val="1698343749"/>
+                  </a:ext>
+                </a:extLst>
+              </a:tr>
+              <a:tr h="906514">
+                <a:tc>
+                  <a:txBody>
+                    <a:bodyPr/>
+                    <a:lstStyle/>
+                    <a:p>
+                      <a:pPr algn="ctr"/>
+                      <a:r>
+                        <a:rPr lang="zh-CN" altLang="en-US" sz="1800" b="1" i="0" kern="1200" dirty="0">
+                          <a:solidFill>
+                            <a:schemeClr val="dk1"/>
+                          </a:solidFill>
+                          <a:effectLst/>
+                          <a:latin typeface="+mn-lt"/>
+                          <a:ea typeface="+mn-ea"/>
+                          <a:cs typeface="+mn-cs"/>
+                        </a:rPr>
+                        <a:t>代价地图法</a:t>
+                      </a:r>
+                      <a:endParaRPr lang="zh-CN" altLang="en-US" dirty="0"/>
+                    </a:p>
+                  </a:txBody>
+                  <a:tcPr anchor="ctr"/>
+                </a:tc>
+                <a:tc>
+                  <a:txBody>
+                    <a:bodyPr/>
+                    <a:lstStyle/>
+                    <a:p>
+                      <a:pPr algn="just"/>
+                      <a:r>
+                        <a:rPr lang="zh-CN" altLang="en-US" sz="1800" b="0" i="0" kern="1200" dirty="0">
+                          <a:solidFill>
+                            <a:schemeClr val="dk1"/>
+                          </a:solidFill>
+                          <a:effectLst/>
+                          <a:latin typeface="+mn-lt"/>
+                          <a:ea typeface="+mn-ea"/>
+                          <a:cs typeface="+mn-cs"/>
+                        </a:rPr>
+                        <a:t>利用代价地图规划路径，最小化总体代价</a:t>
+                      </a:r>
+                      <a:endParaRPr lang="zh-CN" altLang="en-US" dirty="0"/>
+                    </a:p>
+                  </a:txBody>
+                  <a:tcPr anchor="ctr"/>
+                </a:tc>
+                <a:tc>
+                  <a:txBody>
+                    <a:bodyPr/>
+                    <a:lstStyle/>
+                    <a:p>
+                      <a:pPr algn="l"/>
+                      <a:r>
+                        <a:rPr lang="en-US" altLang="zh-CN" sz="1800" b="0" i="0" kern="1200" dirty="0">
+                          <a:solidFill>
+                            <a:schemeClr val="dk1"/>
+                          </a:solidFill>
+                          <a:effectLst/>
+                          <a:latin typeface="+mn-lt"/>
+                          <a:ea typeface="+mn-ea"/>
+                          <a:cs typeface="+mn-cs"/>
+                        </a:rPr>
+                        <a:t>- </a:t>
+                      </a:r>
+                      <a:r>
+                        <a:rPr lang="zh-CN" altLang="en-US" sz="1800" b="0" i="0" kern="1200" dirty="0">
+                          <a:solidFill>
+                            <a:schemeClr val="dk1"/>
+                          </a:solidFill>
+                          <a:effectLst/>
+                          <a:latin typeface="+mn-lt"/>
+                          <a:ea typeface="+mn-ea"/>
+                          <a:cs typeface="+mn-cs"/>
+                        </a:rPr>
+                        <a:t>考虑地形和代价信息</a:t>
+                      </a:r>
+                      <a:endParaRPr lang="en-US" altLang="zh-CN" sz="1800" b="0" i="0" kern="1200" dirty="0">
+                        <a:solidFill>
+                          <a:schemeClr val="dk1"/>
+                        </a:solidFill>
+                        <a:effectLst/>
+                        <a:latin typeface="+mn-lt"/>
+                        <a:ea typeface="+mn-ea"/>
+                        <a:cs typeface="+mn-cs"/>
+                      </a:endParaRPr>
+                    </a:p>
+                    <a:p>
+                      <a:pPr algn="l"/>
+                      <a:r>
+                        <a:rPr lang="en-US" altLang="zh-CN" sz="1800" b="0" i="0" kern="1200" dirty="0">
+                          <a:solidFill>
+                            <a:schemeClr val="dk1"/>
+                          </a:solidFill>
+                          <a:effectLst/>
+                          <a:latin typeface="+mn-lt"/>
+                          <a:ea typeface="+mn-ea"/>
+                          <a:cs typeface="+mn-cs"/>
+                        </a:rPr>
+                        <a:t>- </a:t>
+                      </a:r>
+                      <a:r>
+                        <a:rPr lang="zh-CN" altLang="en-US" sz="1800" b="0" i="0" kern="1200" dirty="0">
+                          <a:solidFill>
+                            <a:schemeClr val="dk1"/>
+                          </a:solidFill>
+                          <a:effectLst/>
+                          <a:latin typeface="+mn-lt"/>
+                          <a:ea typeface="+mn-ea"/>
+                          <a:cs typeface="+mn-cs"/>
+                        </a:rPr>
+                        <a:t>灵活适应环境变化</a:t>
+                      </a:r>
+                      <a:endParaRPr lang="zh-CN" altLang="en-US" dirty="0"/>
+                    </a:p>
+                  </a:txBody>
+                  <a:tcPr anchor="ctr"/>
+                </a:tc>
+                <a:tc>
+                  <a:txBody>
+                    <a:bodyPr/>
+                    <a:lstStyle/>
+                    <a:p>
+                      <a:pPr algn="l"/>
+                      <a:r>
+                        <a:rPr lang="en-US" altLang="zh-CN" sz="1800" b="0" i="0" kern="1200" dirty="0">
+                          <a:solidFill>
+                            <a:schemeClr val="dk1"/>
+                          </a:solidFill>
+                          <a:effectLst/>
+                          <a:latin typeface="+mn-lt"/>
+                          <a:ea typeface="+mn-ea"/>
+                          <a:cs typeface="+mn-cs"/>
+                        </a:rPr>
+                        <a:t>- </a:t>
+                      </a:r>
+                      <a:r>
+                        <a:rPr lang="zh-CN" altLang="en-US" sz="1800" b="0" i="0" kern="1200" dirty="0">
+                          <a:solidFill>
+                            <a:schemeClr val="dk1"/>
+                          </a:solidFill>
+                          <a:effectLst/>
+                          <a:latin typeface="+mn-lt"/>
+                          <a:ea typeface="+mn-ea"/>
+                          <a:cs typeface="+mn-cs"/>
+                        </a:rPr>
+                        <a:t>对于复杂地形计算复杂</a:t>
+                      </a:r>
+                      <a:endParaRPr lang="en-US" altLang="zh-CN" sz="1800" b="0" i="0" kern="1200" dirty="0">
+                        <a:solidFill>
+                          <a:schemeClr val="dk1"/>
+                        </a:solidFill>
+                        <a:effectLst/>
+                        <a:latin typeface="+mn-lt"/>
+                        <a:ea typeface="+mn-ea"/>
+                        <a:cs typeface="+mn-cs"/>
+                      </a:endParaRPr>
+                    </a:p>
+                    <a:p>
+                      <a:pPr algn="l"/>
+                      <a:r>
+                        <a:rPr lang="en-US" altLang="zh-CN" sz="1800" b="0" i="0" kern="1200" dirty="0">
+                          <a:solidFill>
+                            <a:schemeClr val="dk1"/>
+                          </a:solidFill>
+                          <a:effectLst/>
+                          <a:latin typeface="+mn-lt"/>
+                          <a:ea typeface="+mn-ea"/>
+                          <a:cs typeface="+mn-cs"/>
+                        </a:rPr>
+                        <a:t>- </a:t>
+                      </a:r>
+                      <a:r>
+                        <a:rPr lang="zh-CN" altLang="en-US" sz="1800" b="0" i="0" kern="1200" dirty="0">
+                          <a:solidFill>
+                            <a:schemeClr val="dk1"/>
+                          </a:solidFill>
+                          <a:effectLst/>
+                          <a:latin typeface="+mn-lt"/>
+                          <a:ea typeface="+mn-ea"/>
+                          <a:cs typeface="+mn-cs"/>
+                        </a:rPr>
+                        <a:t>处理动态环境较困难</a:t>
+                      </a:r>
+                      <a:endParaRPr lang="zh-CN" altLang="en-US" dirty="0"/>
+                    </a:p>
+                  </a:txBody>
+                  <a:tcPr anchor="ctr"/>
+                </a:tc>
+                <a:extLst>
+                  <a:ext uri="{0D108BD9-81ED-4DB2-BD59-A6C34878D82A}">
+                    <a16:rowId xmlns:a16="http://schemas.microsoft.com/office/drawing/2014/main" val="3324748921"/>
+                  </a:ext>
+                </a:extLst>
+              </a:tr>
+              <a:tr h="906514">
+                <a:tc>
+                  <a:txBody>
+                    <a:bodyPr/>
+                    <a:lstStyle/>
+                    <a:p>
+                      <a:pPr algn="ctr"/>
+                      <a:r>
+                        <a:rPr lang="zh-CN" altLang="en-US" sz="1800" b="1" i="0" kern="1200" dirty="0">
+                          <a:solidFill>
+                            <a:schemeClr val="dk1"/>
+                          </a:solidFill>
+                          <a:effectLst/>
+                          <a:latin typeface="+mn-lt"/>
+                          <a:ea typeface="+mn-ea"/>
+                          <a:cs typeface="+mn-cs"/>
+                        </a:rPr>
+                        <a:t>人工势场法</a:t>
+                      </a:r>
+                      <a:endParaRPr lang="zh-CN" altLang="en-US" dirty="0"/>
+                    </a:p>
+                  </a:txBody>
+                  <a:tcPr anchor="ctr"/>
+                </a:tc>
+                <a:tc>
+                  <a:txBody>
+                    <a:bodyPr/>
+                    <a:lstStyle/>
+                    <a:p>
+                      <a:pPr algn="just"/>
+                      <a:r>
+                        <a:rPr lang="zh-CN" altLang="en-US" sz="1800" b="0" i="0" kern="1200" dirty="0">
+                          <a:solidFill>
+                            <a:schemeClr val="dk1"/>
+                          </a:solidFill>
+                          <a:effectLst/>
+                          <a:latin typeface="+mn-lt"/>
+                          <a:ea typeface="+mn-ea"/>
+                          <a:cs typeface="+mn-cs"/>
+                        </a:rPr>
+                        <a:t>模拟粒子间斥力和引力的势场</a:t>
+                      </a:r>
+                      <a:endParaRPr lang="zh-CN" altLang="en-US" dirty="0"/>
+                    </a:p>
+                  </a:txBody>
+                  <a:tcPr anchor="ctr"/>
+                </a:tc>
+                <a:tc>
+                  <a:txBody>
+                    <a:bodyPr/>
+                    <a:lstStyle/>
+                    <a:p>
+                      <a:pPr marL="0" indent="0" algn="l">
+                        <a:buFontTx/>
+                        <a:buNone/>
+                      </a:pPr>
+                      <a:r>
+                        <a:rPr lang="en-US" altLang="zh-CN" sz="1800" b="0" i="0" kern="1200" dirty="0">
+                          <a:solidFill>
+                            <a:schemeClr val="dk1"/>
+                          </a:solidFill>
+                          <a:effectLst/>
+                          <a:latin typeface="+mn-lt"/>
+                          <a:ea typeface="+mn-ea"/>
+                          <a:cs typeface="+mn-cs"/>
+                        </a:rPr>
+                        <a:t>- </a:t>
+                      </a:r>
+                      <a:r>
+                        <a:rPr lang="zh-CN" altLang="en-US" sz="1800" b="0" i="0" kern="1200" dirty="0">
+                          <a:solidFill>
+                            <a:schemeClr val="dk1"/>
+                          </a:solidFill>
+                          <a:effectLst/>
+                          <a:latin typeface="+mn-lt"/>
+                          <a:ea typeface="+mn-ea"/>
+                          <a:cs typeface="+mn-cs"/>
+                        </a:rPr>
+                        <a:t>直观且易于理解 </a:t>
+                      </a:r>
+                      <a:endParaRPr lang="en-US" altLang="zh-CN" sz="1800" b="0" i="0" kern="1200" dirty="0">
+                        <a:solidFill>
+                          <a:schemeClr val="dk1"/>
+                        </a:solidFill>
+                        <a:effectLst/>
+                        <a:latin typeface="+mn-lt"/>
+                        <a:ea typeface="+mn-ea"/>
+                        <a:cs typeface="+mn-cs"/>
+                      </a:endParaRPr>
+                    </a:p>
+                    <a:p>
+                      <a:pPr marL="0" indent="0" algn="l">
+                        <a:buFontTx/>
+                        <a:buNone/>
+                      </a:pPr>
+                      <a:r>
+                        <a:rPr lang="en-US" altLang="zh-CN" sz="1800" b="0" i="0" kern="1200" dirty="0">
+                          <a:solidFill>
+                            <a:schemeClr val="dk1"/>
+                          </a:solidFill>
+                          <a:effectLst/>
+                          <a:latin typeface="+mn-lt"/>
+                          <a:ea typeface="+mn-ea"/>
+                          <a:cs typeface="+mn-cs"/>
+                        </a:rPr>
+                        <a:t>- </a:t>
+                      </a:r>
+                      <a:r>
+                        <a:rPr lang="zh-CN" altLang="en-US" sz="1800" b="0" i="0" kern="1200" dirty="0">
+                          <a:solidFill>
+                            <a:schemeClr val="dk1"/>
+                          </a:solidFill>
+                          <a:effectLst/>
+                          <a:latin typeface="+mn-lt"/>
+                          <a:ea typeface="+mn-ea"/>
+                          <a:cs typeface="+mn-cs"/>
+                        </a:rPr>
+                        <a:t>简单实现</a:t>
+                      </a:r>
+                      <a:endParaRPr lang="zh-CN" altLang="en-US" dirty="0"/>
+                    </a:p>
+                  </a:txBody>
+                  <a:tcPr anchor="ctr"/>
+                </a:tc>
+                <a:tc>
+                  <a:txBody>
+                    <a:bodyPr/>
+                    <a:lstStyle/>
+                    <a:p>
+                      <a:pPr marL="0" indent="0" algn="l">
+                        <a:buFontTx/>
+                        <a:buNone/>
+                      </a:pPr>
+                      <a:r>
+                        <a:rPr lang="en-US" altLang="zh-CN" sz="1800" b="0" i="0" kern="1200" dirty="0">
+                          <a:solidFill>
+                            <a:schemeClr val="dk1"/>
+                          </a:solidFill>
+                          <a:effectLst/>
+                          <a:latin typeface="+mn-lt"/>
+                          <a:ea typeface="+mn-ea"/>
+                          <a:cs typeface="+mn-cs"/>
+                        </a:rPr>
+                        <a:t>- </a:t>
+                      </a:r>
+                      <a:r>
+                        <a:rPr lang="zh-CN" altLang="en-US" sz="1800" b="0" i="0" kern="1200" dirty="0">
+                          <a:solidFill>
+                            <a:schemeClr val="dk1"/>
+                          </a:solidFill>
+                          <a:effectLst/>
+                          <a:latin typeface="+mn-lt"/>
+                          <a:ea typeface="+mn-ea"/>
+                          <a:cs typeface="+mn-cs"/>
+                        </a:rPr>
+                        <a:t>存在悬停问题 </a:t>
+                      </a:r>
+                      <a:endParaRPr lang="en-US" altLang="zh-CN" sz="1800" b="0" i="0" kern="1200" dirty="0">
+                        <a:solidFill>
+                          <a:schemeClr val="dk1"/>
+                        </a:solidFill>
+                        <a:effectLst/>
+                        <a:latin typeface="+mn-lt"/>
+                        <a:ea typeface="+mn-ea"/>
+                        <a:cs typeface="+mn-cs"/>
+                      </a:endParaRPr>
+                    </a:p>
+                    <a:p>
+                      <a:pPr marL="0" indent="0" algn="l">
+                        <a:buFontTx/>
+                        <a:buNone/>
+                      </a:pPr>
+                      <a:r>
+                        <a:rPr lang="en-US" altLang="zh-CN" sz="1800" b="0" i="0" kern="1200" dirty="0">
+                          <a:solidFill>
+                            <a:schemeClr val="dk1"/>
+                          </a:solidFill>
+                          <a:effectLst/>
+                          <a:latin typeface="+mn-lt"/>
+                          <a:ea typeface="+mn-ea"/>
+                          <a:cs typeface="+mn-cs"/>
+                        </a:rPr>
+                        <a:t>- </a:t>
+                      </a:r>
+                      <a:r>
+                        <a:rPr lang="zh-CN" altLang="en-US" sz="1800" b="0" i="0" kern="1200" dirty="0">
+                          <a:solidFill>
+                            <a:schemeClr val="dk1"/>
+                          </a:solidFill>
+                          <a:effectLst/>
+                          <a:latin typeface="+mn-lt"/>
+                          <a:ea typeface="+mn-ea"/>
+                          <a:cs typeface="+mn-cs"/>
+                        </a:rPr>
+                        <a:t>难以处理动态障碍物</a:t>
+                      </a:r>
+                      <a:endParaRPr lang="zh-CN" altLang="en-US" dirty="0"/>
+                    </a:p>
+                  </a:txBody>
+                  <a:tcPr anchor="ctr"/>
+                </a:tc>
+                <a:extLst>
+                  <a:ext uri="{0D108BD9-81ED-4DB2-BD59-A6C34878D82A}">
+                    <a16:rowId xmlns:a16="http://schemas.microsoft.com/office/drawing/2014/main" val="380146791"/>
+                  </a:ext>
+                </a:extLst>
+              </a:tr>
+              <a:tr h="920949">
+                <a:tc>
+                  <a:txBody>
+                    <a:bodyPr/>
+                    <a:lstStyle/>
+                    <a:p>
+                      <a:pPr algn="ctr"/>
+                      <a:r>
+                        <a:rPr lang="zh-CN" altLang="en-US" sz="1800" b="1" i="0" kern="1200" dirty="0">
+                          <a:solidFill>
+                            <a:schemeClr val="dk1"/>
+                          </a:solidFill>
+                          <a:effectLst/>
+                          <a:latin typeface="+mn-lt"/>
+                          <a:ea typeface="+mn-ea"/>
+                          <a:cs typeface="+mn-cs"/>
+                        </a:rPr>
+                        <a:t>模型预测控制</a:t>
+                      </a:r>
+                      <a:endParaRPr lang="zh-CN" altLang="en-US" dirty="0"/>
+                    </a:p>
+                  </a:txBody>
+                  <a:tcPr anchor="ctr"/>
+                </a:tc>
+                <a:tc>
+                  <a:txBody>
+                    <a:bodyPr/>
+                    <a:lstStyle/>
+                    <a:p>
+                      <a:pPr algn="just"/>
+                      <a:r>
+                        <a:rPr lang="zh-CN" altLang="en-US" sz="1800" b="0" i="0" kern="1200" dirty="0">
+                          <a:solidFill>
+                            <a:schemeClr val="dk1"/>
+                          </a:solidFill>
+                          <a:effectLst/>
+                          <a:latin typeface="+mn-lt"/>
+                          <a:ea typeface="+mn-ea"/>
+                          <a:cs typeface="+mn-cs"/>
+                        </a:rPr>
+                        <a:t>利用动态模型和环境信息进行未来状态预测</a:t>
+                      </a:r>
+                      <a:endParaRPr lang="zh-CN" altLang="en-US" dirty="0"/>
+                    </a:p>
+                  </a:txBody>
+                  <a:tcPr anchor="ctr"/>
+                </a:tc>
+                <a:tc>
+                  <a:txBody>
+                    <a:bodyPr/>
+                    <a:lstStyle/>
+                    <a:p>
+                      <a:pPr marL="0" indent="0" algn="l">
+                        <a:buFontTx/>
+                        <a:buNone/>
+                      </a:pPr>
+                      <a:r>
+                        <a:rPr lang="en-US" altLang="zh-CN" dirty="0"/>
+                        <a:t>-  </a:t>
+                      </a:r>
+                      <a:r>
+                        <a:rPr lang="zh-CN" altLang="en-US" dirty="0"/>
+                        <a:t>适用于复杂动态环境 </a:t>
+                      </a:r>
+                      <a:endParaRPr lang="en-US" altLang="zh-CN" dirty="0"/>
+                    </a:p>
+                    <a:p>
+                      <a:pPr marL="0" indent="0" algn="l">
+                        <a:buFontTx/>
+                        <a:buNone/>
+                      </a:pPr>
+                      <a:r>
+                        <a:rPr lang="en-US" altLang="zh-CN" dirty="0"/>
+                        <a:t>-  </a:t>
+                      </a:r>
+                      <a:r>
+                        <a:rPr lang="zh-CN" altLang="en-US" dirty="0"/>
+                        <a:t>高级别路径规划</a:t>
+                      </a:r>
+                    </a:p>
+                  </a:txBody>
+                  <a:tcPr anchor="ctr"/>
+                </a:tc>
+                <a:tc>
+                  <a:txBody>
+                    <a:bodyPr/>
+                    <a:lstStyle/>
+                    <a:p>
+                      <a:pPr marL="0" indent="0" algn="l">
+                        <a:buFontTx/>
+                        <a:buNone/>
+                      </a:pPr>
+                      <a:r>
+                        <a:rPr lang="en-US" altLang="zh-CN" sz="1800" b="0" i="0" kern="1200" dirty="0">
+                          <a:solidFill>
+                            <a:schemeClr val="dk1"/>
+                          </a:solidFill>
+                          <a:effectLst/>
+                          <a:latin typeface="+mn-lt"/>
+                          <a:ea typeface="+mn-ea"/>
+                          <a:cs typeface="+mn-cs"/>
+                        </a:rPr>
+                        <a:t>- </a:t>
+                      </a:r>
+                      <a:r>
+                        <a:rPr lang="zh-CN" altLang="en-US" sz="1800" b="0" i="0" kern="1200" dirty="0">
+                          <a:solidFill>
+                            <a:schemeClr val="dk1"/>
+                          </a:solidFill>
+                          <a:effectLst/>
+                          <a:latin typeface="+mn-lt"/>
+                          <a:ea typeface="+mn-ea"/>
+                          <a:cs typeface="+mn-cs"/>
+                        </a:rPr>
+                        <a:t>计算复杂度高 </a:t>
+                      </a:r>
+                      <a:endParaRPr lang="en-US" altLang="zh-CN" sz="1800" b="0" i="0" kern="1200" dirty="0">
+                        <a:solidFill>
+                          <a:schemeClr val="dk1"/>
+                        </a:solidFill>
+                        <a:effectLst/>
+                        <a:latin typeface="+mn-lt"/>
+                        <a:ea typeface="+mn-ea"/>
+                        <a:cs typeface="+mn-cs"/>
+                      </a:endParaRPr>
+                    </a:p>
+                    <a:p>
+                      <a:pPr marL="0" indent="0" algn="l">
+                        <a:buFontTx/>
+                        <a:buNone/>
+                      </a:pPr>
+                      <a:r>
+                        <a:rPr lang="en-US" altLang="zh-CN" sz="1800" b="0" i="0" kern="1200" dirty="0">
+                          <a:solidFill>
+                            <a:schemeClr val="dk1"/>
+                          </a:solidFill>
+                          <a:effectLst/>
+                          <a:latin typeface="+mn-lt"/>
+                          <a:ea typeface="+mn-ea"/>
+                          <a:cs typeface="+mn-cs"/>
+                        </a:rPr>
+                        <a:t>- </a:t>
+                      </a:r>
+                      <a:r>
+                        <a:rPr lang="zh-CN" altLang="en-US" sz="1800" b="0" i="0" kern="1200" dirty="0">
+                          <a:solidFill>
+                            <a:schemeClr val="dk1"/>
+                          </a:solidFill>
+                          <a:effectLst/>
+                          <a:latin typeface="+mn-lt"/>
+                          <a:ea typeface="+mn-ea"/>
+                          <a:cs typeface="+mn-cs"/>
+                        </a:rPr>
+                        <a:t>实时性要求高的场景较困难</a:t>
+                      </a:r>
+                      <a:endParaRPr lang="zh-CN" altLang="en-US" dirty="0"/>
+                    </a:p>
+                  </a:txBody>
+                  <a:tcPr anchor="ctr"/>
+                </a:tc>
+                <a:extLst>
+                  <a:ext uri="{0D108BD9-81ED-4DB2-BD59-A6C34878D82A}">
+                    <a16:rowId xmlns:a16="http://schemas.microsoft.com/office/drawing/2014/main" val="2650091102"/>
+                  </a:ext>
+                </a:extLst>
+              </a:tr>
+            </a:tbl>
+          </a:graphicData>
+        </a:graphic>
+      </p:graphicFrame>
+    </p:spTree>
+    <p:extLst>
+      <p:ext uri="{BB962C8B-B14F-4D97-AF65-F5344CB8AC3E}">
+        <p14:creationId xmlns:p14="http://schemas.microsoft.com/office/powerpoint/2010/main" val="1062590875"/>
+      </p:ext>
+    </p:extLst>
+  </p:cSld>
+  <p:clrMapOvr>
+    <a:masterClrMapping/>
+  </p:clrMapOvr>
+  <mc:AlternateContent xmlns:mc="http://schemas.openxmlformats.org/markup-compatibility/2006" xmlns:p14="http://schemas.microsoft.com/office/powerpoint/2010/main">
+    <mc:Choice Requires="p14">
+      <p:transition spd="slow" p14:dur="898" advClick="0" advTm="5000"/>
+    </mc:Choice>
+    <mc:Fallback xmlns="">
+      <p:transition spd="slow" advClick="0" advTm="5000"/>
+    </mc:Fallback>
+  </mc:AlternateContent>
+</p:sld>
+</file>
+
+<file path=ppt/slides/slide11.xml><?xml version="1.0" encoding="utf-8"?>
+<p:sld xmlns:a="http://schemas.openxmlformats.org/drawingml/2006/main" xmlns:r="http://schemas.openxmlformats.org/officeDocument/2006/relationships" xmlns:p="http://schemas.openxmlformats.org/presentationml/2006/main">
+  <p:cSld>
+    <p:spTree>
+      <p:nvGrpSpPr>
+        <p:cNvPr id="1" name=""/>
+        <p:cNvGrpSpPr/>
+        <p:nvPr/>
+      </p:nvGrpSpPr>
+      <p:grpSpPr>
+        <a:xfrm>
+          <a:off x="0" y="0"/>
+          <a:ext cx="0" cy="0"/>
+          <a:chOff x="0" y="0"/>
+          <a:chExt cx="0" cy="0"/>
+        </a:xfrm>
+      </p:grpSpPr>
+      <p:sp>
+        <p:nvSpPr>
+          <p:cNvPr id="6" name="矩形 5"/>
+          <p:cNvSpPr/>
+          <p:nvPr/>
+        </p:nvSpPr>
+        <p:spPr>
+          <a:xfrm flipH="1">
+            <a:off x="0" y="133648"/>
+            <a:ext cx="2954655" cy="461665"/>
+          </a:xfrm>
+          <a:prstGeom prst="rect">
+            <a:avLst/>
+          </a:prstGeom>
+        </p:spPr>
+        <p:txBody>
+          <a:bodyPr wrap="none">
+            <a:spAutoFit/>
+          </a:bodyPr>
+          <a:lstStyle/>
+          <a:p>
+            <a:pPr algn="r"/>
+            <a:r>
+              <a:rPr lang="zh-CN" altLang="en-US" sz="2400" b="1" dirty="0">
+                <a:solidFill>
+                  <a:schemeClr val="bg1"/>
+                </a:solidFill>
+                <a:latin typeface="+mn-ea"/>
+              </a:rPr>
+              <a:t>四、国内外研究动态</a:t>
+            </a:r>
+          </a:p>
+        </p:txBody>
+      </p:sp>
+      <p:grpSp>
+        <p:nvGrpSpPr>
+          <p:cNvPr id="9" name="组合 8">
+            <a:extLst>
+              <a:ext uri="{FF2B5EF4-FFF2-40B4-BE49-F238E27FC236}">
+                <a16:creationId xmlns:a16="http://schemas.microsoft.com/office/drawing/2014/main" id="{8436F706-4D3D-498D-8614-CC9B9C217BD3}"/>
+              </a:ext>
+            </a:extLst>
+          </p:cNvPr>
+          <p:cNvGrpSpPr/>
+          <p:nvPr/>
+        </p:nvGrpSpPr>
+        <p:grpSpPr>
+          <a:xfrm>
+            <a:off x="0" y="899886"/>
+            <a:ext cx="2696757" cy="579019"/>
+            <a:chOff x="-537028" y="812630"/>
+            <a:chExt cx="2696757" cy="579019"/>
+          </a:xfrm>
+        </p:grpSpPr>
+        <p:sp>
+          <p:nvSpPr>
+            <p:cNvPr id="11" name="Freeform 190">
+              <a:extLst>
+                <a:ext uri="{FF2B5EF4-FFF2-40B4-BE49-F238E27FC236}">
+                  <a16:creationId xmlns:a16="http://schemas.microsoft.com/office/drawing/2014/main" id="{C63FB880-A5B1-4353-8D93-8B9135D1C42F}"/>
+                </a:ext>
+              </a:extLst>
+            </p:cNvPr>
+            <p:cNvSpPr/>
+            <p:nvPr/>
+          </p:nvSpPr>
+          <p:spPr bwMode="auto">
+            <a:xfrm>
+              <a:off x="-537028" y="812630"/>
+              <a:ext cx="2696757" cy="579019"/>
+            </a:xfrm>
+            <a:custGeom>
+              <a:avLst/>
+              <a:gdLst>
+                <a:gd name="T0" fmla="*/ 298 w 298"/>
+                <a:gd name="T1" fmla="*/ 36 h 71"/>
+                <a:gd name="T2" fmla="*/ 256 w 298"/>
+                <a:gd name="T3" fmla="*/ 71 h 71"/>
+                <a:gd name="T4" fmla="*/ 0 w 298"/>
+                <a:gd name="T5" fmla="*/ 71 h 71"/>
+                <a:gd name="T6" fmla="*/ 0 w 298"/>
+                <a:gd name="T7" fmla="*/ 0 h 71"/>
+                <a:gd name="T8" fmla="*/ 256 w 298"/>
+                <a:gd name="T9" fmla="*/ 0 h 71"/>
+                <a:gd name="T10" fmla="*/ 298 w 298"/>
+                <a:gd name="T11" fmla="*/ 36 h 71"/>
+              </a:gdLst>
+              <a:ahLst/>
+              <a:cxnLst>
+                <a:cxn ang="0">
+                  <a:pos x="T0" y="T1"/>
+                </a:cxn>
+                <a:cxn ang="0">
+                  <a:pos x="T2" y="T3"/>
+                </a:cxn>
+                <a:cxn ang="0">
+                  <a:pos x="T4" y="T5"/>
+                </a:cxn>
+                <a:cxn ang="0">
+                  <a:pos x="T6" y="T7"/>
+                </a:cxn>
+                <a:cxn ang="0">
+                  <a:pos x="T8" y="T9"/>
+                </a:cxn>
+                <a:cxn ang="0">
+                  <a:pos x="T10" y="T11"/>
+                </a:cxn>
+              </a:cxnLst>
+              <a:rect l="0" t="0" r="r" b="b"/>
+              <a:pathLst>
+                <a:path w="298" h="71">
+                  <a:moveTo>
+                    <a:pt x="298" y="36"/>
+                  </a:moveTo>
+                  <a:lnTo>
+                    <a:pt x="256" y="71"/>
+                  </a:lnTo>
+                  <a:lnTo>
+                    <a:pt x="0" y="71"/>
+                  </a:lnTo>
+                  <a:lnTo>
+                    <a:pt x="0" y="0"/>
+                  </a:lnTo>
+                  <a:lnTo>
+                    <a:pt x="256" y="0"/>
+                  </a:lnTo>
+                  <a:lnTo>
+                    <a:pt x="298" y="36"/>
+                  </a:lnTo>
+                  <a:close/>
+                </a:path>
+              </a:pathLst>
+            </a:custGeom>
+            <a:solidFill>
+              <a:schemeClr val="accent2"/>
+            </a:solidFill>
+            <a:ln>
+              <a:noFill/>
+            </a:ln>
+            <a:effectLst>
+              <a:outerShdw blurRad="63500" algn="ctr" rotWithShape="0">
+                <a:prstClr val="black">
+                  <a:alpha val="40000"/>
+                </a:prstClr>
+              </a:outerShdw>
+            </a:effectLst>
+          </p:spPr>
+          <p:style>
+            <a:lnRef idx="2">
+              <a:schemeClr val="accent1">
+                <a:shade val="50000"/>
+              </a:schemeClr>
+            </a:lnRef>
+            <a:fillRef idx="1">
+              <a:schemeClr val="accent1"/>
+            </a:fillRef>
+            <a:effectRef idx="0">
+              <a:schemeClr val="accent1"/>
+            </a:effectRef>
+            <a:fontRef idx="minor">
+              <a:schemeClr val="lt1"/>
+            </a:fontRef>
+          </p:style>
+          <p:txBody>
+            <a:bodyPr rot="0" spcFirstLastPara="0" vertOverflow="overflow" horzOverflow="overflow" vert="horz" wrap="square" lIns="91440" tIns="45720" rIns="91440" bIns="45720" numCol="1" spcCol="0" rtlCol="0" fromWordArt="0" anchor="ctr" anchorCtr="0" forceAA="0" compatLnSpc="1">
+              <a:noAutofit/>
+            </a:bodyPr>
+            <a:lstStyle/>
+            <a:p>
+              <a:pPr algn="ctr"/>
+              <a:endParaRPr lang="en-US" b="1" dirty="0">
+                <a:solidFill>
+                  <a:schemeClr val="bg1"/>
+                </a:solidFill>
+                <a:latin typeface="+mn-ea"/>
+              </a:endParaRPr>
+            </a:p>
+          </p:txBody>
+        </p:sp>
+        <p:sp>
+          <p:nvSpPr>
+            <p:cNvPr id="12" name="矩形 11">
+              <a:extLst>
+                <a:ext uri="{FF2B5EF4-FFF2-40B4-BE49-F238E27FC236}">
+                  <a16:creationId xmlns:a16="http://schemas.microsoft.com/office/drawing/2014/main" id="{D7328D63-BE60-472E-A109-87570232A744}"/>
+                </a:ext>
+              </a:extLst>
+            </p:cNvPr>
+            <p:cNvSpPr/>
+            <p:nvPr/>
+          </p:nvSpPr>
+          <p:spPr>
+            <a:xfrm flipH="1">
               <a:off x="-383364" y="917473"/>
               <a:ext cx="1867819" cy="369332"/>
             </a:xfrm>
@@ -5494,7 +6757,7 @@
 </p:sld>
 </file>
 
-<file path=ppt/slides/slide11.xml><?xml version="1.0" encoding="utf-8"?>
+<file path=ppt/slides/slide12.xml><?xml version="1.0" encoding="utf-8"?>
 <p:sld xmlns:a="http://schemas.openxmlformats.org/drawingml/2006/main" xmlns:r="http://schemas.openxmlformats.org/officeDocument/2006/relationships" xmlns:p="http://schemas.openxmlformats.org/presentationml/2006/main">
   <p:cSld>
     <p:spTree>
@@ -6332,7 +7595,7 @@
 </p:sld>
 </file>
 
-<file path=ppt/slides/slide12.xml><?xml version="1.0" encoding="utf-8"?>
+<file path=ppt/slides/slide13.xml><?xml version="1.0" encoding="utf-8"?>
 <p:sld xmlns:a="http://schemas.openxmlformats.org/drawingml/2006/main" xmlns:r="http://schemas.openxmlformats.org/officeDocument/2006/relationships" xmlns:p="http://schemas.openxmlformats.org/presentationml/2006/main">
   <p:cSld>
     <p:spTree>
@@ -6999,7 +8262,7 @@
 </p:sld>
 </file>
 
-<file path=ppt/slides/slide13.xml><?xml version="1.0" encoding="utf-8"?>
+<file path=ppt/slides/slide14.xml><?xml version="1.0" encoding="utf-8"?>
 <p:sld xmlns:a="http://schemas.openxmlformats.org/drawingml/2006/main" xmlns:r="http://schemas.openxmlformats.org/officeDocument/2006/relationships" xmlns:p="http://schemas.openxmlformats.org/presentationml/2006/main">
   <p:cSld>
     <p:spTree>
@@ -9441,7 +10704,7 @@
 </p:sld>
 </file>
 
-<file path=ppt/slides/slide14.xml><?xml version="1.0" encoding="utf-8"?>
+<file path=ppt/slides/slide15.xml><?xml version="1.0" encoding="utf-8"?>
 <p:sld xmlns:a="http://schemas.openxmlformats.org/drawingml/2006/main" xmlns:r="http://schemas.openxmlformats.org/officeDocument/2006/relationships" xmlns:p="http://schemas.openxmlformats.org/presentationml/2006/main">
   <p:cSld>
     <p:spTree>
@@ -9715,7 +10978,7 @@
 </p:sld>
 </file>
 
-<file path=ppt/slides/slide15.xml><?xml version="1.0" encoding="utf-8"?>
+<file path=ppt/slides/slide16.xml><?xml version="1.0" encoding="utf-8"?>
 <p:sld xmlns:a="http://schemas.openxmlformats.org/drawingml/2006/main" xmlns:r="http://schemas.openxmlformats.org/officeDocument/2006/relationships" xmlns:p="http://schemas.openxmlformats.org/presentationml/2006/main">
   <p:cSld>
     <p:spTree>
@@ -9781,7 +11044,7 @@
         <p:spPr>
           <a:xfrm>
             <a:off x="1514246" y="1618426"/>
-            <a:ext cx="9374723" cy="3782895"/>
+            <a:ext cx="9374723" cy="2951898"/>
           </a:xfrm>
           <a:prstGeom prst="rect">
             <a:avLst/>
@@ -9843,7 +11106,7 @@
                 <a:latin typeface="+mn-ea"/>
                 <a:sym typeface="Arial" panose="020B0604020202020204" pitchFamily="34" charset="0"/>
               </a:rPr>
-              <a:t>不考虑链路预测准确率的情况下，研究复杂网络中链路推荐策略，以提升网络直径、平均最短路径等通信效率指标</a:t>
+              <a:t>设计新的加边策略，添加一定数量的边，优化网络结构，提升网络的攻击鲁棒性，使网络能更好的应对节点攻击后的级联失效</a:t>
             </a:r>
             <a:endParaRPr lang="en-US" altLang="zh-CN" dirty="0">
               <a:solidFill>
@@ -9875,39 +11138,7 @@
                 <a:latin typeface="+mn-ea"/>
                 <a:sym typeface="Arial" panose="020B0604020202020204" pitchFamily="34" charset="0"/>
               </a:rPr>
-              <a:t>设计加边策略，添加一定数量的边，优化网络结构，提升网络的攻击鲁棒性，使网络能更好的应对节点攻击后的级联失效</a:t>
-            </a:r>
-            <a:endParaRPr lang="en-US" altLang="zh-CN" dirty="0">
-              <a:solidFill>
-                <a:schemeClr val="tx1">
-                  <a:lumMod val="75000"/>
-                  <a:lumOff val="25000"/>
-                </a:schemeClr>
-              </a:solidFill>
-              <a:latin typeface="+mn-ea"/>
-              <a:sym typeface="Arial" panose="020B0604020202020204" pitchFamily="34" charset="0"/>
-            </a:endParaRPr>
-          </a:p>
-          <a:p>
-            <a:pPr marL="342900" indent="-342900" algn="just">
-              <a:lnSpc>
-                <a:spcPct val="150000"/>
-              </a:lnSpc>
-              <a:buFont typeface="+mj-lt"/>
-              <a:buAutoNum type="arabicPeriod"/>
-            </a:pPr>
-            <a:r>
-              <a:rPr lang="zh-CN" altLang="en-US" dirty="0">
-                <a:solidFill>
-                  <a:schemeClr val="tx1">
-                    <a:lumMod val="75000"/>
-                    <a:lumOff val="25000"/>
-                  </a:schemeClr>
-                </a:solidFill>
-                <a:latin typeface="+mn-ea"/>
-                <a:sym typeface="Arial" panose="020B0604020202020204" pitchFamily="34" charset="0"/>
-              </a:rPr>
-              <a:t>当网络遭受攻击或破坏时，结构损毁也会破坏网络中社区的结构，影响到系统的正常运转。定义一个网络社区结构的鲁棒性指标，以评估受损后网络社区结构的完整性。针对定义的指标，推荐加边策略（或者重连），以改进网络社区结构的鲁棒性</a:t>
+              <a:t>当网络遭受攻击或破坏时，结构损毁也会破坏网络中社区的结构，影响到系统的正常运转。定义一个网络社区结构的鲁棒性指标，以评估受损后网络社区结构的完整性。针对定义的指标，推荐加边策略，以改进网络社区结构的鲁棒性</a:t>
             </a:r>
             <a:endParaRPr lang="en-US" altLang="zh-CN" dirty="0">
               <a:solidFill>
@@ -9986,7 +11217,7 @@
 </p:sld>
 </file>
 
-<file path=ppt/slides/slide16.xml><?xml version="1.0" encoding="utf-8"?>
+<file path=ppt/slides/slide17.xml><?xml version="1.0" encoding="utf-8"?>
 <p:sld xmlns:a="http://schemas.openxmlformats.org/drawingml/2006/main" xmlns:r="http://schemas.openxmlformats.org/officeDocument/2006/relationships" xmlns:p="http://schemas.openxmlformats.org/presentationml/2006/main">
   <p:cSld>
     <p:spTree>
@@ -11282,7 +12513,7 @@
 </p:sld>
 </file>
 
-<file path=ppt/slides/slide17.xml><?xml version="1.0" encoding="utf-8"?>
+<file path=ppt/slides/slide18.xml><?xml version="1.0" encoding="utf-8"?>
 <p:sld xmlns:a="http://schemas.openxmlformats.org/drawingml/2006/main" xmlns:r="http://schemas.openxmlformats.org/officeDocument/2006/relationships" xmlns:p="http://schemas.openxmlformats.org/presentationml/2006/main">
   <p:cSld>
     <p:spTree>
@@ -15701,6 +16932,1079 @@
           <a:chExt cx="0" cy="0"/>
         </a:xfrm>
       </p:grpSpPr>
+      <p:sp>
+        <p:nvSpPr>
+          <p:cNvPr id="6" name="矩形 5"/>
+          <p:cNvSpPr/>
+          <p:nvPr/>
+        </p:nvSpPr>
+        <p:spPr>
+          <a:xfrm flipH="1">
+            <a:off x="0" y="133648"/>
+            <a:ext cx="2954655" cy="461665"/>
+          </a:xfrm>
+          <a:prstGeom prst="rect">
+            <a:avLst/>
+          </a:prstGeom>
+        </p:spPr>
+        <p:txBody>
+          <a:bodyPr wrap="none">
+            <a:spAutoFit/>
+          </a:bodyPr>
+          <a:lstStyle/>
+          <a:p>
+            <a:pPr algn="r"/>
+            <a:r>
+              <a:rPr lang="zh-CN" altLang="en-US" sz="2400" b="1" dirty="0">
+                <a:solidFill>
+                  <a:schemeClr val="bg1"/>
+                </a:solidFill>
+                <a:latin typeface="+mn-ea"/>
+              </a:rPr>
+              <a:t>二、国内外研究动态</a:t>
+            </a:r>
+          </a:p>
+        </p:txBody>
+      </p:sp>
+      <p:grpSp>
+        <p:nvGrpSpPr>
+          <p:cNvPr id="9" name="组合 8">
+            <a:extLst>
+              <a:ext uri="{FF2B5EF4-FFF2-40B4-BE49-F238E27FC236}">
+                <a16:creationId xmlns:a16="http://schemas.microsoft.com/office/drawing/2014/main" id="{8436F706-4D3D-498D-8614-CC9B9C217BD3}"/>
+              </a:ext>
+            </a:extLst>
+          </p:cNvPr>
+          <p:cNvGrpSpPr/>
+          <p:nvPr/>
+        </p:nvGrpSpPr>
+        <p:grpSpPr>
+          <a:xfrm>
+            <a:off x="-1" y="899886"/>
+            <a:ext cx="2696758" cy="579019"/>
+            <a:chOff x="-537029" y="812630"/>
+            <a:chExt cx="2696758" cy="579019"/>
+          </a:xfrm>
+        </p:grpSpPr>
+        <p:sp>
+          <p:nvSpPr>
+            <p:cNvPr id="11" name="Freeform 190">
+              <a:extLst>
+                <a:ext uri="{FF2B5EF4-FFF2-40B4-BE49-F238E27FC236}">
+                  <a16:creationId xmlns:a16="http://schemas.microsoft.com/office/drawing/2014/main" id="{C63FB880-A5B1-4353-8D93-8B9135D1C42F}"/>
+                </a:ext>
+              </a:extLst>
+            </p:cNvPr>
+            <p:cNvSpPr/>
+            <p:nvPr/>
+          </p:nvSpPr>
+          <p:spPr bwMode="auto">
+            <a:xfrm>
+              <a:off x="-537028" y="812630"/>
+              <a:ext cx="2696757" cy="579019"/>
+            </a:xfrm>
+            <a:custGeom>
+              <a:avLst/>
+              <a:gdLst>
+                <a:gd name="T0" fmla="*/ 298 w 298"/>
+                <a:gd name="T1" fmla="*/ 36 h 71"/>
+                <a:gd name="T2" fmla="*/ 256 w 298"/>
+                <a:gd name="T3" fmla="*/ 71 h 71"/>
+                <a:gd name="T4" fmla="*/ 0 w 298"/>
+                <a:gd name="T5" fmla="*/ 71 h 71"/>
+                <a:gd name="T6" fmla="*/ 0 w 298"/>
+                <a:gd name="T7" fmla="*/ 0 h 71"/>
+                <a:gd name="T8" fmla="*/ 256 w 298"/>
+                <a:gd name="T9" fmla="*/ 0 h 71"/>
+                <a:gd name="T10" fmla="*/ 298 w 298"/>
+                <a:gd name="T11" fmla="*/ 36 h 71"/>
+              </a:gdLst>
+              <a:ahLst/>
+              <a:cxnLst>
+                <a:cxn ang="0">
+                  <a:pos x="T0" y="T1"/>
+                </a:cxn>
+                <a:cxn ang="0">
+                  <a:pos x="T2" y="T3"/>
+                </a:cxn>
+                <a:cxn ang="0">
+                  <a:pos x="T4" y="T5"/>
+                </a:cxn>
+                <a:cxn ang="0">
+                  <a:pos x="T6" y="T7"/>
+                </a:cxn>
+                <a:cxn ang="0">
+                  <a:pos x="T8" y="T9"/>
+                </a:cxn>
+                <a:cxn ang="0">
+                  <a:pos x="T10" y="T11"/>
+                </a:cxn>
+              </a:cxnLst>
+              <a:rect l="0" t="0" r="r" b="b"/>
+              <a:pathLst>
+                <a:path w="298" h="71">
+                  <a:moveTo>
+                    <a:pt x="298" y="36"/>
+                  </a:moveTo>
+                  <a:lnTo>
+                    <a:pt x="256" y="71"/>
+                  </a:lnTo>
+                  <a:lnTo>
+                    <a:pt x="0" y="71"/>
+                  </a:lnTo>
+                  <a:lnTo>
+                    <a:pt x="0" y="0"/>
+                  </a:lnTo>
+                  <a:lnTo>
+                    <a:pt x="256" y="0"/>
+                  </a:lnTo>
+                  <a:lnTo>
+                    <a:pt x="298" y="36"/>
+                  </a:lnTo>
+                  <a:close/>
+                </a:path>
+              </a:pathLst>
+            </a:custGeom>
+            <a:solidFill>
+              <a:schemeClr val="accent2"/>
+            </a:solidFill>
+            <a:ln>
+              <a:noFill/>
+            </a:ln>
+            <a:effectLst>
+              <a:outerShdw blurRad="63500" algn="ctr" rotWithShape="0">
+                <a:prstClr val="black">
+                  <a:alpha val="40000"/>
+                </a:prstClr>
+              </a:outerShdw>
+            </a:effectLst>
+          </p:spPr>
+          <p:style>
+            <a:lnRef idx="2">
+              <a:schemeClr val="accent1">
+                <a:shade val="50000"/>
+              </a:schemeClr>
+            </a:lnRef>
+            <a:fillRef idx="1">
+              <a:schemeClr val="accent1"/>
+            </a:fillRef>
+            <a:effectRef idx="0">
+              <a:schemeClr val="accent1"/>
+            </a:effectRef>
+            <a:fontRef idx="minor">
+              <a:schemeClr val="lt1"/>
+            </a:fontRef>
+          </p:style>
+          <p:txBody>
+            <a:bodyPr rot="0" spcFirstLastPara="0" vertOverflow="overflow" horzOverflow="overflow" vert="horz" wrap="square" lIns="91440" tIns="45720" rIns="91440" bIns="45720" numCol="1" spcCol="0" rtlCol="0" fromWordArt="0" anchor="ctr" anchorCtr="0" forceAA="0" compatLnSpc="1">
+              <a:noAutofit/>
+            </a:bodyPr>
+            <a:lstStyle/>
+            <a:p>
+              <a:pPr algn="ctr"/>
+              <a:endParaRPr lang="en-US" b="1" dirty="0">
+                <a:solidFill>
+                  <a:schemeClr val="bg1"/>
+                </a:solidFill>
+                <a:latin typeface="+mn-ea"/>
+              </a:endParaRPr>
+            </a:p>
+          </p:txBody>
+        </p:sp>
+        <p:sp>
+          <p:nvSpPr>
+            <p:cNvPr id="12" name="矩形 11">
+              <a:extLst>
+                <a:ext uri="{FF2B5EF4-FFF2-40B4-BE49-F238E27FC236}">
+                  <a16:creationId xmlns:a16="http://schemas.microsoft.com/office/drawing/2014/main" id="{D7328D63-BE60-472E-A109-87570232A744}"/>
+                </a:ext>
+              </a:extLst>
+            </p:cNvPr>
+            <p:cNvSpPr/>
+            <p:nvPr/>
+          </p:nvSpPr>
+          <p:spPr>
+            <a:xfrm flipH="1">
+              <a:off x="-537029" y="919312"/>
+              <a:ext cx="2319867" cy="369332"/>
+            </a:xfrm>
+            <a:prstGeom prst="rect">
+              <a:avLst/>
+            </a:prstGeom>
+          </p:spPr>
+          <p:txBody>
+            <a:bodyPr wrap="none">
+              <a:spAutoFit/>
+            </a:bodyPr>
+            <a:lstStyle/>
+            <a:p>
+              <a:pPr marL="285750" indent="-285750" algn="r">
+                <a:buFont typeface="Wingdings" panose="05000000000000000000" pitchFamily="2" charset="2"/>
+                <a:buChar char="Ø"/>
+              </a:pPr>
+              <a:r>
+                <a:rPr lang="zh-CN" altLang="en-US" b="1" dirty="0">
+                  <a:solidFill>
+                    <a:schemeClr val="bg1"/>
+                  </a:solidFill>
+                  <a:latin typeface="+mn-ea"/>
+                </a:rPr>
+                <a:t>链路预测相关算法</a:t>
+              </a:r>
+            </a:p>
+          </p:txBody>
+        </p:sp>
+      </p:grpSp>
+      <p:graphicFrame>
+        <p:nvGraphicFramePr>
+          <p:cNvPr id="8" name="表格 7">
+            <a:extLst>
+              <a:ext uri="{FF2B5EF4-FFF2-40B4-BE49-F238E27FC236}">
+                <a16:creationId xmlns:a16="http://schemas.microsoft.com/office/drawing/2014/main" id="{45A0575A-E062-4313-AE27-DCAD7BC1E993}"/>
+              </a:ext>
+            </a:extLst>
+          </p:cNvPr>
+          <p:cNvGraphicFramePr>
+            <a:graphicFrameLocks noGrp="1"/>
+          </p:cNvGraphicFramePr>
+          <p:nvPr>
+            <p:extLst>
+              <p:ext uri="{D42A27DB-BD31-4B8C-83A1-F6EECF244321}">
+                <p14:modId xmlns:p14="http://schemas.microsoft.com/office/powerpoint/2010/main" val="3559932060"/>
+              </p:ext>
+            </p:extLst>
+          </p:nvPr>
+        </p:nvGraphicFramePr>
+        <p:xfrm>
+          <a:off x="1044366" y="1654958"/>
+          <a:ext cx="9943064" cy="4738658"/>
+        </p:xfrm>
+        <a:graphic>
+          <a:graphicData uri="http://schemas.openxmlformats.org/drawingml/2006/table">
+            <a:tbl>
+              <a:tblPr firstRow="1" bandRow="1">
+                <a:tableStyleId>{5C22544A-7EE6-4342-B048-85BDC9FD1C3A}</a:tableStyleId>
+              </a:tblPr>
+              <a:tblGrid>
+                <a:gridCol w="2686386">
+                  <a:extLst>
+                    <a:ext uri="{9D8B030D-6E8A-4147-A177-3AD203B41FA5}">
+                      <a16:colId xmlns:a16="http://schemas.microsoft.com/office/drawing/2014/main" val="4033028031"/>
+                    </a:ext>
+                  </a:extLst>
+                </a:gridCol>
+                <a:gridCol w="3174797">
+                  <a:extLst>
+                    <a:ext uri="{9D8B030D-6E8A-4147-A177-3AD203B41FA5}">
+                      <a16:colId xmlns:a16="http://schemas.microsoft.com/office/drawing/2014/main" val="770379517"/>
+                    </a:ext>
+                  </a:extLst>
+                </a:gridCol>
+                <a:gridCol w="4081881">
+                  <a:extLst>
+                    <a:ext uri="{9D8B030D-6E8A-4147-A177-3AD203B41FA5}">
+                      <a16:colId xmlns:a16="http://schemas.microsoft.com/office/drawing/2014/main" val="430895577"/>
+                    </a:ext>
+                  </a:extLst>
+                </a:gridCol>
+              </a:tblGrid>
+              <a:tr h="376035">
+                <a:tc>
+                  <a:txBody>
+                    <a:bodyPr/>
+                    <a:lstStyle/>
+                    <a:p>
+                      <a:pPr algn="ctr"/>
+                      <a:r>
+                        <a:rPr lang="zh-CN" altLang="en-US" dirty="0"/>
+                        <a:t>分类</a:t>
+                      </a:r>
+                    </a:p>
+                  </a:txBody>
+                  <a:tcPr anchor="ctr"/>
+                </a:tc>
+                <a:tc>
+                  <a:txBody>
+                    <a:bodyPr/>
+                    <a:lstStyle/>
+                    <a:p>
+                      <a:pPr algn="ctr"/>
+                      <a:r>
+                        <a:rPr lang="zh-CN" altLang="en-US" dirty="0"/>
+                        <a:t>算法</a:t>
+                      </a:r>
+                    </a:p>
+                  </a:txBody>
+                  <a:tcPr anchor="ctr"/>
+                </a:tc>
+                <a:tc>
+                  <a:txBody>
+                    <a:bodyPr/>
+                    <a:lstStyle/>
+                    <a:p>
+                      <a:pPr algn="ctr"/>
+                      <a:endParaRPr lang="zh-CN" altLang="en-US" dirty="0"/>
+                    </a:p>
+                  </a:txBody>
+                  <a:tcPr anchor="ctr"/>
+                </a:tc>
+                <a:extLst>
+                  <a:ext uri="{0D108BD9-81ED-4DB2-BD59-A6C34878D82A}">
+                    <a16:rowId xmlns:a16="http://schemas.microsoft.com/office/drawing/2014/main" val="1746818693"/>
+                  </a:ext>
+                </a:extLst>
+              </a:tr>
+              <a:tr h="979343">
+                <a:tc>
+                  <a:txBody>
+                    <a:bodyPr/>
+                    <a:lstStyle/>
+                    <a:p>
+                      <a:pPr algn="ctr"/>
+                      <a:r>
+                        <a:rPr lang="zh-CN" altLang="en-US" sz="1800" b="1" i="0" kern="1200" dirty="0">
+                          <a:solidFill>
+                            <a:schemeClr val="dk1"/>
+                          </a:solidFill>
+                          <a:effectLst/>
+                          <a:latin typeface="+mn-lt"/>
+                          <a:ea typeface="+mn-ea"/>
+                          <a:cs typeface="+mn-cs"/>
+                        </a:rPr>
+                        <a:t>基于节点属性相似性</a:t>
+                      </a:r>
+                      <a:endParaRPr lang="zh-CN" altLang="en-US" dirty="0"/>
+                    </a:p>
+                  </a:txBody>
+                  <a:tcPr anchor="ctr"/>
+                </a:tc>
+                <a:tc>
+                  <a:txBody>
+                    <a:bodyPr/>
+                    <a:lstStyle/>
+                    <a:p>
+                      <a:pPr marL="0" marR="0" lvl="0" indent="0" algn="just" defTabSz="914400" rtl="0" eaLnBrk="1" fontAlgn="auto" latinLnBrk="0" hangingPunct="1">
+                        <a:lnSpc>
+                          <a:spcPct val="100000"/>
+                        </a:lnSpc>
+                        <a:spcBef>
+                          <a:spcPts val="0"/>
+                        </a:spcBef>
+                        <a:spcAft>
+                          <a:spcPts val="0"/>
+                        </a:spcAft>
+                        <a:buClrTx/>
+                        <a:buSzTx/>
+                        <a:buFontTx/>
+                        <a:buNone/>
+                        <a:tabLst/>
+                        <a:defRPr/>
+                      </a:pPr>
+                      <a:r>
+                        <a:rPr lang="zh-CN" altLang="en-US" sz="1600" b="0" i="0" kern="1200" dirty="0">
+                          <a:solidFill>
+                            <a:schemeClr val="dk1"/>
+                          </a:solidFill>
+                          <a:effectLst/>
+                          <a:latin typeface="+mn-lt"/>
+                          <a:ea typeface="+mn-ea"/>
+                          <a:cs typeface="+mn-cs"/>
+                        </a:rPr>
+                        <a:t>两个节点的属性越相似就越可能产生联系</a:t>
+                      </a:r>
+                      <a:endParaRPr lang="zh-CN" altLang="en-US" sz="1600" dirty="0"/>
+                    </a:p>
+                  </a:txBody>
+                  <a:tcPr anchor="ctr"/>
+                </a:tc>
+                <a:tc>
+                  <a:txBody>
+                    <a:bodyPr/>
+                    <a:lstStyle/>
+                    <a:p>
+                      <a:pPr algn="l"/>
+                      <a:r>
+                        <a:rPr lang="zh-CN" altLang="en-US" sz="1600" dirty="0"/>
+                        <a:t>考察两个节点之间的年龄、职业、教育背景、兴趣、地理位置、性别、信仰等属性的相似程度</a:t>
+                      </a:r>
+                    </a:p>
+                  </a:txBody>
+                  <a:tcPr anchor="ctr"/>
+                </a:tc>
+                <a:extLst>
+                  <a:ext uri="{0D108BD9-81ED-4DB2-BD59-A6C34878D82A}">
+                    <a16:rowId xmlns:a16="http://schemas.microsoft.com/office/drawing/2014/main" val="1698343749"/>
+                  </a:ext>
+                </a:extLst>
+              </a:tr>
+              <a:tr h="226629">
+                <a:tc rowSpan="4">
+                  <a:txBody>
+                    <a:bodyPr/>
+                    <a:lstStyle/>
+                    <a:p>
+                      <a:pPr algn="ctr"/>
+                      <a:r>
+                        <a:rPr lang="zh-CN" altLang="en-US" sz="1800" b="1" i="0" kern="1200" dirty="0">
+                          <a:solidFill>
+                            <a:schemeClr val="dk1"/>
+                          </a:solidFill>
+                          <a:effectLst/>
+                          <a:latin typeface="+mn-lt"/>
+                          <a:ea typeface="+mn-ea"/>
+                          <a:cs typeface="+mn-cs"/>
+                        </a:rPr>
+                        <a:t>基于网络结构相似性</a:t>
+                      </a:r>
+                      <a:endParaRPr lang="zh-CN" altLang="en-US" dirty="0"/>
+                    </a:p>
+                  </a:txBody>
+                  <a:tcPr anchor="ctr"/>
+                </a:tc>
+                <a:tc>
+                  <a:txBody>
+                    <a:bodyPr/>
+                    <a:lstStyle/>
+                    <a:p>
+                      <a:pPr algn="just"/>
+                      <a:r>
+                        <a:rPr lang="zh-CN" altLang="en-US" sz="1600" dirty="0"/>
+                        <a:t>基于偏好连接相似性</a:t>
+                      </a:r>
+                    </a:p>
+                  </a:txBody>
+                  <a:tcPr anchor="ctr"/>
+                </a:tc>
+                <a:tc>
+                  <a:txBody>
+                    <a:bodyPr/>
+                    <a:lstStyle/>
+                    <a:p>
+                      <a:r>
+                        <a:rPr lang="en-US" altLang="zh-CN" dirty="0"/>
+                        <a:t>PA</a:t>
+                      </a:r>
+                      <a:endParaRPr lang="zh-CN" altLang="en-US" dirty="0"/>
+                    </a:p>
+                  </a:txBody>
+                  <a:tcPr anchor="ctr"/>
+                </a:tc>
+                <a:extLst>
+                  <a:ext uri="{0D108BD9-81ED-4DB2-BD59-A6C34878D82A}">
+                    <a16:rowId xmlns:a16="http://schemas.microsoft.com/office/drawing/2014/main" val="3324748921"/>
+                  </a:ext>
+                </a:extLst>
+              </a:tr>
+              <a:tr h="226629">
+                <a:tc vMerge="1">
+                  <a:txBody>
+                    <a:bodyPr/>
+                    <a:lstStyle/>
+                    <a:p>
+                      <a:endParaRPr lang="zh-CN" altLang="en-US"/>
+                    </a:p>
+                  </a:txBody>
+                  <a:tcPr/>
+                </a:tc>
+                <a:tc>
+                  <a:txBody>
+                    <a:bodyPr/>
+                    <a:lstStyle/>
+                    <a:p>
+                      <a:pPr algn="just"/>
+                      <a:r>
+                        <a:rPr lang="zh-CN" altLang="en-US" sz="1600" dirty="0"/>
+                        <a:t>基于共同邻居的指标</a:t>
+                      </a:r>
+                    </a:p>
+                  </a:txBody>
+                  <a:tcPr anchor="ctr"/>
+                </a:tc>
+                <a:tc>
+                  <a:txBody>
+                    <a:bodyPr/>
+                    <a:lstStyle/>
+                    <a:p>
+                      <a:pPr algn="l"/>
+                      <a:r>
+                        <a:rPr lang="en-US" altLang="zh-CN" sz="1500" dirty="0"/>
+                        <a:t>CN</a:t>
+                      </a:r>
+                      <a:r>
+                        <a:rPr lang="zh-CN" altLang="en-US" sz="1500" dirty="0"/>
+                        <a:t>、</a:t>
+                      </a:r>
+                      <a:r>
+                        <a:rPr lang="en-US" altLang="zh-CN" sz="1500" dirty="0"/>
+                        <a:t>Jaccard</a:t>
+                      </a:r>
+                      <a:r>
+                        <a:rPr lang="zh-CN" altLang="en-US" sz="1500" dirty="0"/>
+                        <a:t>、</a:t>
+                      </a:r>
+                      <a:r>
+                        <a:rPr lang="en-US" altLang="zh-CN" sz="1500" dirty="0"/>
+                        <a:t>Sorenson</a:t>
+                      </a:r>
+                      <a:r>
+                        <a:rPr lang="zh-CN" altLang="en-US" sz="1500" dirty="0"/>
+                        <a:t>、</a:t>
+                      </a:r>
+                      <a:r>
+                        <a:rPr lang="en-US" altLang="zh-CN" sz="1500" dirty="0"/>
+                        <a:t>HPI</a:t>
+                      </a:r>
+                      <a:r>
+                        <a:rPr lang="zh-CN" altLang="en-US" sz="1500" dirty="0"/>
+                        <a:t>、</a:t>
+                      </a:r>
+                      <a:r>
+                        <a:rPr lang="en-US" altLang="zh-CN" sz="1500" dirty="0"/>
+                        <a:t>RA</a:t>
+                      </a:r>
+                      <a:r>
+                        <a:rPr lang="zh-CN" altLang="en-US" sz="1500" dirty="0"/>
+                        <a:t>等</a:t>
+                      </a:r>
+                    </a:p>
+                  </a:txBody>
+                  <a:tcPr anchor="ctr"/>
+                </a:tc>
+                <a:extLst>
+                  <a:ext uri="{0D108BD9-81ED-4DB2-BD59-A6C34878D82A}">
+                    <a16:rowId xmlns:a16="http://schemas.microsoft.com/office/drawing/2014/main" val="1221666614"/>
+                  </a:ext>
+                </a:extLst>
+              </a:tr>
+              <a:tr h="226629">
+                <a:tc vMerge="1">
+                  <a:txBody>
+                    <a:bodyPr/>
+                    <a:lstStyle/>
+                    <a:p>
+                      <a:endParaRPr lang="zh-CN" altLang="en-US"/>
+                    </a:p>
+                  </a:txBody>
+                  <a:tcPr/>
+                </a:tc>
+                <a:tc>
+                  <a:txBody>
+                    <a:bodyPr/>
+                    <a:lstStyle/>
+                    <a:p>
+                      <a:pPr algn="just"/>
+                      <a:r>
+                        <a:rPr lang="zh-CN" altLang="en-US" sz="1600" dirty="0"/>
+                        <a:t>基于路径的相似性指标</a:t>
+                      </a:r>
+                    </a:p>
+                  </a:txBody>
+                  <a:tcPr anchor="ctr"/>
+                </a:tc>
+                <a:tc>
+                  <a:txBody>
+                    <a:bodyPr/>
+                    <a:lstStyle/>
+                    <a:p>
+                      <a:pPr algn="l"/>
+                      <a:r>
+                        <a:rPr lang="en-US" altLang="zh-CN" sz="1500" dirty="0"/>
+                        <a:t>LP*</a:t>
+                      </a:r>
+                      <a:r>
+                        <a:rPr lang="zh-CN" altLang="en-US" sz="1500" dirty="0"/>
+                        <a:t>、</a:t>
+                      </a:r>
+                      <a:r>
+                        <a:rPr lang="en-US" altLang="zh-CN" sz="1500" dirty="0"/>
+                        <a:t>Katz*</a:t>
+                      </a:r>
+                      <a:r>
+                        <a:rPr lang="zh-CN" altLang="en-US" sz="1500" dirty="0"/>
+                        <a:t>、</a:t>
+                      </a:r>
+                      <a:r>
+                        <a:rPr lang="en-US" altLang="zh-CN" sz="1500" dirty="0"/>
+                        <a:t>LHN-II*</a:t>
+                      </a:r>
+                      <a:endParaRPr lang="zh-CN" altLang="en-US" sz="1500" dirty="0"/>
+                    </a:p>
+                  </a:txBody>
+                  <a:tcPr anchor="ctr"/>
+                </a:tc>
+                <a:extLst>
+                  <a:ext uri="{0D108BD9-81ED-4DB2-BD59-A6C34878D82A}">
+                    <a16:rowId xmlns:a16="http://schemas.microsoft.com/office/drawing/2014/main" val="3291463175"/>
+                  </a:ext>
+                </a:extLst>
+              </a:tr>
+              <a:tr h="226629">
+                <a:tc vMerge="1">
+                  <a:txBody>
+                    <a:bodyPr/>
+                    <a:lstStyle/>
+                    <a:p>
+                      <a:endParaRPr lang="zh-CN" altLang="en-US"/>
+                    </a:p>
+                  </a:txBody>
+                  <a:tcPr/>
+                </a:tc>
+                <a:tc>
+                  <a:txBody>
+                    <a:bodyPr/>
+                    <a:lstStyle/>
+                    <a:p>
+                      <a:pPr algn="just"/>
+                      <a:r>
+                        <a:rPr lang="zh-CN" altLang="en-US" sz="1600" dirty="0"/>
+                        <a:t>基于随机游走的相似性指标</a:t>
+                      </a:r>
+                    </a:p>
+                  </a:txBody>
+                  <a:tcPr anchor="ctr"/>
+                </a:tc>
+                <a:tc>
+                  <a:txBody>
+                    <a:bodyPr/>
+                    <a:lstStyle/>
+                    <a:p>
+                      <a:pPr algn="l"/>
+                      <a:r>
+                        <a:rPr lang="en-US" altLang="zh-CN" sz="1500" dirty="0"/>
+                        <a:t>ACT, Cos+</a:t>
+                      </a:r>
+                      <a:r>
+                        <a:rPr lang="zh-CN" altLang="en-US" sz="1500" dirty="0"/>
+                        <a:t>、</a:t>
+                      </a:r>
+                      <a:r>
+                        <a:rPr lang="en-US" altLang="zh-CN" sz="1500" dirty="0"/>
+                        <a:t>RWR*</a:t>
+                      </a:r>
+                      <a:r>
+                        <a:rPr lang="zh-CN" altLang="en-US" sz="1500" dirty="0"/>
+                        <a:t>、</a:t>
+                      </a:r>
+                      <a:r>
+                        <a:rPr lang="en-US" altLang="zh-CN" sz="1500" dirty="0" err="1"/>
+                        <a:t>SimRank</a:t>
+                      </a:r>
+                      <a:r>
+                        <a:rPr lang="en-US" altLang="zh-CN" sz="1500" dirty="0"/>
+                        <a:t>*</a:t>
+                      </a:r>
+                      <a:r>
+                        <a:rPr lang="zh-CN" altLang="en-US" sz="1500" dirty="0"/>
+                        <a:t>、</a:t>
+                      </a:r>
+                      <a:r>
+                        <a:rPr lang="en-US" altLang="zh-CN" sz="1500" dirty="0"/>
+                        <a:t>LRW*</a:t>
+                      </a:r>
+                      <a:r>
+                        <a:rPr lang="zh-CN" altLang="en-US" sz="1500" dirty="0"/>
+                        <a:t>等</a:t>
+                      </a:r>
+                    </a:p>
+                  </a:txBody>
+                  <a:tcPr anchor="ctr"/>
+                </a:tc>
+                <a:extLst>
+                  <a:ext uri="{0D108BD9-81ED-4DB2-BD59-A6C34878D82A}">
+                    <a16:rowId xmlns:a16="http://schemas.microsoft.com/office/drawing/2014/main" val="3303076629"/>
+                  </a:ext>
+                </a:extLst>
+              </a:tr>
+              <a:tr h="302171">
+                <a:tc rowSpan="3">
+                  <a:txBody>
+                    <a:bodyPr/>
+                    <a:lstStyle/>
+                    <a:p>
+                      <a:pPr algn="ctr"/>
+                      <a:r>
+                        <a:rPr lang="zh-CN" altLang="en-US" sz="1800" b="1" i="0" kern="1200" dirty="0">
+                          <a:solidFill>
+                            <a:schemeClr val="dk1"/>
+                          </a:solidFill>
+                          <a:effectLst/>
+                          <a:latin typeface="+mn-lt"/>
+                          <a:ea typeface="+mn-ea"/>
+                          <a:cs typeface="+mn-cs"/>
+                        </a:rPr>
+                        <a:t>基于似然分析</a:t>
+                      </a:r>
+                      <a:endParaRPr lang="zh-CN" altLang="en-US" dirty="0"/>
+                    </a:p>
+                  </a:txBody>
+                  <a:tcPr anchor="ctr"/>
+                </a:tc>
+                <a:tc>
+                  <a:txBody>
+                    <a:bodyPr/>
+                    <a:lstStyle/>
+                    <a:p>
+                      <a:pPr algn="just"/>
+                      <a:r>
+                        <a:rPr lang="zh-CN" altLang="en-US" sz="1600" dirty="0"/>
+                        <a:t>层次结构模型</a:t>
+                      </a:r>
+                    </a:p>
+                  </a:txBody>
+                  <a:tcPr anchor="ctr"/>
+                </a:tc>
+                <a:tc>
+                  <a:txBody>
+                    <a:bodyPr/>
+                    <a:lstStyle/>
+                    <a:p>
+                      <a:pPr marL="0" indent="0" algn="l">
+                        <a:buFontTx/>
+                        <a:buNone/>
+                      </a:pPr>
+                      <a:r>
+                        <a:rPr lang="zh-CN" altLang="en-US" sz="1600" b="0" i="0" kern="1200" dirty="0">
+                          <a:solidFill>
+                            <a:schemeClr val="dk1"/>
+                          </a:solidFill>
+                          <a:effectLst/>
+                          <a:latin typeface="+mn-lt"/>
+                          <a:ea typeface="+mn-ea"/>
+                          <a:cs typeface="+mn-cs"/>
+                        </a:rPr>
+                        <a:t>节点连接概率等于最近共同祖先节点的概率</a:t>
+                      </a:r>
+                      <a:endParaRPr lang="en-US" altLang="zh-CN" sz="1600" b="0" i="0" kern="1200" dirty="0">
+                        <a:solidFill>
+                          <a:schemeClr val="dk1"/>
+                        </a:solidFill>
+                        <a:effectLst/>
+                        <a:latin typeface="+mn-lt"/>
+                        <a:ea typeface="+mn-ea"/>
+                        <a:cs typeface="+mn-cs"/>
+                      </a:endParaRPr>
+                    </a:p>
+                  </a:txBody>
+                  <a:tcPr anchor="ctr"/>
+                </a:tc>
+                <a:extLst>
+                  <a:ext uri="{0D108BD9-81ED-4DB2-BD59-A6C34878D82A}">
+                    <a16:rowId xmlns:a16="http://schemas.microsoft.com/office/drawing/2014/main" val="380146791"/>
+                  </a:ext>
+                </a:extLst>
+              </a:tr>
+              <a:tr h="302172">
+                <a:tc vMerge="1">
+                  <a:txBody>
+                    <a:bodyPr/>
+                    <a:lstStyle/>
+                    <a:p>
+                      <a:endParaRPr lang="zh-CN" altLang="en-US"/>
+                    </a:p>
+                  </a:txBody>
+                  <a:tcPr/>
+                </a:tc>
+                <a:tc>
+                  <a:txBody>
+                    <a:bodyPr/>
+                    <a:lstStyle/>
+                    <a:p>
+                      <a:pPr algn="just"/>
+                      <a:r>
+                        <a:rPr lang="zh-CN" altLang="en-US" sz="1600" dirty="0"/>
+                        <a:t>随机分块模型</a:t>
+                      </a:r>
+                    </a:p>
+                  </a:txBody>
+                  <a:tcPr anchor="ctr"/>
+                </a:tc>
+                <a:tc>
+                  <a:txBody>
+                    <a:bodyPr/>
+                    <a:lstStyle/>
+                    <a:p>
+                      <a:pPr marL="0" indent="0" algn="l">
+                        <a:buFontTx/>
+                        <a:buNone/>
+                      </a:pPr>
+                      <a:r>
+                        <a:rPr lang="zh-CN" altLang="en-US" sz="1600" b="0" i="0" kern="1200" dirty="0">
+                          <a:solidFill>
+                            <a:schemeClr val="dk1"/>
+                          </a:solidFill>
+                          <a:effectLst/>
+                          <a:latin typeface="+mn-lt"/>
+                          <a:ea typeface="+mn-ea"/>
+                          <a:cs typeface="+mn-cs"/>
+                        </a:rPr>
+                        <a:t>节点间连接的概率只取决于节点所在的群</a:t>
+                      </a:r>
+                      <a:endParaRPr lang="en-US" altLang="zh-CN" sz="1600" b="0" i="0" kern="1200" dirty="0">
+                        <a:solidFill>
+                          <a:schemeClr val="dk1"/>
+                        </a:solidFill>
+                        <a:effectLst/>
+                        <a:latin typeface="+mn-lt"/>
+                        <a:ea typeface="+mn-ea"/>
+                        <a:cs typeface="+mn-cs"/>
+                      </a:endParaRPr>
+                    </a:p>
+                  </a:txBody>
+                  <a:tcPr anchor="ctr"/>
+                </a:tc>
+                <a:extLst>
+                  <a:ext uri="{0D108BD9-81ED-4DB2-BD59-A6C34878D82A}">
+                    <a16:rowId xmlns:a16="http://schemas.microsoft.com/office/drawing/2014/main" val="1768747841"/>
+                  </a:ext>
+                </a:extLst>
+              </a:tr>
+              <a:tr h="302171">
+                <a:tc vMerge="1">
+                  <a:txBody>
+                    <a:bodyPr/>
+                    <a:lstStyle/>
+                    <a:p>
+                      <a:endParaRPr lang="zh-CN" altLang="en-US"/>
+                    </a:p>
+                  </a:txBody>
+                  <a:tcPr/>
+                </a:tc>
+                <a:tc>
+                  <a:txBody>
+                    <a:bodyPr/>
+                    <a:lstStyle/>
+                    <a:p>
+                      <a:pPr algn="just"/>
+                      <a:r>
+                        <a:rPr lang="zh-CN" altLang="en-US" sz="1600" dirty="0"/>
+                        <a:t>闭路模型</a:t>
+                      </a:r>
+                    </a:p>
+                  </a:txBody>
+                  <a:tcPr anchor="ctr"/>
+                </a:tc>
+                <a:tc>
+                  <a:txBody>
+                    <a:bodyPr/>
+                    <a:lstStyle/>
+                    <a:p>
+                      <a:pPr marL="0" indent="0" algn="l">
+                        <a:buFontTx/>
+                        <a:buNone/>
+                      </a:pPr>
+                      <a:r>
+                        <a:rPr lang="zh-CN" altLang="en-US" sz="1600" b="0" i="0" kern="1200" dirty="0">
+                          <a:solidFill>
+                            <a:schemeClr val="dk1"/>
+                          </a:solidFill>
+                          <a:effectLst/>
+                          <a:latin typeface="+mn-lt"/>
+                          <a:ea typeface="+mn-ea"/>
+                          <a:cs typeface="+mn-cs"/>
+                        </a:rPr>
+                        <a:t>根据网络中的封闭回路数定义网络的似然</a:t>
+                      </a:r>
+                      <a:endParaRPr lang="en-US" altLang="zh-CN" sz="1600" b="0" i="0" kern="1200" dirty="0">
+                        <a:solidFill>
+                          <a:schemeClr val="dk1"/>
+                        </a:solidFill>
+                        <a:effectLst/>
+                        <a:latin typeface="+mn-lt"/>
+                        <a:ea typeface="+mn-ea"/>
+                        <a:cs typeface="+mn-cs"/>
+                      </a:endParaRPr>
+                    </a:p>
+                  </a:txBody>
+                  <a:tcPr anchor="ctr"/>
+                </a:tc>
+                <a:extLst>
+                  <a:ext uri="{0D108BD9-81ED-4DB2-BD59-A6C34878D82A}">
+                    <a16:rowId xmlns:a16="http://schemas.microsoft.com/office/drawing/2014/main" val="3904026165"/>
+                  </a:ext>
+                </a:extLst>
+              </a:tr>
+              <a:tr h="306983">
+                <a:tc rowSpan="3">
+                  <a:txBody>
+                    <a:bodyPr/>
+                    <a:lstStyle/>
+                    <a:p>
+                      <a:pPr algn="ctr"/>
+                      <a:r>
+                        <a:rPr lang="zh-CN" altLang="en-US" sz="1800" b="1" i="0" kern="1200" dirty="0">
+                          <a:solidFill>
+                            <a:schemeClr val="dk1"/>
+                          </a:solidFill>
+                          <a:effectLst/>
+                          <a:latin typeface="+mn-lt"/>
+                          <a:ea typeface="+mn-ea"/>
+                          <a:cs typeface="+mn-cs"/>
+                        </a:rPr>
+                        <a:t>机器学习方法</a:t>
+                      </a:r>
+                      <a:endParaRPr lang="zh-CN" altLang="en-US" dirty="0"/>
+                    </a:p>
+                  </a:txBody>
+                  <a:tcPr anchor="ctr"/>
+                </a:tc>
+                <a:tc>
+                  <a:txBody>
+                    <a:bodyPr/>
+                    <a:lstStyle/>
+                    <a:p>
+                      <a:pPr algn="just"/>
+                      <a:r>
+                        <a:rPr lang="zh-CN" altLang="en-US" sz="1600" dirty="0"/>
+                        <a:t>基于特征分类的链路预测</a:t>
+                      </a:r>
+                    </a:p>
+                  </a:txBody>
+                  <a:tcPr anchor="ctr"/>
+                </a:tc>
+                <a:tc rowSpan="3">
+                  <a:txBody>
+                    <a:bodyPr/>
+                    <a:lstStyle/>
+                    <a:p>
+                      <a:pPr marL="0" indent="0" algn="l">
+                        <a:buFontTx/>
+                        <a:buNone/>
+                      </a:pPr>
+                      <a:endParaRPr lang="zh-CN" altLang="en-US" sz="1600" dirty="0"/>
+                    </a:p>
+                  </a:txBody>
+                  <a:tcPr anchor="ctr"/>
+                </a:tc>
+                <a:extLst>
+                  <a:ext uri="{0D108BD9-81ED-4DB2-BD59-A6C34878D82A}">
+                    <a16:rowId xmlns:a16="http://schemas.microsoft.com/office/drawing/2014/main" val="2650091102"/>
+                  </a:ext>
+                </a:extLst>
+              </a:tr>
+              <a:tr h="306983">
+                <a:tc vMerge="1">
+                  <a:txBody>
+                    <a:bodyPr/>
+                    <a:lstStyle/>
+                    <a:p>
+                      <a:endParaRPr lang="zh-CN" altLang="en-US"/>
+                    </a:p>
+                  </a:txBody>
+                  <a:tcPr/>
+                </a:tc>
+                <a:tc>
+                  <a:txBody>
+                    <a:bodyPr/>
+                    <a:lstStyle/>
+                    <a:p>
+                      <a:pPr algn="just"/>
+                      <a:r>
+                        <a:rPr lang="zh-CN" altLang="en-US" sz="1600" dirty="0"/>
+                        <a:t>基于概率图模型的链路预测</a:t>
+                      </a:r>
+                    </a:p>
+                  </a:txBody>
+                  <a:tcPr anchor="ctr"/>
+                </a:tc>
+                <a:tc vMerge="1">
+                  <a:txBody>
+                    <a:bodyPr/>
+                    <a:lstStyle/>
+                    <a:p>
+                      <a:endParaRPr lang="zh-CN" altLang="en-US"/>
+                    </a:p>
+                  </a:txBody>
+                  <a:tcPr/>
+                </a:tc>
+                <a:extLst>
+                  <a:ext uri="{0D108BD9-81ED-4DB2-BD59-A6C34878D82A}">
+                    <a16:rowId xmlns:a16="http://schemas.microsoft.com/office/drawing/2014/main" val="1882582650"/>
+                  </a:ext>
+                </a:extLst>
+              </a:tr>
+              <a:tr h="306983">
+                <a:tc vMerge="1">
+                  <a:txBody>
+                    <a:bodyPr/>
+                    <a:lstStyle/>
+                    <a:p>
+                      <a:endParaRPr lang="zh-CN" altLang="en-US"/>
+                    </a:p>
+                  </a:txBody>
+                  <a:tcPr/>
+                </a:tc>
+                <a:tc>
+                  <a:txBody>
+                    <a:bodyPr/>
+                    <a:lstStyle/>
+                    <a:p>
+                      <a:pPr algn="just"/>
+                      <a:r>
+                        <a:rPr lang="zh-CN" altLang="en-US" sz="1600" dirty="0"/>
+                        <a:t>基于矩阵分解的链路预测</a:t>
+                      </a:r>
+                    </a:p>
+                  </a:txBody>
+                  <a:tcPr anchor="ctr"/>
+                </a:tc>
+                <a:tc vMerge="1">
+                  <a:txBody>
+                    <a:bodyPr/>
+                    <a:lstStyle/>
+                    <a:p>
+                      <a:endParaRPr lang="zh-CN" altLang="en-US"/>
+                    </a:p>
+                  </a:txBody>
+                  <a:tcPr/>
+                </a:tc>
+                <a:extLst>
+                  <a:ext uri="{0D108BD9-81ED-4DB2-BD59-A6C34878D82A}">
+                    <a16:rowId xmlns:a16="http://schemas.microsoft.com/office/drawing/2014/main" val="2579121618"/>
+                  </a:ext>
+                </a:extLst>
+              </a:tr>
+            </a:tbl>
+          </a:graphicData>
+        </a:graphic>
+      </p:graphicFrame>
+    </p:spTree>
+    <p:extLst>
+      <p:ext uri="{BB962C8B-B14F-4D97-AF65-F5344CB8AC3E}">
+        <p14:creationId xmlns:p14="http://schemas.microsoft.com/office/powerpoint/2010/main" val="3539320175"/>
+      </p:ext>
+    </p:extLst>
+  </p:cSld>
+  <p:clrMapOvr>
+    <a:masterClrMapping/>
+  </p:clrMapOvr>
+  <mc:AlternateContent xmlns:mc="http://schemas.openxmlformats.org/markup-compatibility/2006" xmlns:p14="http://schemas.microsoft.com/office/powerpoint/2010/main">
+    <mc:Choice Requires="p14">
+      <p:transition spd="slow" p14:dur="898" advClick="0" advTm="5000"/>
+    </mc:Choice>
+    <mc:Fallback xmlns="">
+      <p:transition spd="slow" advClick="0" advTm="5000"/>
+    </mc:Fallback>
+  </mc:AlternateContent>
+</p:sld>
+</file>
+
+<file path=ppt/slides/slide7.xml><?xml version="1.0" encoding="utf-8"?>
+<p:sld xmlns:a="http://schemas.openxmlformats.org/drawingml/2006/main" xmlns:r="http://schemas.openxmlformats.org/officeDocument/2006/relationships" xmlns:p="http://schemas.openxmlformats.org/presentationml/2006/main">
+  <p:cSld>
+    <p:spTree>
+      <p:nvGrpSpPr>
+        <p:cNvPr id="1" name=""/>
+        <p:cNvGrpSpPr/>
+        <p:nvPr/>
+      </p:nvGrpSpPr>
+      <p:grpSpPr>
+        <a:xfrm>
+          <a:off x="0" y="0"/>
+          <a:ext cx="0" cy="0"/>
+          <a:chOff x="0" y="0"/>
+          <a:chExt cx="0" cy="0"/>
+        </a:xfrm>
+      </p:grpSpPr>
       <p:grpSp>
         <p:nvGrpSpPr>
           <p:cNvPr id="21" name="组合 20">
@@ -15716,7 +18020,7 @@
         <p:grpSpPr>
           <a:xfrm>
             <a:off x="-6510" y="2023841"/>
-            <a:ext cx="2131447" cy="525700"/>
+            <a:ext cx="2174495" cy="525700"/>
             <a:chOff x="0" y="836920"/>
             <a:chExt cx="2159729" cy="525700"/>
           </a:xfrm>
@@ -15920,8 +18224,8 @@
         </p:nvSpPr>
         <p:spPr>
           <a:xfrm>
-            <a:off x="2131447" y="1623692"/>
-            <a:ext cx="8830851" cy="1289905"/>
+            <a:off x="2225527" y="1689267"/>
+            <a:ext cx="8830851" cy="1156855"/>
           </a:xfrm>
           <a:prstGeom prst="rect">
             <a:avLst/>
@@ -15945,7 +18249,7 @@
               </a:lnSpc>
             </a:pPr>
             <a:r>
-              <a:rPr lang="zh-CN" altLang="en-US" dirty="0">
+              <a:rPr lang="zh-CN" altLang="en-US" sz="1600" dirty="0">
                 <a:solidFill>
                   <a:schemeClr val="tx1">
                     <a:lumMod val="75000"/>
@@ -15955,27 +18259,20 @@
                 <a:latin typeface="+mn-ea"/>
                 <a:sym typeface="Arial" panose="020B0604020202020204" pitchFamily="34" charset="0"/>
               </a:rPr>
-              <a:t>在未知复杂</a:t>
+              <a:t>本学位论文旨在研究复杂网络的链路预测问题，以</a:t>
             </a:r>
             <a:r>
-              <a:rPr lang="zh-CN" altLang="en-US" dirty="0">
+              <a:rPr lang="zh-CN" altLang="en-US" sz="1600" b="0" i="0" dirty="0">
                 <a:solidFill>
-                  <a:srgbClr val="FF0000"/>
+                  <a:srgbClr val="3F3F3F"/>
                 </a:solidFill>
-                <a:effectLst>
-                  <a:outerShdw blurRad="38100" dist="38100" dir="2700000" algn="tl">
-                    <a:srgbClr val="000000">
-                      <a:alpha val="43137"/>
-                    </a:srgbClr>
-                  </a:outerShdw>
-                </a:effectLst>
-                <a:latin typeface="+mn-ea"/>
-                <a:sym typeface="Arial" panose="020B0604020202020204" pitchFamily="34" charset="0"/>
+                <a:effectLst/>
+                <a:latin typeface="PingFang SC"/>
               </a:rPr>
-              <a:t>边缘作战环境</a:t>
+              <a:t>揭示并解析网络结构演化背后的深层规律与生成机制</a:t>
             </a:r>
             <a:r>
-              <a:rPr lang="zh-CN" altLang="en-US" dirty="0">
+              <a:rPr lang="zh-CN" altLang="en-US" sz="1600" dirty="0">
                 <a:solidFill>
                   <a:schemeClr val="tx1">
                     <a:lumMod val="75000"/>
@@ -15985,157 +18282,7 @@
                 <a:latin typeface="+mn-ea"/>
                 <a:sym typeface="Arial" panose="020B0604020202020204" pitchFamily="34" charset="0"/>
               </a:rPr>
-              <a:t>下，将</a:t>
-            </a:r>
-            <a:r>
-              <a:rPr lang="zh-CN" altLang="en-US" dirty="0">
-                <a:solidFill>
-                  <a:srgbClr val="FF0000"/>
-                </a:solidFill>
-                <a:effectLst>
-                  <a:outerShdw blurRad="38100" dist="38100" dir="2700000" algn="tl">
-                    <a:srgbClr val="000000">
-                      <a:alpha val="43137"/>
-                    </a:srgbClr>
-                  </a:outerShdw>
-                </a:effectLst>
-                <a:latin typeface="+mn-ea"/>
-                <a:sym typeface="Arial" panose="020B0604020202020204" pitchFamily="34" charset="0"/>
-              </a:rPr>
-              <a:t>深度强化学习</a:t>
-            </a:r>
-            <a:r>
-              <a:rPr lang="zh-CN" altLang="en-US" dirty="0">
-                <a:solidFill>
-                  <a:schemeClr val="tx1">
-                    <a:lumMod val="75000"/>
-                    <a:lumOff val="25000"/>
-                  </a:schemeClr>
-                </a:solidFill>
-                <a:latin typeface="+mn-ea"/>
-                <a:sym typeface="Arial" panose="020B0604020202020204" pitchFamily="34" charset="0"/>
-              </a:rPr>
-              <a:t>应用在</a:t>
-            </a:r>
-            <a:r>
-              <a:rPr lang="zh-CN" altLang="en-US" dirty="0">
-                <a:solidFill>
-                  <a:srgbClr val="FF0000"/>
-                </a:solidFill>
-                <a:effectLst>
-                  <a:outerShdw blurRad="38100" dist="38100" dir="2700000" algn="tl">
-                    <a:srgbClr val="000000">
-                      <a:alpha val="43137"/>
-                    </a:srgbClr>
-                  </a:outerShdw>
-                </a:effectLst>
-                <a:latin typeface="+mn-ea"/>
-                <a:sym typeface="Arial" panose="020B0604020202020204" pitchFamily="34" charset="0"/>
-              </a:rPr>
-              <a:t>无人机集群控制</a:t>
-            </a:r>
-            <a:r>
-              <a:rPr lang="zh-CN" altLang="en-US" dirty="0">
-                <a:solidFill>
-                  <a:schemeClr val="tx1">
-                    <a:lumMod val="75000"/>
-                    <a:lumOff val="25000"/>
-                  </a:schemeClr>
-                </a:solidFill>
-                <a:latin typeface="+mn-ea"/>
-                <a:sym typeface="Arial" panose="020B0604020202020204" pitchFamily="34" charset="0"/>
-              </a:rPr>
-              <a:t>中，能够使无人机集群在复杂的边缘化、信息化作战环境中实现集群的</a:t>
-            </a:r>
-            <a:r>
-              <a:rPr lang="zh-CN" altLang="en-US" dirty="0">
-                <a:solidFill>
-                  <a:srgbClr val="FF0000"/>
-                </a:solidFill>
-                <a:effectLst>
-                  <a:outerShdw blurRad="38100" dist="38100" dir="2700000" algn="tl">
-                    <a:srgbClr val="000000">
-                      <a:alpha val="43137"/>
-                    </a:srgbClr>
-                  </a:outerShdw>
-                </a:effectLst>
-                <a:latin typeface="+mn-ea"/>
-                <a:sym typeface="Arial" panose="020B0604020202020204" pitchFamily="34" charset="0"/>
-              </a:rPr>
-              <a:t>路径规划</a:t>
-            </a:r>
-            <a:r>
-              <a:rPr lang="zh-CN" altLang="en-US" dirty="0">
-                <a:solidFill>
-                  <a:schemeClr val="tx1">
-                    <a:lumMod val="75000"/>
-                    <a:lumOff val="25000"/>
-                  </a:schemeClr>
-                </a:solidFill>
-                <a:latin typeface="+mn-ea"/>
-                <a:sym typeface="Arial" panose="020B0604020202020204" pitchFamily="34" charset="0"/>
-              </a:rPr>
-              <a:t>和</a:t>
-            </a:r>
-            <a:r>
-              <a:rPr lang="zh-CN" altLang="en-US" dirty="0">
-                <a:solidFill>
-                  <a:srgbClr val="FF0000"/>
-                </a:solidFill>
-                <a:effectLst>
-                  <a:outerShdw blurRad="38100" dist="38100" dir="2700000" algn="tl">
-                    <a:srgbClr val="000000">
-                      <a:alpha val="43137"/>
-                    </a:srgbClr>
-                  </a:outerShdw>
-                </a:effectLst>
-                <a:latin typeface="+mn-ea"/>
-                <a:sym typeface="Arial" panose="020B0604020202020204" pitchFamily="34" charset="0"/>
-              </a:rPr>
-              <a:t>动态避障</a:t>
-            </a:r>
-            <a:r>
-              <a:rPr lang="zh-CN" altLang="en-US" dirty="0">
-                <a:solidFill>
-                  <a:schemeClr val="tx1">
-                    <a:lumMod val="75000"/>
-                    <a:lumOff val="25000"/>
-                  </a:schemeClr>
-                </a:solidFill>
-                <a:latin typeface="+mn-ea"/>
-                <a:sym typeface="Arial" panose="020B0604020202020204" pitchFamily="34" charset="0"/>
-              </a:rPr>
-              <a:t>，从而提高无人集群应对复杂边缘作战环境的</a:t>
-            </a:r>
-            <a:r>
-              <a:rPr lang="zh-CN" altLang="en-US" dirty="0">
-                <a:solidFill>
-                  <a:srgbClr val="FF0000"/>
-                </a:solidFill>
-                <a:effectLst>
-                  <a:outerShdw blurRad="38100" dist="38100" dir="2700000" algn="tl">
-                    <a:srgbClr val="000000">
-                      <a:alpha val="43137"/>
-                    </a:srgbClr>
-                  </a:outerShdw>
-                </a:effectLst>
-                <a:latin typeface="+mn-ea"/>
-                <a:sym typeface="Arial" panose="020B0604020202020204" pitchFamily="34" charset="0"/>
-              </a:rPr>
-              <a:t>智能化水平</a:t>
-            </a:r>
-            <a:r>
-              <a:rPr lang="zh-CN" altLang="en-US" dirty="0">
-                <a:solidFill>
-                  <a:schemeClr val="tx1">
-                    <a:lumMod val="75000"/>
-                    <a:lumOff val="25000"/>
-                  </a:schemeClr>
-                </a:solidFill>
-                <a:latin typeface="+mn-ea"/>
-                <a:sym typeface="Arial" panose="020B0604020202020204" pitchFamily="34" charset="0"/>
-              </a:rPr>
-              <a:t>。</a:t>
+              <a:t>。并在此基础上，设计加边策略，发现可能存在的“关键边”，优化现有网络的结构，进而提升网络的性能指标。</a:t>
             </a:r>
             <a:r>
               <a:rPr lang="en-US" sz="1600" dirty="0">
@@ -16366,8 +18513,8 @@
         </p:nvSpPr>
         <p:spPr>
           <a:xfrm>
-            <a:off x="2196267" y="3792704"/>
-            <a:ext cx="8830851" cy="2120902"/>
+            <a:off x="2225528" y="4000453"/>
+            <a:ext cx="8830851" cy="1705403"/>
           </a:xfrm>
           <a:prstGeom prst="rect">
             <a:avLst/>
@@ -16385,13 +18532,13 @@
           </a:bodyPr>
           <a:lstStyle/>
           <a:p>
-            <a:pPr indent="457200" algn="just">
+            <a:pPr algn="just">
               <a:lnSpc>
                 <a:spcPct val="150000"/>
               </a:lnSpc>
             </a:pPr>
             <a:r>
-              <a:rPr lang="zh-CN" altLang="en-US" dirty="0">
+              <a:rPr lang="en-US" altLang="zh-CN" b="1" dirty="0">
                 <a:solidFill>
                   <a:schemeClr val="tx1">
                     <a:lumMod val="75000"/>
@@ -16401,9 +18548,22 @@
                 <a:latin typeface="+mn-ea"/>
                 <a:sym typeface="Arial" panose="020B0604020202020204" pitchFamily="34" charset="0"/>
               </a:rPr>
-              <a:t>单无人机的自主控制为路径规划和自主避障，无人集群控制为集群路径规划和动态避障。故单无人机运动控制与无人集群控制无论从任务特点还是研究方法来说都具备相似性。</a:t>
+              <a:t>1.</a:t>
             </a:r>
-            <a:endParaRPr lang="en-US" altLang="zh-CN" dirty="0">
+            <a:r>
+              <a:rPr lang="zh-CN" altLang="en-US" b="1" dirty="0">
+                <a:solidFill>
+                  <a:schemeClr val="tx1">
+                    <a:lumMod val="75000"/>
+                    <a:lumOff val="25000"/>
+                  </a:schemeClr>
+                </a:solidFill>
+                <a:latin typeface="+mn-ea"/>
+                <a:sym typeface="Arial" panose="020B0604020202020204" pitchFamily="34" charset="0"/>
+              </a:rPr>
+              <a:t> 链路预测技术的研究与改进</a:t>
+            </a:r>
+            <a:endParaRPr lang="en-US" altLang="zh-CN" b="1" dirty="0">
               <a:solidFill>
                 <a:schemeClr val="tx1">
                   <a:lumMod val="75000"/>
@@ -16421,19 +18581,6 @@
               </a:lnSpc>
             </a:pPr>
             <a:r>
-              <a:rPr lang="en-US" dirty="0">
-                <a:solidFill>
-                  <a:schemeClr val="tx1">
-                    <a:lumMod val="75000"/>
-                    <a:lumOff val="25000"/>
-                  </a:schemeClr>
-                </a:solidFill>
-                <a:latin typeface="+mn-ea"/>
-                <a:sym typeface="Arial" panose="020B0604020202020204" pitchFamily="34" charset="0"/>
-              </a:rPr>
-              <a:t>1</a:t>
-            </a:r>
-            <a:r>
               <a:rPr lang="zh-CN" altLang="en-US" dirty="0">
                 <a:solidFill>
                   <a:schemeClr val="tx1">
@@ -16444,50 +18591,7 @@
                 <a:latin typeface="+mn-ea"/>
                 <a:sym typeface="Arial" panose="020B0604020202020204" pitchFamily="34" charset="0"/>
               </a:rPr>
-              <a:t>）以单智能体深度强化学习为基础，研究无人机在边缘环境下的自主控制问题</a:t>
-            </a:r>
-            <a:endParaRPr lang="en-US" altLang="zh-CN" dirty="0">
-              <a:solidFill>
-                <a:schemeClr val="tx1">
-                  <a:lumMod val="75000"/>
-                  <a:lumOff val="25000"/>
-                </a:schemeClr>
-              </a:solidFill>
-              <a:latin typeface="+mn-ea"/>
-              <a:sym typeface="Arial" panose="020B0604020202020204" pitchFamily="34" charset="0"/>
-            </a:endParaRPr>
-          </a:p>
-          <a:p>
-            <a:pPr indent="457200" algn="just">
-              <a:lnSpc>
-                <a:spcPct val="150000"/>
-              </a:lnSpc>
-            </a:pPr>
-            <a:r>
-              <a:rPr lang="en-US" dirty="0">
-                <a:solidFill>
-                  <a:schemeClr val="tx1">
-                    <a:lumMod val="75000"/>
-                    <a:lumOff val="25000"/>
-                  </a:schemeClr>
-                </a:solidFill>
-                <a:latin typeface="+mn-ea"/>
-                <a:sym typeface="Arial" panose="020B0604020202020204" pitchFamily="34" charset="0"/>
-              </a:rPr>
-              <a:t>2</a:t>
-            </a:r>
-            <a:r>
-              <a:rPr lang="zh-CN" altLang="en-US" dirty="0">
-                <a:solidFill>
-                  <a:schemeClr val="tx1">
-                    <a:lumMod val="75000"/>
-                    <a:lumOff val="25000"/>
-                  </a:schemeClr>
-                </a:solidFill>
-                <a:latin typeface="+mn-ea"/>
-                <a:sym typeface="Arial" panose="020B0604020202020204" pitchFamily="34" charset="0"/>
-              </a:rPr>
-              <a:t>）以多智能体深度强化学习为基础，研究在边缘环境下无人集群控制问题</a:t>
+              <a:t>探索不同的链路预测方法，全面梳理现有链路预测方法及其优缺点，结合复杂网络特性和实际应用场景，对现有预测算法进行改进和创新，使之在保证预测准确率的同时，优化复杂网络全局结构性能指标。</a:t>
             </a:r>
             <a:endParaRPr lang="en-US" altLang="zh-CN" dirty="0">
               <a:solidFill>
@@ -16523,7 +18627,740 @@
 </p:sld>
 </file>
 
-<file path=ppt/slides/slide7.xml><?xml version="1.0" encoding="utf-8"?>
+<file path=ppt/slides/slide8.xml><?xml version="1.0" encoding="utf-8"?>
+<p:sld xmlns:a="http://schemas.openxmlformats.org/drawingml/2006/main" xmlns:r="http://schemas.openxmlformats.org/officeDocument/2006/relationships" xmlns:p="http://schemas.openxmlformats.org/presentationml/2006/main">
+  <p:cSld>
+    <p:spTree>
+      <p:nvGrpSpPr>
+        <p:cNvPr id="1" name=""/>
+        <p:cNvGrpSpPr/>
+        <p:nvPr/>
+      </p:nvGrpSpPr>
+      <p:grpSpPr>
+        <a:xfrm>
+          <a:off x="0" y="0"/>
+          <a:ext cx="0" cy="0"/>
+          <a:chOff x="0" y="0"/>
+          <a:chExt cx="0" cy="0"/>
+        </a:xfrm>
+      </p:grpSpPr>
+      <p:sp>
+        <p:nvSpPr>
+          <p:cNvPr id="6" name="矩形 5"/>
+          <p:cNvSpPr/>
+          <p:nvPr/>
+        </p:nvSpPr>
+        <p:spPr>
+          <a:xfrm flipH="1">
+            <a:off x="1" y="105808"/>
+            <a:ext cx="2954655" cy="461665"/>
+          </a:xfrm>
+          <a:prstGeom prst="rect">
+            <a:avLst/>
+          </a:prstGeom>
+        </p:spPr>
+        <p:txBody>
+          <a:bodyPr wrap="none">
+            <a:spAutoFit/>
+          </a:bodyPr>
+          <a:lstStyle/>
+          <a:p>
+            <a:pPr algn="r"/>
+            <a:r>
+              <a:rPr lang="zh-CN" altLang="en-US" sz="2400" b="1" dirty="0">
+                <a:solidFill>
+                  <a:schemeClr val="bg1"/>
+                </a:solidFill>
+                <a:latin typeface="+mn-ea"/>
+              </a:rPr>
+              <a:t>二、研究目标与内容</a:t>
+            </a:r>
+          </a:p>
+        </p:txBody>
+      </p:sp>
+      <p:grpSp>
+        <p:nvGrpSpPr>
+          <p:cNvPr id="22" name="组合 21">
+            <a:extLst>
+              <a:ext uri="{FF2B5EF4-FFF2-40B4-BE49-F238E27FC236}">
+                <a16:creationId xmlns:a16="http://schemas.microsoft.com/office/drawing/2014/main" id="{6300A551-E133-4018-96CB-AFE009DCE79A}"/>
+              </a:ext>
+            </a:extLst>
+          </p:cNvPr>
+          <p:cNvGrpSpPr/>
+          <p:nvPr/>
+        </p:nvGrpSpPr>
+        <p:grpSpPr>
+          <a:xfrm>
+            <a:off x="8256" y="4590305"/>
+            <a:ext cx="2159729" cy="525700"/>
+            <a:chOff x="0" y="836920"/>
+            <a:chExt cx="2159729" cy="525700"/>
+          </a:xfrm>
+        </p:grpSpPr>
+        <p:sp>
+          <p:nvSpPr>
+            <p:cNvPr id="23" name="Freeform 190">
+              <a:extLst>
+                <a:ext uri="{FF2B5EF4-FFF2-40B4-BE49-F238E27FC236}">
+                  <a16:creationId xmlns:a16="http://schemas.microsoft.com/office/drawing/2014/main" id="{A7CB7163-2591-431A-8288-D3BE9C2C3E85}"/>
+                </a:ext>
+              </a:extLst>
+            </p:cNvPr>
+            <p:cNvSpPr/>
+            <p:nvPr/>
+          </p:nvSpPr>
+          <p:spPr bwMode="auto">
+            <a:xfrm>
+              <a:off x="0" y="836920"/>
+              <a:ext cx="2159729" cy="525700"/>
+            </a:xfrm>
+            <a:custGeom>
+              <a:avLst/>
+              <a:gdLst>
+                <a:gd name="T0" fmla="*/ 298 w 298"/>
+                <a:gd name="T1" fmla="*/ 36 h 71"/>
+                <a:gd name="T2" fmla="*/ 256 w 298"/>
+                <a:gd name="T3" fmla="*/ 71 h 71"/>
+                <a:gd name="T4" fmla="*/ 0 w 298"/>
+                <a:gd name="T5" fmla="*/ 71 h 71"/>
+                <a:gd name="T6" fmla="*/ 0 w 298"/>
+                <a:gd name="T7" fmla="*/ 0 h 71"/>
+                <a:gd name="T8" fmla="*/ 256 w 298"/>
+                <a:gd name="T9" fmla="*/ 0 h 71"/>
+                <a:gd name="T10" fmla="*/ 298 w 298"/>
+                <a:gd name="T11" fmla="*/ 36 h 71"/>
+              </a:gdLst>
+              <a:ahLst/>
+              <a:cxnLst>
+                <a:cxn ang="0">
+                  <a:pos x="T0" y="T1"/>
+                </a:cxn>
+                <a:cxn ang="0">
+                  <a:pos x="T2" y="T3"/>
+                </a:cxn>
+                <a:cxn ang="0">
+                  <a:pos x="T4" y="T5"/>
+                </a:cxn>
+                <a:cxn ang="0">
+                  <a:pos x="T6" y="T7"/>
+                </a:cxn>
+                <a:cxn ang="0">
+                  <a:pos x="T8" y="T9"/>
+                </a:cxn>
+                <a:cxn ang="0">
+                  <a:pos x="T10" y="T11"/>
+                </a:cxn>
+              </a:cxnLst>
+              <a:rect l="0" t="0" r="r" b="b"/>
+              <a:pathLst>
+                <a:path w="298" h="71">
+                  <a:moveTo>
+                    <a:pt x="298" y="36"/>
+                  </a:moveTo>
+                  <a:lnTo>
+                    <a:pt x="256" y="71"/>
+                  </a:lnTo>
+                  <a:lnTo>
+                    <a:pt x="0" y="71"/>
+                  </a:lnTo>
+                  <a:lnTo>
+                    <a:pt x="0" y="0"/>
+                  </a:lnTo>
+                  <a:lnTo>
+                    <a:pt x="256" y="0"/>
+                  </a:lnTo>
+                  <a:lnTo>
+                    <a:pt x="298" y="36"/>
+                  </a:lnTo>
+                  <a:close/>
+                </a:path>
+              </a:pathLst>
+            </a:custGeom>
+            <a:solidFill>
+              <a:schemeClr val="accent2"/>
+            </a:solidFill>
+            <a:ln>
+              <a:noFill/>
+            </a:ln>
+            <a:effectLst>
+              <a:outerShdw blurRad="63500" algn="ctr" rotWithShape="0">
+                <a:prstClr val="black">
+                  <a:alpha val="40000"/>
+                </a:prstClr>
+              </a:outerShdw>
+            </a:effectLst>
+          </p:spPr>
+          <p:style>
+            <a:lnRef idx="2">
+              <a:schemeClr val="accent1">
+                <a:shade val="50000"/>
+              </a:schemeClr>
+            </a:lnRef>
+            <a:fillRef idx="1">
+              <a:schemeClr val="accent1"/>
+            </a:fillRef>
+            <a:effectRef idx="0">
+              <a:schemeClr val="accent1"/>
+            </a:effectRef>
+            <a:fontRef idx="minor">
+              <a:schemeClr val="lt1"/>
+            </a:fontRef>
+          </p:style>
+          <p:txBody>
+            <a:bodyPr rot="0" spcFirstLastPara="0" vertOverflow="overflow" horzOverflow="overflow" vert="horz" wrap="square" lIns="91440" tIns="45720" rIns="91440" bIns="45720" numCol="1" spcCol="0" rtlCol="0" fromWordArt="0" anchor="ctr" anchorCtr="0" forceAA="0" compatLnSpc="1">
+              <a:noAutofit/>
+            </a:bodyPr>
+            <a:lstStyle/>
+            <a:p>
+              <a:pPr algn="ctr"/>
+              <a:endParaRPr lang="en-US" b="1" dirty="0">
+                <a:solidFill>
+                  <a:schemeClr val="bg1"/>
+                </a:solidFill>
+                <a:latin typeface="+mn-ea"/>
+              </a:endParaRPr>
+            </a:p>
+          </p:txBody>
+        </p:sp>
+        <p:sp>
+          <p:nvSpPr>
+            <p:cNvPr id="24" name="矩形 23">
+              <a:extLst>
+                <a:ext uri="{FF2B5EF4-FFF2-40B4-BE49-F238E27FC236}">
+                  <a16:creationId xmlns:a16="http://schemas.microsoft.com/office/drawing/2014/main" id="{97E0CC22-4432-4ACE-B74B-656F4B1711BB}"/>
+                </a:ext>
+              </a:extLst>
+            </p:cNvPr>
+            <p:cNvSpPr/>
+            <p:nvPr/>
+          </p:nvSpPr>
+          <p:spPr>
+            <a:xfrm flipH="1">
+              <a:off x="186267" y="897058"/>
+              <a:ext cx="1396537" cy="369332"/>
+            </a:xfrm>
+            <a:prstGeom prst="rect">
+              <a:avLst/>
+            </a:prstGeom>
+          </p:spPr>
+          <p:txBody>
+            <a:bodyPr wrap="none">
+              <a:spAutoFit/>
+            </a:bodyPr>
+            <a:lstStyle/>
+            <a:p>
+              <a:pPr marL="285750" indent="-285750" algn="r">
+                <a:buFont typeface="Wingdings" panose="05000000000000000000" pitchFamily="2" charset="2"/>
+                <a:buChar char="Ø"/>
+              </a:pPr>
+              <a:r>
+                <a:rPr lang="zh-CN" altLang="en-US" b="1" dirty="0">
+                  <a:solidFill>
+                    <a:schemeClr val="bg1"/>
+                  </a:solidFill>
+                  <a:latin typeface="+mn-ea"/>
+                </a:rPr>
+                <a:t>研究内容</a:t>
+              </a:r>
+            </a:p>
+          </p:txBody>
+        </p:sp>
+      </p:grpSp>
+      <p:sp>
+        <p:nvSpPr>
+          <p:cNvPr id="25" name="Rectangle 25">
+            <a:extLst>
+              <a:ext uri="{FF2B5EF4-FFF2-40B4-BE49-F238E27FC236}">
+                <a16:creationId xmlns:a16="http://schemas.microsoft.com/office/drawing/2014/main" id="{A06AFCD9-7518-42FE-8691-098FAC78F11A}"/>
+              </a:ext>
+            </a:extLst>
+          </p:cNvPr>
+          <p:cNvSpPr/>
+          <p:nvPr/>
+        </p:nvSpPr>
+        <p:spPr>
+          <a:xfrm>
+            <a:off x="2225528" y="4000453"/>
+            <a:ext cx="8830851" cy="1705403"/>
+          </a:xfrm>
+          <a:prstGeom prst="rect">
+            <a:avLst/>
+          </a:prstGeom>
+          <a:ln w="19050">
+            <a:solidFill>
+              <a:schemeClr val="accent3"/>
+            </a:solidFill>
+            <a:prstDash val="dash"/>
+          </a:ln>
+        </p:spPr>
+        <p:txBody>
+          <a:bodyPr wrap="square">
+            <a:spAutoFit/>
+          </a:bodyPr>
+          <a:lstStyle/>
+          <a:p>
+            <a:pPr algn="just">
+              <a:lnSpc>
+                <a:spcPct val="150000"/>
+              </a:lnSpc>
+            </a:pPr>
+            <a:r>
+              <a:rPr lang="en-US" altLang="zh-CN" b="1" dirty="0">
+                <a:solidFill>
+                  <a:schemeClr val="tx1">
+                    <a:lumMod val="75000"/>
+                    <a:lumOff val="25000"/>
+                  </a:schemeClr>
+                </a:solidFill>
+                <a:latin typeface="+mn-ea"/>
+                <a:sym typeface="Arial" panose="020B0604020202020204" pitchFamily="34" charset="0"/>
+              </a:rPr>
+              <a:t>3.</a:t>
+            </a:r>
+            <a:r>
+              <a:rPr lang="zh-CN" altLang="en-US" b="1" dirty="0">
+                <a:solidFill>
+                  <a:schemeClr val="tx1">
+                    <a:lumMod val="75000"/>
+                    <a:lumOff val="25000"/>
+                  </a:schemeClr>
+                </a:solidFill>
+                <a:latin typeface="+mn-ea"/>
+                <a:sym typeface="Arial" panose="020B0604020202020204" pitchFamily="34" charset="0"/>
+              </a:rPr>
+              <a:t> 级联失效下网络鲁棒性的增强</a:t>
+            </a:r>
+          </a:p>
+          <a:p>
+            <a:pPr indent="457200" algn="just">
+              <a:lnSpc>
+                <a:spcPct val="150000"/>
+              </a:lnSpc>
+            </a:pPr>
+            <a:r>
+              <a:rPr lang="zh-CN" altLang="en-US" dirty="0">
+                <a:solidFill>
+                  <a:schemeClr val="tx1">
+                    <a:lumMod val="75000"/>
+                    <a:lumOff val="25000"/>
+                  </a:schemeClr>
+                </a:solidFill>
+                <a:latin typeface="+mn-ea"/>
+                <a:sym typeface="Arial" panose="020B0604020202020204" pitchFamily="34" charset="0"/>
+              </a:rPr>
+              <a:t>在节点</a:t>
+            </a:r>
+            <a:r>
+              <a:rPr lang="zh-CN" altLang="en-US" dirty="0">
+                <a:solidFill>
+                  <a:srgbClr val="FF0000"/>
+                </a:solidFill>
+                <a:latin typeface="+mn-ea"/>
+                <a:sym typeface="Arial" panose="020B0604020202020204" pitchFamily="34" charset="0"/>
+              </a:rPr>
+              <a:t>级联失效</a:t>
+            </a:r>
+            <a:r>
+              <a:rPr lang="zh-CN" altLang="en-US" dirty="0">
+                <a:solidFill>
+                  <a:schemeClr val="tx1">
+                    <a:lumMod val="75000"/>
+                    <a:lumOff val="25000"/>
+                  </a:schemeClr>
+                </a:solidFill>
+                <a:latin typeface="+mn-ea"/>
+                <a:sym typeface="Arial" panose="020B0604020202020204" pitchFamily="34" charset="0"/>
+              </a:rPr>
+              <a:t>的场景下，研究</a:t>
+            </a:r>
+            <a:r>
+              <a:rPr lang="zh-CN" altLang="en-US" b="0" i="0" dirty="0">
+                <a:solidFill>
+                  <a:srgbClr val="3F3F3F"/>
+                </a:solidFill>
+                <a:effectLst/>
+                <a:latin typeface="PingFang SC"/>
+              </a:rPr>
+              <a:t>网络</a:t>
+            </a:r>
+            <a:r>
+              <a:rPr lang="zh-CN" altLang="en-US" b="0" i="0" dirty="0">
+                <a:solidFill>
+                  <a:srgbClr val="FF0000"/>
+                </a:solidFill>
+                <a:effectLst/>
+                <a:latin typeface="PingFang SC"/>
+              </a:rPr>
+              <a:t>攻击鲁棒性</a:t>
+            </a:r>
+            <a:r>
+              <a:rPr lang="zh-CN" altLang="en-US" b="0" i="0" dirty="0">
+                <a:solidFill>
+                  <a:srgbClr val="3F3F3F"/>
+                </a:solidFill>
+                <a:effectLst/>
+                <a:latin typeface="PingFang SC"/>
+              </a:rPr>
+              <a:t>与其结构属性之间的内在联系，</a:t>
+            </a:r>
+            <a:r>
+              <a:rPr lang="zh-CN" altLang="en-US" dirty="0">
+                <a:solidFill>
+                  <a:schemeClr val="tx1">
+                    <a:lumMod val="75000"/>
+                    <a:lumOff val="25000"/>
+                  </a:schemeClr>
+                </a:solidFill>
+                <a:latin typeface="+mn-ea"/>
+                <a:sym typeface="Arial" panose="020B0604020202020204" pitchFamily="34" charset="0"/>
+              </a:rPr>
+              <a:t>在此基础上，设计新的加边策略</a:t>
+            </a:r>
+            <a:r>
+              <a:rPr lang="zh-CN" altLang="en-US" b="0" i="0" dirty="0">
+                <a:solidFill>
+                  <a:srgbClr val="3F3F3F"/>
+                </a:solidFill>
+                <a:effectLst/>
+                <a:latin typeface="PingFang SC"/>
+              </a:rPr>
+              <a:t>从而增强其抵抗级联失效的能力</a:t>
+            </a:r>
+            <a:r>
+              <a:rPr lang="zh-CN" altLang="en-US" dirty="0">
+                <a:solidFill>
+                  <a:schemeClr val="tx1">
+                    <a:lumMod val="75000"/>
+                    <a:lumOff val="25000"/>
+                  </a:schemeClr>
+                </a:solidFill>
+                <a:latin typeface="+mn-ea"/>
+                <a:sym typeface="Arial" panose="020B0604020202020204" pitchFamily="34" charset="0"/>
+              </a:rPr>
+              <a:t>，验证提出的加边策略的有效性。</a:t>
+            </a:r>
+            <a:endParaRPr lang="en-US" altLang="zh-CN" dirty="0">
+              <a:solidFill>
+                <a:schemeClr val="tx1">
+                  <a:lumMod val="75000"/>
+                  <a:lumOff val="25000"/>
+                </a:schemeClr>
+              </a:solidFill>
+              <a:latin typeface="+mn-ea"/>
+              <a:sym typeface="Arial" panose="020B0604020202020204" pitchFamily="34" charset="0"/>
+            </a:endParaRPr>
+          </a:p>
+        </p:txBody>
+      </p:sp>
+      <p:grpSp>
+        <p:nvGrpSpPr>
+          <p:cNvPr id="2" name="组合 1">
+            <a:extLst>
+              <a:ext uri="{FF2B5EF4-FFF2-40B4-BE49-F238E27FC236}">
+                <a16:creationId xmlns:a16="http://schemas.microsoft.com/office/drawing/2014/main" id="{733F88E0-9B32-1324-BCBB-E354E5B16B24}"/>
+              </a:ext>
+            </a:extLst>
+          </p:cNvPr>
+          <p:cNvGrpSpPr/>
+          <p:nvPr/>
+        </p:nvGrpSpPr>
+        <p:grpSpPr>
+          <a:xfrm>
+            <a:off x="0" y="2123863"/>
+            <a:ext cx="2159729" cy="525700"/>
+            <a:chOff x="0" y="836920"/>
+            <a:chExt cx="2159729" cy="525700"/>
+          </a:xfrm>
+        </p:grpSpPr>
+        <p:sp>
+          <p:nvSpPr>
+            <p:cNvPr id="3" name="Freeform 190">
+              <a:extLst>
+                <a:ext uri="{FF2B5EF4-FFF2-40B4-BE49-F238E27FC236}">
+                  <a16:creationId xmlns:a16="http://schemas.microsoft.com/office/drawing/2014/main" id="{3888372E-250F-FA77-348C-BDB18546265F}"/>
+                </a:ext>
+              </a:extLst>
+            </p:cNvPr>
+            <p:cNvSpPr/>
+            <p:nvPr/>
+          </p:nvSpPr>
+          <p:spPr bwMode="auto">
+            <a:xfrm>
+              <a:off x="0" y="836920"/>
+              <a:ext cx="2159729" cy="525700"/>
+            </a:xfrm>
+            <a:custGeom>
+              <a:avLst/>
+              <a:gdLst>
+                <a:gd name="T0" fmla="*/ 298 w 298"/>
+                <a:gd name="T1" fmla="*/ 36 h 71"/>
+                <a:gd name="T2" fmla="*/ 256 w 298"/>
+                <a:gd name="T3" fmla="*/ 71 h 71"/>
+                <a:gd name="T4" fmla="*/ 0 w 298"/>
+                <a:gd name="T5" fmla="*/ 71 h 71"/>
+                <a:gd name="T6" fmla="*/ 0 w 298"/>
+                <a:gd name="T7" fmla="*/ 0 h 71"/>
+                <a:gd name="T8" fmla="*/ 256 w 298"/>
+                <a:gd name="T9" fmla="*/ 0 h 71"/>
+                <a:gd name="T10" fmla="*/ 298 w 298"/>
+                <a:gd name="T11" fmla="*/ 36 h 71"/>
+              </a:gdLst>
+              <a:ahLst/>
+              <a:cxnLst>
+                <a:cxn ang="0">
+                  <a:pos x="T0" y="T1"/>
+                </a:cxn>
+                <a:cxn ang="0">
+                  <a:pos x="T2" y="T3"/>
+                </a:cxn>
+                <a:cxn ang="0">
+                  <a:pos x="T4" y="T5"/>
+                </a:cxn>
+                <a:cxn ang="0">
+                  <a:pos x="T6" y="T7"/>
+                </a:cxn>
+                <a:cxn ang="0">
+                  <a:pos x="T8" y="T9"/>
+                </a:cxn>
+                <a:cxn ang="0">
+                  <a:pos x="T10" y="T11"/>
+                </a:cxn>
+              </a:cxnLst>
+              <a:rect l="0" t="0" r="r" b="b"/>
+              <a:pathLst>
+                <a:path w="298" h="71">
+                  <a:moveTo>
+                    <a:pt x="298" y="36"/>
+                  </a:moveTo>
+                  <a:lnTo>
+                    <a:pt x="256" y="71"/>
+                  </a:lnTo>
+                  <a:lnTo>
+                    <a:pt x="0" y="71"/>
+                  </a:lnTo>
+                  <a:lnTo>
+                    <a:pt x="0" y="0"/>
+                  </a:lnTo>
+                  <a:lnTo>
+                    <a:pt x="256" y="0"/>
+                  </a:lnTo>
+                  <a:lnTo>
+                    <a:pt x="298" y="36"/>
+                  </a:lnTo>
+                  <a:close/>
+                </a:path>
+              </a:pathLst>
+            </a:custGeom>
+            <a:solidFill>
+              <a:schemeClr val="accent2"/>
+            </a:solidFill>
+            <a:ln>
+              <a:noFill/>
+            </a:ln>
+            <a:effectLst>
+              <a:outerShdw blurRad="63500" algn="ctr" rotWithShape="0">
+                <a:prstClr val="black">
+                  <a:alpha val="40000"/>
+                </a:prstClr>
+              </a:outerShdw>
+            </a:effectLst>
+          </p:spPr>
+          <p:style>
+            <a:lnRef idx="2">
+              <a:schemeClr val="accent1">
+                <a:shade val="50000"/>
+              </a:schemeClr>
+            </a:lnRef>
+            <a:fillRef idx="1">
+              <a:schemeClr val="accent1"/>
+            </a:fillRef>
+            <a:effectRef idx="0">
+              <a:schemeClr val="accent1"/>
+            </a:effectRef>
+            <a:fontRef idx="minor">
+              <a:schemeClr val="lt1"/>
+            </a:fontRef>
+          </p:style>
+          <p:txBody>
+            <a:bodyPr rot="0" spcFirstLastPara="0" vertOverflow="overflow" horzOverflow="overflow" vert="horz" wrap="square" lIns="91440" tIns="45720" rIns="91440" bIns="45720" numCol="1" spcCol="0" rtlCol="0" fromWordArt="0" anchor="ctr" anchorCtr="0" forceAA="0" compatLnSpc="1">
+              <a:noAutofit/>
+            </a:bodyPr>
+            <a:lstStyle/>
+            <a:p>
+              <a:pPr algn="ctr"/>
+              <a:endParaRPr lang="en-US" b="1" dirty="0">
+                <a:solidFill>
+                  <a:schemeClr val="bg1"/>
+                </a:solidFill>
+                <a:latin typeface="+mn-ea"/>
+              </a:endParaRPr>
+            </a:p>
+          </p:txBody>
+        </p:sp>
+        <p:sp>
+          <p:nvSpPr>
+            <p:cNvPr id="4" name="矩形 3">
+              <a:extLst>
+                <a:ext uri="{FF2B5EF4-FFF2-40B4-BE49-F238E27FC236}">
+                  <a16:creationId xmlns:a16="http://schemas.microsoft.com/office/drawing/2014/main" id="{9E3B5097-1A87-2BC7-D70C-571716DDB9F2}"/>
+                </a:ext>
+              </a:extLst>
+            </p:cNvPr>
+            <p:cNvSpPr/>
+            <p:nvPr/>
+          </p:nvSpPr>
+          <p:spPr>
+            <a:xfrm flipH="1">
+              <a:off x="186267" y="897058"/>
+              <a:ext cx="1396537" cy="369332"/>
+            </a:xfrm>
+            <a:prstGeom prst="rect">
+              <a:avLst/>
+            </a:prstGeom>
+          </p:spPr>
+          <p:txBody>
+            <a:bodyPr wrap="none">
+              <a:spAutoFit/>
+            </a:bodyPr>
+            <a:lstStyle/>
+            <a:p>
+              <a:pPr marL="285750" indent="-285750" algn="r">
+                <a:buFont typeface="Wingdings" panose="05000000000000000000" pitchFamily="2" charset="2"/>
+                <a:buChar char="Ø"/>
+              </a:pPr>
+              <a:r>
+                <a:rPr lang="zh-CN" altLang="en-US" b="1" dirty="0">
+                  <a:solidFill>
+                    <a:schemeClr val="bg1"/>
+                  </a:solidFill>
+                  <a:latin typeface="+mn-ea"/>
+                </a:rPr>
+                <a:t>研究内容</a:t>
+              </a:r>
+            </a:p>
+          </p:txBody>
+        </p:sp>
+      </p:grpSp>
+      <p:sp>
+        <p:nvSpPr>
+          <p:cNvPr id="7" name="Rectangle 25">
+            <a:extLst>
+              <a:ext uri="{FF2B5EF4-FFF2-40B4-BE49-F238E27FC236}">
+                <a16:creationId xmlns:a16="http://schemas.microsoft.com/office/drawing/2014/main" id="{606CE732-17F2-4B07-905B-A47E53675490}"/>
+              </a:ext>
+            </a:extLst>
+          </p:cNvPr>
+          <p:cNvSpPr/>
+          <p:nvPr/>
+        </p:nvSpPr>
+        <p:spPr>
+          <a:xfrm>
+            <a:off x="2225527" y="1636314"/>
+            <a:ext cx="8830851" cy="1289905"/>
+          </a:xfrm>
+          <a:prstGeom prst="rect">
+            <a:avLst/>
+          </a:prstGeom>
+          <a:ln w="19050">
+            <a:solidFill>
+              <a:schemeClr val="accent3"/>
+            </a:solidFill>
+            <a:prstDash val="dash"/>
+          </a:ln>
+        </p:spPr>
+        <p:txBody>
+          <a:bodyPr wrap="square">
+            <a:spAutoFit/>
+          </a:bodyPr>
+          <a:lstStyle/>
+          <a:p>
+            <a:pPr algn="just">
+              <a:lnSpc>
+                <a:spcPct val="150000"/>
+              </a:lnSpc>
+            </a:pPr>
+            <a:r>
+              <a:rPr lang="en-US" altLang="zh-CN" b="1" dirty="0">
+                <a:solidFill>
+                  <a:schemeClr val="tx1">
+                    <a:lumMod val="75000"/>
+                    <a:lumOff val="25000"/>
+                  </a:schemeClr>
+                </a:solidFill>
+                <a:latin typeface="+mn-ea"/>
+                <a:sym typeface="Arial" panose="020B0604020202020204" pitchFamily="34" charset="0"/>
+              </a:rPr>
+              <a:t>2.</a:t>
+            </a:r>
+            <a:r>
+              <a:rPr lang="zh-CN" altLang="en-US" b="1" dirty="0">
+                <a:solidFill>
+                  <a:schemeClr val="tx1">
+                    <a:lumMod val="75000"/>
+                    <a:lumOff val="25000"/>
+                  </a:schemeClr>
+                </a:solidFill>
+                <a:latin typeface="+mn-ea"/>
+                <a:sym typeface="Arial" panose="020B0604020202020204" pitchFamily="34" charset="0"/>
+              </a:rPr>
+              <a:t> 面向结构优化的加边策略研发</a:t>
+            </a:r>
+            <a:endParaRPr lang="en-US" altLang="zh-CN" b="1" dirty="0">
+              <a:solidFill>
+                <a:schemeClr val="tx1">
+                  <a:lumMod val="75000"/>
+                  <a:lumOff val="25000"/>
+                </a:schemeClr>
+              </a:solidFill>
+              <a:latin typeface="+mn-ea"/>
+              <a:sym typeface="Arial" panose="020B0604020202020204" pitchFamily="34" charset="0"/>
+            </a:endParaRPr>
+          </a:p>
+          <a:p>
+            <a:pPr indent="457200" algn="just">
+              <a:lnSpc>
+                <a:spcPct val="150000"/>
+              </a:lnSpc>
+            </a:pPr>
+            <a:r>
+              <a:rPr lang="zh-CN" altLang="en-US" dirty="0">
+                <a:solidFill>
+                  <a:schemeClr val="tx1">
+                    <a:lumMod val="75000"/>
+                    <a:lumOff val="25000"/>
+                  </a:schemeClr>
+                </a:solidFill>
+                <a:latin typeface="+mn-ea"/>
+                <a:sym typeface="Arial" panose="020B0604020202020204" pitchFamily="34" charset="0"/>
+              </a:rPr>
+              <a:t>设计并实现一套全新的加边策略算法，考虑以网络的连通性、聚类系数、平均最短路径长度等为优化指标，设计合理的加边策略，以提升网络的整体性能。</a:t>
+            </a:r>
+          </a:p>
+        </p:txBody>
+      </p:sp>
+    </p:spTree>
+    <p:extLst>
+      <p:ext uri="{BB962C8B-B14F-4D97-AF65-F5344CB8AC3E}">
+        <p14:creationId xmlns:p14="http://schemas.microsoft.com/office/powerpoint/2010/main" val="1037072467"/>
+      </p:ext>
+    </p:extLst>
+  </p:cSld>
+  <p:clrMapOvr>
+    <a:masterClrMapping/>
+  </p:clrMapOvr>
+  <mc:AlternateContent xmlns:mc="http://schemas.openxmlformats.org/markup-compatibility/2006">
+    <mc:Choice xmlns:p14="http://schemas.microsoft.com/office/powerpoint/2010/main" Requires="p14">
+      <p:transition spd="slow" p14:dur="898" advClick="0" advTm="5000"/>
+    </mc:Choice>
+    <mc:Fallback>
+      <p:transition spd="slow" advClick="0" advTm="5000"/>
+    </mc:Fallback>
+  </mc:AlternateContent>
+</p:sld>
+</file>
+
+<file path=ppt/slides/slide9.xml><?xml version="1.0" encoding="utf-8"?>
 <p:sld xmlns:a="http://schemas.openxmlformats.org/drawingml/2006/main" xmlns:r="http://schemas.openxmlformats.org/officeDocument/2006/relationships" xmlns:p="http://schemas.openxmlformats.org/presentationml/2006/main">
   <p:cSld>
     <p:spTree>
@@ -17314,2286 +20151,6 @@
 </p:sld>
 </file>
 
-<file path=ppt/slides/slide8.xml><?xml version="1.0" encoding="utf-8"?>
-<p:sld xmlns:a="http://schemas.openxmlformats.org/drawingml/2006/main" xmlns:r="http://schemas.openxmlformats.org/officeDocument/2006/relationships" xmlns:p="http://schemas.openxmlformats.org/presentationml/2006/main">
-  <p:cSld>
-    <p:spTree>
-      <p:nvGrpSpPr>
-        <p:cNvPr id="1" name=""/>
-        <p:cNvGrpSpPr/>
-        <p:nvPr/>
-      </p:nvGrpSpPr>
-      <p:grpSpPr>
-        <a:xfrm>
-          <a:off x="0" y="0"/>
-          <a:ext cx="0" cy="0"/>
-          <a:chOff x="0" y="0"/>
-          <a:chExt cx="0" cy="0"/>
-        </a:xfrm>
-      </p:grpSpPr>
-      <p:sp>
-        <p:nvSpPr>
-          <p:cNvPr id="6" name="矩形 5"/>
-          <p:cNvSpPr/>
-          <p:nvPr/>
-        </p:nvSpPr>
-        <p:spPr>
-          <a:xfrm flipH="1">
-            <a:off x="0" y="133648"/>
-            <a:ext cx="2954655" cy="461665"/>
-          </a:xfrm>
-          <a:prstGeom prst="rect">
-            <a:avLst/>
-          </a:prstGeom>
-        </p:spPr>
-        <p:txBody>
-          <a:bodyPr wrap="none">
-            <a:spAutoFit/>
-          </a:bodyPr>
-          <a:lstStyle/>
-          <a:p>
-            <a:pPr algn="r"/>
-            <a:r>
-              <a:rPr lang="zh-CN" altLang="en-US" sz="2400" b="1" dirty="0">
-                <a:solidFill>
-                  <a:schemeClr val="bg1"/>
-                </a:solidFill>
-                <a:latin typeface="+mn-ea"/>
-              </a:rPr>
-              <a:t>四、国内外研究动态</a:t>
-            </a:r>
-          </a:p>
-        </p:txBody>
-      </p:sp>
-      <p:grpSp>
-        <p:nvGrpSpPr>
-          <p:cNvPr id="9" name="组合 8">
-            <a:extLst>
-              <a:ext uri="{FF2B5EF4-FFF2-40B4-BE49-F238E27FC236}">
-                <a16:creationId xmlns:a16="http://schemas.microsoft.com/office/drawing/2014/main" id="{8436F706-4D3D-498D-8614-CC9B9C217BD3}"/>
-              </a:ext>
-            </a:extLst>
-          </p:cNvPr>
-          <p:cNvGrpSpPr/>
-          <p:nvPr/>
-        </p:nvGrpSpPr>
-        <p:grpSpPr>
-          <a:xfrm>
-            <a:off x="0" y="899886"/>
-            <a:ext cx="2696757" cy="579019"/>
-            <a:chOff x="-537028" y="812630"/>
-            <a:chExt cx="2696757" cy="579019"/>
-          </a:xfrm>
-        </p:grpSpPr>
-        <p:sp>
-          <p:nvSpPr>
-            <p:cNvPr id="11" name="Freeform 190">
-              <a:extLst>
-                <a:ext uri="{FF2B5EF4-FFF2-40B4-BE49-F238E27FC236}">
-                  <a16:creationId xmlns:a16="http://schemas.microsoft.com/office/drawing/2014/main" id="{C63FB880-A5B1-4353-8D93-8B9135D1C42F}"/>
-                </a:ext>
-              </a:extLst>
-            </p:cNvPr>
-            <p:cNvSpPr/>
-            <p:nvPr/>
-          </p:nvSpPr>
-          <p:spPr bwMode="auto">
-            <a:xfrm>
-              <a:off x="-537028" y="812630"/>
-              <a:ext cx="2696757" cy="579019"/>
-            </a:xfrm>
-            <a:custGeom>
-              <a:avLst/>
-              <a:gdLst>
-                <a:gd name="T0" fmla="*/ 298 w 298"/>
-                <a:gd name="T1" fmla="*/ 36 h 71"/>
-                <a:gd name="T2" fmla="*/ 256 w 298"/>
-                <a:gd name="T3" fmla="*/ 71 h 71"/>
-                <a:gd name="T4" fmla="*/ 0 w 298"/>
-                <a:gd name="T5" fmla="*/ 71 h 71"/>
-                <a:gd name="T6" fmla="*/ 0 w 298"/>
-                <a:gd name="T7" fmla="*/ 0 h 71"/>
-                <a:gd name="T8" fmla="*/ 256 w 298"/>
-                <a:gd name="T9" fmla="*/ 0 h 71"/>
-                <a:gd name="T10" fmla="*/ 298 w 298"/>
-                <a:gd name="T11" fmla="*/ 36 h 71"/>
-              </a:gdLst>
-              <a:ahLst/>
-              <a:cxnLst>
-                <a:cxn ang="0">
-                  <a:pos x="T0" y="T1"/>
-                </a:cxn>
-                <a:cxn ang="0">
-                  <a:pos x="T2" y="T3"/>
-                </a:cxn>
-                <a:cxn ang="0">
-                  <a:pos x="T4" y="T5"/>
-                </a:cxn>
-                <a:cxn ang="0">
-                  <a:pos x="T6" y="T7"/>
-                </a:cxn>
-                <a:cxn ang="0">
-                  <a:pos x="T8" y="T9"/>
-                </a:cxn>
-                <a:cxn ang="0">
-                  <a:pos x="T10" y="T11"/>
-                </a:cxn>
-              </a:cxnLst>
-              <a:rect l="0" t="0" r="r" b="b"/>
-              <a:pathLst>
-                <a:path w="298" h="71">
-                  <a:moveTo>
-                    <a:pt x="298" y="36"/>
-                  </a:moveTo>
-                  <a:lnTo>
-                    <a:pt x="256" y="71"/>
-                  </a:lnTo>
-                  <a:lnTo>
-                    <a:pt x="0" y="71"/>
-                  </a:lnTo>
-                  <a:lnTo>
-                    <a:pt x="0" y="0"/>
-                  </a:lnTo>
-                  <a:lnTo>
-                    <a:pt x="256" y="0"/>
-                  </a:lnTo>
-                  <a:lnTo>
-                    <a:pt x="298" y="36"/>
-                  </a:lnTo>
-                  <a:close/>
-                </a:path>
-              </a:pathLst>
-            </a:custGeom>
-            <a:solidFill>
-              <a:schemeClr val="accent2"/>
-            </a:solidFill>
-            <a:ln>
-              <a:noFill/>
-            </a:ln>
-            <a:effectLst>
-              <a:outerShdw blurRad="63500" algn="ctr" rotWithShape="0">
-                <a:prstClr val="black">
-                  <a:alpha val="40000"/>
-                </a:prstClr>
-              </a:outerShdw>
-            </a:effectLst>
-          </p:spPr>
-          <p:style>
-            <a:lnRef idx="2">
-              <a:schemeClr val="accent1">
-                <a:shade val="50000"/>
-              </a:schemeClr>
-            </a:lnRef>
-            <a:fillRef idx="1">
-              <a:schemeClr val="accent1"/>
-            </a:fillRef>
-            <a:effectRef idx="0">
-              <a:schemeClr val="accent1"/>
-            </a:effectRef>
-            <a:fontRef idx="minor">
-              <a:schemeClr val="lt1"/>
-            </a:fontRef>
-          </p:style>
-          <p:txBody>
-            <a:bodyPr rot="0" spcFirstLastPara="0" vertOverflow="overflow" horzOverflow="overflow" vert="horz" wrap="square" lIns="91440" tIns="45720" rIns="91440" bIns="45720" numCol="1" spcCol="0" rtlCol="0" fromWordArt="0" anchor="ctr" anchorCtr="0" forceAA="0" compatLnSpc="1">
-              <a:noAutofit/>
-            </a:bodyPr>
-            <a:lstStyle/>
-            <a:p>
-              <a:pPr algn="ctr"/>
-              <a:endParaRPr lang="en-US" b="1" dirty="0">
-                <a:solidFill>
-                  <a:schemeClr val="bg1"/>
-                </a:solidFill>
-                <a:latin typeface="+mn-ea"/>
-              </a:endParaRPr>
-            </a:p>
-          </p:txBody>
-        </p:sp>
-        <p:sp>
-          <p:nvSpPr>
-            <p:cNvPr id="12" name="矩形 11">
-              <a:extLst>
-                <a:ext uri="{FF2B5EF4-FFF2-40B4-BE49-F238E27FC236}">
-                  <a16:creationId xmlns:a16="http://schemas.microsoft.com/office/drawing/2014/main" id="{D7328D63-BE60-472E-A109-87570232A744}"/>
-                </a:ext>
-              </a:extLst>
-            </p:cNvPr>
-            <p:cNvSpPr/>
-            <p:nvPr/>
-          </p:nvSpPr>
-          <p:spPr>
-            <a:xfrm flipH="1">
-              <a:off x="-537028" y="919312"/>
-              <a:ext cx="2319866" cy="369332"/>
-            </a:xfrm>
-            <a:prstGeom prst="rect">
-              <a:avLst/>
-            </a:prstGeom>
-          </p:spPr>
-          <p:txBody>
-            <a:bodyPr wrap="none">
-              <a:spAutoFit/>
-            </a:bodyPr>
-            <a:lstStyle/>
-            <a:p>
-              <a:pPr marL="285750" indent="-285750" algn="r">
-                <a:buFont typeface="Wingdings" panose="05000000000000000000" pitchFamily="2" charset="2"/>
-                <a:buChar char="Ø"/>
-              </a:pPr>
-              <a:r>
-                <a:rPr lang="zh-CN" altLang="en-US" b="1" dirty="0">
-                  <a:solidFill>
-                    <a:schemeClr val="bg1"/>
-                  </a:solidFill>
-                  <a:latin typeface="+mn-ea"/>
-                </a:rPr>
-                <a:t>路径规划相关算法</a:t>
-              </a:r>
-            </a:p>
-          </p:txBody>
-        </p:sp>
-      </p:grpSp>
-      <p:graphicFrame>
-        <p:nvGraphicFramePr>
-          <p:cNvPr id="8" name="表格 7">
-            <a:extLst>
-              <a:ext uri="{FF2B5EF4-FFF2-40B4-BE49-F238E27FC236}">
-                <a16:creationId xmlns:a16="http://schemas.microsoft.com/office/drawing/2014/main" id="{45A0575A-E062-4313-AE27-DCAD7BC1E993}"/>
-              </a:ext>
-            </a:extLst>
-          </p:cNvPr>
-          <p:cNvGraphicFramePr>
-            <a:graphicFrameLocks noGrp="1"/>
-          </p:cNvGraphicFramePr>
-          <p:nvPr>
-            <p:extLst>
-              <p:ext uri="{D42A27DB-BD31-4B8C-83A1-F6EECF244321}">
-                <p14:modId xmlns:p14="http://schemas.microsoft.com/office/powerpoint/2010/main" val="1077250262"/>
-              </p:ext>
-            </p:extLst>
-          </p:nvPr>
-        </p:nvGraphicFramePr>
-        <p:xfrm>
-          <a:off x="1044367" y="1822310"/>
-          <a:ext cx="10118436" cy="4030961"/>
-        </p:xfrm>
-        <a:graphic>
-          <a:graphicData uri="http://schemas.openxmlformats.org/drawingml/2006/table">
-            <a:tbl>
-              <a:tblPr firstRow="1" bandRow="1">
-                <a:tableStyleId>{5C22544A-7EE6-4342-B048-85BDC9FD1C3A}</a:tableStyleId>
-              </a:tblPr>
-              <a:tblGrid>
-                <a:gridCol w="2529609">
-                  <a:extLst>
-                    <a:ext uri="{9D8B030D-6E8A-4147-A177-3AD203B41FA5}">
-                      <a16:colId xmlns:a16="http://schemas.microsoft.com/office/drawing/2014/main" val="4033028031"/>
-                    </a:ext>
-                  </a:extLst>
-                </a:gridCol>
-                <a:gridCol w="2529609">
-                  <a:extLst>
-                    <a:ext uri="{9D8B030D-6E8A-4147-A177-3AD203B41FA5}">
-                      <a16:colId xmlns:a16="http://schemas.microsoft.com/office/drawing/2014/main" val="770379517"/>
-                    </a:ext>
-                  </a:extLst>
-                </a:gridCol>
-                <a:gridCol w="2529609">
-                  <a:extLst>
-                    <a:ext uri="{9D8B030D-6E8A-4147-A177-3AD203B41FA5}">
-                      <a16:colId xmlns:a16="http://schemas.microsoft.com/office/drawing/2014/main" val="430895577"/>
-                    </a:ext>
-                  </a:extLst>
-                </a:gridCol>
-                <a:gridCol w="2529609">
-                  <a:extLst>
-                    <a:ext uri="{9D8B030D-6E8A-4147-A177-3AD203B41FA5}">
-                      <a16:colId xmlns:a16="http://schemas.microsoft.com/office/drawing/2014/main" val="1625079374"/>
-                    </a:ext>
-                  </a:extLst>
-                </a:gridCol>
-              </a:tblGrid>
-              <a:tr h="376035">
-                <a:tc>
-                  <a:txBody>
-                    <a:bodyPr/>
-                    <a:lstStyle/>
-                    <a:p>
-                      <a:pPr algn="ctr"/>
-                      <a:r>
-                        <a:rPr lang="zh-CN" altLang="en-US" dirty="0"/>
-                        <a:t>算法</a:t>
-                      </a:r>
-                    </a:p>
-                  </a:txBody>
-                  <a:tcPr anchor="ctr"/>
-                </a:tc>
-                <a:tc>
-                  <a:txBody>
-                    <a:bodyPr/>
-                    <a:lstStyle/>
-                    <a:p>
-                      <a:pPr algn="ctr"/>
-                      <a:r>
-                        <a:rPr lang="zh-CN" altLang="en-US" dirty="0"/>
-                        <a:t>原理</a:t>
-                      </a:r>
-                    </a:p>
-                  </a:txBody>
-                  <a:tcPr anchor="ctr"/>
-                </a:tc>
-                <a:tc>
-                  <a:txBody>
-                    <a:bodyPr/>
-                    <a:lstStyle/>
-                    <a:p>
-                      <a:pPr algn="ctr"/>
-                      <a:r>
-                        <a:rPr lang="zh-CN" altLang="en-US" dirty="0"/>
-                        <a:t>优点</a:t>
-                      </a:r>
-                    </a:p>
-                  </a:txBody>
-                  <a:tcPr anchor="ctr"/>
-                </a:tc>
-                <a:tc>
-                  <a:txBody>
-                    <a:bodyPr/>
-                    <a:lstStyle/>
-                    <a:p>
-                      <a:pPr algn="ctr"/>
-                      <a:r>
-                        <a:rPr lang="zh-CN" altLang="en-US" dirty="0"/>
-                        <a:t>缺点</a:t>
-                      </a:r>
-                    </a:p>
-                  </a:txBody>
-                  <a:tcPr anchor="ctr"/>
-                </a:tc>
-                <a:extLst>
-                  <a:ext uri="{0D108BD9-81ED-4DB2-BD59-A6C34878D82A}">
-                    <a16:rowId xmlns:a16="http://schemas.microsoft.com/office/drawing/2014/main" val="1746818693"/>
-                  </a:ext>
-                </a:extLst>
-              </a:tr>
-              <a:tr h="920949">
-                <a:tc>
-                  <a:txBody>
-                    <a:bodyPr/>
-                    <a:lstStyle/>
-                    <a:p>
-                      <a:pPr algn="ctr"/>
-                      <a:r>
-                        <a:rPr lang="en-US" altLang="zh-CN" sz="1800" b="1" i="0" kern="1200" dirty="0">
-                          <a:solidFill>
-                            <a:schemeClr val="dk1"/>
-                          </a:solidFill>
-                          <a:effectLst/>
-                          <a:latin typeface="+mn-lt"/>
-                          <a:ea typeface="+mn-ea"/>
-                          <a:cs typeface="+mn-cs"/>
-                        </a:rPr>
-                        <a:t>A*</a:t>
-                      </a:r>
-                      <a:r>
-                        <a:rPr lang="zh-CN" altLang="en-US" sz="1800" b="1" i="0" kern="1200" dirty="0">
-                          <a:solidFill>
-                            <a:schemeClr val="dk1"/>
-                          </a:solidFill>
-                          <a:effectLst/>
-                          <a:latin typeface="+mn-lt"/>
-                          <a:ea typeface="+mn-ea"/>
-                          <a:cs typeface="+mn-cs"/>
-                        </a:rPr>
-                        <a:t>算法</a:t>
-                      </a:r>
-                      <a:endParaRPr lang="zh-CN" altLang="en-US" dirty="0"/>
-                    </a:p>
-                  </a:txBody>
-                  <a:tcPr anchor="ctr"/>
-                </a:tc>
-                <a:tc>
-                  <a:txBody>
-                    <a:bodyPr/>
-                    <a:lstStyle/>
-                    <a:p>
-                      <a:pPr algn="just"/>
-                      <a:r>
-                        <a:rPr lang="zh-CN" altLang="en-US" sz="1800" b="0" i="0" kern="1200" dirty="0">
-                          <a:solidFill>
-                            <a:schemeClr val="dk1"/>
-                          </a:solidFill>
-                          <a:effectLst/>
-                          <a:latin typeface="+mn-lt"/>
-                          <a:ea typeface="+mn-ea"/>
-                          <a:cs typeface="+mn-cs"/>
-                        </a:rPr>
-                        <a:t>图搜索，启发式搜索最短路径</a:t>
-                      </a:r>
-                      <a:endParaRPr lang="zh-CN" altLang="en-US" dirty="0"/>
-                    </a:p>
-                  </a:txBody>
-                  <a:tcPr anchor="ctr"/>
-                </a:tc>
-                <a:tc>
-                  <a:txBody>
-                    <a:bodyPr/>
-                    <a:lstStyle/>
-                    <a:p>
-                      <a:pPr algn="l"/>
-                      <a:r>
-                        <a:rPr lang="en-US" altLang="zh-CN" sz="1800" b="0" i="0" kern="1200" dirty="0">
-                          <a:solidFill>
-                            <a:schemeClr val="dk1"/>
-                          </a:solidFill>
-                          <a:effectLst/>
-                          <a:latin typeface="+mn-lt"/>
-                          <a:ea typeface="+mn-ea"/>
-                          <a:cs typeface="+mn-cs"/>
-                        </a:rPr>
-                        <a:t>- </a:t>
-                      </a:r>
-                      <a:r>
-                        <a:rPr lang="zh-CN" altLang="en-US" sz="1800" b="0" i="0" kern="1200" dirty="0">
-                          <a:solidFill>
-                            <a:schemeClr val="dk1"/>
-                          </a:solidFill>
-                          <a:effectLst/>
-                          <a:latin typeface="+mn-lt"/>
-                          <a:ea typeface="+mn-ea"/>
-                          <a:cs typeface="+mn-cs"/>
-                        </a:rPr>
-                        <a:t>寻找最短路径</a:t>
-                      </a:r>
-                      <a:endParaRPr lang="zh-CN" altLang="en-US" dirty="0"/>
-                    </a:p>
-                  </a:txBody>
-                  <a:tcPr anchor="ctr"/>
-                </a:tc>
-                <a:tc>
-                  <a:txBody>
-                    <a:bodyPr/>
-                    <a:lstStyle/>
-                    <a:p>
-                      <a:pPr algn="l"/>
-                      <a:r>
-                        <a:rPr lang="en-US" altLang="zh-CN" sz="1800" b="0" i="0" kern="1200" dirty="0">
-                          <a:solidFill>
-                            <a:schemeClr val="dk1"/>
-                          </a:solidFill>
-                          <a:effectLst/>
-                          <a:latin typeface="+mn-lt"/>
-                          <a:ea typeface="+mn-ea"/>
-                          <a:cs typeface="+mn-cs"/>
-                        </a:rPr>
-                        <a:t>- </a:t>
-                      </a:r>
-                      <a:r>
-                        <a:rPr lang="zh-CN" altLang="en-US" sz="1800" b="0" i="0" kern="1200" dirty="0">
-                          <a:solidFill>
-                            <a:schemeClr val="dk1"/>
-                          </a:solidFill>
-                          <a:effectLst/>
-                          <a:latin typeface="+mn-lt"/>
-                          <a:ea typeface="+mn-ea"/>
-                          <a:cs typeface="+mn-cs"/>
-                        </a:rPr>
-                        <a:t>不适用于动态环境</a:t>
-                      </a:r>
-                      <a:endParaRPr lang="en-US" altLang="zh-CN" sz="1800" b="0" i="0" kern="1200" dirty="0">
-                        <a:solidFill>
-                          <a:schemeClr val="dk1"/>
-                        </a:solidFill>
-                        <a:effectLst/>
-                        <a:latin typeface="+mn-lt"/>
-                        <a:ea typeface="+mn-ea"/>
-                        <a:cs typeface="+mn-cs"/>
-                      </a:endParaRPr>
-                    </a:p>
-                    <a:p>
-                      <a:pPr algn="l"/>
-                      <a:r>
-                        <a:rPr lang="en-US" altLang="zh-CN" sz="1800" b="0" i="0" kern="1200" dirty="0">
-                          <a:solidFill>
-                            <a:schemeClr val="dk1"/>
-                          </a:solidFill>
-                          <a:effectLst/>
-                          <a:latin typeface="+mn-lt"/>
-                          <a:ea typeface="+mn-ea"/>
-                          <a:cs typeface="+mn-cs"/>
-                        </a:rPr>
-                        <a:t>- </a:t>
-                      </a:r>
-                      <a:r>
-                        <a:rPr lang="zh-CN" altLang="en-US" sz="1800" b="0" i="0" kern="1200" dirty="0">
-                          <a:solidFill>
-                            <a:schemeClr val="dk1"/>
-                          </a:solidFill>
-                          <a:effectLst/>
-                          <a:latin typeface="+mn-lt"/>
-                          <a:ea typeface="+mn-ea"/>
-                          <a:cs typeface="+mn-cs"/>
-                        </a:rPr>
-                        <a:t>计算复杂度可能较高</a:t>
-                      </a:r>
-                      <a:endParaRPr lang="zh-CN" altLang="en-US" dirty="0"/>
-                    </a:p>
-                  </a:txBody>
-                  <a:tcPr anchor="ctr"/>
-                </a:tc>
-                <a:extLst>
-                  <a:ext uri="{0D108BD9-81ED-4DB2-BD59-A6C34878D82A}">
-                    <a16:rowId xmlns:a16="http://schemas.microsoft.com/office/drawing/2014/main" val="1698343749"/>
-                  </a:ext>
-                </a:extLst>
-              </a:tr>
-              <a:tr h="906514">
-                <a:tc>
-                  <a:txBody>
-                    <a:bodyPr/>
-                    <a:lstStyle/>
-                    <a:p>
-                      <a:pPr algn="ctr"/>
-                      <a:r>
-                        <a:rPr lang="en-US" altLang="zh-CN" sz="1800" b="1" i="0" kern="1200" dirty="0">
-                          <a:solidFill>
-                            <a:schemeClr val="dk1"/>
-                          </a:solidFill>
-                          <a:effectLst/>
-                          <a:latin typeface="+mn-lt"/>
-                          <a:ea typeface="+mn-ea"/>
-                          <a:cs typeface="+mn-cs"/>
-                        </a:rPr>
-                        <a:t>D*</a:t>
-                      </a:r>
-                      <a:r>
-                        <a:rPr lang="zh-CN" altLang="en-US" sz="1800" b="1" i="0" kern="1200" dirty="0">
-                          <a:solidFill>
-                            <a:schemeClr val="dk1"/>
-                          </a:solidFill>
-                          <a:effectLst/>
-                          <a:latin typeface="+mn-lt"/>
-                          <a:ea typeface="+mn-ea"/>
-                          <a:cs typeface="+mn-cs"/>
-                        </a:rPr>
-                        <a:t>算法</a:t>
-                      </a:r>
-                      <a:endParaRPr lang="zh-CN" altLang="en-US" dirty="0"/>
-                    </a:p>
-                  </a:txBody>
-                  <a:tcPr anchor="ctr"/>
-                </a:tc>
-                <a:tc>
-                  <a:txBody>
-                    <a:bodyPr/>
-                    <a:lstStyle/>
-                    <a:p>
-                      <a:pPr algn="just"/>
-                      <a:r>
-                        <a:rPr lang="zh-CN" altLang="en-US" sz="1800" b="0" i="0" kern="1200" dirty="0">
-                          <a:solidFill>
-                            <a:schemeClr val="dk1"/>
-                          </a:solidFill>
-                          <a:effectLst/>
-                          <a:latin typeface="+mn-lt"/>
-                          <a:ea typeface="+mn-ea"/>
-                          <a:cs typeface="+mn-cs"/>
-                        </a:rPr>
-                        <a:t>在线实时规划，基于</a:t>
-                      </a:r>
-                      <a:r>
-                        <a:rPr lang="en-US" altLang="zh-CN" sz="1800" b="0" i="0" kern="1200" dirty="0">
-                          <a:solidFill>
-                            <a:schemeClr val="dk1"/>
-                          </a:solidFill>
-                          <a:effectLst/>
-                          <a:latin typeface="+mn-lt"/>
-                          <a:ea typeface="+mn-ea"/>
-                          <a:cs typeface="+mn-cs"/>
-                        </a:rPr>
-                        <a:t>A*</a:t>
-                      </a:r>
-                      <a:r>
-                        <a:rPr lang="zh-CN" altLang="en-US" sz="1800" b="0" i="0" kern="1200" dirty="0">
-                          <a:solidFill>
-                            <a:schemeClr val="dk1"/>
-                          </a:solidFill>
-                          <a:effectLst/>
-                          <a:latin typeface="+mn-lt"/>
-                          <a:ea typeface="+mn-ea"/>
-                          <a:cs typeface="+mn-cs"/>
-                        </a:rPr>
-                        <a:t>算法改进</a:t>
-                      </a:r>
-                      <a:endParaRPr lang="zh-CN" altLang="en-US" dirty="0"/>
-                    </a:p>
-                  </a:txBody>
-                  <a:tcPr anchor="ctr"/>
-                </a:tc>
-                <a:tc>
-                  <a:txBody>
-                    <a:bodyPr/>
-                    <a:lstStyle/>
-                    <a:p>
-                      <a:pPr algn="l"/>
-                      <a:r>
-                        <a:rPr lang="en-US" altLang="zh-CN" sz="1800" b="0" i="0" kern="1200" dirty="0">
-                          <a:solidFill>
-                            <a:schemeClr val="dk1"/>
-                          </a:solidFill>
-                          <a:effectLst/>
-                          <a:latin typeface="+mn-lt"/>
-                          <a:ea typeface="+mn-ea"/>
-                          <a:cs typeface="+mn-cs"/>
-                        </a:rPr>
-                        <a:t>- </a:t>
-                      </a:r>
-                      <a:r>
-                        <a:rPr lang="zh-CN" altLang="en-US" sz="1800" b="0" i="0" kern="1200" dirty="0">
-                          <a:solidFill>
-                            <a:schemeClr val="dk1"/>
-                          </a:solidFill>
-                          <a:effectLst/>
-                          <a:latin typeface="+mn-lt"/>
-                          <a:ea typeface="+mn-ea"/>
-                          <a:cs typeface="+mn-cs"/>
-                        </a:rPr>
-                        <a:t>适应动态环境</a:t>
-                      </a:r>
-                      <a:endParaRPr lang="zh-CN" altLang="en-US" dirty="0"/>
-                    </a:p>
-                  </a:txBody>
-                  <a:tcPr anchor="ctr"/>
-                </a:tc>
-                <a:tc>
-                  <a:txBody>
-                    <a:bodyPr/>
-                    <a:lstStyle/>
-                    <a:p>
-                      <a:pPr marL="0" indent="0" algn="l">
-                        <a:buFontTx/>
-                        <a:buNone/>
-                      </a:pPr>
-                      <a:r>
-                        <a:rPr lang="en-US" altLang="zh-CN" sz="1800" b="0" i="0" kern="1200" dirty="0">
-                          <a:solidFill>
-                            <a:schemeClr val="dk1"/>
-                          </a:solidFill>
-                          <a:effectLst/>
-                          <a:latin typeface="+mn-lt"/>
-                          <a:ea typeface="+mn-ea"/>
-                          <a:cs typeface="+mn-cs"/>
-                        </a:rPr>
-                        <a:t>- </a:t>
-                      </a:r>
-                      <a:r>
-                        <a:rPr lang="zh-CN" altLang="en-US" sz="1800" b="0" i="0" kern="1200" dirty="0">
-                          <a:solidFill>
-                            <a:schemeClr val="dk1"/>
-                          </a:solidFill>
-                          <a:effectLst/>
-                          <a:latin typeface="+mn-lt"/>
-                          <a:ea typeface="+mn-ea"/>
-                          <a:cs typeface="+mn-cs"/>
-                        </a:rPr>
-                        <a:t>计算复杂度高</a:t>
-                      </a:r>
-                      <a:endParaRPr lang="en-US" altLang="zh-CN" sz="1800" b="0" i="0" kern="1200" dirty="0">
-                        <a:solidFill>
-                          <a:schemeClr val="dk1"/>
-                        </a:solidFill>
-                        <a:effectLst/>
-                        <a:latin typeface="+mn-lt"/>
-                        <a:ea typeface="+mn-ea"/>
-                        <a:cs typeface="+mn-cs"/>
-                      </a:endParaRPr>
-                    </a:p>
-                    <a:p>
-                      <a:pPr marL="0" indent="0" algn="l">
-                        <a:buFontTx/>
-                        <a:buNone/>
-                      </a:pPr>
-                      <a:r>
-                        <a:rPr lang="en-US" altLang="zh-CN" sz="1800" b="0" i="0" kern="1200" dirty="0">
-                          <a:solidFill>
-                            <a:schemeClr val="dk1"/>
-                          </a:solidFill>
-                          <a:effectLst/>
-                          <a:latin typeface="+mn-lt"/>
-                          <a:ea typeface="+mn-ea"/>
-                          <a:cs typeface="+mn-cs"/>
-                        </a:rPr>
-                        <a:t>- </a:t>
-                      </a:r>
-                      <a:r>
-                        <a:rPr lang="zh-CN" altLang="en-US" sz="1800" b="0" i="0" kern="1200" dirty="0">
-                          <a:solidFill>
-                            <a:schemeClr val="dk1"/>
-                          </a:solidFill>
-                          <a:effectLst/>
-                          <a:latin typeface="+mn-lt"/>
-                          <a:ea typeface="+mn-ea"/>
-                          <a:cs typeface="+mn-cs"/>
-                        </a:rPr>
-                        <a:t>不保证找到最短路径</a:t>
-                      </a:r>
-                      <a:endParaRPr lang="zh-CN" altLang="en-US" dirty="0"/>
-                    </a:p>
-                  </a:txBody>
-                  <a:tcPr anchor="ctr"/>
-                </a:tc>
-                <a:extLst>
-                  <a:ext uri="{0D108BD9-81ED-4DB2-BD59-A6C34878D82A}">
-                    <a16:rowId xmlns:a16="http://schemas.microsoft.com/office/drawing/2014/main" val="3324748921"/>
-                  </a:ext>
-                </a:extLst>
-              </a:tr>
-              <a:tr h="906514">
-                <a:tc>
-                  <a:txBody>
-                    <a:bodyPr/>
-                    <a:lstStyle/>
-                    <a:p>
-                      <a:pPr algn="ctr"/>
-                      <a:r>
-                        <a:rPr lang="zh-CN" altLang="en-US" sz="1800" b="1" i="0" kern="1200" dirty="0">
-                          <a:solidFill>
-                            <a:schemeClr val="dk1"/>
-                          </a:solidFill>
-                          <a:effectLst/>
-                          <a:latin typeface="+mn-lt"/>
-                          <a:ea typeface="+mn-ea"/>
-                          <a:cs typeface="+mn-cs"/>
-                        </a:rPr>
-                        <a:t>虚拟势场法</a:t>
-                      </a:r>
-                      <a:endParaRPr lang="zh-CN" altLang="en-US" dirty="0"/>
-                    </a:p>
-                  </a:txBody>
-                  <a:tcPr anchor="ctr"/>
-                </a:tc>
-                <a:tc>
-                  <a:txBody>
-                    <a:bodyPr/>
-                    <a:lstStyle/>
-                    <a:p>
-                      <a:pPr algn="just"/>
-                      <a:r>
-                        <a:rPr lang="zh-CN" altLang="en-US" sz="1800" b="0" i="0" kern="1200" dirty="0">
-                          <a:solidFill>
-                            <a:schemeClr val="dk1"/>
-                          </a:solidFill>
-                          <a:effectLst/>
-                          <a:latin typeface="+mn-lt"/>
-                          <a:ea typeface="+mn-ea"/>
-                          <a:cs typeface="+mn-cs"/>
-                        </a:rPr>
-                        <a:t>基于虚拟势场的相互作用规划路径</a:t>
-                      </a:r>
-                      <a:endParaRPr lang="zh-CN" altLang="en-US" dirty="0"/>
-                    </a:p>
-                  </a:txBody>
-                  <a:tcPr anchor="ctr"/>
-                </a:tc>
-                <a:tc>
-                  <a:txBody>
-                    <a:bodyPr/>
-                    <a:lstStyle/>
-                    <a:p>
-                      <a:pPr marL="0" indent="0" algn="l">
-                        <a:buFontTx/>
-                        <a:buNone/>
-                      </a:pPr>
-                      <a:r>
-                        <a:rPr lang="en-US" altLang="zh-CN" sz="1800" b="0" i="0" kern="1200" dirty="0">
-                          <a:solidFill>
-                            <a:schemeClr val="dk1"/>
-                          </a:solidFill>
-                          <a:effectLst/>
-                          <a:latin typeface="+mn-lt"/>
-                          <a:ea typeface="+mn-ea"/>
-                          <a:cs typeface="+mn-cs"/>
-                        </a:rPr>
-                        <a:t>- </a:t>
-                      </a:r>
-                      <a:r>
-                        <a:rPr lang="zh-CN" altLang="en-US" sz="1800" b="0" i="0" kern="1200" dirty="0">
-                          <a:solidFill>
-                            <a:schemeClr val="dk1"/>
-                          </a:solidFill>
-                          <a:effectLst/>
-                          <a:latin typeface="+mn-lt"/>
-                          <a:ea typeface="+mn-ea"/>
-                          <a:cs typeface="+mn-cs"/>
-                        </a:rPr>
-                        <a:t>直观且易于理解 </a:t>
-                      </a:r>
-                      <a:endParaRPr lang="en-US" altLang="zh-CN" sz="1800" b="0" i="0" kern="1200" dirty="0">
-                        <a:solidFill>
-                          <a:schemeClr val="dk1"/>
-                        </a:solidFill>
-                        <a:effectLst/>
-                        <a:latin typeface="+mn-lt"/>
-                        <a:ea typeface="+mn-ea"/>
-                        <a:cs typeface="+mn-cs"/>
-                      </a:endParaRPr>
-                    </a:p>
-                  </a:txBody>
-                  <a:tcPr anchor="ctr"/>
-                </a:tc>
-                <a:tc>
-                  <a:txBody>
-                    <a:bodyPr/>
-                    <a:lstStyle/>
-                    <a:p>
-                      <a:pPr marL="0" indent="0" algn="l">
-                        <a:buFontTx/>
-                        <a:buNone/>
-                      </a:pPr>
-                      <a:r>
-                        <a:rPr lang="en-US" altLang="zh-CN" sz="1800" b="0" i="0" kern="1200" dirty="0">
-                          <a:solidFill>
-                            <a:schemeClr val="dk1"/>
-                          </a:solidFill>
-                          <a:effectLst/>
-                          <a:latin typeface="+mn-lt"/>
-                          <a:ea typeface="+mn-ea"/>
-                          <a:cs typeface="+mn-cs"/>
-                        </a:rPr>
-                        <a:t>- </a:t>
-                      </a:r>
-                      <a:r>
-                        <a:rPr lang="zh-CN" altLang="en-US" sz="1800" b="0" i="0" kern="1200" dirty="0">
-                          <a:solidFill>
-                            <a:schemeClr val="dk1"/>
-                          </a:solidFill>
-                          <a:effectLst/>
-                          <a:latin typeface="+mn-lt"/>
-                          <a:ea typeface="+mn-ea"/>
-                          <a:cs typeface="+mn-cs"/>
-                        </a:rPr>
-                        <a:t>存在悬停问题 </a:t>
-                      </a:r>
-                      <a:endParaRPr lang="en-US" altLang="zh-CN" sz="1800" b="0" i="0" kern="1200" dirty="0">
-                        <a:solidFill>
-                          <a:schemeClr val="dk1"/>
-                        </a:solidFill>
-                        <a:effectLst/>
-                        <a:latin typeface="+mn-lt"/>
-                        <a:ea typeface="+mn-ea"/>
-                        <a:cs typeface="+mn-cs"/>
-                      </a:endParaRPr>
-                    </a:p>
-                    <a:p>
-                      <a:pPr marL="0" indent="0" algn="l">
-                        <a:buFontTx/>
-                        <a:buNone/>
-                      </a:pPr>
-                      <a:r>
-                        <a:rPr lang="en-US" altLang="zh-CN" sz="1800" b="0" i="0" kern="1200" dirty="0">
-                          <a:solidFill>
-                            <a:schemeClr val="dk1"/>
-                          </a:solidFill>
-                          <a:effectLst/>
-                          <a:latin typeface="+mn-lt"/>
-                          <a:ea typeface="+mn-ea"/>
-                          <a:cs typeface="+mn-cs"/>
-                        </a:rPr>
-                        <a:t>- </a:t>
-                      </a:r>
-                      <a:r>
-                        <a:rPr lang="zh-CN" altLang="en-US" sz="1800" b="0" i="0" kern="1200" dirty="0">
-                          <a:solidFill>
-                            <a:schemeClr val="dk1"/>
-                          </a:solidFill>
-                          <a:effectLst/>
-                          <a:latin typeface="+mn-lt"/>
-                          <a:ea typeface="+mn-ea"/>
-                          <a:cs typeface="+mn-cs"/>
-                        </a:rPr>
-                        <a:t>难以处理动态障碍物</a:t>
-                      </a:r>
-                      <a:endParaRPr lang="zh-CN" altLang="en-US" dirty="0"/>
-                    </a:p>
-                  </a:txBody>
-                  <a:tcPr anchor="ctr"/>
-                </a:tc>
-                <a:extLst>
-                  <a:ext uri="{0D108BD9-81ED-4DB2-BD59-A6C34878D82A}">
-                    <a16:rowId xmlns:a16="http://schemas.microsoft.com/office/drawing/2014/main" val="380146791"/>
-                  </a:ext>
-                </a:extLst>
-              </a:tr>
-              <a:tr h="920949">
-                <a:tc>
-                  <a:txBody>
-                    <a:bodyPr/>
-                    <a:lstStyle/>
-                    <a:p>
-                      <a:pPr algn="ctr"/>
-                      <a:r>
-                        <a:rPr lang="zh-CN" altLang="en-US" sz="1800" b="1" i="0" kern="1200" dirty="0">
-                          <a:solidFill>
-                            <a:schemeClr val="dk1"/>
-                          </a:solidFill>
-                          <a:effectLst/>
-                          <a:latin typeface="+mn-lt"/>
-                          <a:ea typeface="+mn-ea"/>
-                          <a:cs typeface="+mn-cs"/>
-                        </a:rPr>
-                        <a:t>快速探索随机树</a:t>
-                      </a:r>
-                      <a:endParaRPr lang="en-US" altLang="zh-CN" sz="1800" b="1" i="0" kern="1200" dirty="0">
-                        <a:solidFill>
-                          <a:schemeClr val="dk1"/>
-                        </a:solidFill>
-                        <a:effectLst/>
-                        <a:latin typeface="+mn-lt"/>
-                        <a:ea typeface="+mn-ea"/>
-                        <a:cs typeface="+mn-cs"/>
-                      </a:endParaRPr>
-                    </a:p>
-                    <a:p>
-                      <a:pPr algn="ctr"/>
-                      <a:r>
-                        <a:rPr lang="zh-CN" altLang="en-US" sz="1800" b="1" i="0" kern="1200" dirty="0">
-                          <a:solidFill>
-                            <a:schemeClr val="dk1"/>
-                          </a:solidFill>
-                          <a:effectLst/>
-                          <a:latin typeface="+mn-lt"/>
-                          <a:ea typeface="+mn-ea"/>
-                          <a:cs typeface="+mn-cs"/>
-                        </a:rPr>
-                        <a:t>（</a:t>
-                      </a:r>
-                      <a:r>
-                        <a:rPr lang="en-US" altLang="zh-CN" sz="1800" b="1" i="0" kern="1200" dirty="0">
-                          <a:solidFill>
-                            <a:schemeClr val="dk1"/>
-                          </a:solidFill>
-                          <a:effectLst/>
-                          <a:latin typeface="+mn-lt"/>
-                          <a:ea typeface="+mn-ea"/>
-                          <a:cs typeface="+mn-cs"/>
-                        </a:rPr>
-                        <a:t>RRT</a:t>
-                      </a:r>
-                      <a:r>
-                        <a:rPr lang="zh-CN" altLang="en-US" sz="1800" b="1" i="0" kern="1200" dirty="0">
-                          <a:solidFill>
-                            <a:schemeClr val="dk1"/>
-                          </a:solidFill>
-                          <a:effectLst/>
-                          <a:latin typeface="+mn-lt"/>
-                          <a:ea typeface="+mn-ea"/>
-                          <a:cs typeface="+mn-cs"/>
-                        </a:rPr>
-                        <a:t>）算法</a:t>
-                      </a:r>
-                      <a:endParaRPr lang="zh-CN" altLang="en-US" dirty="0"/>
-                    </a:p>
-                  </a:txBody>
-                  <a:tcPr anchor="ctr"/>
-                </a:tc>
-                <a:tc>
-                  <a:txBody>
-                    <a:bodyPr/>
-                    <a:lstStyle/>
-                    <a:p>
-                      <a:pPr algn="just"/>
-                      <a:r>
-                        <a:rPr lang="zh-CN" altLang="en-US" sz="1800" b="0" i="0" kern="1200" dirty="0">
-                          <a:solidFill>
-                            <a:schemeClr val="dk1"/>
-                          </a:solidFill>
-                          <a:effectLst/>
-                          <a:latin typeface="+mn-lt"/>
-                          <a:ea typeface="+mn-ea"/>
-                          <a:cs typeface="+mn-cs"/>
-                        </a:rPr>
-                        <a:t>通过随机采样和构建树形结构进行路径规划</a:t>
-                      </a:r>
-                      <a:endParaRPr lang="zh-CN" altLang="en-US" dirty="0"/>
-                    </a:p>
-                  </a:txBody>
-                  <a:tcPr anchor="ctr"/>
-                </a:tc>
-                <a:tc>
-                  <a:txBody>
-                    <a:bodyPr/>
-                    <a:lstStyle/>
-                    <a:p>
-                      <a:pPr marL="0" indent="0" algn="l">
-                        <a:buFontTx/>
-                        <a:buNone/>
-                      </a:pPr>
-                      <a:r>
-                        <a:rPr lang="en-US" altLang="zh-CN" dirty="0"/>
-                        <a:t>-</a:t>
-                      </a:r>
-                      <a:r>
-                        <a:rPr lang="zh-CN" altLang="en-US" sz="1800" b="0" i="0" kern="1200" dirty="0">
-                          <a:solidFill>
-                            <a:schemeClr val="dk1"/>
-                          </a:solidFill>
-                          <a:effectLst/>
-                          <a:latin typeface="+mn-lt"/>
-                          <a:ea typeface="+mn-ea"/>
-                          <a:cs typeface="+mn-cs"/>
-                        </a:rPr>
-                        <a:t>适用于高维、复杂空间</a:t>
-                      </a:r>
-                      <a:endParaRPr lang="zh-CN" altLang="en-US" dirty="0"/>
-                    </a:p>
-                  </a:txBody>
-                  <a:tcPr anchor="ctr"/>
-                </a:tc>
-                <a:tc>
-                  <a:txBody>
-                    <a:bodyPr/>
-                    <a:lstStyle/>
-                    <a:p>
-                      <a:pPr marL="0" indent="0" algn="l">
-                        <a:buFontTx/>
-                        <a:buNone/>
-                      </a:pPr>
-                      <a:r>
-                        <a:rPr lang="en-US" altLang="zh-CN" sz="1800" b="0" i="0" kern="1200" dirty="0">
-                          <a:solidFill>
-                            <a:schemeClr val="dk1"/>
-                          </a:solidFill>
-                          <a:effectLst/>
-                          <a:latin typeface="+mn-lt"/>
-                          <a:ea typeface="+mn-ea"/>
-                          <a:cs typeface="+mn-cs"/>
-                        </a:rPr>
-                        <a:t>- </a:t>
-                      </a:r>
-                      <a:r>
-                        <a:rPr lang="zh-CN" altLang="en-US" sz="1800" b="0" i="0" kern="1200" dirty="0">
-                          <a:solidFill>
-                            <a:schemeClr val="dk1"/>
-                          </a:solidFill>
-                          <a:effectLst/>
-                          <a:latin typeface="+mn-lt"/>
-                          <a:ea typeface="+mn-ea"/>
-                          <a:cs typeface="+mn-cs"/>
-                        </a:rPr>
-                        <a:t>不保证找到最短路径</a:t>
-                      </a:r>
-                      <a:endParaRPr lang="zh-CN" altLang="en-US" dirty="0"/>
-                    </a:p>
-                  </a:txBody>
-                  <a:tcPr anchor="ctr"/>
-                </a:tc>
-                <a:extLst>
-                  <a:ext uri="{0D108BD9-81ED-4DB2-BD59-A6C34878D82A}">
-                    <a16:rowId xmlns:a16="http://schemas.microsoft.com/office/drawing/2014/main" val="2650091102"/>
-                  </a:ext>
-                </a:extLst>
-              </a:tr>
-            </a:tbl>
-          </a:graphicData>
-        </a:graphic>
-      </p:graphicFrame>
-    </p:spTree>
-    <p:extLst>
-      <p:ext uri="{BB962C8B-B14F-4D97-AF65-F5344CB8AC3E}">
-        <p14:creationId xmlns:p14="http://schemas.microsoft.com/office/powerpoint/2010/main" val="3539320175"/>
-      </p:ext>
-    </p:extLst>
-  </p:cSld>
-  <p:clrMapOvr>
-    <a:masterClrMapping/>
-  </p:clrMapOvr>
-  <mc:AlternateContent xmlns:mc="http://schemas.openxmlformats.org/markup-compatibility/2006" xmlns:p14="http://schemas.microsoft.com/office/powerpoint/2010/main">
-    <mc:Choice Requires="p14">
-      <p:transition spd="slow" p14:dur="898" advClick="0" advTm="5000"/>
-    </mc:Choice>
-    <mc:Fallback xmlns="">
-      <p:transition spd="slow" advClick="0" advTm="5000"/>
-    </mc:Fallback>
-  </mc:AlternateContent>
-</p:sld>
-</file>
-
-<file path=ppt/slides/slide9.xml><?xml version="1.0" encoding="utf-8"?>
-<p:sld xmlns:a="http://schemas.openxmlformats.org/drawingml/2006/main" xmlns:r="http://schemas.openxmlformats.org/officeDocument/2006/relationships" xmlns:p="http://schemas.openxmlformats.org/presentationml/2006/main">
-  <p:cSld>
-    <p:spTree>
-      <p:nvGrpSpPr>
-        <p:cNvPr id="1" name=""/>
-        <p:cNvGrpSpPr/>
-        <p:nvPr/>
-      </p:nvGrpSpPr>
-      <p:grpSpPr>
-        <a:xfrm>
-          <a:off x="0" y="0"/>
-          <a:ext cx="0" cy="0"/>
-          <a:chOff x="0" y="0"/>
-          <a:chExt cx="0" cy="0"/>
-        </a:xfrm>
-      </p:grpSpPr>
-      <p:sp>
-        <p:nvSpPr>
-          <p:cNvPr id="6" name="矩形 5"/>
-          <p:cNvSpPr/>
-          <p:nvPr/>
-        </p:nvSpPr>
-        <p:spPr>
-          <a:xfrm flipH="1">
-            <a:off x="0" y="133648"/>
-            <a:ext cx="2954655" cy="461665"/>
-          </a:xfrm>
-          <a:prstGeom prst="rect">
-            <a:avLst/>
-          </a:prstGeom>
-        </p:spPr>
-        <p:txBody>
-          <a:bodyPr wrap="none">
-            <a:spAutoFit/>
-          </a:bodyPr>
-          <a:lstStyle/>
-          <a:p>
-            <a:pPr algn="r"/>
-            <a:r>
-              <a:rPr lang="zh-CN" altLang="en-US" sz="2400" b="1" dirty="0">
-                <a:solidFill>
-                  <a:schemeClr val="bg1"/>
-                </a:solidFill>
-                <a:latin typeface="+mn-ea"/>
-              </a:rPr>
-              <a:t>四、国内外研究动态</a:t>
-            </a:r>
-          </a:p>
-        </p:txBody>
-      </p:sp>
-      <p:grpSp>
-        <p:nvGrpSpPr>
-          <p:cNvPr id="9" name="组合 8">
-            <a:extLst>
-              <a:ext uri="{FF2B5EF4-FFF2-40B4-BE49-F238E27FC236}">
-                <a16:creationId xmlns:a16="http://schemas.microsoft.com/office/drawing/2014/main" id="{8436F706-4D3D-498D-8614-CC9B9C217BD3}"/>
-              </a:ext>
-            </a:extLst>
-          </p:cNvPr>
-          <p:cNvGrpSpPr/>
-          <p:nvPr/>
-        </p:nvGrpSpPr>
-        <p:grpSpPr>
-          <a:xfrm>
-            <a:off x="0" y="899886"/>
-            <a:ext cx="2696757" cy="579019"/>
-            <a:chOff x="-537028" y="812630"/>
-            <a:chExt cx="2696757" cy="579019"/>
-          </a:xfrm>
-        </p:grpSpPr>
-        <p:sp>
-          <p:nvSpPr>
-            <p:cNvPr id="11" name="Freeform 190">
-              <a:extLst>
-                <a:ext uri="{FF2B5EF4-FFF2-40B4-BE49-F238E27FC236}">
-                  <a16:creationId xmlns:a16="http://schemas.microsoft.com/office/drawing/2014/main" id="{C63FB880-A5B1-4353-8D93-8B9135D1C42F}"/>
-                </a:ext>
-              </a:extLst>
-            </p:cNvPr>
-            <p:cNvSpPr/>
-            <p:nvPr/>
-          </p:nvSpPr>
-          <p:spPr bwMode="auto">
-            <a:xfrm>
-              <a:off x="-537028" y="812630"/>
-              <a:ext cx="2696757" cy="579019"/>
-            </a:xfrm>
-            <a:custGeom>
-              <a:avLst/>
-              <a:gdLst>
-                <a:gd name="T0" fmla="*/ 298 w 298"/>
-                <a:gd name="T1" fmla="*/ 36 h 71"/>
-                <a:gd name="T2" fmla="*/ 256 w 298"/>
-                <a:gd name="T3" fmla="*/ 71 h 71"/>
-                <a:gd name="T4" fmla="*/ 0 w 298"/>
-                <a:gd name="T5" fmla="*/ 71 h 71"/>
-                <a:gd name="T6" fmla="*/ 0 w 298"/>
-                <a:gd name="T7" fmla="*/ 0 h 71"/>
-                <a:gd name="T8" fmla="*/ 256 w 298"/>
-                <a:gd name="T9" fmla="*/ 0 h 71"/>
-                <a:gd name="T10" fmla="*/ 298 w 298"/>
-                <a:gd name="T11" fmla="*/ 36 h 71"/>
-              </a:gdLst>
-              <a:ahLst/>
-              <a:cxnLst>
-                <a:cxn ang="0">
-                  <a:pos x="T0" y="T1"/>
-                </a:cxn>
-                <a:cxn ang="0">
-                  <a:pos x="T2" y="T3"/>
-                </a:cxn>
-                <a:cxn ang="0">
-                  <a:pos x="T4" y="T5"/>
-                </a:cxn>
-                <a:cxn ang="0">
-                  <a:pos x="T6" y="T7"/>
-                </a:cxn>
-                <a:cxn ang="0">
-                  <a:pos x="T8" y="T9"/>
-                </a:cxn>
-                <a:cxn ang="0">
-                  <a:pos x="T10" y="T11"/>
-                </a:cxn>
-              </a:cxnLst>
-              <a:rect l="0" t="0" r="r" b="b"/>
-              <a:pathLst>
-                <a:path w="298" h="71">
-                  <a:moveTo>
-                    <a:pt x="298" y="36"/>
-                  </a:moveTo>
-                  <a:lnTo>
-                    <a:pt x="256" y="71"/>
-                  </a:lnTo>
-                  <a:lnTo>
-                    <a:pt x="0" y="71"/>
-                  </a:lnTo>
-                  <a:lnTo>
-                    <a:pt x="0" y="0"/>
-                  </a:lnTo>
-                  <a:lnTo>
-                    <a:pt x="256" y="0"/>
-                  </a:lnTo>
-                  <a:lnTo>
-                    <a:pt x="298" y="36"/>
-                  </a:lnTo>
-                  <a:close/>
-                </a:path>
-              </a:pathLst>
-            </a:custGeom>
-            <a:solidFill>
-              <a:schemeClr val="accent2"/>
-            </a:solidFill>
-            <a:ln>
-              <a:noFill/>
-            </a:ln>
-            <a:effectLst>
-              <a:outerShdw blurRad="63500" algn="ctr" rotWithShape="0">
-                <a:prstClr val="black">
-                  <a:alpha val="40000"/>
-                </a:prstClr>
-              </a:outerShdw>
-            </a:effectLst>
-          </p:spPr>
-          <p:style>
-            <a:lnRef idx="2">
-              <a:schemeClr val="accent1">
-                <a:shade val="50000"/>
-              </a:schemeClr>
-            </a:lnRef>
-            <a:fillRef idx="1">
-              <a:schemeClr val="accent1"/>
-            </a:fillRef>
-            <a:effectRef idx="0">
-              <a:schemeClr val="accent1"/>
-            </a:effectRef>
-            <a:fontRef idx="minor">
-              <a:schemeClr val="lt1"/>
-            </a:fontRef>
-          </p:style>
-          <p:txBody>
-            <a:bodyPr rot="0" spcFirstLastPara="0" vertOverflow="overflow" horzOverflow="overflow" vert="horz" wrap="square" lIns="91440" tIns="45720" rIns="91440" bIns="45720" numCol="1" spcCol="0" rtlCol="0" fromWordArt="0" anchor="ctr" anchorCtr="0" forceAA="0" compatLnSpc="1">
-              <a:noAutofit/>
-            </a:bodyPr>
-            <a:lstStyle/>
-            <a:p>
-              <a:pPr algn="ctr"/>
-              <a:endParaRPr lang="en-US" b="1" dirty="0">
-                <a:solidFill>
-                  <a:schemeClr val="bg1"/>
-                </a:solidFill>
-                <a:latin typeface="+mn-ea"/>
-              </a:endParaRPr>
-            </a:p>
-          </p:txBody>
-        </p:sp>
-        <p:sp>
-          <p:nvSpPr>
-            <p:cNvPr id="12" name="矩形 11">
-              <a:extLst>
-                <a:ext uri="{FF2B5EF4-FFF2-40B4-BE49-F238E27FC236}">
-                  <a16:creationId xmlns:a16="http://schemas.microsoft.com/office/drawing/2014/main" id="{D7328D63-BE60-472E-A109-87570232A744}"/>
-                </a:ext>
-              </a:extLst>
-            </p:cNvPr>
-            <p:cNvSpPr/>
-            <p:nvPr/>
-          </p:nvSpPr>
-          <p:spPr>
-            <a:xfrm flipH="1">
-              <a:off x="-537028" y="909587"/>
-              <a:ext cx="2319866" cy="369332"/>
-            </a:xfrm>
-            <a:prstGeom prst="rect">
-              <a:avLst/>
-            </a:prstGeom>
-          </p:spPr>
-          <p:txBody>
-            <a:bodyPr wrap="none">
-              <a:spAutoFit/>
-            </a:bodyPr>
-            <a:lstStyle/>
-            <a:p>
-              <a:pPr marL="285750" indent="-285750" algn="r">
-                <a:buFont typeface="Wingdings" panose="05000000000000000000" pitchFamily="2" charset="2"/>
-                <a:buChar char="Ø"/>
-              </a:pPr>
-              <a:r>
-                <a:rPr lang="zh-CN" altLang="en-US" b="1" dirty="0">
-                  <a:solidFill>
-                    <a:schemeClr val="bg1"/>
-                  </a:solidFill>
-                  <a:latin typeface="+mn-ea"/>
-                </a:rPr>
-                <a:t>避障算法相关研究</a:t>
-              </a:r>
-            </a:p>
-          </p:txBody>
-        </p:sp>
-      </p:grpSp>
-      <p:graphicFrame>
-        <p:nvGraphicFramePr>
-          <p:cNvPr id="8" name="表格 7">
-            <a:extLst>
-              <a:ext uri="{FF2B5EF4-FFF2-40B4-BE49-F238E27FC236}">
-                <a16:creationId xmlns:a16="http://schemas.microsoft.com/office/drawing/2014/main" id="{45A0575A-E062-4313-AE27-DCAD7BC1E993}"/>
-              </a:ext>
-            </a:extLst>
-          </p:cNvPr>
-          <p:cNvGraphicFramePr>
-            <a:graphicFrameLocks noGrp="1"/>
-          </p:cNvGraphicFramePr>
-          <p:nvPr>
-            <p:extLst>
-              <p:ext uri="{D42A27DB-BD31-4B8C-83A1-F6EECF244321}">
-                <p14:modId xmlns:p14="http://schemas.microsoft.com/office/powerpoint/2010/main" val="175554042"/>
-              </p:ext>
-            </p:extLst>
-          </p:nvPr>
-        </p:nvGraphicFramePr>
-        <p:xfrm>
-          <a:off x="1044367" y="1822310"/>
-          <a:ext cx="10118436" cy="4038847"/>
-        </p:xfrm>
-        <a:graphic>
-          <a:graphicData uri="http://schemas.openxmlformats.org/drawingml/2006/table">
-            <a:tbl>
-              <a:tblPr firstRow="1" bandRow="1">
-                <a:tableStyleId>{5C22544A-7EE6-4342-B048-85BDC9FD1C3A}</a:tableStyleId>
-              </a:tblPr>
-              <a:tblGrid>
-                <a:gridCol w="2529609">
-                  <a:extLst>
-                    <a:ext uri="{9D8B030D-6E8A-4147-A177-3AD203B41FA5}">
-                      <a16:colId xmlns:a16="http://schemas.microsoft.com/office/drawing/2014/main" val="4033028031"/>
-                    </a:ext>
-                  </a:extLst>
-                </a:gridCol>
-                <a:gridCol w="2529609">
-                  <a:extLst>
-                    <a:ext uri="{9D8B030D-6E8A-4147-A177-3AD203B41FA5}">
-                      <a16:colId xmlns:a16="http://schemas.microsoft.com/office/drawing/2014/main" val="770379517"/>
-                    </a:ext>
-                  </a:extLst>
-                </a:gridCol>
-                <a:gridCol w="2529609">
-                  <a:extLst>
-                    <a:ext uri="{9D8B030D-6E8A-4147-A177-3AD203B41FA5}">
-                      <a16:colId xmlns:a16="http://schemas.microsoft.com/office/drawing/2014/main" val="430895577"/>
-                    </a:ext>
-                  </a:extLst>
-                </a:gridCol>
-                <a:gridCol w="2529609">
-                  <a:extLst>
-                    <a:ext uri="{9D8B030D-6E8A-4147-A177-3AD203B41FA5}">
-                      <a16:colId xmlns:a16="http://schemas.microsoft.com/office/drawing/2014/main" val="1625079374"/>
-                    </a:ext>
-                  </a:extLst>
-                </a:gridCol>
-              </a:tblGrid>
-              <a:tr h="376035">
-                <a:tc>
-                  <a:txBody>
-                    <a:bodyPr/>
-                    <a:lstStyle/>
-                    <a:p>
-                      <a:pPr algn="ctr"/>
-                      <a:r>
-                        <a:rPr lang="zh-CN" altLang="en-US" dirty="0"/>
-                        <a:t>算法</a:t>
-                      </a:r>
-                    </a:p>
-                  </a:txBody>
-                  <a:tcPr anchor="ctr"/>
-                </a:tc>
-                <a:tc>
-                  <a:txBody>
-                    <a:bodyPr/>
-                    <a:lstStyle/>
-                    <a:p>
-                      <a:pPr algn="ctr"/>
-                      <a:r>
-                        <a:rPr lang="zh-CN" altLang="en-US" dirty="0"/>
-                        <a:t>原理</a:t>
-                      </a:r>
-                    </a:p>
-                  </a:txBody>
-                  <a:tcPr anchor="ctr"/>
-                </a:tc>
-                <a:tc>
-                  <a:txBody>
-                    <a:bodyPr/>
-                    <a:lstStyle/>
-                    <a:p>
-                      <a:pPr algn="ctr"/>
-                      <a:r>
-                        <a:rPr lang="zh-CN" altLang="en-US" dirty="0"/>
-                        <a:t>优点</a:t>
-                      </a:r>
-                    </a:p>
-                  </a:txBody>
-                  <a:tcPr anchor="ctr"/>
-                </a:tc>
-                <a:tc>
-                  <a:txBody>
-                    <a:bodyPr/>
-                    <a:lstStyle/>
-                    <a:p>
-                      <a:pPr algn="ctr"/>
-                      <a:r>
-                        <a:rPr lang="zh-CN" altLang="en-US" dirty="0"/>
-                        <a:t>缺点</a:t>
-                      </a:r>
-                    </a:p>
-                  </a:txBody>
-                  <a:tcPr anchor="ctr"/>
-                </a:tc>
-                <a:extLst>
-                  <a:ext uri="{0D108BD9-81ED-4DB2-BD59-A6C34878D82A}">
-                    <a16:rowId xmlns:a16="http://schemas.microsoft.com/office/drawing/2014/main" val="1746818693"/>
-                  </a:ext>
-                </a:extLst>
-              </a:tr>
-              <a:tr h="920949">
-                <a:tc>
-                  <a:txBody>
-                    <a:bodyPr/>
-                    <a:lstStyle/>
-                    <a:p>
-                      <a:pPr algn="ctr"/>
-                      <a:r>
-                        <a:rPr lang="zh-CN" altLang="en-US" sz="1800" b="1" i="0" kern="1200" dirty="0">
-                          <a:solidFill>
-                            <a:schemeClr val="dk1"/>
-                          </a:solidFill>
-                          <a:effectLst/>
-                          <a:latin typeface="+mn-lt"/>
-                          <a:ea typeface="+mn-ea"/>
-                          <a:cs typeface="+mn-cs"/>
-                        </a:rPr>
-                        <a:t>动态窗口法</a:t>
-                      </a:r>
-                      <a:endParaRPr lang="zh-CN" altLang="en-US" dirty="0"/>
-                    </a:p>
-                  </a:txBody>
-                  <a:tcPr anchor="ctr"/>
-                </a:tc>
-                <a:tc>
-                  <a:txBody>
-                    <a:bodyPr/>
-                    <a:lstStyle/>
-                    <a:p>
-                      <a:pPr algn="just"/>
-                      <a:r>
-                        <a:rPr lang="zh-CN" altLang="en-US" sz="1800" b="0" i="0" kern="1200" dirty="0">
-                          <a:solidFill>
-                            <a:schemeClr val="dk1"/>
-                          </a:solidFill>
-                          <a:effectLst/>
-                          <a:latin typeface="+mn-lt"/>
-                          <a:ea typeface="+mn-ea"/>
-                          <a:cs typeface="+mn-cs"/>
-                        </a:rPr>
-                        <a:t>基于速度</a:t>
-                      </a:r>
-                      <a:r>
-                        <a:rPr lang="en-US" altLang="zh-CN" sz="1800" b="0" i="0" kern="1200" dirty="0">
-                          <a:solidFill>
-                            <a:schemeClr val="dk1"/>
-                          </a:solidFill>
-                          <a:effectLst/>
-                          <a:latin typeface="+mn-lt"/>
-                          <a:ea typeface="+mn-ea"/>
-                          <a:cs typeface="+mn-cs"/>
-                        </a:rPr>
-                        <a:t>-</a:t>
-                      </a:r>
-                      <a:r>
-                        <a:rPr lang="zh-CN" altLang="en-US" sz="1800" b="0" i="0" kern="1200" dirty="0">
-                          <a:solidFill>
-                            <a:schemeClr val="dk1"/>
-                          </a:solidFill>
-                          <a:effectLst/>
-                          <a:latin typeface="+mn-lt"/>
-                          <a:ea typeface="+mn-ea"/>
-                          <a:cs typeface="+mn-cs"/>
-                        </a:rPr>
-                        <a:t>转向空间进行规划，选择最优组合</a:t>
-                      </a:r>
-                      <a:endParaRPr lang="zh-CN" altLang="en-US" dirty="0"/>
-                    </a:p>
-                  </a:txBody>
-                  <a:tcPr anchor="ctr"/>
-                </a:tc>
-                <a:tc>
-                  <a:txBody>
-                    <a:bodyPr/>
-                    <a:lstStyle/>
-                    <a:p>
-                      <a:pPr algn="l"/>
-                      <a:r>
-                        <a:rPr lang="en-US" altLang="zh-CN" sz="1800" b="0" i="0" kern="1200" dirty="0">
-                          <a:solidFill>
-                            <a:schemeClr val="dk1"/>
-                          </a:solidFill>
-                          <a:effectLst/>
-                          <a:latin typeface="+mn-lt"/>
-                          <a:ea typeface="+mn-ea"/>
-                          <a:cs typeface="+mn-cs"/>
-                        </a:rPr>
-                        <a:t>- </a:t>
-                      </a:r>
-                      <a:r>
-                        <a:rPr lang="zh-CN" altLang="en-US" sz="1800" b="0" i="0" kern="1200" dirty="0">
-                          <a:solidFill>
-                            <a:schemeClr val="dk1"/>
-                          </a:solidFill>
-                          <a:effectLst/>
-                          <a:latin typeface="+mn-lt"/>
-                          <a:ea typeface="+mn-ea"/>
-                          <a:cs typeface="+mn-cs"/>
-                        </a:rPr>
-                        <a:t>快速响应动态环境</a:t>
-                      </a:r>
-                      <a:endParaRPr lang="en-US" altLang="zh-CN" sz="1800" b="0" i="0" kern="1200" dirty="0">
-                        <a:solidFill>
-                          <a:schemeClr val="dk1"/>
-                        </a:solidFill>
-                        <a:effectLst/>
-                        <a:latin typeface="+mn-lt"/>
-                        <a:ea typeface="+mn-ea"/>
-                        <a:cs typeface="+mn-cs"/>
-                      </a:endParaRPr>
-                    </a:p>
-                    <a:p>
-                      <a:pPr algn="l"/>
-                      <a:r>
-                        <a:rPr lang="en-US" altLang="zh-CN" sz="1800" b="0" i="0" kern="1200" dirty="0">
-                          <a:solidFill>
-                            <a:schemeClr val="dk1"/>
-                          </a:solidFill>
-                          <a:effectLst/>
-                          <a:latin typeface="+mn-lt"/>
-                          <a:ea typeface="+mn-ea"/>
-                          <a:cs typeface="+mn-cs"/>
-                        </a:rPr>
-                        <a:t>- </a:t>
-                      </a:r>
-                      <a:r>
-                        <a:rPr lang="zh-CN" altLang="en-US" sz="1800" b="0" i="0" kern="1200" dirty="0">
-                          <a:solidFill>
-                            <a:schemeClr val="dk1"/>
-                          </a:solidFill>
-                          <a:effectLst/>
-                          <a:latin typeface="+mn-lt"/>
-                          <a:ea typeface="+mn-ea"/>
-                          <a:cs typeface="+mn-cs"/>
-                        </a:rPr>
-                        <a:t>适用于小型机器人</a:t>
-                      </a:r>
-                      <a:endParaRPr lang="zh-CN" altLang="en-US" dirty="0"/>
-                    </a:p>
-                  </a:txBody>
-                  <a:tcPr anchor="ctr"/>
-                </a:tc>
-                <a:tc>
-                  <a:txBody>
-                    <a:bodyPr/>
-                    <a:lstStyle/>
-                    <a:p>
-                      <a:pPr algn="l"/>
-                      <a:r>
-                        <a:rPr lang="en-US" altLang="zh-CN" sz="1800" b="0" i="0" kern="1200" dirty="0">
-                          <a:solidFill>
-                            <a:schemeClr val="dk1"/>
-                          </a:solidFill>
-                          <a:effectLst/>
-                          <a:latin typeface="+mn-lt"/>
-                          <a:ea typeface="+mn-ea"/>
-                          <a:cs typeface="+mn-cs"/>
-                        </a:rPr>
-                        <a:t>- </a:t>
-                      </a:r>
-                      <a:r>
-                        <a:rPr lang="zh-CN" altLang="en-US" sz="1800" b="0" i="0" kern="1200" dirty="0">
-                          <a:solidFill>
-                            <a:schemeClr val="dk1"/>
-                          </a:solidFill>
-                          <a:effectLst/>
-                          <a:latin typeface="+mn-lt"/>
-                          <a:ea typeface="+mn-ea"/>
-                          <a:cs typeface="+mn-cs"/>
-                        </a:rPr>
-                        <a:t>搜索效率低</a:t>
-                      </a:r>
-                      <a:endParaRPr lang="en-US" altLang="zh-CN" sz="1800" b="0" i="0" kern="1200" dirty="0">
-                        <a:solidFill>
-                          <a:schemeClr val="dk1"/>
-                        </a:solidFill>
-                        <a:effectLst/>
-                        <a:latin typeface="+mn-lt"/>
-                        <a:ea typeface="+mn-ea"/>
-                        <a:cs typeface="+mn-cs"/>
-                      </a:endParaRPr>
-                    </a:p>
-                    <a:p>
-                      <a:pPr algn="l"/>
-                      <a:r>
-                        <a:rPr lang="en-US" altLang="zh-CN" sz="1800" b="0" i="0" kern="1200" dirty="0">
-                          <a:solidFill>
-                            <a:schemeClr val="dk1"/>
-                          </a:solidFill>
-                          <a:effectLst/>
-                          <a:latin typeface="+mn-lt"/>
-                          <a:ea typeface="+mn-ea"/>
-                          <a:cs typeface="+mn-cs"/>
-                        </a:rPr>
-                        <a:t>- </a:t>
-                      </a:r>
-                      <a:r>
-                        <a:rPr lang="zh-CN" altLang="en-US" sz="1800" b="0" i="0" kern="1200" dirty="0">
-                          <a:solidFill>
-                            <a:schemeClr val="dk1"/>
-                          </a:solidFill>
-                          <a:effectLst/>
-                          <a:latin typeface="+mn-lt"/>
-                          <a:ea typeface="+mn-ea"/>
-                          <a:cs typeface="+mn-cs"/>
-                        </a:rPr>
-                        <a:t>局部最小值问题可能出现</a:t>
-                      </a:r>
-                      <a:endParaRPr lang="zh-CN" altLang="en-US" dirty="0"/>
-                    </a:p>
-                  </a:txBody>
-                  <a:tcPr anchor="ctr"/>
-                </a:tc>
-                <a:extLst>
-                  <a:ext uri="{0D108BD9-81ED-4DB2-BD59-A6C34878D82A}">
-                    <a16:rowId xmlns:a16="http://schemas.microsoft.com/office/drawing/2014/main" val="1698343749"/>
-                  </a:ext>
-                </a:extLst>
-              </a:tr>
-              <a:tr h="906514">
-                <a:tc>
-                  <a:txBody>
-                    <a:bodyPr/>
-                    <a:lstStyle/>
-                    <a:p>
-                      <a:pPr algn="ctr"/>
-                      <a:r>
-                        <a:rPr lang="zh-CN" altLang="en-US" sz="1800" b="1" i="0" kern="1200" dirty="0">
-                          <a:solidFill>
-                            <a:schemeClr val="dk1"/>
-                          </a:solidFill>
-                          <a:effectLst/>
-                          <a:latin typeface="+mn-lt"/>
-                          <a:ea typeface="+mn-ea"/>
-                          <a:cs typeface="+mn-cs"/>
-                        </a:rPr>
-                        <a:t>代价地图法</a:t>
-                      </a:r>
-                      <a:endParaRPr lang="zh-CN" altLang="en-US" dirty="0"/>
-                    </a:p>
-                  </a:txBody>
-                  <a:tcPr anchor="ctr"/>
-                </a:tc>
-                <a:tc>
-                  <a:txBody>
-                    <a:bodyPr/>
-                    <a:lstStyle/>
-                    <a:p>
-                      <a:pPr algn="just"/>
-                      <a:r>
-                        <a:rPr lang="zh-CN" altLang="en-US" sz="1800" b="0" i="0" kern="1200" dirty="0">
-                          <a:solidFill>
-                            <a:schemeClr val="dk1"/>
-                          </a:solidFill>
-                          <a:effectLst/>
-                          <a:latin typeface="+mn-lt"/>
-                          <a:ea typeface="+mn-ea"/>
-                          <a:cs typeface="+mn-cs"/>
-                        </a:rPr>
-                        <a:t>利用代价地图规划路径，最小化总体代价</a:t>
-                      </a:r>
-                      <a:endParaRPr lang="zh-CN" altLang="en-US" dirty="0"/>
-                    </a:p>
-                  </a:txBody>
-                  <a:tcPr anchor="ctr"/>
-                </a:tc>
-                <a:tc>
-                  <a:txBody>
-                    <a:bodyPr/>
-                    <a:lstStyle/>
-                    <a:p>
-                      <a:pPr algn="l"/>
-                      <a:r>
-                        <a:rPr lang="en-US" altLang="zh-CN" sz="1800" b="0" i="0" kern="1200" dirty="0">
-                          <a:solidFill>
-                            <a:schemeClr val="dk1"/>
-                          </a:solidFill>
-                          <a:effectLst/>
-                          <a:latin typeface="+mn-lt"/>
-                          <a:ea typeface="+mn-ea"/>
-                          <a:cs typeface="+mn-cs"/>
-                        </a:rPr>
-                        <a:t>- </a:t>
-                      </a:r>
-                      <a:r>
-                        <a:rPr lang="zh-CN" altLang="en-US" sz="1800" b="0" i="0" kern="1200" dirty="0">
-                          <a:solidFill>
-                            <a:schemeClr val="dk1"/>
-                          </a:solidFill>
-                          <a:effectLst/>
-                          <a:latin typeface="+mn-lt"/>
-                          <a:ea typeface="+mn-ea"/>
-                          <a:cs typeface="+mn-cs"/>
-                        </a:rPr>
-                        <a:t>考虑地形和代价信息</a:t>
-                      </a:r>
-                      <a:endParaRPr lang="en-US" altLang="zh-CN" sz="1800" b="0" i="0" kern="1200" dirty="0">
-                        <a:solidFill>
-                          <a:schemeClr val="dk1"/>
-                        </a:solidFill>
-                        <a:effectLst/>
-                        <a:latin typeface="+mn-lt"/>
-                        <a:ea typeface="+mn-ea"/>
-                        <a:cs typeface="+mn-cs"/>
-                      </a:endParaRPr>
-                    </a:p>
-                    <a:p>
-                      <a:pPr algn="l"/>
-                      <a:r>
-                        <a:rPr lang="en-US" altLang="zh-CN" sz="1800" b="0" i="0" kern="1200" dirty="0">
-                          <a:solidFill>
-                            <a:schemeClr val="dk1"/>
-                          </a:solidFill>
-                          <a:effectLst/>
-                          <a:latin typeface="+mn-lt"/>
-                          <a:ea typeface="+mn-ea"/>
-                          <a:cs typeface="+mn-cs"/>
-                        </a:rPr>
-                        <a:t>- </a:t>
-                      </a:r>
-                      <a:r>
-                        <a:rPr lang="zh-CN" altLang="en-US" sz="1800" b="0" i="0" kern="1200" dirty="0">
-                          <a:solidFill>
-                            <a:schemeClr val="dk1"/>
-                          </a:solidFill>
-                          <a:effectLst/>
-                          <a:latin typeface="+mn-lt"/>
-                          <a:ea typeface="+mn-ea"/>
-                          <a:cs typeface="+mn-cs"/>
-                        </a:rPr>
-                        <a:t>灵活适应环境变化</a:t>
-                      </a:r>
-                      <a:endParaRPr lang="zh-CN" altLang="en-US" dirty="0"/>
-                    </a:p>
-                  </a:txBody>
-                  <a:tcPr anchor="ctr"/>
-                </a:tc>
-                <a:tc>
-                  <a:txBody>
-                    <a:bodyPr/>
-                    <a:lstStyle/>
-                    <a:p>
-                      <a:pPr algn="l"/>
-                      <a:r>
-                        <a:rPr lang="en-US" altLang="zh-CN" sz="1800" b="0" i="0" kern="1200" dirty="0">
-                          <a:solidFill>
-                            <a:schemeClr val="dk1"/>
-                          </a:solidFill>
-                          <a:effectLst/>
-                          <a:latin typeface="+mn-lt"/>
-                          <a:ea typeface="+mn-ea"/>
-                          <a:cs typeface="+mn-cs"/>
-                        </a:rPr>
-                        <a:t>- </a:t>
-                      </a:r>
-                      <a:r>
-                        <a:rPr lang="zh-CN" altLang="en-US" sz="1800" b="0" i="0" kern="1200" dirty="0">
-                          <a:solidFill>
-                            <a:schemeClr val="dk1"/>
-                          </a:solidFill>
-                          <a:effectLst/>
-                          <a:latin typeface="+mn-lt"/>
-                          <a:ea typeface="+mn-ea"/>
-                          <a:cs typeface="+mn-cs"/>
-                        </a:rPr>
-                        <a:t>对于复杂地形计算复杂</a:t>
-                      </a:r>
-                      <a:endParaRPr lang="en-US" altLang="zh-CN" sz="1800" b="0" i="0" kern="1200" dirty="0">
-                        <a:solidFill>
-                          <a:schemeClr val="dk1"/>
-                        </a:solidFill>
-                        <a:effectLst/>
-                        <a:latin typeface="+mn-lt"/>
-                        <a:ea typeface="+mn-ea"/>
-                        <a:cs typeface="+mn-cs"/>
-                      </a:endParaRPr>
-                    </a:p>
-                    <a:p>
-                      <a:pPr algn="l"/>
-                      <a:r>
-                        <a:rPr lang="en-US" altLang="zh-CN" sz="1800" b="0" i="0" kern="1200" dirty="0">
-                          <a:solidFill>
-                            <a:schemeClr val="dk1"/>
-                          </a:solidFill>
-                          <a:effectLst/>
-                          <a:latin typeface="+mn-lt"/>
-                          <a:ea typeface="+mn-ea"/>
-                          <a:cs typeface="+mn-cs"/>
-                        </a:rPr>
-                        <a:t>- </a:t>
-                      </a:r>
-                      <a:r>
-                        <a:rPr lang="zh-CN" altLang="en-US" sz="1800" b="0" i="0" kern="1200" dirty="0">
-                          <a:solidFill>
-                            <a:schemeClr val="dk1"/>
-                          </a:solidFill>
-                          <a:effectLst/>
-                          <a:latin typeface="+mn-lt"/>
-                          <a:ea typeface="+mn-ea"/>
-                          <a:cs typeface="+mn-cs"/>
-                        </a:rPr>
-                        <a:t>处理动态环境较困难</a:t>
-                      </a:r>
-                      <a:endParaRPr lang="zh-CN" altLang="en-US" dirty="0"/>
-                    </a:p>
-                  </a:txBody>
-                  <a:tcPr anchor="ctr"/>
-                </a:tc>
-                <a:extLst>
-                  <a:ext uri="{0D108BD9-81ED-4DB2-BD59-A6C34878D82A}">
-                    <a16:rowId xmlns:a16="http://schemas.microsoft.com/office/drawing/2014/main" val="3324748921"/>
-                  </a:ext>
-                </a:extLst>
-              </a:tr>
-              <a:tr h="906514">
-                <a:tc>
-                  <a:txBody>
-                    <a:bodyPr/>
-                    <a:lstStyle/>
-                    <a:p>
-                      <a:pPr algn="ctr"/>
-                      <a:r>
-                        <a:rPr lang="zh-CN" altLang="en-US" sz="1800" b="1" i="0" kern="1200" dirty="0">
-                          <a:solidFill>
-                            <a:schemeClr val="dk1"/>
-                          </a:solidFill>
-                          <a:effectLst/>
-                          <a:latin typeface="+mn-lt"/>
-                          <a:ea typeface="+mn-ea"/>
-                          <a:cs typeface="+mn-cs"/>
-                        </a:rPr>
-                        <a:t>人工势场法</a:t>
-                      </a:r>
-                      <a:endParaRPr lang="zh-CN" altLang="en-US" dirty="0"/>
-                    </a:p>
-                  </a:txBody>
-                  <a:tcPr anchor="ctr"/>
-                </a:tc>
-                <a:tc>
-                  <a:txBody>
-                    <a:bodyPr/>
-                    <a:lstStyle/>
-                    <a:p>
-                      <a:pPr algn="just"/>
-                      <a:r>
-                        <a:rPr lang="zh-CN" altLang="en-US" sz="1800" b="0" i="0" kern="1200" dirty="0">
-                          <a:solidFill>
-                            <a:schemeClr val="dk1"/>
-                          </a:solidFill>
-                          <a:effectLst/>
-                          <a:latin typeface="+mn-lt"/>
-                          <a:ea typeface="+mn-ea"/>
-                          <a:cs typeface="+mn-cs"/>
-                        </a:rPr>
-                        <a:t>模拟粒子间斥力和引力的势场</a:t>
-                      </a:r>
-                      <a:endParaRPr lang="zh-CN" altLang="en-US" dirty="0"/>
-                    </a:p>
-                  </a:txBody>
-                  <a:tcPr anchor="ctr"/>
-                </a:tc>
-                <a:tc>
-                  <a:txBody>
-                    <a:bodyPr/>
-                    <a:lstStyle/>
-                    <a:p>
-                      <a:pPr marL="0" indent="0" algn="l">
-                        <a:buFontTx/>
-                        <a:buNone/>
-                      </a:pPr>
-                      <a:r>
-                        <a:rPr lang="en-US" altLang="zh-CN" sz="1800" b="0" i="0" kern="1200" dirty="0">
-                          <a:solidFill>
-                            <a:schemeClr val="dk1"/>
-                          </a:solidFill>
-                          <a:effectLst/>
-                          <a:latin typeface="+mn-lt"/>
-                          <a:ea typeface="+mn-ea"/>
-                          <a:cs typeface="+mn-cs"/>
-                        </a:rPr>
-                        <a:t>- </a:t>
-                      </a:r>
-                      <a:r>
-                        <a:rPr lang="zh-CN" altLang="en-US" sz="1800" b="0" i="0" kern="1200" dirty="0">
-                          <a:solidFill>
-                            <a:schemeClr val="dk1"/>
-                          </a:solidFill>
-                          <a:effectLst/>
-                          <a:latin typeface="+mn-lt"/>
-                          <a:ea typeface="+mn-ea"/>
-                          <a:cs typeface="+mn-cs"/>
-                        </a:rPr>
-                        <a:t>直观且易于理解 </a:t>
-                      </a:r>
-                      <a:endParaRPr lang="en-US" altLang="zh-CN" sz="1800" b="0" i="0" kern="1200" dirty="0">
-                        <a:solidFill>
-                          <a:schemeClr val="dk1"/>
-                        </a:solidFill>
-                        <a:effectLst/>
-                        <a:latin typeface="+mn-lt"/>
-                        <a:ea typeface="+mn-ea"/>
-                        <a:cs typeface="+mn-cs"/>
-                      </a:endParaRPr>
-                    </a:p>
-                    <a:p>
-                      <a:pPr marL="0" indent="0" algn="l">
-                        <a:buFontTx/>
-                        <a:buNone/>
-                      </a:pPr>
-                      <a:r>
-                        <a:rPr lang="en-US" altLang="zh-CN" sz="1800" b="0" i="0" kern="1200" dirty="0">
-                          <a:solidFill>
-                            <a:schemeClr val="dk1"/>
-                          </a:solidFill>
-                          <a:effectLst/>
-                          <a:latin typeface="+mn-lt"/>
-                          <a:ea typeface="+mn-ea"/>
-                          <a:cs typeface="+mn-cs"/>
-                        </a:rPr>
-                        <a:t>- </a:t>
-                      </a:r>
-                      <a:r>
-                        <a:rPr lang="zh-CN" altLang="en-US" sz="1800" b="0" i="0" kern="1200" dirty="0">
-                          <a:solidFill>
-                            <a:schemeClr val="dk1"/>
-                          </a:solidFill>
-                          <a:effectLst/>
-                          <a:latin typeface="+mn-lt"/>
-                          <a:ea typeface="+mn-ea"/>
-                          <a:cs typeface="+mn-cs"/>
-                        </a:rPr>
-                        <a:t>简单实现</a:t>
-                      </a:r>
-                      <a:endParaRPr lang="zh-CN" altLang="en-US" dirty="0"/>
-                    </a:p>
-                  </a:txBody>
-                  <a:tcPr anchor="ctr"/>
-                </a:tc>
-                <a:tc>
-                  <a:txBody>
-                    <a:bodyPr/>
-                    <a:lstStyle/>
-                    <a:p>
-                      <a:pPr marL="0" indent="0" algn="l">
-                        <a:buFontTx/>
-                        <a:buNone/>
-                      </a:pPr>
-                      <a:r>
-                        <a:rPr lang="en-US" altLang="zh-CN" sz="1800" b="0" i="0" kern="1200" dirty="0">
-                          <a:solidFill>
-                            <a:schemeClr val="dk1"/>
-                          </a:solidFill>
-                          <a:effectLst/>
-                          <a:latin typeface="+mn-lt"/>
-                          <a:ea typeface="+mn-ea"/>
-                          <a:cs typeface="+mn-cs"/>
-                        </a:rPr>
-                        <a:t>- </a:t>
-                      </a:r>
-                      <a:r>
-                        <a:rPr lang="zh-CN" altLang="en-US" sz="1800" b="0" i="0" kern="1200" dirty="0">
-                          <a:solidFill>
-                            <a:schemeClr val="dk1"/>
-                          </a:solidFill>
-                          <a:effectLst/>
-                          <a:latin typeface="+mn-lt"/>
-                          <a:ea typeface="+mn-ea"/>
-                          <a:cs typeface="+mn-cs"/>
-                        </a:rPr>
-                        <a:t>存在悬停问题 </a:t>
-                      </a:r>
-                      <a:endParaRPr lang="en-US" altLang="zh-CN" sz="1800" b="0" i="0" kern="1200" dirty="0">
-                        <a:solidFill>
-                          <a:schemeClr val="dk1"/>
-                        </a:solidFill>
-                        <a:effectLst/>
-                        <a:latin typeface="+mn-lt"/>
-                        <a:ea typeface="+mn-ea"/>
-                        <a:cs typeface="+mn-cs"/>
-                      </a:endParaRPr>
-                    </a:p>
-                    <a:p>
-                      <a:pPr marL="0" indent="0" algn="l">
-                        <a:buFontTx/>
-                        <a:buNone/>
-                      </a:pPr>
-                      <a:r>
-                        <a:rPr lang="en-US" altLang="zh-CN" sz="1800" b="0" i="0" kern="1200" dirty="0">
-                          <a:solidFill>
-                            <a:schemeClr val="dk1"/>
-                          </a:solidFill>
-                          <a:effectLst/>
-                          <a:latin typeface="+mn-lt"/>
-                          <a:ea typeface="+mn-ea"/>
-                          <a:cs typeface="+mn-cs"/>
-                        </a:rPr>
-                        <a:t>- </a:t>
-                      </a:r>
-                      <a:r>
-                        <a:rPr lang="zh-CN" altLang="en-US" sz="1800" b="0" i="0" kern="1200" dirty="0">
-                          <a:solidFill>
-                            <a:schemeClr val="dk1"/>
-                          </a:solidFill>
-                          <a:effectLst/>
-                          <a:latin typeface="+mn-lt"/>
-                          <a:ea typeface="+mn-ea"/>
-                          <a:cs typeface="+mn-cs"/>
-                        </a:rPr>
-                        <a:t>难以处理动态障碍物</a:t>
-                      </a:r>
-                      <a:endParaRPr lang="zh-CN" altLang="en-US" dirty="0"/>
-                    </a:p>
-                  </a:txBody>
-                  <a:tcPr anchor="ctr"/>
-                </a:tc>
-                <a:extLst>
-                  <a:ext uri="{0D108BD9-81ED-4DB2-BD59-A6C34878D82A}">
-                    <a16:rowId xmlns:a16="http://schemas.microsoft.com/office/drawing/2014/main" val="380146791"/>
-                  </a:ext>
-                </a:extLst>
-              </a:tr>
-              <a:tr h="920949">
-                <a:tc>
-                  <a:txBody>
-                    <a:bodyPr/>
-                    <a:lstStyle/>
-                    <a:p>
-                      <a:pPr algn="ctr"/>
-                      <a:r>
-                        <a:rPr lang="zh-CN" altLang="en-US" sz="1800" b="1" i="0" kern="1200" dirty="0">
-                          <a:solidFill>
-                            <a:schemeClr val="dk1"/>
-                          </a:solidFill>
-                          <a:effectLst/>
-                          <a:latin typeface="+mn-lt"/>
-                          <a:ea typeface="+mn-ea"/>
-                          <a:cs typeface="+mn-cs"/>
-                        </a:rPr>
-                        <a:t>模型预测控制</a:t>
-                      </a:r>
-                      <a:endParaRPr lang="zh-CN" altLang="en-US" dirty="0"/>
-                    </a:p>
-                  </a:txBody>
-                  <a:tcPr anchor="ctr"/>
-                </a:tc>
-                <a:tc>
-                  <a:txBody>
-                    <a:bodyPr/>
-                    <a:lstStyle/>
-                    <a:p>
-                      <a:pPr algn="just"/>
-                      <a:r>
-                        <a:rPr lang="zh-CN" altLang="en-US" sz="1800" b="0" i="0" kern="1200" dirty="0">
-                          <a:solidFill>
-                            <a:schemeClr val="dk1"/>
-                          </a:solidFill>
-                          <a:effectLst/>
-                          <a:latin typeface="+mn-lt"/>
-                          <a:ea typeface="+mn-ea"/>
-                          <a:cs typeface="+mn-cs"/>
-                        </a:rPr>
-                        <a:t>利用动态模型和环境信息进行未来状态预测</a:t>
-                      </a:r>
-                      <a:endParaRPr lang="zh-CN" altLang="en-US" dirty="0"/>
-                    </a:p>
-                  </a:txBody>
-                  <a:tcPr anchor="ctr"/>
-                </a:tc>
-                <a:tc>
-                  <a:txBody>
-                    <a:bodyPr/>
-                    <a:lstStyle/>
-                    <a:p>
-                      <a:pPr marL="0" indent="0" algn="l">
-                        <a:buFontTx/>
-                        <a:buNone/>
-                      </a:pPr>
-                      <a:r>
-                        <a:rPr lang="en-US" altLang="zh-CN" dirty="0"/>
-                        <a:t>-  </a:t>
-                      </a:r>
-                      <a:r>
-                        <a:rPr lang="zh-CN" altLang="en-US" dirty="0"/>
-                        <a:t>适用于复杂动态环境 </a:t>
-                      </a:r>
-                      <a:endParaRPr lang="en-US" altLang="zh-CN" dirty="0"/>
-                    </a:p>
-                    <a:p>
-                      <a:pPr marL="0" indent="0" algn="l">
-                        <a:buFontTx/>
-                        <a:buNone/>
-                      </a:pPr>
-                      <a:r>
-                        <a:rPr lang="en-US" altLang="zh-CN" dirty="0"/>
-                        <a:t>-  </a:t>
-                      </a:r>
-                      <a:r>
-                        <a:rPr lang="zh-CN" altLang="en-US" dirty="0"/>
-                        <a:t>高级别路径规划</a:t>
-                      </a:r>
-                    </a:p>
-                  </a:txBody>
-                  <a:tcPr anchor="ctr"/>
-                </a:tc>
-                <a:tc>
-                  <a:txBody>
-                    <a:bodyPr/>
-                    <a:lstStyle/>
-                    <a:p>
-                      <a:pPr marL="0" indent="0" algn="l">
-                        <a:buFontTx/>
-                        <a:buNone/>
-                      </a:pPr>
-                      <a:r>
-                        <a:rPr lang="en-US" altLang="zh-CN" sz="1800" b="0" i="0" kern="1200" dirty="0">
-                          <a:solidFill>
-                            <a:schemeClr val="dk1"/>
-                          </a:solidFill>
-                          <a:effectLst/>
-                          <a:latin typeface="+mn-lt"/>
-                          <a:ea typeface="+mn-ea"/>
-                          <a:cs typeface="+mn-cs"/>
-                        </a:rPr>
-                        <a:t>- </a:t>
-                      </a:r>
-                      <a:r>
-                        <a:rPr lang="zh-CN" altLang="en-US" sz="1800" b="0" i="0" kern="1200" dirty="0">
-                          <a:solidFill>
-                            <a:schemeClr val="dk1"/>
-                          </a:solidFill>
-                          <a:effectLst/>
-                          <a:latin typeface="+mn-lt"/>
-                          <a:ea typeface="+mn-ea"/>
-                          <a:cs typeface="+mn-cs"/>
-                        </a:rPr>
-                        <a:t>计算复杂度高 </a:t>
-                      </a:r>
-                      <a:endParaRPr lang="en-US" altLang="zh-CN" sz="1800" b="0" i="0" kern="1200" dirty="0">
-                        <a:solidFill>
-                          <a:schemeClr val="dk1"/>
-                        </a:solidFill>
-                        <a:effectLst/>
-                        <a:latin typeface="+mn-lt"/>
-                        <a:ea typeface="+mn-ea"/>
-                        <a:cs typeface="+mn-cs"/>
-                      </a:endParaRPr>
-                    </a:p>
-                    <a:p>
-                      <a:pPr marL="0" indent="0" algn="l">
-                        <a:buFontTx/>
-                        <a:buNone/>
-                      </a:pPr>
-                      <a:r>
-                        <a:rPr lang="en-US" altLang="zh-CN" sz="1800" b="0" i="0" kern="1200" dirty="0">
-                          <a:solidFill>
-                            <a:schemeClr val="dk1"/>
-                          </a:solidFill>
-                          <a:effectLst/>
-                          <a:latin typeface="+mn-lt"/>
-                          <a:ea typeface="+mn-ea"/>
-                          <a:cs typeface="+mn-cs"/>
-                        </a:rPr>
-                        <a:t>- </a:t>
-                      </a:r>
-                      <a:r>
-                        <a:rPr lang="zh-CN" altLang="en-US" sz="1800" b="0" i="0" kern="1200" dirty="0">
-                          <a:solidFill>
-                            <a:schemeClr val="dk1"/>
-                          </a:solidFill>
-                          <a:effectLst/>
-                          <a:latin typeface="+mn-lt"/>
-                          <a:ea typeface="+mn-ea"/>
-                          <a:cs typeface="+mn-cs"/>
-                        </a:rPr>
-                        <a:t>实时性要求高的场景较困难</a:t>
-                      </a:r>
-                      <a:endParaRPr lang="zh-CN" altLang="en-US" dirty="0"/>
-                    </a:p>
-                  </a:txBody>
-                  <a:tcPr anchor="ctr"/>
-                </a:tc>
-                <a:extLst>
-                  <a:ext uri="{0D108BD9-81ED-4DB2-BD59-A6C34878D82A}">
-                    <a16:rowId xmlns:a16="http://schemas.microsoft.com/office/drawing/2014/main" val="2650091102"/>
-                  </a:ext>
-                </a:extLst>
-              </a:tr>
-            </a:tbl>
-          </a:graphicData>
-        </a:graphic>
-      </p:graphicFrame>
-    </p:spTree>
-    <p:extLst>
-      <p:ext uri="{BB962C8B-B14F-4D97-AF65-F5344CB8AC3E}">
-        <p14:creationId xmlns:p14="http://schemas.microsoft.com/office/powerpoint/2010/main" val="1062590875"/>
-      </p:ext>
-    </p:extLst>
-  </p:cSld>
-  <p:clrMapOvr>
-    <a:masterClrMapping/>
-  </p:clrMapOvr>
-  <mc:AlternateContent xmlns:mc="http://schemas.openxmlformats.org/markup-compatibility/2006" xmlns:p14="http://schemas.microsoft.com/office/powerpoint/2010/main">
-    <mc:Choice Requires="p14">
-      <p:transition spd="slow" p14:dur="898" advClick="0" advTm="5000"/>
-    </mc:Choice>
-    <mc:Fallback xmlns="">
-      <p:transition spd="slow" advClick="0" advTm="5000"/>
-    </mc:Fallback>
-  </mc:AlternateContent>
-</p:sld>
-</file>
-
 <file path=ppt/tags/tag1.xml><?xml version="1.0" encoding="utf-8"?>
 <p:tagLst xmlns:a="http://schemas.openxmlformats.org/drawingml/2006/main" xmlns:r="http://schemas.openxmlformats.org/officeDocument/2006/relationships" xmlns:p="http://schemas.openxmlformats.org/presentationml/2006/main">
   <p:tag name="ISPRING_ULTRA_SCORM_COURSE_ID" val="FC6D465B-D175-47FE-8F9A-F974EC8C98A6"/>

--- a/毕业近在咫尺/开题答辩.pptx
+++ b/毕业近在咫尺/开题答辩.pptx
@@ -5,7 +5,7 @@
     <p:sldMasterId id="2147483648" r:id="rId1"/>
   </p:sldMasterIdLst>
   <p:notesMasterIdLst>
-    <p:notesMasterId r:id="rId16"/>
+    <p:notesMasterId r:id="rId14"/>
   </p:notesMasterIdLst>
   <p:sldIdLst>
     <p:sldId id="256" r:id="rId2"/>
@@ -20,13 +20,11 @@
     <p:sldId id="324" r:id="rId11"/>
     <p:sldId id="327" r:id="rId12"/>
     <p:sldId id="261" r:id="rId13"/>
-    <p:sldId id="330" r:id="rId14"/>
-    <p:sldId id="328" r:id="rId15"/>
   </p:sldIdLst>
   <p:sldSz cx="12192000" cy="6858000"/>
   <p:notesSz cx="6858000" cy="9144000"/>
   <p:custDataLst>
-    <p:tags r:id="rId17"/>
+    <p:tags r:id="rId15"/>
   </p:custDataLst>
   <p:defaultTextStyle>
     <a:defPPr>
@@ -254,7 +252,7 @@
           <a:p>
             <a:fld id="{141743F9-9B08-422F-9ECE-BE7148BC7DDC}" type="datetimeFigureOut">
               <a:rPr lang="zh-CN" altLang="en-US" smtClean="0"/>
-              <a:t>2024/1/16</a:t>
+              <a:t>2024/1/17</a:t>
             </a:fld>
             <a:endParaRPr lang="zh-CN" altLang="en-US"/>
           </a:p>
@@ -639,10 +637,7 @@
           <a:bodyPr/>
           <a:lstStyle/>
           <a:p>
-            <a:r>
-              <a:rPr lang="zh-CN" altLang="en-US" dirty="0"/>
-              <a:t>现在许多研究的方向是重构网络连边以优化网络结构</a:t>
-            </a:r>
+            <a:endParaRPr lang="zh-CN" altLang="en-US" dirty="0"/>
           </a:p>
         </p:txBody>
       </p:sp>
@@ -838,174 +833,6 @@
         </p:txBody>
       </p:sp>
     </p:spTree>
-  </p:cSld>
-  <p:clrMapOvr>
-    <a:masterClrMapping/>
-  </p:clrMapOvr>
-</p:notes>
-</file>
-
-<file path=ppt/notesSlides/notesSlide13.xml><?xml version="1.0" encoding="utf-8"?>
-<p:notes xmlns:a="http://schemas.openxmlformats.org/drawingml/2006/main" xmlns:r="http://schemas.openxmlformats.org/officeDocument/2006/relationships" xmlns:p="http://schemas.openxmlformats.org/presentationml/2006/main">
-  <p:cSld>
-    <p:spTree>
-      <p:nvGrpSpPr>
-        <p:cNvPr id="1" name=""/>
-        <p:cNvGrpSpPr/>
-        <p:nvPr/>
-      </p:nvGrpSpPr>
-      <p:grpSpPr>
-        <a:xfrm>
-          <a:off x="0" y="0"/>
-          <a:ext cx="0" cy="0"/>
-          <a:chOff x="0" y="0"/>
-          <a:chExt cx="0" cy="0"/>
-        </a:xfrm>
-      </p:grpSpPr>
-      <p:sp>
-        <p:nvSpPr>
-          <p:cNvPr id="2" name="幻灯片图像占位符 1"/>
-          <p:cNvSpPr>
-            <a:spLocks noGrp="1" noRot="1" noChangeAspect="1"/>
-          </p:cNvSpPr>
-          <p:nvPr>
-            <p:ph type="sldImg"/>
-          </p:nvPr>
-        </p:nvSpPr>
-        <p:spPr/>
-      </p:sp>
-      <p:sp>
-        <p:nvSpPr>
-          <p:cNvPr id="3" name="备注占位符 2"/>
-          <p:cNvSpPr>
-            <a:spLocks noGrp="1"/>
-          </p:cNvSpPr>
-          <p:nvPr>
-            <p:ph type="body" idx="1"/>
-          </p:nvPr>
-        </p:nvSpPr>
-        <p:spPr/>
-        <p:txBody>
-          <a:bodyPr/>
-          <a:lstStyle/>
-          <a:p>
-            <a:endParaRPr lang="zh-CN" altLang="en-US" dirty="0"/>
-          </a:p>
-        </p:txBody>
-      </p:sp>
-      <p:sp>
-        <p:nvSpPr>
-          <p:cNvPr id="4" name="灯片编号占位符 3"/>
-          <p:cNvSpPr>
-            <a:spLocks noGrp="1"/>
-          </p:cNvSpPr>
-          <p:nvPr>
-            <p:ph type="sldNum" sz="quarter" idx="10"/>
-          </p:nvPr>
-        </p:nvSpPr>
-        <p:spPr/>
-        <p:txBody>
-          <a:bodyPr/>
-          <a:lstStyle/>
-          <a:p>
-            <a:fld id="{D34C0232-94FA-4EBE-BB9B-79FBE486032D}" type="slidenum">
-              <a:rPr lang="zh-CN" altLang="en-US" smtClean="0"/>
-              <a:t>13</a:t>
-            </a:fld>
-            <a:endParaRPr lang="zh-CN" altLang="en-US"/>
-          </a:p>
-        </p:txBody>
-      </p:sp>
-    </p:spTree>
-    <p:extLst>
-      <p:ext uri="{BB962C8B-B14F-4D97-AF65-F5344CB8AC3E}">
-        <p14:creationId xmlns:p14="http://schemas.microsoft.com/office/powerpoint/2010/main" val="2809875642"/>
-      </p:ext>
-    </p:extLst>
-  </p:cSld>
-  <p:clrMapOvr>
-    <a:masterClrMapping/>
-  </p:clrMapOvr>
-</p:notes>
-</file>
-
-<file path=ppt/notesSlides/notesSlide14.xml><?xml version="1.0" encoding="utf-8"?>
-<p:notes xmlns:a="http://schemas.openxmlformats.org/drawingml/2006/main" xmlns:r="http://schemas.openxmlformats.org/officeDocument/2006/relationships" xmlns:p="http://schemas.openxmlformats.org/presentationml/2006/main">
-  <p:cSld>
-    <p:spTree>
-      <p:nvGrpSpPr>
-        <p:cNvPr id="1" name=""/>
-        <p:cNvGrpSpPr/>
-        <p:nvPr/>
-      </p:nvGrpSpPr>
-      <p:grpSpPr>
-        <a:xfrm>
-          <a:off x="0" y="0"/>
-          <a:ext cx="0" cy="0"/>
-          <a:chOff x="0" y="0"/>
-          <a:chExt cx="0" cy="0"/>
-        </a:xfrm>
-      </p:grpSpPr>
-      <p:sp>
-        <p:nvSpPr>
-          <p:cNvPr id="2" name="幻灯片图像占位符 1"/>
-          <p:cNvSpPr>
-            <a:spLocks noGrp="1" noRot="1" noChangeAspect="1"/>
-          </p:cNvSpPr>
-          <p:nvPr>
-            <p:ph type="sldImg"/>
-          </p:nvPr>
-        </p:nvSpPr>
-        <p:spPr/>
-      </p:sp>
-      <p:sp>
-        <p:nvSpPr>
-          <p:cNvPr id="3" name="备注占位符 2"/>
-          <p:cNvSpPr>
-            <a:spLocks noGrp="1"/>
-          </p:cNvSpPr>
-          <p:nvPr>
-            <p:ph type="body" idx="1"/>
-          </p:nvPr>
-        </p:nvSpPr>
-        <p:spPr/>
-        <p:txBody>
-          <a:bodyPr/>
-          <a:lstStyle/>
-          <a:p>
-            <a:endParaRPr lang="zh-CN" altLang="en-US" dirty="0"/>
-          </a:p>
-        </p:txBody>
-      </p:sp>
-      <p:sp>
-        <p:nvSpPr>
-          <p:cNvPr id="4" name="灯片编号占位符 3"/>
-          <p:cNvSpPr>
-            <a:spLocks noGrp="1"/>
-          </p:cNvSpPr>
-          <p:nvPr>
-            <p:ph type="sldNum" sz="quarter" idx="10"/>
-          </p:nvPr>
-        </p:nvSpPr>
-        <p:spPr/>
-        <p:txBody>
-          <a:bodyPr/>
-          <a:lstStyle/>
-          <a:p>
-            <a:fld id="{D34C0232-94FA-4EBE-BB9B-79FBE486032D}" type="slidenum">
-              <a:rPr lang="zh-CN" altLang="en-US" smtClean="0"/>
-              <a:t>14</a:t>
-            </a:fld>
-            <a:endParaRPr lang="zh-CN" altLang="en-US"/>
-          </a:p>
-        </p:txBody>
-      </p:sp>
-    </p:spTree>
-    <p:extLst>
-      <p:ext uri="{BB962C8B-B14F-4D97-AF65-F5344CB8AC3E}">
-        <p14:creationId xmlns:p14="http://schemas.microsoft.com/office/powerpoint/2010/main" val="147021189"/>
-      </p:ext>
-    </p:extLst>
   </p:cSld>
   <p:clrMapOvr>
     <a:masterClrMapping/>
@@ -1601,6 +1428,18 @@
               </a:rPr>
               <a:t>推荐更远的节点链接，却能提升准确性</a:t>
             </a:r>
+            <a:endParaRPr lang="en-US" altLang="zh-CN" dirty="0">
+              <a:solidFill>
+                <a:schemeClr val="tx1">
+                  <a:lumMod val="75000"/>
+                  <a:lumOff val="25000"/>
+                </a:schemeClr>
+              </a:solidFill>
+              <a:latin typeface="+mn-ea"/>
+              <a:sym typeface="Arial" panose="020B0604020202020204" pitchFamily="34" charset="0"/>
+            </a:endParaRPr>
+          </a:p>
+          <a:p>
             <a:endParaRPr lang="zh-CN" altLang="en-US" dirty="0"/>
           </a:p>
         </p:txBody>
@@ -1670,8 +1509,8 @@
         </p:nvSpPr>
         <p:spPr/>
       </p:sp>
-      <mc:AlternateContent xmlns:mc="http://schemas.openxmlformats.org/markup-compatibility/2006">
-        <mc:Choice xmlns:a14="http://schemas.microsoft.com/office/drawing/2010/main" Requires="a14">
+      <mc:AlternateContent xmlns:mc="http://schemas.openxmlformats.org/markup-compatibility/2006" xmlns:a14="http://schemas.microsoft.com/office/drawing/2010/main">
+        <mc:Choice Requires="a14">
           <p:sp>
             <p:nvSpPr>
               <p:cNvPr id="3" name="备注占位符 2"/>
@@ -1910,7 +1749,7 @@
             </p:txBody>
           </p:sp>
         </mc:Choice>
-        <mc:Fallback>
+        <mc:Fallback xmlns="">
           <p:sp>
             <p:nvSpPr>
               <p:cNvPr id="3" name="备注占位符 2"/>
@@ -2193,8 +2032,8 @@
         </p:nvSpPr>
         <p:spPr/>
       </p:sp>
-      <mc:AlternateContent xmlns:mc="http://schemas.openxmlformats.org/markup-compatibility/2006">
-        <mc:Choice xmlns:a14="http://schemas.microsoft.com/office/drawing/2010/main" Requires="a14">
+      <mc:AlternateContent xmlns:mc="http://schemas.openxmlformats.org/markup-compatibility/2006" xmlns:a14="http://schemas.microsoft.com/office/drawing/2010/main">
+        <mc:Choice Requires="a14">
           <p:sp>
             <p:nvSpPr>
               <p:cNvPr id="3" name="备注占位符 2"/>
@@ -2301,7 +2140,7 @@
             </p:txBody>
           </p:sp>
         </mc:Choice>
-        <mc:Fallback>
+        <mc:Fallback xmlns="">
           <p:sp>
             <p:nvSpPr>
               <p:cNvPr id="3" name="备注占位符 2"/>
@@ -3200,7 +3039,7 @@
                 </a:solidFill>
                 <a:latin typeface="+mn-ea"/>
               </a:rPr>
-              <a:t>2024.1.17</a:t>
+              <a:t>2024.1.18</a:t>
             </a:r>
             <a:endParaRPr lang="zh-CN" altLang="en-US" sz="2135" b="1" dirty="0">
               <a:solidFill>
@@ -5439,7 +5278,7 @@
         <p:spPr>
           <a:xfrm>
             <a:off x="3883412" y="4139432"/>
-            <a:ext cx="2021013" cy="701346"/>
+            <a:ext cx="2021013" cy="1021433"/>
           </a:xfrm>
           <a:prstGeom prst="rect">
             <a:avLst/>
@@ -5469,7 +5308,7 @@
                 </a:solidFill>
                 <a:latin typeface="+mn-ea"/>
               </a:rPr>
-              <a:t>优化网络的攻击鲁棒性，设计加边算法</a:t>
+              <a:t>定义网络社区结构的鲁棒性，设计加边算法，改进鲁棒性</a:t>
             </a:r>
             <a:endParaRPr lang="en-US" altLang="zh-CN" sz="1600" dirty="0">
               <a:solidFill>
@@ -6410,1413 +6249,6 @@
 </p:sld>
 </file>
 
-<file path=ppt/slides/slide13.xml><?xml version="1.0" encoding="utf-8"?>
-<p:sld xmlns:a="http://schemas.openxmlformats.org/drawingml/2006/main" xmlns:r="http://schemas.openxmlformats.org/officeDocument/2006/relationships" xmlns:p="http://schemas.openxmlformats.org/presentationml/2006/main">
-  <p:cSld>
-    <p:spTree>
-      <p:nvGrpSpPr>
-        <p:cNvPr id="1" name=""/>
-        <p:cNvGrpSpPr/>
-        <p:nvPr/>
-      </p:nvGrpSpPr>
-      <p:grpSpPr>
-        <a:xfrm>
-          <a:off x="0" y="0"/>
-          <a:ext cx="0" cy="0"/>
-          <a:chOff x="0" y="0"/>
-          <a:chExt cx="0" cy="0"/>
-        </a:xfrm>
-      </p:grpSpPr>
-      <p:sp>
-        <p:nvSpPr>
-          <p:cNvPr id="6" name="矩形 5"/>
-          <p:cNvSpPr/>
-          <p:nvPr/>
-        </p:nvSpPr>
-        <p:spPr>
-          <a:xfrm flipH="1">
-            <a:off x="1" y="105808"/>
-            <a:ext cx="2954655" cy="461665"/>
-          </a:xfrm>
-          <a:prstGeom prst="rect">
-            <a:avLst/>
-          </a:prstGeom>
-        </p:spPr>
-        <p:txBody>
-          <a:bodyPr wrap="none">
-            <a:spAutoFit/>
-          </a:bodyPr>
-          <a:lstStyle/>
-          <a:p>
-            <a:pPr algn="r"/>
-            <a:r>
-              <a:rPr lang="zh-CN" altLang="en-US" sz="2400" b="1" dirty="0">
-                <a:solidFill>
-                  <a:schemeClr val="bg1"/>
-                </a:solidFill>
-                <a:latin typeface="+mn-ea"/>
-              </a:rPr>
-              <a:t>二、研究目标与内容</a:t>
-            </a:r>
-          </a:p>
-        </p:txBody>
-      </p:sp>
-      <p:grpSp>
-        <p:nvGrpSpPr>
-          <p:cNvPr id="22" name="组合 21">
-            <a:extLst>
-              <a:ext uri="{FF2B5EF4-FFF2-40B4-BE49-F238E27FC236}">
-                <a16:creationId xmlns:a16="http://schemas.microsoft.com/office/drawing/2014/main" id="{6300A551-E133-4018-96CB-AFE009DCE79A}"/>
-              </a:ext>
-            </a:extLst>
-          </p:cNvPr>
-          <p:cNvGrpSpPr/>
-          <p:nvPr/>
-        </p:nvGrpSpPr>
-        <p:grpSpPr>
-          <a:xfrm>
-            <a:off x="0" y="2009030"/>
-            <a:ext cx="2159729" cy="525700"/>
-            <a:chOff x="0" y="836920"/>
-            <a:chExt cx="2159729" cy="525700"/>
-          </a:xfrm>
-        </p:grpSpPr>
-        <p:sp>
-          <p:nvSpPr>
-            <p:cNvPr id="23" name="Freeform 190">
-              <a:extLst>
-                <a:ext uri="{FF2B5EF4-FFF2-40B4-BE49-F238E27FC236}">
-                  <a16:creationId xmlns:a16="http://schemas.microsoft.com/office/drawing/2014/main" id="{A7CB7163-2591-431A-8288-D3BE9C2C3E85}"/>
-                </a:ext>
-              </a:extLst>
-            </p:cNvPr>
-            <p:cNvSpPr/>
-            <p:nvPr/>
-          </p:nvSpPr>
-          <p:spPr bwMode="auto">
-            <a:xfrm>
-              <a:off x="0" y="836920"/>
-              <a:ext cx="2159729" cy="525700"/>
-            </a:xfrm>
-            <a:custGeom>
-              <a:avLst/>
-              <a:gdLst>
-                <a:gd name="T0" fmla="*/ 298 w 298"/>
-                <a:gd name="T1" fmla="*/ 36 h 71"/>
-                <a:gd name="T2" fmla="*/ 256 w 298"/>
-                <a:gd name="T3" fmla="*/ 71 h 71"/>
-                <a:gd name="T4" fmla="*/ 0 w 298"/>
-                <a:gd name="T5" fmla="*/ 71 h 71"/>
-                <a:gd name="T6" fmla="*/ 0 w 298"/>
-                <a:gd name="T7" fmla="*/ 0 h 71"/>
-                <a:gd name="T8" fmla="*/ 256 w 298"/>
-                <a:gd name="T9" fmla="*/ 0 h 71"/>
-                <a:gd name="T10" fmla="*/ 298 w 298"/>
-                <a:gd name="T11" fmla="*/ 36 h 71"/>
-              </a:gdLst>
-              <a:ahLst/>
-              <a:cxnLst>
-                <a:cxn ang="0">
-                  <a:pos x="T0" y="T1"/>
-                </a:cxn>
-                <a:cxn ang="0">
-                  <a:pos x="T2" y="T3"/>
-                </a:cxn>
-                <a:cxn ang="0">
-                  <a:pos x="T4" y="T5"/>
-                </a:cxn>
-                <a:cxn ang="0">
-                  <a:pos x="T6" y="T7"/>
-                </a:cxn>
-                <a:cxn ang="0">
-                  <a:pos x="T8" y="T9"/>
-                </a:cxn>
-                <a:cxn ang="0">
-                  <a:pos x="T10" y="T11"/>
-                </a:cxn>
-              </a:cxnLst>
-              <a:rect l="0" t="0" r="r" b="b"/>
-              <a:pathLst>
-                <a:path w="298" h="71">
-                  <a:moveTo>
-                    <a:pt x="298" y="36"/>
-                  </a:moveTo>
-                  <a:lnTo>
-                    <a:pt x="256" y="71"/>
-                  </a:lnTo>
-                  <a:lnTo>
-                    <a:pt x="0" y="71"/>
-                  </a:lnTo>
-                  <a:lnTo>
-                    <a:pt x="0" y="0"/>
-                  </a:lnTo>
-                  <a:lnTo>
-                    <a:pt x="256" y="0"/>
-                  </a:lnTo>
-                  <a:lnTo>
-                    <a:pt x="298" y="36"/>
-                  </a:lnTo>
-                  <a:close/>
-                </a:path>
-              </a:pathLst>
-            </a:custGeom>
-            <a:solidFill>
-              <a:schemeClr val="accent2"/>
-            </a:solidFill>
-            <a:ln>
-              <a:noFill/>
-            </a:ln>
-            <a:effectLst>
-              <a:outerShdw blurRad="63500" algn="ctr" rotWithShape="0">
-                <a:prstClr val="black">
-                  <a:alpha val="40000"/>
-                </a:prstClr>
-              </a:outerShdw>
-            </a:effectLst>
-          </p:spPr>
-          <p:style>
-            <a:lnRef idx="2">
-              <a:schemeClr val="accent1">
-                <a:shade val="50000"/>
-              </a:schemeClr>
-            </a:lnRef>
-            <a:fillRef idx="1">
-              <a:schemeClr val="accent1"/>
-            </a:fillRef>
-            <a:effectRef idx="0">
-              <a:schemeClr val="accent1"/>
-            </a:effectRef>
-            <a:fontRef idx="minor">
-              <a:schemeClr val="lt1"/>
-            </a:fontRef>
-          </p:style>
-          <p:txBody>
-            <a:bodyPr rot="0" spcFirstLastPara="0" vertOverflow="overflow" horzOverflow="overflow" vert="horz" wrap="square" lIns="91440" tIns="45720" rIns="91440" bIns="45720" numCol="1" spcCol="0" rtlCol="0" fromWordArt="0" anchor="ctr" anchorCtr="0" forceAA="0" compatLnSpc="1">
-              <a:noAutofit/>
-            </a:bodyPr>
-            <a:lstStyle/>
-            <a:p>
-              <a:pPr algn="ctr"/>
-              <a:endParaRPr lang="en-US" b="1" dirty="0">
-                <a:solidFill>
-                  <a:schemeClr val="bg1"/>
-                </a:solidFill>
-                <a:latin typeface="+mn-ea"/>
-              </a:endParaRPr>
-            </a:p>
-          </p:txBody>
-        </p:sp>
-        <p:sp>
-          <p:nvSpPr>
-            <p:cNvPr id="24" name="矩形 23">
-              <a:extLst>
-                <a:ext uri="{FF2B5EF4-FFF2-40B4-BE49-F238E27FC236}">
-                  <a16:creationId xmlns:a16="http://schemas.microsoft.com/office/drawing/2014/main" id="{97E0CC22-4432-4ACE-B74B-656F4B1711BB}"/>
-                </a:ext>
-              </a:extLst>
-            </p:cNvPr>
-            <p:cNvSpPr/>
-            <p:nvPr/>
-          </p:nvSpPr>
-          <p:spPr>
-            <a:xfrm flipH="1">
-              <a:off x="186267" y="897058"/>
-              <a:ext cx="1396537" cy="369332"/>
-            </a:xfrm>
-            <a:prstGeom prst="rect">
-              <a:avLst/>
-            </a:prstGeom>
-          </p:spPr>
-          <p:txBody>
-            <a:bodyPr wrap="none">
-              <a:spAutoFit/>
-            </a:bodyPr>
-            <a:lstStyle/>
-            <a:p>
-              <a:pPr marL="285750" indent="-285750" algn="r">
-                <a:buFont typeface="Wingdings" panose="05000000000000000000" pitchFamily="2" charset="2"/>
-                <a:buChar char="Ø"/>
-              </a:pPr>
-              <a:r>
-                <a:rPr lang="zh-CN" altLang="en-US" b="1" dirty="0">
-                  <a:solidFill>
-                    <a:schemeClr val="bg1"/>
-                  </a:solidFill>
-                  <a:latin typeface="+mn-ea"/>
-                </a:rPr>
-                <a:t>研究内容</a:t>
-              </a:r>
-            </a:p>
-          </p:txBody>
-        </p:sp>
-      </p:grpSp>
-      <mc:AlternateContent xmlns:mc="http://schemas.openxmlformats.org/markup-compatibility/2006">
-        <mc:Choice xmlns:a14="http://schemas.microsoft.com/office/drawing/2010/main" Requires="a14">
-          <p:sp>
-            <p:nvSpPr>
-              <p:cNvPr id="25" name="Rectangle 25">
-                <a:extLst>
-                  <a:ext uri="{FF2B5EF4-FFF2-40B4-BE49-F238E27FC236}">
-                    <a16:creationId xmlns:a16="http://schemas.microsoft.com/office/drawing/2014/main" id="{A06AFCD9-7518-42FE-8691-098FAC78F11A}"/>
-                  </a:ext>
-                </a:extLst>
-              </p:cNvPr>
-              <p:cNvSpPr/>
-              <p:nvPr/>
-            </p:nvSpPr>
-            <p:spPr>
-              <a:xfrm>
-                <a:off x="2217273" y="1419178"/>
-                <a:ext cx="8812678" cy="2790572"/>
-              </a:xfrm>
-              <a:prstGeom prst="rect">
-                <a:avLst/>
-              </a:prstGeom>
-              <a:ln w="19050">
-                <a:solidFill>
-                  <a:schemeClr val="accent3"/>
-                </a:solidFill>
-                <a:prstDash val="dash"/>
-              </a:ln>
-            </p:spPr>
-            <p:txBody>
-              <a:bodyPr wrap="square">
-                <a:spAutoFit/>
-              </a:bodyPr>
-              <a:lstStyle/>
-              <a:p>
-                <a:pPr algn="just">
-                  <a:lnSpc>
-                    <a:spcPct val="150000"/>
-                  </a:lnSpc>
-                </a:pPr>
-                <a:r>
-                  <a:rPr lang="en-US" altLang="zh-CN" b="1" dirty="0">
-                    <a:solidFill>
-                      <a:schemeClr val="tx1">
-                        <a:lumMod val="75000"/>
-                        <a:lumOff val="25000"/>
-                      </a:schemeClr>
-                    </a:solidFill>
-                    <a:latin typeface="+mn-ea"/>
-                    <a:sym typeface="Arial" panose="020B0604020202020204" pitchFamily="34" charset="0"/>
-                  </a:rPr>
-                  <a:t>1.</a:t>
-                </a:r>
-                <a:r>
-                  <a:rPr lang="zh-CN" altLang="en-US" b="1" dirty="0">
-                    <a:solidFill>
-                      <a:schemeClr val="tx1">
-                        <a:lumMod val="75000"/>
-                        <a:lumOff val="25000"/>
-                      </a:schemeClr>
-                    </a:solidFill>
-                    <a:latin typeface="+mn-ea"/>
-                    <a:sym typeface="Arial" panose="020B0604020202020204" pitchFamily="34" charset="0"/>
-                  </a:rPr>
-                  <a:t> 链路预测技术的研究与改进</a:t>
-                </a:r>
-                <a:endParaRPr lang="en-US" altLang="zh-CN" b="1" dirty="0">
-                  <a:solidFill>
-                    <a:schemeClr val="tx1">
-                      <a:lumMod val="75000"/>
-                      <a:lumOff val="25000"/>
-                    </a:schemeClr>
-                  </a:solidFill>
-                  <a:latin typeface="+mn-ea"/>
-                  <a:sym typeface="Arial" panose="020B0604020202020204" pitchFamily="34" charset="0"/>
-                </a:endParaRPr>
-              </a:p>
-              <a:p>
-                <a:pPr indent="457200" algn="just">
-                  <a:lnSpc>
-                    <a:spcPct val="150000"/>
-                  </a:lnSpc>
-                </a:pPr>
-                <a:r>
-                  <a:rPr lang="zh-CN" altLang="en-US" dirty="0">
-                    <a:solidFill>
-                      <a:schemeClr val="tx1">
-                        <a:lumMod val="75000"/>
-                        <a:lumOff val="25000"/>
-                      </a:schemeClr>
-                    </a:solidFill>
-                    <a:latin typeface="+mn-ea"/>
-                    <a:sym typeface="Arial" panose="020B0604020202020204" pitchFamily="34" charset="0"/>
-                  </a:rPr>
-                  <a:t>探索不同的链路预测方法，全面梳理现有链路预测方法及其优缺点，结合复杂网络特性和实际应用场景，对现有预测算法进行改进和创新，设计重排序策略，使之在保证预测准确率的同时，优化复杂网络全局结构性能指标。</a:t>
-                </a:r>
-                <a:endParaRPr lang="en-US" altLang="zh-CN" dirty="0">
-                  <a:solidFill>
-                    <a:schemeClr val="tx1">
-                      <a:lumMod val="75000"/>
-                      <a:lumOff val="25000"/>
-                    </a:schemeClr>
-                  </a:solidFill>
-                  <a:latin typeface="+mn-ea"/>
-                  <a:sym typeface="Arial" panose="020B0604020202020204" pitchFamily="34" charset="0"/>
-                </a:endParaRPr>
-              </a:p>
-              <a:p>
-                <a:pPr>
-                  <a:lnSpc>
-                    <a:spcPct val="150000"/>
-                  </a:lnSpc>
-                </a:pPr>
-                <a14:m>
-                  <m:oMathPara xmlns:m="http://schemas.openxmlformats.org/officeDocument/2006/math">
-                    <m:oMathParaPr>
-                      <m:jc m:val="centerGroup"/>
-                    </m:oMathParaPr>
-                    <m:oMath xmlns:m="http://schemas.openxmlformats.org/officeDocument/2006/math">
-                      <m:r>
-                        <a:rPr lang="en-US" altLang="zh-CN" sz="1800" i="1" smtClean="0">
-                          <a:effectLst/>
-                          <a:latin typeface="Cambria Math" panose="02040503050406030204" pitchFamily="18" charset="0"/>
-                          <a:ea typeface="宋体" panose="02010600030101010101" pitchFamily="2" charset="-122"/>
-                          <a:cs typeface="Times New Roman" panose="02020603050405020304" pitchFamily="18" charset="0"/>
-                        </a:rPr>
-                        <m:t>𝑁𝑒𝑤𝑆𝑐𝑜𝑟𝑒</m:t>
-                      </m:r>
-                      <m:d>
-                        <m:dPr>
-                          <m:ctrlPr>
-                            <a:rPr lang="zh-CN" altLang="zh-CN" i="1">
-                              <a:effectLst/>
-                              <a:latin typeface="Cambria Math" panose="02040503050406030204" pitchFamily="18" charset="0"/>
-                              <a:ea typeface="Cambria Math" panose="02040503050406030204" pitchFamily="18" charset="0"/>
-                            </a:rPr>
-                          </m:ctrlPr>
-                        </m:dPr>
-                        <m:e>
-                          <m:r>
-                            <a:rPr lang="en-US" altLang="zh-CN" sz="1800" i="1">
-                              <a:effectLst/>
-                              <a:latin typeface="Cambria Math" panose="02040503050406030204" pitchFamily="18" charset="0"/>
-                              <a:ea typeface="宋体" panose="02010600030101010101" pitchFamily="2" charset="-122"/>
-                              <a:cs typeface="Times New Roman" panose="02020603050405020304" pitchFamily="18" charset="0"/>
-                            </a:rPr>
-                            <m:t>𝑖</m:t>
-                          </m:r>
-                          <m:r>
-                            <a:rPr lang="en-US" altLang="zh-CN" sz="1800" i="1">
-                              <a:effectLst/>
-                              <a:latin typeface="Cambria Math" panose="02040503050406030204" pitchFamily="18" charset="0"/>
-                              <a:ea typeface="宋体" panose="02010600030101010101" pitchFamily="2" charset="-122"/>
-                              <a:cs typeface="Times New Roman" panose="02020603050405020304" pitchFamily="18" charset="0"/>
-                            </a:rPr>
-                            <m:t>,</m:t>
-                          </m:r>
-                          <m:r>
-                            <a:rPr lang="en-US" altLang="zh-CN" sz="1800" i="1">
-                              <a:effectLst/>
-                              <a:latin typeface="Cambria Math" panose="02040503050406030204" pitchFamily="18" charset="0"/>
-                              <a:ea typeface="宋体" panose="02010600030101010101" pitchFamily="2" charset="-122"/>
-                              <a:cs typeface="Times New Roman" panose="02020603050405020304" pitchFamily="18" charset="0"/>
-                            </a:rPr>
-                            <m:t>𝑗</m:t>
-                          </m:r>
-                        </m:e>
-                      </m:d>
-                      <m:r>
-                        <a:rPr lang="en-US" altLang="zh-CN" sz="1800" i="1">
-                          <a:effectLst/>
-                          <a:latin typeface="Cambria Math" panose="02040503050406030204" pitchFamily="18" charset="0"/>
-                          <a:ea typeface="宋体" panose="02010600030101010101" pitchFamily="2" charset="-122"/>
-                          <a:cs typeface="Times New Roman" panose="02020603050405020304" pitchFamily="18" charset="0"/>
-                        </a:rPr>
-                        <m:t>=</m:t>
-                      </m:r>
-                      <m:r>
-                        <a:rPr lang="en-US" altLang="zh-CN" sz="1800" i="1">
-                          <a:effectLst/>
-                          <a:latin typeface="Cambria Math" panose="02040503050406030204" pitchFamily="18" charset="0"/>
-                          <a:ea typeface="宋体" panose="02010600030101010101" pitchFamily="2" charset="-122"/>
-                          <a:cs typeface="Times New Roman" panose="02020603050405020304" pitchFamily="18" charset="0"/>
-                        </a:rPr>
-                        <m:t>𝑆𝑐𝑜𝑟𝑒</m:t>
-                      </m:r>
-                      <m:d>
-                        <m:dPr>
-                          <m:ctrlPr>
-                            <a:rPr lang="zh-CN" altLang="zh-CN" i="1">
-                              <a:effectLst/>
-                              <a:latin typeface="Cambria Math" panose="02040503050406030204" pitchFamily="18" charset="0"/>
-                              <a:ea typeface="Cambria Math" panose="02040503050406030204" pitchFamily="18" charset="0"/>
-                            </a:rPr>
-                          </m:ctrlPr>
-                        </m:dPr>
-                        <m:e>
-                          <m:r>
-                            <a:rPr lang="en-US" altLang="zh-CN" sz="1800" i="1">
-                              <a:effectLst/>
-                              <a:latin typeface="Cambria Math" panose="02040503050406030204" pitchFamily="18" charset="0"/>
-                              <a:ea typeface="宋体" panose="02010600030101010101" pitchFamily="2" charset="-122"/>
-                              <a:cs typeface="Times New Roman" panose="02020603050405020304" pitchFamily="18" charset="0"/>
-                            </a:rPr>
-                            <m:t>𝑖</m:t>
-                          </m:r>
-                          <m:r>
-                            <a:rPr lang="en-US" altLang="zh-CN" sz="1800" i="1">
-                              <a:effectLst/>
-                              <a:latin typeface="Cambria Math" panose="02040503050406030204" pitchFamily="18" charset="0"/>
-                              <a:ea typeface="宋体" panose="02010600030101010101" pitchFamily="2" charset="-122"/>
-                              <a:cs typeface="Times New Roman" panose="02020603050405020304" pitchFamily="18" charset="0"/>
-                            </a:rPr>
-                            <m:t>,</m:t>
-                          </m:r>
-                          <m:r>
-                            <a:rPr lang="en-US" altLang="zh-CN" sz="1800" i="1">
-                              <a:effectLst/>
-                              <a:latin typeface="Cambria Math" panose="02040503050406030204" pitchFamily="18" charset="0"/>
-                              <a:ea typeface="宋体" panose="02010600030101010101" pitchFamily="2" charset="-122"/>
-                              <a:cs typeface="Times New Roman" panose="02020603050405020304" pitchFamily="18" charset="0"/>
-                            </a:rPr>
-                            <m:t>𝑗</m:t>
-                          </m:r>
-                        </m:e>
-                      </m:d>
-                      <m:r>
-                        <a:rPr lang="en-US" altLang="zh-CN" sz="1800" i="1">
-                          <a:effectLst/>
-                          <a:latin typeface="Cambria Math" panose="02040503050406030204" pitchFamily="18" charset="0"/>
-                          <a:ea typeface="宋体" panose="02010600030101010101" pitchFamily="2" charset="-122"/>
-                          <a:cs typeface="Times New Roman" panose="02020603050405020304" pitchFamily="18" charset="0"/>
-                        </a:rPr>
-                        <m:t>∗</m:t>
-                      </m:r>
-                      <m:sSup>
-                        <m:sSupPr>
-                          <m:ctrlPr>
-                            <a:rPr lang="zh-CN" altLang="zh-CN" i="1">
-                              <a:effectLst/>
-                              <a:latin typeface="Cambria Math" panose="02040503050406030204" pitchFamily="18" charset="0"/>
-                              <a:ea typeface="Cambria Math" panose="02040503050406030204" pitchFamily="18" charset="0"/>
-                            </a:rPr>
-                          </m:ctrlPr>
-                        </m:sSupPr>
-                        <m:e>
-                          <m:d>
-                            <m:dPr>
-                              <m:ctrlPr>
-                                <a:rPr lang="zh-CN" altLang="zh-CN" i="1">
-                                  <a:effectLst/>
-                                  <a:latin typeface="Cambria Math" panose="02040503050406030204" pitchFamily="18" charset="0"/>
-                                  <a:ea typeface="Cambria Math" panose="02040503050406030204" pitchFamily="18" charset="0"/>
-                                </a:rPr>
-                              </m:ctrlPr>
-                            </m:dPr>
-                            <m:e>
-                              <m:f>
-                                <m:fPr>
-                                  <m:ctrlPr>
-                                    <a:rPr lang="zh-CN" altLang="zh-CN" i="1">
-                                      <a:effectLst/>
-                                      <a:latin typeface="Cambria Math" panose="02040503050406030204" pitchFamily="18" charset="0"/>
-                                      <a:ea typeface="Cambria Math" panose="02040503050406030204" pitchFamily="18" charset="0"/>
-                                    </a:rPr>
-                                  </m:ctrlPr>
-                                </m:fPr>
-                                <m:num>
-                                  <m:r>
-                                    <a:rPr lang="en-US" altLang="zh-CN" sz="1800" i="1">
-                                      <a:effectLst/>
-                                      <a:latin typeface="Cambria Math" panose="02040503050406030204" pitchFamily="18" charset="0"/>
-                                      <a:ea typeface="宋体" panose="02010600030101010101" pitchFamily="2" charset="-122"/>
-                                      <a:cs typeface="Times New Roman" panose="02020603050405020304" pitchFamily="18" charset="0"/>
-                                    </a:rPr>
-                                    <m:t>𝑑𝑖𝑠𝑡</m:t>
-                                  </m:r>
-                                  <m:d>
-                                    <m:dPr>
-                                      <m:ctrlPr>
-                                        <a:rPr lang="zh-CN" altLang="zh-CN" i="1">
-                                          <a:effectLst/>
-                                          <a:latin typeface="Cambria Math" panose="02040503050406030204" pitchFamily="18" charset="0"/>
-                                          <a:ea typeface="Cambria Math" panose="02040503050406030204" pitchFamily="18" charset="0"/>
-                                        </a:rPr>
-                                      </m:ctrlPr>
-                                    </m:dPr>
-                                    <m:e>
-                                      <m:r>
-                                        <a:rPr lang="en-US" altLang="zh-CN" sz="1800" i="1">
-                                          <a:effectLst/>
-                                          <a:latin typeface="Cambria Math" panose="02040503050406030204" pitchFamily="18" charset="0"/>
-                                          <a:ea typeface="宋体" panose="02010600030101010101" pitchFamily="2" charset="-122"/>
-                                          <a:cs typeface="Times New Roman" panose="02020603050405020304" pitchFamily="18" charset="0"/>
-                                        </a:rPr>
-                                        <m:t>𝑖</m:t>
-                                      </m:r>
-                                      <m:r>
-                                        <a:rPr lang="en-US" altLang="zh-CN" sz="1800" i="1">
-                                          <a:effectLst/>
-                                          <a:latin typeface="Cambria Math" panose="02040503050406030204" pitchFamily="18" charset="0"/>
-                                          <a:ea typeface="宋体" panose="02010600030101010101" pitchFamily="2" charset="-122"/>
-                                          <a:cs typeface="Times New Roman" panose="02020603050405020304" pitchFamily="18" charset="0"/>
-                                        </a:rPr>
-                                        <m:t>,</m:t>
-                                      </m:r>
-                                      <m:r>
-                                        <a:rPr lang="en-US" altLang="zh-CN" sz="1800" i="1">
-                                          <a:effectLst/>
-                                          <a:latin typeface="Cambria Math" panose="02040503050406030204" pitchFamily="18" charset="0"/>
-                                          <a:ea typeface="宋体" panose="02010600030101010101" pitchFamily="2" charset="-122"/>
-                                          <a:cs typeface="Times New Roman" panose="02020603050405020304" pitchFamily="18" charset="0"/>
-                                        </a:rPr>
-                                        <m:t>𝑗</m:t>
-                                      </m:r>
-                                    </m:e>
-                                  </m:d>
-                                </m:num>
-                                <m:den>
-                                  <m:r>
-                                    <a:rPr lang="en-US" altLang="zh-CN" sz="1800" i="1">
-                                      <a:effectLst/>
-                                      <a:latin typeface="Cambria Math" panose="02040503050406030204" pitchFamily="18" charset="0"/>
-                                      <a:ea typeface="宋体" panose="02010600030101010101" pitchFamily="2" charset="-122"/>
-                                      <a:cs typeface="Times New Roman" panose="02020603050405020304" pitchFamily="18" charset="0"/>
-                                    </a:rPr>
-                                    <m:t>𝑑𝑖𝑎𝑚</m:t>
-                                  </m:r>
-                                </m:den>
-                              </m:f>
-                            </m:e>
-                          </m:d>
-                        </m:e>
-                        <m:sup>
-                          <m:r>
-                            <a:rPr lang="en-US" altLang="zh-CN" sz="1800" i="1">
-                              <a:effectLst/>
-                              <a:latin typeface="Cambria Math" panose="02040503050406030204" pitchFamily="18" charset="0"/>
-                              <a:ea typeface="宋体" panose="02010600030101010101" pitchFamily="2" charset="-122"/>
-                              <a:cs typeface="Times New Roman" panose="02020603050405020304" pitchFamily="18" charset="0"/>
-                            </a:rPr>
-                            <m:t>𝜆</m:t>
-                          </m:r>
-                        </m:sup>
-                      </m:sSup>
-                    </m:oMath>
-                  </m:oMathPara>
-                </a14:m>
-                <a:endParaRPr lang="en-US" altLang="zh-CN" dirty="0">
-                  <a:solidFill>
-                    <a:schemeClr val="tx1">
-                      <a:lumMod val="75000"/>
-                      <a:lumOff val="25000"/>
-                    </a:schemeClr>
-                  </a:solidFill>
-                  <a:latin typeface="+mn-ea"/>
-                  <a:sym typeface="Arial" panose="020B0604020202020204" pitchFamily="34" charset="0"/>
-                </a:endParaRPr>
-              </a:p>
-            </p:txBody>
-          </p:sp>
-        </mc:Choice>
-        <mc:Fallback>
-          <p:sp>
-            <p:nvSpPr>
-              <p:cNvPr id="25" name="Rectangle 25">
-                <a:extLst>
-                  <a:ext uri="{FF2B5EF4-FFF2-40B4-BE49-F238E27FC236}">
-                    <a16:creationId xmlns:a16="http://schemas.microsoft.com/office/drawing/2014/main" id="{A06AFCD9-7518-42FE-8691-098FAC78F11A}"/>
-                  </a:ext>
-                </a:extLst>
-              </p:cNvPr>
-              <p:cNvSpPr>
-                <a:spLocks noRot="1" noChangeAspect="1" noMove="1" noResize="1" noEditPoints="1" noAdjustHandles="1" noChangeArrowheads="1" noChangeShapeType="1" noTextEdit="1"/>
-              </p:cNvSpPr>
-              <p:nvPr/>
-            </p:nvSpPr>
-            <p:spPr>
-              <a:xfrm>
-                <a:off x="2217273" y="1419178"/>
-                <a:ext cx="8812678" cy="2790572"/>
-              </a:xfrm>
-              <a:prstGeom prst="rect">
-                <a:avLst/>
-              </a:prstGeom>
-              <a:blipFill>
-                <a:blip r:embed="rId3"/>
-                <a:stretch>
-                  <a:fillRect l="-552" r="-483"/>
-                </a:stretch>
-              </a:blipFill>
-              <a:ln w="19050">
-                <a:solidFill>
-                  <a:schemeClr val="accent3"/>
-                </a:solidFill>
-                <a:prstDash val="dash"/>
-              </a:ln>
-            </p:spPr>
-            <p:txBody>
-              <a:bodyPr/>
-              <a:lstStyle/>
-              <a:p>
-                <a:r>
-                  <a:rPr lang="zh-CN" altLang="en-US">
-                    <a:noFill/>
-                  </a:rPr>
-                  <a:t> </a:t>
-                </a:r>
-              </a:p>
-            </p:txBody>
-          </p:sp>
-        </mc:Fallback>
-      </mc:AlternateContent>
-      <p:grpSp>
-        <p:nvGrpSpPr>
-          <p:cNvPr id="8" name="组合 7">
-            <a:extLst>
-              <a:ext uri="{FF2B5EF4-FFF2-40B4-BE49-F238E27FC236}">
-                <a16:creationId xmlns:a16="http://schemas.microsoft.com/office/drawing/2014/main" id="{40923645-C94E-A01B-E847-F9B4ED758CA7}"/>
-              </a:ext>
-            </a:extLst>
-          </p:cNvPr>
-          <p:cNvGrpSpPr/>
-          <p:nvPr/>
-        </p:nvGrpSpPr>
-        <p:grpSpPr>
-          <a:xfrm>
-            <a:off x="0" y="4636466"/>
-            <a:ext cx="2159729" cy="525700"/>
-            <a:chOff x="0" y="836920"/>
-            <a:chExt cx="2159729" cy="525700"/>
-          </a:xfrm>
-        </p:grpSpPr>
-        <p:sp>
-          <p:nvSpPr>
-            <p:cNvPr id="9" name="Freeform 190">
-              <a:extLst>
-                <a:ext uri="{FF2B5EF4-FFF2-40B4-BE49-F238E27FC236}">
-                  <a16:creationId xmlns:a16="http://schemas.microsoft.com/office/drawing/2014/main" id="{8B7DD6B3-45B3-4448-98BE-726CAF6267C0}"/>
-                </a:ext>
-              </a:extLst>
-            </p:cNvPr>
-            <p:cNvSpPr/>
-            <p:nvPr/>
-          </p:nvSpPr>
-          <p:spPr bwMode="auto">
-            <a:xfrm>
-              <a:off x="0" y="836920"/>
-              <a:ext cx="2159729" cy="525700"/>
-            </a:xfrm>
-            <a:custGeom>
-              <a:avLst/>
-              <a:gdLst>
-                <a:gd name="T0" fmla="*/ 298 w 298"/>
-                <a:gd name="T1" fmla="*/ 36 h 71"/>
-                <a:gd name="T2" fmla="*/ 256 w 298"/>
-                <a:gd name="T3" fmla="*/ 71 h 71"/>
-                <a:gd name="T4" fmla="*/ 0 w 298"/>
-                <a:gd name="T5" fmla="*/ 71 h 71"/>
-                <a:gd name="T6" fmla="*/ 0 w 298"/>
-                <a:gd name="T7" fmla="*/ 0 h 71"/>
-                <a:gd name="T8" fmla="*/ 256 w 298"/>
-                <a:gd name="T9" fmla="*/ 0 h 71"/>
-                <a:gd name="T10" fmla="*/ 298 w 298"/>
-                <a:gd name="T11" fmla="*/ 36 h 71"/>
-              </a:gdLst>
-              <a:ahLst/>
-              <a:cxnLst>
-                <a:cxn ang="0">
-                  <a:pos x="T0" y="T1"/>
-                </a:cxn>
-                <a:cxn ang="0">
-                  <a:pos x="T2" y="T3"/>
-                </a:cxn>
-                <a:cxn ang="0">
-                  <a:pos x="T4" y="T5"/>
-                </a:cxn>
-                <a:cxn ang="0">
-                  <a:pos x="T6" y="T7"/>
-                </a:cxn>
-                <a:cxn ang="0">
-                  <a:pos x="T8" y="T9"/>
-                </a:cxn>
-                <a:cxn ang="0">
-                  <a:pos x="T10" y="T11"/>
-                </a:cxn>
-              </a:cxnLst>
-              <a:rect l="0" t="0" r="r" b="b"/>
-              <a:pathLst>
-                <a:path w="298" h="71">
-                  <a:moveTo>
-                    <a:pt x="298" y="36"/>
-                  </a:moveTo>
-                  <a:lnTo>
-                    <a:pt x="256" y="71"/>
-                  </a:lnTo>
-                  <a:lnTo>
-                    <a:pt x="0" y="71"/>
-                  </a:lnTo>
-                  <a:lnTo>
-                    <a:pt x="0" y="0"/>
-                  </a:lnTo>
-                  <a:lnTo>
-                    <a:pt x="256" y="0"/>
-                  </a:lnTo>
-                  <a:lnTo>
-                    <a:pt x="298" y="36"/>
-                  </a:lnTo>
-                  <a:close/>
-                </a:path>
-              </a:pathLst>
-            </a:custGeom>
-            <a:solidFill>
-              <a:schemeClr val="accent2"/>
-            </a:solidFill>
-            <a:ln>
-              <a:noFill/>
-            </a:ln>
-            <a:effectLst>
-              <a:outerShdw blurRad="63500" algn="ctr" rotWithShape="0">
-                <a:prstClr val="black">
-                  <a:alpha val="40000"/>
-                </a:prstClr>
-              </a:outerShdw>
-            </a:effectLst>
-          </p:spPr>
-          <p:style>
-            <a:lnRef idx="2">
-              <a:schemeClr val="accent1">
-                <a:shade val="50000"/>
-              </a:schemeClr>
-            </a:lnRef>
-            <a:fillRef idx="1">
-              <a:schemeClr val="accent1"/>
-            </a:fillRef>
-            <a:effectRef idx="0">
-              <a:schemeClr val="accent1"/>
-            </a:effectRef>
-            <a:fontRef idx="minor">
-              <a:schemeClr val="lt1"/>
-            </a:fontRef>
-          </p:style>
-          <p:txBody>
-            <a:bodyPr rot="0" spcFirstLastPara="0" vertOverflow="overflow" horzOverflow="overflow" vert="horz" wrap="square" lIns="91440" tIns="45720" rIns="91440" bIns="45720" numCol="1" spcCol="0" rtlCol="0" fromWordArt="0" anchor="ctr" anchorCtr="0" forceAA="0" compatLnSpc="1">
-              <a:noAutofit/>
-            </a:bodyPr>
-            <a:lstStyle/>
-            <a:p>
-              <a:pPr algn="ctr"/>
-              <a:endParaRPr lang="en-US" b="1" dirty="0">
-                <a:solidFill>
-                  <a:schemeClr val="bg1"/>
-                </a:solidFill>
-                <a:latin typeface="+mn-ea"/>
-              </a:endParaRPr>
-            </a:p>
-          </p:txBody>
-        </p:sp>
-        <p:sp>
-          <p:nvSpPr>
-            <p:cNvPr id="10" name="矩形 9">
-              <a:extLst>
-                <a:ext uri="{FF2B5EF4-FFF2-40B4-BE49-F238E27FC236}">
-                  <a16:creationId xmlns:a16="http://schemas.microsoft.com/office/drawing/2014/main" id="{25C9F551-958B-F30B-DD33-14F1E6275DD5}"/>
-                </a:ext>
-              </a:extLst>
-            </p:cNvPr>
-            <p:cNvSpPr/>
-            <p:nvPr/>
-          </p:nvSpPr>
-          <p:spPr>
-            <a:xfrm flipH="1">
-              <a:off x="186267" y="897058"/>
-              <a:ext cx="1396537" cy="369332"/>
-            </a:xfrm>
-            <a:prstGeom prst="rect">
-              <a:avLst/>
-            </a:prstGeom>
-          </p:spPr>
-          <p:txBody>
-            <a:bodyPr wrap="none">
-              <a:spAutoFit/>
-            </a:bodyPr>
-            <a:lstStyle/>
-            <a:p>
-              <a:pPr marL="285750" indent="-285750" algn="r">
-                <a:buFont typeface="Wingdings" panose="05000000000000000000" pitchFamily="2" charset="2"/>
-                <a:buChar char="Ø"/>
-              </a:pPr>
-              <a:r>
-                <a:rPr lang="zh-CN" altLang="en-US" b="1" dirty="0">
-                  <a:solidFill>
-                    <a:schemeClr val="bg1"/>
-                  </a:solidFill>
-                  <a:latin typeface="+mn-ea"/>
-                </a:rPr>
-                <a:t>研究内容</a:t>
-              </a:r>
-            </a:p>
-          </p:txBody>
-        </p:sp>
-      </p:grpSp>
-      <p:sp>
-        <p:nvSpPr>
-          <p:cNvPr id="11" name="Rectangle 25">
-            <a:extLst>
-              <a:ext uri="{FF2B5EF4-FFF2-40B4-BE49-F238E27FC236}">
-                <a16:creationId xmlns:a16="http://schemas.microsoft.com/office/drawing/2014/main" id="{40A7A632-EC90-F3EC-5ACF-D1CB74B82F5B}"/>
-              </a:ext>
-            </a:extLst>
-          </p:cNvPr>
-          <p:cNvSpPr/>
-          <p:nvPr/>
-        </p:nvSpPr>
-        <p:spPr>
-          <a:xfrm>
-            <a:off x="2199100" y="4148917"/>
-            <a:ext cx="8830851" cy="1289905"/>
-          </a:xfrm>
-          <a:prstGeom prst="rect">
-            <a:avLst/>
-          </a:prstGeom>
-          <a:ln w="19050">
-            <a:solidFill>
-              <a:schemeClr val="accent3"/>
-            </a:solidFill>
-            <a:prstDash val="dash"/>
-          </a:ln>
-        </p:spPr>
-        <p:txBody>
-          <a:bodyPr wrap="square">
-            <a:spAutoFit/>
-          </a:bodyPr>
-          <a:lstStyle/>
-          <a:p>
-            <a:pPr algn="just">
-              <a:lnSpc>
-                <a:spcPct val="150000"/>
-              </a:lnSpc>
-            </a:pPr>
-            <a:r>
-              <a:rPr lang="en-US" altLang="zh-CN" b="1" dirty="0">
-                <a:solidFill>
-                  <a:schemeClr val="tx1">
-                    <a:lumMod val="75000"/>
-                    <a:lumOff val="25000"/>
-                  </a:schemeClr>
-                </a:solidFill>
-                <a:latin typeface="+mn-ea"/>
-                <a:sym typeface="Arial" panose="020B0604020202020204" pitchFamily="34" charset="0"/>
-              </a:rPr>
-              <a:t>2.</a:t>
-            </a:r>
-            <a:r>
-              <a:rPr lang="zh-CN" altLang="en-US" b="1" dirty="0">
-                <a:solidFill>
-                  <a:schemeClr val="tx1">
-                    <a:lumMod val="75000"/>
-                    <a:lumOff val="25000"/>
-                  </a:schemeClr>
-                </a:solidFill>
-                <a:latin typeface="+mn-ea"/>
-                <a:sym typeface="Arial" panose="020B0604020202020204" pitchFamily="34" charset="0"/>
-              </a:rPr>
-              <a:t> 面向结构优化的加边策略研发</a:t>
-            </a:r>
-            <a:endParaRPr lang="en-US" altLang="zh-CN" b="1" dirty="0">
-              <a:solidFill>
-                <a:schemeClr val="tx1">
-                  <a:lumMod val="75000"/>
-                  <a:lumOff val="25000"/>
-                </a:schemeClr>
-              </a:solidFill>
-              <a:latin typeface="+mn-ea"/>
-              <a:sym typeface="Arial" panose="020B0604020202020204" pitchFamily="34" charset="0"/>
-            </a:endParaRPr>
-          </a:p>
-          <a:p>
-            <a:pPr indent="457200" algn="just">
-              <a:lnSpc>
-                <a:spcPct val="150000"/>
-              </a:lnSpc>
-            </a:pPr>
-            <a:r>
-              <a:rPr lang="zh-CN" altLang="en-US" dirty="0">
-                <a:solidFill>
-                  <a:schemeClr val="tx1">
-                    <a:lumMod val="75000"/>
-                    <a:lumOff val="25000"/>
-                  </a:schemeClr>
-                </a:solidFill>
-                <a:latin typeface="+mn-ea"/>
-                <a:sym typeface="Arial" panose="020B0604020202020204" pitchFamily="34" charset="0"/>
-              </a:rPr>
-              <a:t>设计并实现一套全新的加边策略算法，考虑以网络的连通性、聚类系数、平均最短路径长度等为优化指标，设计合理的加边策略，以提升网络的整体性能。</a:t>
-            </a:r>
-          </a:p>
-        </p:txBody>
-      </p:sp>
-    </p:spTree>
-    <p:extLst>
-      <p:ext uri="{BB962C8B-B14F-4D97-AF65-F5344CB8AC3E}">
-        <p14:creationId xmlns:p14="http://schemas.microsoft.com/office/powerpoint/2010/main" val="550548439"/>
-      </p:ext>
-    </p:extLst>
-  </p:cSld>
-  <p:clrMapOvr>
-    <a:masterClrMapping/>
-  </p:clrMapOvr>
-  <mc:AlternateContent xmlns:mc="http://schemas.openxmlformats.org/markup-compatibility/2006">
-    <mc:Choice xmlns:p14="http://schemas.microsoft.com/office/powerpoint/2010/main" Requires="p14">
-      <p:transition spd="slow" p14:dur="898" advClick="0" advTm="5000"/>
-    </mc:Choice>
-    <mc:Fallback>
-      <p:transition spd="slow" advClick="0" advTm="5000"/>
-    </mc:Fallback>
-  </mc:AlternateContent>
-</p:sld>
-</file>
-
-<file path=ppt/slides/slide14.xml><?xml version="1.0" encoding="utf-8"?>
-<p:sld xmlns:a="http://schemas.openxmlformats.org/drawingml/2006/main" xmlns:r="http://schemas.openxmlformats.org/officeDocument/2006/relationships" xmlns:p="http://schemas.openxmlformats.org/presentationml/2006/main">
-  <p:cSld>
-    <p:spTree>
-      <p:nvGrpSpPr>
-        <p:cNvPr id="1" name=""/>
-        <p:cNvGrpSpPr/>
-        <p:nvPr/>
-      </p:nvGrpSpPr>
-      <p:grpSpPr>
-        <a:xfrm>
-          <a:off x="0" y="0"/>
-          <a:ext cx="0" cy="0"/>
-          <a:chOff x="0" y="0"/>
-          <a:chExt cx="0" cy="0"/>
-        </a:xfrm>
-      </p:grpSpPr>
-      <p:sp>
-        <p:nvSpPr>
-          <p:cNvPr id="6" name="矩形 5"/>
-          <p:cNvSpPr/>
-          <p:nvPr/>
-        </p:nvSpPr>
-        <p:spPr>
-          <a:xfrm flipH="1">
-            <a:off x="1" y="105808"/>
-            <a:ext cx="2954655" cy="461665"/>
-          </a:xfrm>
-          <a:prstGeom prst="rect">
-            <a:avLst/>
-          </a:prstGeom>
-        </p:spPr>
-        <p:txBody>
-          <a:bodyPr wrap="none">
-            <a:spAutoFit/>
-          </a:bodyPr>
-          <a:lstStyle/>
-          <a:p>
-            <a:pPr algn="r"/>
-            <a:r>
-              <a:rPr lang="zh-CN" altLang="en-US" sz="2400" b="1" dirty="0">
-                <a:solidFill>
-                  <a:schemeClr val="bg1"/>
-                </a:solidFill>
-                <a:latin typeface="+mn-ea"/>
-              </a:rPr>
-              <a:t>二、研究目标与内容</a:t>
-            </a:r>
-          </a:p>
-        </p:txBody>
-      </p:sp>
-      <p:grpSp>
-        <p:nvGrpSpPr>
-          <p:cNvPr id="22" name="组合 21">
-            <a:extLst>
-              <a:ext uri="{FF2B5EF4-FFF2-40B4-BE49-F238E27FC236}">
-                <a16:creationId xmlns:a16="http://schemas.microsoft.com/office/drawing/2014/main" id="{6300A551-E133-4018-96CB-AFE009DCE79A}"/>
-              </a:ext>
-            </a:extLst>
-          </p:cNvPr>
-          <p:cNvGrpSpPr/>
-          <p:nvPr/>
-        </p:nvGrpSpPr>
-        <p:grpSpPr>
-          <a:xfrm>
-            <a:off x="8256" y="4590305"/>
-            <a:ext cx="2159729" cy="525700"/>
-            <a:chOff x="0" y="836920"/>
-            <a:chExt cx="2159729" cy="525700"/>
-          </a:xfrm>
-        </p:grpSpPr>
-        <p:sp>
-          <p:nvSpPr>
-            <p:cNvPr id="23" name="Freeform 190">
-              <a:extLst>
-                <a:ext uri="{FF2B5EF4-FFF2-40B4-BE49-F238E27FC236}">
-                  <a16:creationId xmlns:a16="http://schemas.microsoft.com/office/drawing/2014/main" id="{A7CB7163-2591-431A-8288-D3BE9C2C3E85}"/>
-                </a:ext>
-              </a:extLst>
-            </p:cNvPr>
-            <p:cNvSpPr/>
-            <p:nvPr/>
-          </p:nvSpPr>
-          <p:spPr bwMode="auto">
-            <a:xfrm>
-              <a:off x="0" y="836920"/>
-              <a:ext cx="2159729" cy="525700"/>
-            </a:xfrm>
-            <a:custGeom>
-              <a:avLst/>
-              <a:gdLst>
-                <a:gd name="T0" fmla="*/ 298 w 298"/>
-                <a:gd name="T1" fmla="*/ 36 h 71"/>
-                <a:gd name="T2" fmla="*/ 256 w 298"/>
-                <a:gd name="T3" fmla="*/ 71 h 71"/>
-                <a:gd name="T4" fmla="*/ 0 w 298"/>
-                <a:gd name="T5" fmla="*/ 71 h 71"/>
-                <a:gd name="T6" fmla="*/ 0 w 298"/>
-                <a:gd name="T7" fmla="*/ 0 h 71"/>
-                <a:gd name="T8" fmla="*/ 256 w 298"/>
-                <a:gd name="T9" fmla="*/ 0 h 71"/>
-                <a:gd name="T10" fmla="*/ 298 w 298"/>
-                <a:gd name="T11" fmla="*/ 36 h 71"/>
-              </a:gdLst>
-              <a:ahLst/>
-              <a:cxnLst>
-                <a:cxn ang="0">
-                  <a:pos x="T0" y="T1"/>
-                </a:cxn>
-                <a:cxn ang="0">
-                  <a:pos x="T2" y="T3"/>
-                </a:cxn>
-                <a:cxn ang="0">
-                  <a:pos x="T4" y="T5"/>
-                </a:cxn>
-                <a:cxn ang="0">
-                  <a:pos x="T6" y="T7"/>
-                </a:cxn>
-                <a:cxn ang="0">
-                  <a:pos x="T8" y="T9"/>
-                </a:cxn>
-                <a:cxn ang="0">
-                  <a:pos x="T10" y="T11"/>
-                </a:cxn>
-              </a:cxnLst>
-              <a:rect l="0" t="0" r="r" b="b"/>
-              <a:pathLst>
-                <a:path w="298" h="71">
-                  <a:moveTo>
-                    <a:pt x="298" y="36"/>
-                  </a:moveTo>
-                  <a:lnTo>
-                    <a:pt x="256" y="71"/>
-                  </a:lnTo>
-                  <a:lnTo>
-                    <a:pt x="0" y="71"/>
-                  </a:lnTo>
-                  <a:lnTo>
-                    <a:pt x="0" y="0"/>
-                  </a:lnTo>
-                  <a:lnTo>
-                    <a:pt x="256" y="0"/>
-                  </a:lnTo>
-                  <a:lnTo>
-                    <a:pt x="298" y="36"/>
-                  </a:lnTo>
-                  <a:close/>
-                </a:path>
-              </a:pathLst>
-            </a:custGeom>
-            <a:solidFill>
-              <a:schemeClr val="accent2"/>
-            </a:solidFill>
-            <a:ln>
-              <a:noFill/>
-            </a:ln>
-            <a:effectLst>
-              <a:outerShdw blurRad="63500" algn="ctr" rotWithShape="0">
-                <a:prstClr val="black">
-                  <a:alpha val="40000"/>
-                </a:prstClr>
-              </a:outerShdw>
-            </a:effectLst>
-          </p:spPr>
-          <p:style>
-            <a:lnRef idx="2">
-              <a:schemeClr val="accent1">
-                <a:shade val="50000"/>
-              </a:schemeClr>
-            </a:lnRef>
-            <a:fillRef idx="1">
-              <a:schemeClr val="accent1"/>
-            </a:fillRef>
-            <a:effectRef idx="0">
-              <a:schemeClr val="accent1"/>
-            </a:effectRef>
-            <a:fontRef idx="minor">
-              <a:schemeClr val="lt1"/>
-            </a:fontRef>
-          </p:style>
-          <p:txBody>
-            <a:bodyPr rot="0" spcFirstLastPara="0" vertOverflow="overflow" horzOverflow="overflow" vert="horz" wrap="square" lIns="91440" tIns="45720" rIns="91440" bIns="45720" numCol="1" spcCol="0" rtlCol="0" fromWordArt="0" anchor="ctr" anchorCtr="0" forceAA="0" compatLnSpc="1">
-              <a:noAutofit/>
-            </a:bodyPr>
-            <a:lstStyle/>
-            <a:p>
-              <a:pPr algn="ctr"/>
-              <a:endParaRPr lang="en-US" b="1" dirty="0">
-                <a:solidFill>
-                  <a:schemeClr val="bg1"/>
-                </a:solidFill>
-                <a:latin typeface="+mn-ea"/>
-              </a:endParaRPr>
-            </a:p>
-          </p:txBody>
-        </p:sp>
-        <p:sp>
-          <p:nvSpPr>
-            <p:cNvPr id="24" name="矩形 23">
-              <a:extLst>
-                <a:ext uri="{FF2B5EF4-FFF2-40B4-BE49-F238E27FC236}">
-                  <a16:creationId xmlns:a16="http://schemas.microsoft.com/office/drawing/2014/main" id="{97E0CC22-4432-4ACE-B74B-656F4B1711BB}"/>
-                </a:ext>
-              </a:extLst>
-            </p:cNvPr>
-            <p:cNvSpPr/>
-            <p:nvPr/>
-          </p:nvSpPr>
-          <p:spPr>
-            <a:xfrm flipH="1">
-              <a:off x="186267" y="897058"/>
-              <a:ext cx="1396537" cy="369332"/>
-            </a:xfrm>
-            <a:prstGeom prst="rect">
-              <a:avLst/>
-            </a:prstGeom>
-          </p:spPr>
-          <p:txBody>
-            <a:bodyPr wrap="none">
-              <a:spAutoFit/>
-            </a:bodyPr>
-            <a:lstStyle/>
-            <a:p>
-              <a:pPr marL="285750" indent="-285750" algn="r">
-                <a:buFont typeface="Wingdings" panose="05000000000000000000" pitchFamily="2" charset="2"/>
-                <a:buChar char="Ø"/>
-              </a:pPr>
-              <a:r>
-                <a:rPr lang="zh-CN" altLang="en-US" b="1" dirty="0">
-                  <a:solidFill>
-                    <a:schemeClr val="bg1"/>
-                  </a:solidFill>
-                  <a:latin typeface="+mn-ea"/>
-                </a:rPr>
-                <a:t>研究内容</a:t>
-              </a:r>
-            </a:p>
-          </p:txBody>
-        </p:sp>
-      </p:grpSp>
-      <p:sp>
-        <p:nvSpPr>
-          <p:cNvPr id="25" name="Rectangle 25">
-            <a:extLst>
-              <a:ext uri="{FF2B5EF4-FFF2-40B4-BE49-F238E27FC236}">
-                <a16:creationId xmlns:a16="http://schemas.microsoft.com/office/drawing/2014/main" id="{A06AFCD9-7518-42FE-8691-098FAC78F11A}"/>
-              </a:ext>
-            </a:extLst>
-          </p:cNvPr>
-          <p:cNvSpPr/>
-          <p:nvPr/>
-        </p:nvSpPr>
-        <p:spPr>
-          <a:xfrm>
-            <a:off x="2225528" y="4000453"/>
-            <a:ext cx="8830851" cy="1705403"/>
-          </a:xfrm>
-          <a:prstGeom prst="rect">
-            <a:avLst/>
-          </a:prstGeom>
-          <a:ln w="19050">
-            <a:solidFill>
-              <a:schemeClr val="accent3"/>
-            </a:solidFill>
-            <a:prstDash val="dash"/>
-          </a:ln>
-        </p:spPr>
-        <p:txBody>
-          <a:bodyPr wrap="square">
-            <a:spAutoFit/>
-          </a:bodyPr>
-          <a:lstStyle/>
-          <a:p>
-            <a:pPr algn="just">
-              <a:lnSpc>
-                <a:spcPct val="150000"/>
-              </a:lnSpc>
-            </a:pPr>
-            <a:r>
-              <a:rPr lang="en-US" altLang="zh-CN" b="1" dirty="0">
-                <a:solidFill>
-                  <a:schemeClr val="tx1">
-                    <a:lumMod val="75000"/>
-                    <a:lumOff val="25000"/>
-                  </a:schemeClr>
-                </a:solidFill>
-                <a:latin typeface="+mn-ea"/>
-                <a:sym typeface="Arial" panose="020B0604020202020204" pitchFamily="34" charset="0"/>
-              </a:rPr>
-              <a:t>3.</a:t>
-            </a:r>
-            <a:r>
-              <a:rPr lang="zh-CN" altLang="en-US" b="1" dirty="0">
-                <a:solidFill>
-                  <a:schemeClr val="tx1">
-                    <a:lumMod val="75000"/>
-                    <a:lumOff val="25000"/>
-                  </a:schemeClr>
-                </a:solidFill>
-                <a:latin typeface="+mn-ea"/>
-                <a:sym typeface="Arial" panose="020B0604020202020204" pitchFamily="34" charset="0"/>
-              </a:rPr>
-              <a:t> 级联失效下网络鲁棒性的增强</a:t>
-            </a:r>
-          </a:p>
-          <a:p>
-            <a:pPr indent="457200" algn="just">
-              <a:lnSpc>
-                <a:spcPct val="150000"/>
-              </a:lnSpc>
-            </a:pPr>
-            <a:r>
-              <a:rPr lang="zh-CN" altLang="en-US" dirty="0">
-                <a:solidFill>
-                  <a:schemeClr val="tx1">
-                    <a:lumMod val="75000"/>
-                    <a:lumOff val="25000"/>
-                  </a:schemeClr>
-                </a:solidFill>
-                <a:latin typeface="+mn-ea"/>
-                <a:sym typeface="Arial" panose="020B0604020202020204" pitchFamily="34" charset="0"/>
-              </a:rPr>
-              <a:t>在节点</a:t>
-            </a:r>
-            <a:r>
-              <a:rPr lang="zh-CN" altLang="en-US" dirty="0">
-                <a:solidFill>
-                  <a:srgbClr val="FF0000"/>
-                </a:solidFill>
-                <a:latin typeface="+mn-ea"/>
-                <a:sym typeface="Arial" panose="020B0604020202020204" pitchFamily="34" charset="0"/>
-              </a:rPr>
-              <a:t>级联失效</a:t>
-            </a:r>
-            <a:r>
-              <a:rPr lang="zh-CN" altLang="en-US" dirty="0">
-                <a:solidFill>
-                  <a:schemeClr val="tx1">
-                    <a:lumMod val="75000"/>
-                    <a:lumOff val="25000"/>
-                  </a:schemeClr>
-                </a:solidFill>
-                <a:latin typeface="+mn-ea"/>
-                <a:sym typeface="Arial" panose="020B0604020202020204" pitchFamily="34" charset="0"/>
-              </a:rPr>
-              <a:t>的场景下，研究</a:t>
-            </a:r>
-            <a:r>
-              <a:rPr lang="zh-CN" altLang="en-US" b="0" i="0" dirty="0">
-                <a:solidFill>
-                  <a:srgbClr val="3F3F3F"/>
-                </a:solidFill>
-                <a:effectLst/>
-                <a:latin typeface="PingFang SC"/>
-              </a:rPr>
-              <a:t>网络</a:t>
-            </a:r>
-            <a:r>
-              <a:rPr lang="zh-CN" altLang="en-US" b="0" i="0" dirty="0">
-                <a:solidFill>
-                  <a:srgbClr val="FF0000"/>
-                </a:solidFill>
-                <a:effectLst/>
-                <a:latin typeface="PingFang SC"/>
-              </a:rPr>
-              <a:t>攻击鲁棒性</a:t>
-            </a:r>
-            <a:r>
-              <a:rPr lang="zh-CN" altLang="en-US" b="0" i="0" dirty="0">
-                <a:solidFill>
-                  <a:srgbClr val="3F3F3F"/>
-                </a:solidFill>
-                <a:effectLst/>
-                <a:latin typeface="PingFang SC"/>
-              </a:rPr>
-              <a:t>与其结构属性之间的内在联系，</a:t>
-            </a:r>
-            <a:r>
-              <a:rPr lang="zh-CN" altLang="en-US" dirty="0">
-                <a:solidFill>
-                  <a:schemeClr val="tx1">
-                    <a:lumMod val="75000"/>
-                    <a:lumOff val="25000"/>
-                  </a:schemeClr>
-                </a:solidFill>
-                <a:latin typeface="+mn-ea"/>
-                <a:sym typeface="Arial" panose="020B0604020202020204" pitchFamily="34" charset="0"/>
-              </a:rPr>
-              <a:t>在此基础上，设计新的加边策略</a:t>
-            </a:r>
-            <a:r>
-              <a:rPr lang="zh-CN" altLang="en-US" b="0" i="0" dirty="0">
-                <a:solidFill>
-                  <a:srgbClr val="3F3F3F"/>
-                </a:solidFill>
-                <a:effectLst/>
-                <a:latin typeface="PingFang SC"/>
-              </a:rPr>
-              <a:t>从而增强其抵抗级联失效的能力</a:t>
-            </a:r>
-            <a:r>
-              <a:rPr lang="zh-CN" altLang="en-US" dirty="0">
-                <a:solidFill>
-                  <a:schemeClr val="tx1">
-                    <a:lumMod val="75000"/>
-                    <a:lumOff val="25000"/>
-                  </a:schemeClr>
-                </a:solidFill>
-                <a:latin typeface="+mn-ea"/>
-                <a:sym typeface="Arial" panose="020B0604020202020204" pitchFamily="34" charset="0"/>
-              </a:rPr>
-              <a:t>，验证提出的加边策略的有效性。</a:t>
-            </a:r>
-            <a:endParaRPr lang="en-US" altLang="zh-CN" dirty="0">
-              <a:solidFill>
-                <a:schemeClr val="tx1">
-                  <a:lumMod val="75000"/>
-                  <a:lumOff val="25000"/>
-                </a:schemeClr>
-              </a:solidFill>
-              <a:latin typeface="+mn-ea"/>
-              <a:sym typeface="Arial" panose="020B0604020202020204" pitchFamily="34" charset="0"/>
-            </a:endParaRPr>
-          </a:p>
-        </p:txBody>
-      </p:sp>
-    </p:spTree>
-    <p:extLst>
-      <p:ext uri="{BB962C8B-B14F-4D97-AF65-F5344CB8AC3E}">
-        <p14:creationId xmlns:p14="http://schemas.microsoft.com/office/powerpoint/2010/main" val="1037072467"/>
-      </p:ext>
-    </p:extLst>
-  </p:cSld>
-  <p:clrMapOvr>
-    <a:masterClrMapping/>
-  </p:clrMapOvr>
-  <mc:AlternateContent xmlns:mc="http://schemas.openxmlformats.org/markup-compatibility/2006" xmlns:p14="http://schemas.microsoft.com/office/powerpoint/2010/main">
-    <mc:Choice Requires="p14">
-      <p:transition spd="slow" p14:dur="898" advClick="0" advTm="5000"/>
-    </mc:Choice>
-    <mc:Fallback xmlns="">
-      <p:transition spd="slow" advClick="0" advTm="5000"/>
-    </mc:Fallback>
-  </mc:AlternateContent>
-</p:sld>
-</file>
-
 <file path=ppt/slides/slide2.xml><?xml version="1.0" encoding="utf-8"?>
 <p:sld xmlns:a="http://schemas.openxmlformats.org/drawingml/2006/main" xmlns:r="http://schemas.openxmlformats.org/officeDocument/2006/relationships" xmlns:p="http://schemas.openxmlformats.org/presentationml/2006/main">
   <p:cSld>
@@ -9496,11 +7928,11 @@
   <p:clrMapOvr>
     <a:masterClrMapping/>
   </p:clrMapOvr>
-  <mc:AlternateContent xmlns:mc="http://schemas.openxmlformats.org/markup-compatibility/2006">
-    <mc:Choice xmlns:p14="http://schemas.microsoft.com/office/powerpoint/2010/main" Requires="p14">
+  <mc:AlternateContent xmlns:mc="http://schemas.openxmlformats.org/markup-compatibility/2006" xmlns:p14="http://schemas.microsoft.com/office/powerpoint/2010/main">
+    <mc:Choice Requires="p14">
       <p:transition spd="slow" p14:dur="898" advClick="0" advTm="5000"/>
     </mc:Choice>
-    <mc:Fallback>
+    <mc:Fallback xmlns="">
       <p:transition spd="slow" advClick="0" advTm="5000"/>
     </mc:Fallback>
   </mc:AlternateContent>
@@ -9837,7 +8269,7 @@
           <p:nvPr>
             <p:extLst>
               <p:ext uri="{D42A27DB-BD31-4B8C-83A1-F6EECF244321}">
-                <p14:modId xmlns:p14="http://schemas.microsoft.com/office/powerpoint/2010/main" val="3559932060"/>
+                <p14:modId xmlns:p14="http://schemas.microsoft.com/office/powerpoint/2010/main" val="2995187527"/>
               </p:ext>
             </p:extLst>
           </p:nvPr>
@@ -13939,7 +12371,7 @@
                 <a:latin typeface="+mn-ea"/>
                 <a:sym typeface="Arial" panose="020B0604020202020204" pitchFamily="34" charset="0"/>
               </a:rPr>
-              <a:t>现有的链路预测算法的优化目标都集中在预测准确率的提升上，而很少关注网络的其他指标</a:t>
+              <a:t>现有的链路预测算法的优化目标都集中在预测准确率的提升上，而很少关注网络的性能指标</a:t>
             </a:r>
             <a:r>
               <a:rPr lang="en-US" sz="1600" dirty="0">
@@ -14325,7 +12757,7 @@
                     <a:latin typeface="+mn-ea"/>
                     <a:sym typeface="Arial" panose="020B0604020202020204" pitchFamily="34" charset="0"/>
                   </a:rPr>
-                  <a:t>结合复杂网络特性和实际应用场景，对现有预测算法进行改进和创新，设计重排序策略：</a:t>
+                  <a:t>结合复杂网络特性，对现有预测算法进行改进和创新，设计重排序策略：</a:t>
                 </a:r>
                 <a:endParaRPr lang="en-US" altLang="zh-CN" dirty="0">
                   <a:solidFill>
@@ -14333,6 +12765,66 @@
                       <a:lumMod val="75000"/>
                       <a:lumOff val="25000"/>
                     </a:schemeClr>
+                  </a:solidFill>
+                  <a:latin typeface="+mn-ea"/>
+                  <a:sym typeface="Arial" panose="020B0604020202020204" pitchFamily="34" charset="0"/>
+                </a:endParaRPr>
+              </a:p>
+              <a:p>
+                <a:pPr indent="457200" algn="just">
+                  <a:lnSpc>
+                    <a:spcPct val="150000"/>
+                  </a:lnSpc>
+                </a:pPr>
+                <a:r>
+                  <a:rPr lang="zh-CN" altLang="en-US" dirty="0">
+                    <a:solidFill>
+                      <a:schemeClr val="tx1">
+                        <a:lumMod val="75000"/>
+                        <a:lumOff val="25000"/>
+                      </a:schemeClr>
+                    </a:solidFill>
+                    <a:latin typeface="+mn-ea"/>
+                    <a:sym typeface="Arial" panose="020B0604020202020204" pitchFamily="34" charset="0"/>
+                  </a:rPr>
+                  <a:t>在</a:t>
+                </a:r>
+                <a:r>
+                  <a:rPr lang="zh-CN" altLang="en-US" dirty="0">
+                    <a:solidFill>
+                      <a:srgbClr val="FF0000"/>
+                    </a:solidFill>
+                    <a:latin typeface="+mn-ea"/>
+                    <a:sym typeface="Arial" panose="020B0604020202020204" pitchFamily="34" charset="0"/>
+                  </a:rPr>
+                  <a:t>保证预测准确率</a:t>
+                </a:r>
+                <a:r>
+                  <a:rPr lang="zh-CN" altLang="en-US" dirty="0">
+                    <a:solidFill>
+                      <a:schemeClr val="tx1">
+                        <a:lumMod val="75000"/>
+                        <a:lumOff val="25000"/>
+                      </a:schemeClr>
+                    </a:solidFill>
+                    <a:latin typeface="+mn-ea"/>
+                    <a:sym typeface="Arial" panose="020B0604020202020204" pitchFamily="34" charset="0"/>
+                  </a:rPr>
+                  <a:t>的同时，优化复杂网络全局结构</a:t>
+                </a:r>
+                <a:r>
+                  <a:rPr lang="zh-CN" altLang="en-US" dirty="0">
+                    <a:solidFill>
+                      <a:srgbClr val="FF0000"/>
+                    </a:solidFill>
+                    <a:latin typeface="+mn-ea"/>
+                    <a:sym typeface="Arial" panose="020B0604020202020204" pitchFamily="34" charset="0"/>
+                  </a:rPr>
+                  <a:t>性能指标</a:t>
+                </a:r>
+                <a:endParaRPr lang="en-US" altLang="zh-CN" dirty="0">
+                  <a:solidFill>
+                    <a:srgbClr val="FF0000"/>
                   </a:solidFill>
                   <a:latin typeface="+mn-ea"/>
                   <a:sym typeface="Arial" panose="020B0604020202020204" pitchFamily="34" charset="0"/>
@@ -14596,36 +13088,6 @@
                     <a:spcPct val="150000"/>
                   </a:lnSpc>
                 </a:pPr>
-                <a:r>
-                  <a:rPr lang="zh-CN" altLang="en-US" dirty="0">
-                    <a:solidFill>
-                      <a:schemeClr val="tx1">
-                        <a:lumMod val="75000"/>
-                        <a:lumOff val="25000"/>
-                      </a:schemeClr>
-                    </a:solidFill>
-                    <a:latin typeface="+mn-ea"/>
-                    <a:sym typeface="Arial" panose="020B0604020202020204" pitchFamily="34" charset="0"/>
-                  </a:rPr>
-                  <a:t>在保证预测准确率的同时，优化复杂网络全局结构性能指标</a:t>
-                </a:r>
-                <a:endParaRPr lang="en-US" altLang="zh-CN" dirty="0">
-                  <a:solidFill>
-                    <a:schemeClr val="tx1">
-                      <a:lumMod val="75000"/>
-                      <a:lumOff val="25000"/>
-                    </a:schemeClr>
-                  </a:solidFill>
-                  <a:latin typeface="+mn-ea"/>
-                  <a:sym typeface="Arial" panose="020B0604020202020204" pitchFamily="34" charset="0"/>
-                </a:endParaRPr>
-              </a:p>
-              <a:p>
-                <a:pPr indent="457200">
-                  <a:lnSpc>
-                    <a:spcPct val="150000"/>
-                  </a:lnSpc>
-                </a:pPr>
                 <a:endParaRPr lang="en-US" altLang="zh-CN" dirty="0">
                   <a:solidFill>
                     <a:schemeClr val="tx1">
@@ -14701,11 +13163,11 @@
   <p:clrMapOvr>
     <a:masterClrMapping/>
   </p:clrMapOvr>
-  <mc:AlternateContent xmlns:mc="http://schemas.openxmlformats.org/markup-compatibility/2006">
-    <mc:Choice xmlns:p14="http://schemas.microsoft.com/office/powerpoint/2010/main" Requires="p14">
+  <mc:AlternateContent xmlns:mc="http://schemas.openxmlformats.org/markup-compatibility/2006" xmlns:p14="http://schemas.microsoft.com/office/powerpoint/2010/main">
+    <mc:Choice Requires="p14">
       <p:transition spd="slow" p14:dur="898" advClick="0" advTm="5000"/>
     </mc:Choice>
-    <mc:Fallback>
+    <mc:Fallback xmlns="">
       <p:transition spd="slow" advClick="0" advTm="5000"/>
     </mc:Fallback>
   </mc:AlternateContent>
@@ -14933,7 +13395,7 @@
         <p:spPr>
           <a:xfrm>
             <a:off x="828675" y="2171651"/>
-            <a:ext cx="10791825" cy="3367397"/>
+            <a:ext cx="10791825" cy="3782895"/>
           </a:xfrm>
           <a:prstGeom prst="rect">
             <a:avLst/>
@@ -14980,7 +13442,7 @@
                 <a:latin typeface="+mn-ea"/>
                 <a:sym typeface="Arial" panose="020B0604020202020204" pitchFamily="34" charset="0"/>
               </a:rPr>
-              <a:t> 基于级联失效模型的加边策略</a:t>
+              <a:t> 设计基于级联失效模型的加边策略以提升网络鲁棒性</a:t>
             </a:r>
             <a:endParaRPr lang="zh-CN" altLang="zh-CN" sz="1800" kern="100" dirty="0">
               <a:effectLst/>
@@ -15008,6 +13470,36 @@
                 <a:latin typeface="+mn-ea"/>
                 <a:sym typeface="Arial" panose="020B0604020202020204" pitchFamily="34" charset="0"/>
               </a:rPr>
+              <a:t>研究方法：</a:t>
+            </a:r>
+            <a:endParaRPr lang="en-US" altLang="zh-CN" dirty="0">
+              <a:solidFill>
+                <a:schemeClr val="tx1">
+                  <a:lumMod val="75000"/>
+                  <a:lumOff val="25000"/>
+                </a:schemeClr>
+              </a:solidFill>
+              <a:latin typeface="+mn-ea"/>
+              <a:sym typeface="Arial" panose="020B0604020202020204" pitchFamily="34" charset="0"/>
+            </a:endParaRPr>
+          </a:p>
+          <a:p>
+            <a:pPr indent="457200" algn="just">
+              <a:lnSpc>
+                <a:spcPct val="150000"/>
+              </a:lnSpc>
+            </a:pPr>
+            <a:r>
+              <a:rPr lang="zh-CN" altLang="en-US" dirty="0">
+                <a:solidFill>
+                  <a:schemeClr val="tx1">
+                    <a:lumMod val="75000"/>
+                    <a:lumOff val="25000"/>
+                  </a:schemeClr>
+                </a:solidFill>
+                <a:latin typeface="+mn-ea"/>
+                <a:sym typeface="Arial" panose="020B0604020202020204" pitchFamily="34" charset="0"/>
+              </a:rPr>
               <a:t>设计级联失效模型，模拟节点的攻击过程</a:t>
             </a:r>
             <a:endParaRPr lang="en-US" altLang="zh-CN" dirty="0">
@@ -15022,12 +13514,10 @@
             </a:endParaRPr>
           </a:p>
           <a:p>
-            <a:pPr marL="285750" indent="-285750" algn="just">
+            <a:pPr indent="457200" algn="just">
               <a:lnSpc>
                 <a:spcPct val="150000"/>
               </a:lnSpc>
-              <a:buFont typeface="Arial" panose="020B0604020202020204" pitchFamily="34" charset="0"/>
-              <a:buChar char="•"/>
             </a:pPr>
             <a:r>
               <a:rPr lang="zh-CN" altLang="en-US" dirty="0">
@@ -15054,12 +13544,10 @@
             </a:endParaRPr>
           </a:p>
           <a:p>
-            <a:pPr marL="285750" indent="-285750" algn="just">
+            <a:pPr indent="457200" algn="just">
               <a:lnSpc>
                 <a:spcPct val="150000"/>
               </a:lnSpc>
-              <a:buFont typeface="Arial" panose="020B0604020202020204" pitchFamily="34" charset="0"/>
-              <a:buChar char="•"/>
             </a:pPr>
             <a:r>
               <a:rPr lang="zh-CN" altLang="en-US" dirty="0">
@@ -15072,7 +13560,30 @@
                 <a:latin typeface="+mn-ea"/>
                 <a:sym typeface="Arial" panose="020B0604020202020204" pitchFamily="34" charset="0"/>
               </a:rPr>
-              <a:t>设计加边策略：查找最大化自然连通性的增量边</a:t>
+              <a:t>设计加边策略：采用贪心启发式算法，每次查找并添加最大化</a:t>
+            </a:r>
+            <a:r>
+              <a:rPr lang="zh-CN" altLang="en-US" dirty="0">
+                <a:solidFill>
+                  <a:srgbClr val="FF0000"/>
+                </a:solidFill>
+                <a:latin typeface="+mn-ea"/>
+                <a:sym typeface="Arial" panose="020B0604020202020204" pitchFamily="34" charset="0"/>
+              </a:rPr>
+              <a:t>自然连通性</a:t>
+            </a:r>
+            <a:r>
+              <a:rPr lang="zh-CN" altLang="en-US" dirty="0">
+                <a:solidFill>
+                  <a:schemeClr val="tx1">
+                    <a:lumMod val="75000"/>
+                    <a:lumOff val="25000"/>
+                  </a:schemeClr>
+                </a:solidFill>
+                <a:latin typeface="+mn-ea"/>
+                <a:sym typeface="Arial" panose="020B0604020202020204" pitchFamily="34" charset="0"/>
+              </a:rPr>
+              <a:t>的增量边</a:t>
             </a:r>
             <a:endParaRPr lang="en-US" altLang="zh-CN" dirty="0">
               <a:solidFill>
@@ -15189,7 +13700,7 @@
         </p:blipFill>
         <p:spPr>
           <a:xfrm>
-            <a:off x="5853112" y="4270847"/>
+            <a:off x="5768588" y="4516736"/>
             <a:ext cx="2057400" cy="962189"/>
           </a:xfrm>
           <a:prstGeom prst="rect">
@@ -15247,11 +13758,11 @@
   <p:clrMapOvr>
     <a:masterClrMapping/>
   </p:clrMapOvr>
-  <mc:AlternateContent xmlns:mc="http://schemas.openxmlformats.org/markup-compatibility/2006">
-    <mc:Choice xmlns:p14="http://schemas.microsoft.com/office/powerpoint/2010/main" Requires="p14">
+  <mc:AlternateContent xmlns:mc="http://schemas.openxmlformats.org/markup-compatibility/2006" xmlns:p14="http://schemas.microsoft.com/office/powerpoint/2010/main">
+    <mc:Choice Requires="p14">
       <p:transition spd="slow" p14:dur="898" advClick="0" advTm="5000"/>
     </mc:Choice>
-    <mc:Fallback>
+    <mc:Fallback xmlns="">
       <p:transition spd="slow" advClick="0" advTm="5000"/>
     </mc:Fallback>
   </mc:AlternateContent>
@@ -15464,8 +13975,8 @@
           </p:txBody>
         </p:sp>
       </p:grpSp>
-      <mc:AlternateContent xmlns:mc="http://schemas.openxmlformats.org/markup-compatibility/2006">
-        <mc:Choice xmlns:a14="http://schemas.microsoft.com/office/drawing/2010/main" Requires="a14">
+      <mc:AlternateContent xmlns:mc="http://schemas.openxmlformats.org/markup-compatibility/2006" xmlns:a14="http://schemas.microsoft.com/office/drawing/2010/main">
+        <mc:Choice Requires="a14">
           <p:sp>
             <p:nvSpPr>
               <p:cNvPr id="25" name="Rectangle 25">
@@ -15989,7 +14500,7 @@
             </p:txBody>
           </p:sp>
         </mc:Choice>
-        <mc:Fallback>
+        <mc:Fallback xmlns="">
           <p:sp>
             <p:nvSpPr>
               <p:cNvPr id="25" name="Rectangle 25">
@@ -16216,11 +14727,11 @@
   <p:clrMapOvr>
     <a:masterClrMapping/>
   </p:clrMapOvr>
-  <mc:AlternateContent xmlns:mc="http://schemas.openxmlformats.org/markup-compatibility/2006">
-    <mc:Choice xmlns:p14="http://schemas.microsoft.com/office/powerpoint/2010/main" Requires="p14">
+  <mc:AlternateContent xmlns:mc="http://schemas.openxmlformats.org/markup-compatibility/2006" xmlns:p14="http://schemas.microsoft.com/office/powerpoint/2010/main">
+    <mc:Choice Requires="p14">
       <p:transition spd="slow" p14:dur="898" advClick="0" advTm="5000"/>
     </mc:Choice>
-    <mc:Fallback>
+    <mc:Fallback xmlns="">
       <p:transition spd="slow" advClick="0" advTm="5000"/>
     </mc:Fallback>
   </mc:AlternateContent>
